--- a/IOD Projects/MP2New/New - Predicting Employee Attrition.pptx
+++ b/IOD Projects/MP2New/New - Predicting Employee Attrition.pptx
@@ -4,13 +4,16 @@
   <p:sldMasterIdLst>
     <p:sldMasterId id="2147483712" r:id="rId4"/>
   </p:sldMasterIdLst>
+  <p:notesMasterIdLst>
+    <p:notesMasterId r:id="rId24"/>
+  </p:notesMasterIdLst>
   <p:sldIdLst>
     <p:sldId id="257" r:id="rId5"/>
-    <p:sldId id="260" r:id="rId6"/>
-    <p:sldId id="261" r:id="rId7"/>
-    <p:sldId id="265" r:id="rId8"/>
-    <p:sldId id="281" r:id="rId9"/>
-    <p:sldId id="258" r:id="rId10"/>
+    <p:sldId id="258" r:id="rId6"/>
+    <p:sldId id="260" r:id="rId7"/>
+    <p:sldId id="261" r:id="rId8"/>
+    <p:sldId id="265" r:id="rId9"/>
+    <p:sldId id="281" r:id="rId10"/>
     <p:sldId id="262" r:id="rId11"/>
     <p:sldId id="268" r:id="rId12"/>
     <p:sldId id="269" r:id="rId13"/>
@@ -23,6 +26,7 @@
     <p:sldId id="273" r:id="rId20"/>
     <p:sldId id="278" r:id="rId21"/>
     <p:sldId id="279" r:id="rId22"/>
+    <p:sldId id="283" r:id="rId23"/>
   </p:sldIdLst>
   <p:sldSz cx="12192000" cy="6858000"/>
   <p:notesSz cx="6858000" cy="9144000"/>
@@ -130,6 +134,881 @@
 </file>
 
 <file path=ppt/diagrams/colors1.xml><?xml version="1.0" encoding="utf-8"?>
+<dgm:colorsDef xmlns:dgm="http://schemas.openxmlformats.org/drawingml/2006/diagram" xmlns:a="http://schemas.openxmlformats.org/drawingml/2006/main" uniqueId="urn:microsoft.com/office/officeart/2005/8/colors/accent1_3">
+  <dgm:title val=""/>
+  <dgm:desc val=""/>
+  <dgm:catLst>
+    <dgm:cat type="accent1" pri="11300"/>
+  </dgm:catLst>
+  <dgm:styleLbl name="node0">
+    <dgm:fillClrLst meth="repeat">
+      <a:schemeClr val="accent1">
+        <a:shade val="80000"/>
+      </a:schemeClr>
+    </dgm:fillClrLst>
+    <dgm:linClrLst meth="repeat">
+      <a:schemeClr val="lt1"/>
+    </dgm:linClrLst>
+    <dgm:effectClrLst/>
+    <dgm:txLinClrLst/>
+    <dgm:txFillClrLst/>
+    <dgm:txEffectClrLst/>
+  </dgm:styleLbl>
+  <dgm:styleLbl name="alignNode1">
+    <dgm:fillClrLst>
+      <a:schemeClr val="accent1">
+        <a:shade val="80000"/>
+      </a:schemeClr>
+      <a:schemeClr val="accent1">
+        <a:tint val="70000"/>
+      </a:schemeClr>
+    </dgm:fillClrLst>
+    <dgm:linClrLst>
+      <a:schemeClr val="accent1">
+        <a:shade val="80000"/>
+      </a:schemeClr>
+      <a:schemeClr val="accent1">
+        <a:tint val="70000"/>
+      </a:schemeClr>
+    </dgm:linClrLst>
+    <dgm:effectClrLst/>
+    <dgm:txLinClrLst/>
+    <dgm:txFillClrLst/>
+    <dgm:txEffectClrLst/>
+  </dgm:styleLbl>
+  <dgm:styleLbl name="node1">
+    <dgm:fillClrLst>
+      <a:schemeClr val="accent1">
+        <a:shade val="80000"/>
+      </a:schemeClr>
+      <a:schemeClr val="accent1">
+        <a:tint val="70000"/>
+      </a:schemeClr>
+    </dgm:fillClrLst>
+    <dgm:linClrLst meth="repeat">
+      <a:schemeClr val="lt1"/>
+    </dgm:linClrLst>
+    <dgm:effectClrLst/>
+    <dgm:txLinClrLst/>
+    <dgm:txFillClrLst/>
+    <dgm:txEffectClrLst/>
+  </dgm:styleLbl>
+  <dgm:styleLbl name="lnNode1">
+    <dgm:fillClrLst>
+      <a:schemeClr val="accent1">
+        <a:shade val="80000"/>
+      </a:schemeClr>
+      <a:schemeClr val="accent1">
+        <a:tint val="70000"/>
+      </a:schemeClr>
+    </dgm:fillClrLst>
+    <dgm:linClrLst meth="repeat">
+      <a:schemeClr val="lt1"/>
+    </dgm:linClrLst>
+    <dgm:effectClrLst/>
+    <dgm:txLinClrLst/>
+    <dgm:txFillClrLst/>
+    <dgm:txEffectClrLst/>
+  </dgm:styleLbl>
+  <dgm:styleLbl name="vennNode1">
+    <dgm:fillClrLst>
+      <a:schemeClr val="accent1">
+        <a:shade val="80000"/>
+        <a:alpha val="50000"/>
+      </a:schemeClr>
+      <a:schemeClr val="accent1">
+        <a:tint val="70000"/>
+        <a:alpha val="50000"/>
+      </a:schemeClr>
+    </dgm:fillClrLst>
+    <dgm:linClrLst meth="repeat">
+      <a:schemeClr val="lt1"/>
+    </dgm:linClrLst>
+    <dgm:effectClrLst/>
+    <dgm:txLinClrLst/>
+    <dgm:txFillClrLst/>
+    <dgm:txEffectClrLst/>
+  </dgm:styleLbl>
+  <dgm:styleLbl name="node2">
+    <dgm:fillClrLst>
+      <a:schemeClr val="accent1">
+        <a:tint val="99000"/>
+      </a:schemeClr>
+    </dgm:fillClrLst>
+    <dgm:linClrLst meth="repeat">
+      <a:schemeClr val="lt1"/>
+    </dgm:linClrLst>
+    <dgm:effectClrLst/>
+    <dgm:txLinClrLst/>
+    <dgm:txFillClrLst/>
+    <dgm:txEffectClrLst/>
+  </dgm:styleLbl>
+  <dgm:styleLbl name="node3">
+    <dgm:fillClrLst>
+      <a:schemeClr val="accent1">
+        <a:tint val="80000"/>
+      </a:schemeClr>
+    </dgm:fillClrLst>
+    <dgm:linClrLst meth="repeat">
+      <a:schemeClr val="lt1"/>
+    </dgm:linClrLst>
+    <dgm:effectClrLst/>
+    <dgm:txLinClrLst/>
+    <dgm:txFillClrLst/>
+    <dgm:txEffectClrLst/>
+  </dgm:styleLbl>
+  <dgm:styleLbl name="node4">
+    <dgm:fillClrLst>
+      <a:schemeClr val="accent1">
+        <a:tint val="70000"/>
+      </a:schemeClr>
+    </dgm:fillClrLst>
+    <dgm:linClrLst meth="repeat">
+      <a:schemeClr val="lt1"/>
+    </dgm:linClrLst>
+    <dgm:effectClrLst/>
+    <dgm:txLinClrLst/>
+    <dgm:txFillClrLst/>
+    <dgm:txEffectClrLst/>
+  </dgm:styleLbl>
+  <dgm:styleLbl name="fgImgPlace1">
+    <dgm:fillClrLst>
+      <a:schemeClr val="accent1">
+        <a:tint val="50000"/>
+      </a:schemeClr>
+      <a:schemeClr val="accent1">
+        <a:tint val="20000"/>
+      </a:schemeClr>
+    </dgm:fillClrLst>
+    <dgm:linClrLst meth="repeat">
+      <a:schemeClr val="lt1"/>
+    </dgm:linClrLst>
+    <dgm:effectClrLst/>
+    <dgm:txLinClrLst/>
+    <dgm:txFillClrLst meth="repeat">
+      <a:schemeClr val="lt1"/>
+    </dgm:txFillClrLst>
+    <dgm:txEffectClrLst/>
+  </dgm:styleLbl>
+  <dgm:styleLbl name="alignImgPlace1">
+    <dgm:fillClrLst>
+      <a:schemeClr val="accent1">
+        <a:tint val="50000"/>
+      </a:schemeClr>
+      <a:schemeClr val="accent1">
+        <a:tint val="20000"/>
+      </a:schemeClr>
+    </dgm:fillClrLst>
+    <dgm:linClrLst meth="repeat">
+      <a:schemeClr val="lt1"/>
+    </dgm:linClrLst>
+    <dgm:effectClrLst/>
+    <dgm:txLinClrLst/>
+    <dgm:txFillClrLst meth="repeat">
+      <a:schemeClr val="lt1"/>
+    </dgm:txFillClrLst>
+    <dgm:txEffectClrLst/>
+  </dgm:styleLbl>
+  <dgm:styleLbl name="bgImgPlace1">
+    <dgm:fillClrLst>
+      <a:schemeClr val="accent1">
+        <a:tint val="50000"/>
+      </a:schemeClr>
+      <a:schemeClr val="accent1">
+        <a:tint val="20000"/>
+      </a:schemeClr>
+    </dgm:fillClrLst>
+    <dgm:linClrLst meth="repeat">
+      <a:schemeClr val="lt1"/>
+    </dgm:linClrLst>
+    <dgm:effectClrLst/>
+    <dgm:txLinClrLst/>
+    <dgm:txFillClrLst meth="repeat">
+      <a:schemeClr val="lt1"/>
+    </dgm:txFillClrLst>
+    <dgm:txEffectClrLst/>
+  </dgm:styleLbl>
+  <dgm:styleLbl name="sibTrans2D1">
+    <dgm:fillClrLst>
+      <a:schemeClr val="accent1">
+        <a:shade val="90000"/>
+      </a:schemeClr>
+      <a:schemeClr val="accent1">
+        <a:tint val="70000"/>
+      </a:schemeClr>
+    </dgm:fillClrLst>
+    <dgm:linClrLst>
+      <a:schemeClr val="accent1">
+        <a:shade val="90000"/>
+      </a:schemeClr>
+      <a:schemeClr val="accent1">
+        <a:tint val="70000"/>
+      </a:schemeClr>
+    </dgm:linClrLst>
+    <dgm:effectClrLst/>
+    <dgm:txLinClrLst/>
+    <dgm:txFillClrLst/>
+    <dgm:txEffectClrLst/>
+  </dgm:styleLbl>
+  <dgm:styleLbl name="fgSibTrans2D1">
+    <dgm:fillClrLst>
+      <a:schemeClr val="accent1">
+        <a:shade val="90000"/>
+      </a:schemeClr>
+      <a:schemeClr val="accent1">
+        <a:tint val="70000"/>
+      </a:schemeClr>
+    </dgm:fillClrLst>
+    <dgm:linClrLst>
+      <a:schemeClr val="accent1">
+        <a:shade val="90000"/>
+      </a:schemeClr>
+      <a:schemeClr val="accent1">
+        <a:tint val="70000"/>
+      </a:schemeClr>
+    </dgm:linClrLst>
+    <dgm:effectClrLst/>
+    <dgm:txLinClrLst/>
+    <dgm:txFillClrLst meth="repeat">
+      <a:schemeClr val="lt1"/>
+    </dgm:txFillClrLst>
+    <dgm:txEffectClrLst/>
+  </dgm:styleLbl>
+  <dgm:styleLbl name="bgSibTrans2D1">
+    <dgm:fillClrLst>
+      <a:schemeClr val="accent1">
+        <a:shade val="90000"/>
+      </a:schemeClr>
+      <a:schemeClr val="accent1">
+        <a:tint val="70000"/>
+      </a:schemeClr>
+    </dgm:fillClrLst>
+    <dgm:linClrLst>
+      <a:schemeClr val="accent1">
+        <a:shade val="90000"/>
+      </a:schemeClr>
+      <a:schemeClr val="accent1">
+        <a:tint val="70000"/>
+      </a:schemeClr>
+    </dgm:linClrLst>
+    <dgm:effectClrLst/>
+    <dgm:txLinClrLst/>
+    <dgm:txFillClrLst meth="repeat">
+      <a:schemeClr val="lt1"/>
+    </dgm:txFillClrLst>
+    <dgm:txEffectClrLst/>
+  </dgm:styleLbl>
+  <dgm:styleLbl name="sibTrans1D1">
+    <dgm:fillClrLst>
+      <a:schemeClr val="accent1">
+        <a:shade val="90000"/>
+      </a:schemeClr>
+      <a:schemeClr val="accent1">
+        <a:tint val="70000"/>
+      </a:schemeClr>
+    </dgm:fillClrLst>
+    <dgm:linClrLst>
+      <a:schemeClr val="accent1">
+        <a:shade val="90000"/>
+      </a:schemeClr>
+      <a:schemeClr val="accent1">
+        <a:tint val="70000"/>
+      </a:schemeClr>
+    </dgm:linClrLst>
+    <dgm:effectClrLst/>
+    <dgm:txLinClrLst/>
+    <dgm:txFillClrLst meth="repeat">
+      <a:schemeClr val="tx1"/>
+    </dgm:txFillClrLst>
+    <dgm:txEffectClrLst/>
+  </dgm:styleLbl>
+  <dgm:styleLbl name="callout">
+    <dgm:fillClrLst meth="repeat">
+      <a:schemeClr val="accent1"/>
+    </dgm:fillClrLst>
+    <dgm:linClrLst meth="repeat">
+      <a:schemeClr val="accent1"/>
+    </dgm:linClrLst>
+    <dgm:effectClrLst/>
+    <dgm:txLinClrLst/>
+    <dgm:txFillClrLst meth="repeat">
+      <a:schemeClr val="tx1"/>
+    </dgm:txFillClrLst>
+    <dgm:txEffectClrLst/>
+  </dgm:styleLbl>
+  <dgm:styleLbl name="asst0">
+    <dgm:fillClrLst meth="repeat">
+      <a:schemeClr val="accent1">
+        <a:shade val="80000"/>
+      </a:schemeClr>
+    </dgm:fillClrLst>
+    <dgm:linClrLst meth="repeat">
+      <a:schemeClr val="lt1"/>
+    </dgm:linClrLst>
+    <dgm:effectClrLst/>
+    <dgm:txLinClrLst/>
+    <dgm:txFillClrLst/>
+    <dgm:txEffectClrLst/>
+  </dgm:styleLbl>
+  <dgm:styleLbl name="asst1">
+    <dgm:fillClrLst meth="repeat">
+      <a:schemeClr val="accent1">
+        <a:shade val="80000"/>
+      </a:schemeClr>
+    </dgm:fillClrLst>
+    <dgm:linClrLst meth="repeat">
+      <a:schemeClr val="lt1"/>
+    </dgm:linClrLst>
+    <dgm:effectClrLst/>
+    <dgm:txLinClrLst/>
+    <dgm:txFillClrLst/>
+    <dgm:txEffectClrLst/>
+  </dgm:styleLbl>
+  <dgm:styleLbl name="asst2">
+    <dgm:fillClrLst>
+      <a:schemeClr val="accent1">
+        <a:tint val="99000"/>
+      </a:schemeClr>
+    </dgm:fillClrLst>
+    <dgm:linClrLst meth="repeat">
+      <a:schemeClr val="lt1"/>
+    </dgm:linClrLst>
+    <dgm:effectClrLst/>
+    <dgm:txLinClrLst/>
+    <dgm:txFillClrLst/>
+    <dgm:txEffectClrLst/>
+  </dgm:styleLbl>
+  <dgm:styleLbl name="asst3">
+    <dgm:fillClrLst>
+      <a:schemeClr val="accent1">
+        <a:tint val="80000"/>
+      </a:schemeClr>
+    </dgm:fillClrLst>
+    <dgm:linClrLst meth="repeat">
+      <a:schemeClr val="lt1"/>
+    </dgm:linClrLst>
+    <dgm:effectClrLst/>
+    <dgm:txLinClrLst/>
+    <dgm:txFillClrLst/>
+    <dgm:txEffectClrLst/>
+  </dgm:styleLbl>
+  <dgm:styleLbl name="asst4">
+    <dgm:fillClrLst>
+      <a:schemeClr val="accent1">
+        <a:tint val="70000"/>
+      </a:schemeClr>
+    </dgm:fillClrLst>
+    <dgm:linClrLst meth="repeat">
+      <a:schemeClr val="lt1"/>
+    </dgm:linClrLst>
+    <dgm:effectClrLst/>
+    <dgm:txLinClrLst/>
+    <dgm:txFillClrLst/>
+    <dgm:txEffectClrLst/>
+  </dgm:styleLbl>
+  <dgm:styleLbl name="parChTrans2D1">
+    <dgm:fillClrLst meth="repeat">
+      <a:schemeClr val="accent1">
+        <a:tint val="60000"/>
+      </a:schemeClr>
+    </dgm:fillClrLst>
+    <dgm:linClrLst meth="repeat">
+      <a:schemeClr val="accent1">
+        <a:tint val="60000"/>
+      </a:schemeClr>
+    </dgm:linClrLst>
+    <dgm:effectClrLst/>
+    <dgm:txLinClrLst/>
+    <dgm:txFillClrLst meth="repeat">
+      <a:schemeClr val="lt1"/>
+    </dgm:txFillClrLst>
+    <dgm:txEffectClrLst/>
+  </dgm:styleLbl>
+  <dgm:styleLbl name="parChTrans2D2">
+    <dgm:fillClrLst meth="repeat">
+      <a:schemeClr val="accent1">
+        <a:tint val="90000"/>
+      </a:schemeClr>
+    </dgm:fillClrLst>
+    <dgm:linClrLst meth="repeat">
+      <a:schemeClr val="accent1">
+        <a:tint val="90000"/>
+      </a:schemeClr>
+    </dgm:linClrLst>
+    <dgm:effectClrLst/>
+    <dgm:txLinClrLst/>
+    <dgm:txFillClrLst/>
+    <dgm:txEffectClrLst/>
+  </dgm:styleLbl>
+  <dgm:styleLbl name="parChTrans2D3">
+    <dgm:fillClrLst meth="repeat">
+      <a:schemeClr val="accent1">
+        <a:tint val="70000"/>
+      </a:schemeClr>
+    </dgm:fillClrLst>
+    <dgm:linClrLst meth="repeat">
+      <a:schemeClr val="accent1">
+        <a:tint val="70000"/>
+      </a:schemeClr>
+    </dgm:linClrLst>
+    <dgm:effectClrLst/>
+    <dgm:txLinClrLst/>
+    <dgm:txFillClrLst/>
+    <dgm:txEffectClrLst/>
+  </dgm:styleLbl>
+  <dgm:styleLbl name="parChTrans2D4">
+    <dgm:fillClrLst meth="repeat">
+      <a:schemeClr val="accent1">
+        <a:tint val="50000"/>
+      </a:schemeClr>
+    </dgm:fillClrLst>
+    <dgm:linClrLst meth="repeat">
+      <a:schemeClr val="accent1">
+        <a:tint val="50000"/>
+      </a:schemeClr>
+    </dgm:linClrLst>
+    <dgm:effectClrLst/>
+    <dgm:txLinClrLst/>
+    <dgm:txFillClrLst meth="repeat">
+      <a:schemeClr val="lt1"/>
+    </dgm:txFillClrLst>
+    <dgm:txEffectClrLst/>
+  </dgm:styleLbl>
+  <dgm:styleLbl name="parChTrans1D1">
+    <dgm:fillClrLst meth="repeat">
+      <a:schemeClr val="accent1">
+        <a:shade val="80000"/>
+      </a:schemeClr>
+    </dgm:fillClrLst>
+    <dgm:linClrLst meth="repeat">
+      <a:schemeClr val="accent1">
+        <a:shade val="80000"/>
+      </a:schemeClr>
+    </dgm:linClrLst>
+    <dgm:effectClrLst/>
+    <dgm:txLinClrLst/>
+    <dgm:txFillClrLst meth="repeat">
+      <a:schemeClr val="tx1"/>
+    </dgm:txFillClrLst>
+    <dgm:txEffectClrLst/>
+  </dgm:styleLbl>
+  <dgm:styleLbl name="parChTrans1D2">
+    <dgm:fillClrLst meth="repeat">
+      <a:schemeClr val="accent1">
+        <a:tint val="99000"/>
+      </a:schemeClr>
+    </dgm:fillClrLst>
+    <dgm:linClrLst meth="repeat">
+      <a:schemeClr val="accent1">
+        <a:tint val="99000"/>
+      </a:schemeClr>
+    </dgm:linClrLst>
+    <dgm:effectClrLst/>
+    <dgm:txLinClrLst/>
+    <dgm:txFillClrLst meth="repeat">
+      <a:schemeClr val="tx1"/>
+    </dgm:txFillClrLst>
+    <dgm:txEffectClrLst/>
+  </dgm:styleLbl>
+  <dgm:styleLbl name="parChTrans1D3">
+    <dgm:fillClrLst meth="repeat">
+      <a:schemeClr val="accent1">
+        <a:tint val="80000"/>
+      </a:schemeClr>
+    </dgm:fillClrLst>
+    <dgm:linClrLst meth="repeat">
+      <a:schemeClr val="accent1">
+        <a:tint val="80000"/>
+      </a:schemeClr>
+    </dgm:linClrLst>
+    <dgm:effectClrLst/>
+    <dgm:txLinClrLst/>
+    <dgm:txFillClrLst meth="repeat">
+      <a:schemeClr val="tx1"/>
+    </dgm:txFillClrLst>
+    <dgm:txEffectClrLst/>
+  </dgm:styleLbl>
+  <dgm:styleLbl name="parChTrans1D4">
+    <dgm:fillClrLst meth="repeat">
+      <a:schemeClr val="accent1">
+        <a:tint val="70000"/>
+      </a:schemeClr>
+    </dgm:fillClrLst>
+    <dgm:linClrLst meth="repeat">
+      <a:schemeClr val="accent1">
+        <a:tint val="70000"/>
+      </a:schemeClr>
+    </dgm:linClrLst>
+    <dgm:effectClrLst/>
+    <dgm:txLinClrLst/>
+    <dgm:txFillClrLst meth="repeat">
+      <a:schemeClr val="tx1"/>
+    </dgm:txFillClrLst>
+    <dgm:txEffectClrLst/>
+  </dgm:styleLbl>
+  <dgm:styleLbl name="fgAcc1">
+    <dgm:fillClrLst meth="repeat">
+      <a:schemeClr val="lt1">
+        <a:alpha val="90000"/>
+      </a:schemeClr>
+    </dgm:fillClrLst>
+    <dgm:linClrLst>
+      <a:schemeClr val="accent1">
+        <a:shade val="80000"/>
+      </a:schemeClr>
+      <a:schemeClr val="accent1">
+        <a:tint val="70000"/>
+      </a:schemeClr>
+    </dgm:linClrLst>
+    <dgm:effectClrLst/>
+    <dgm:txLinClrLst/>
+    <dgm:txFillClrLst meth="repeat">
+      <a:schemeClr val="dk1"/>
+    </dgm:txFillClrLst>
+    <dgm:txEffectClrLst/>
+  </dgm:styleLbl>
+  <dgm:styleLbl name="conFgAcc1">
+    <dgm:fillClrLst meth="repeat">
+      <a:schemeClr val="lt1">
+        <a:alpha val="90000"/>
+      </a:schemeClr>
+    </dgm:fillClrLst>
+    <dgm:linClrLst>
+      <a:schemeClr val="accent1">
+        <a:shade val="80000"/>
+      </a:schemeClr>
+      <a:schemeClr val="accent1">
+        <a:tint val="70000"/>
+      </a:schemeClr>
+    </dgm:linClrLst>
+    <dgm:effectClrLst/>
+    <dgm:txLinClrLst/>
+    <dgm:txFillClrLst meth="repeat">
+      <a:schemeClr val="dk1"/>
+    </dgm:txFillClrLst>
+    <dgm:txEffectClrLst/>
+  </dgm:styleLbl>
+  <dgm:styleLbl name="alignAcc1">
+    <dgm:fillClrLst meth="repeat">
+      <a:schemeClr val="lt1">
+        <a:alpha val="90000"/>
+      </a:schemeClr>
+    </dgm:fillClrLst>
+    <dgm:linClrLst>
+      <a:schemeClr val="accent1">
+        <a:shade val="80000"/>
+      </a:schemeClr>
+      <a:schemeClr val="accent1">
+        <a:tint val="70000"/>
+      </a:schemeClr>
+    </dgm:linClrLst>
+    <dgm:effectClrLst/>
+    <dgm:txLinClrLst/>
+    <dgm:txFillClrLst meth="repeat">
+      <a:schemeClr val="dk1"/>
+    </dgm:txFillClrLst>
+    <dgm:txEffectClrLst/>
+  </dgm:styleLbl>
+  <dgm:styleLbl name="trAlignAcc1">
+    <dgm:fillClrLst meth="repeat">
+      <a:schemeClr val="lt1">
+        <a:alpha val="40000"/>
+      </a:schemeClr>
+    </dgm:fillClrLst>
+    <dgm:linClrLst meth="repeat">
+      <a:schemeClr val="accent1"/>
+    </dgm:linClrLst>
+    <dgm:effectClrLst/>
+    <dgm:txLinClrLst/>
+    <dgm:txFillClrLst meth="repeat">
+      <a:schemeClr val="dk1"/>
+    </dgm:txFillClrLst>
+    <dgm:txEffectClrLst/>
+  </dgm:styleLbl>
+  <dgm:styleLbl name="bgAcc1">
+    <dgm:fillClrLst meth="repeat">
+      <a:schemeClr val="lt1">
+        <a:alpha val="90000"/>
+      </a:schemeClr>
+    </dgm:fillClrLst>
+    <dgm:linClrLst>
+      <a:schemeClr val="accent1">
+        <a:shade val="80000"/>
+      </a:schemeClr>
+      <a:schemeClr val="accent1">
+        <a:tint val="70000"/>
+      </a:schemeClr>
+    </dgm:linClrLst>
+    <dgm:effectClrLst/>
+    <dgm:txLinClrLst/>
+    <dgm:txFillClrLst meth="repeat">
+      <a:schemeClr val="dk1"/>
+    </dgm:txFillClrLst>
+    <dgm:txEffectClrLst/>
+  </dgm:styleLbl>
+  <dgm:styleLbl name="solidFgAcc1">
+    <dgm:fillClrLst meth="repeat">
+      <a:schemeClr val="lt1"/>
+    </dgm:fillClrLst>
+    <dgm:linClrLst>
+      <a:schemeClr val="accent1">
+        <a:shade val="80000"/>
+      </a:schemeClr>
+      <a:schemeClr val="accent1">
+        <a:tint val="70000"/>
+      </a:schemeClr>
+    </dgm:linClrLst>
+    <dgm:effectClrLst/>
+    <dgm:txLinClrLst/>
+    <dgm:txFillClrLst meth="repeat">
+      <a:schemeClr val="dk1"/>
+    </dgm:txFillClrLst>
+    <dgm:txEffectClrLst/>
+  </dgm:styleLbl>
+  <dgm:styleLbl name="solidAlignAcc1">
+    <dgm:fillClrLst meth="repeat">
+      <a:schemeClr val="lt1"/>
+    </dgm:fillClrLst>
+    <dgm:linClrLst meth="repeat">
+      <a:schemeClr val="accent1"/>
+    </dgm:linClrLst>
+    <dgm:effectClrLst/>
+    <dgm:txLinClrLst/>
+    <dgm:txFillClrLst meth="repeat">
+      <a:schemeClr val="dk1"/>
+    </dgm:txFillClrLst>
+    <dgm:txEffectClrLst/>
+  </dgm:styleLbl>
+  <dgm:styleLbl name="solidBgAcc1">
+    <dgm:fillClrLst meth="repeat">
+      <a:schemeClr val="lt1"/>
+    </dgm:fillClrLst>
+    <dgm:linClrLst meth="repeat">
+      <a:schemeClr val="accent1"/>
+    </dgm:linClrLst>
+    <dgm:effectClrLst/>
+    <dgm:txLinClrLst/>
+    <dgm:txFillClrLst meth="repeat">
+      <a:schemeClr val="dk1"/>
+    </dgm:txFillClrLst>
+    <dgm:txEffectClrLst/>
+  </dgm:styleLbl>
+  <dgm:styleLbl name="fgAccFollowNode1">
+    <dgm:fillClrLst meth="repeat">
+      <a:schemeClr val="accent1">
+        <a:alpha val="90000"/>
+        <a:tint val="40000"/>
+      </a:schemeClr>
+    </dgm:fillClrLst>
+    <dgm:linClrLst meth="repeat">
+      <a:schemeClr val="accent1">
+        <a:alpha val="90000"/>
+        <a:tint val="40000"/>
+      </a:schemeClr>
+    </dgm:linClrLst>
+    <dgm:effectClrLst/>
+    <dgm:txLinClrLst/>
+    <dgm:txFillClrLst meth="repeat">
+      <a:schemeClr val="dk1"/>
+    </dgm:txFillClrLst>
+    <dgm:txEffectClrLst/>
+  </dgm:styleLbl>
+  <dgm:styleLbl name="alignAccFollowNode1">
+    <dgm:fillClrLst meth="repeat">
+      <a:schemeClr val="accent1">
+        <a:alpha val="90000"/>
+        <a:tint val="40000"/>
+      </a:schemeClr>
+    </dgm:fillClrLst>
+    <dgm:linClrLst meth="repeat">
+      <a:schemeClr val="accent1">
+        <a:alpha val="90000"/>
+        <a:tint val="40000"/>
+      </a:schemeClr>
+    </dgm:linClrLst>
+    <dgm:effectClrLst/>
+    <dgm:txLinClrLst/>
+    <dgm:txFillClrLst meth="repeat">
+      <a:schemeClr val="dk1"/>
+    </dgm:txFillClrLst>
+    <dgm:txEffectClrLst/>
+  </dgm:styleLbl>
+  <dgm:styleLbl name="bgAccFollowNode1">
+    <dgm:fillClrLst meth="repeat">
+      <a:schemeClr val="accent1">
+        <a:alpha val="90000"/>
+        <a:tint val="40000"/>
+      </a:schemeClr>
+    </dgm:fillClrLst>
+    <dgm:linClrLst meth="repeat">
+      <a:schemeClr val="lt1"/>
+    </dgm:linClrLst>
+    <dgm:effectClrLst/>
+    <dgm:txLinClrLst/>
+    <dgm:txFillClrLst meth="repeat">
+      <a:schemeClr val="dk1"/>
+    </dgm:txFillClrLst>
+    <dgm:txEffectClrLst/>
+  </dgm:styleLbl>
+  <dgm:styleLbl name="fgAcc0">
+    <dgm:fillClrLst meth="repeat">
+      <a:schemeClr val="lt1">
+        <a:alpha val="90000"/>
+      </a:schemeClr>
+    </dgm:fillClrLst>
+    <dgm:linClrLst meth="repeat">
+      <a:schemeClr val="accent1">
+        <a:shade val="80000"/>
+      </a:schemeClr>
+    </dgm:linClrLst>
+    <dgm:effectClrLst/>
+    <dgm:txLinClrLst/>
+    <dgm:txFillClrLst meth="repeat">
+      <a:schemeClr val="dk1"/>
+    </dgm:txFillClrLst>
+    <dgm:txEffectClrLst/>
+  </dgm:styleLbl>
+  <dgm:styleLbl name="fgAcc2">
+    <dgm:fillClrLst meth="repeat">
+      <a:schemeClr val="lt1">
+        <a:alpha val="90000"/>
+      </a:schemeClr>
+    </dgm:fillClrLst>
+    <dgm:linClrLst meth="repeat">
+      <a:schemeClr val="accent1">
+        <a:tint val="99000"/>
+      </a:schemeClr>
+    </dgm:linClrLst>
+    <dgm:effectClrLst/>
+    <dgm:txLinClrLst/>
+    <dgm:txFillClrLst meth="repeat">
+      <a:schemeClr val="dk1"/>
+    </dgm:txFillClrLst>
+    <dgm:txEffectClrLst/>
+  </dgm:styleLbl>
+  <dgm:styleLbl name="fgAcc3">
+    <dgm:fillClrLst meth="repeat">
+      <a:schemeClr val="lt1">
+        <a:alpha val="90000"/>
+      </a:schemeClr>
+    </dgm:fillClrLst>
+    <dgm:linClrLst meth="repeat">
+      <a:schemeClr val="accent1">
+        <a:tint val="80000"/>
+      </a:schemeClr>
+    </dgm:linClrLst>
+    <dgm:effectClrLst/>
+    <dgm:txLinClrLst/>
+    <dgm:txFillClrLst meth="repeat">
+      <a:schemeClr val="dk1"/>
+    </dgm:txFillClrLst>
+    <dgm:txEffectClrLst/>
+  </dgm:styleLbl>
+  <dgm:styleLbl name="fgAcc4">
+    <dgm:fillClrLst meth="repeat">
+      <a:schemeClr val="lt1">
+        <a:alpha val="90000"/>
+      </a:schemeClr>
+    </dgm:fillClrLst>
+    <dgm:linClrLst meth="repeat">
+      <a:schemeClr val="accent1">
+        <a:tint val="70000"/>
+      </a:schemeClr>
+    </dgm:linClrLst>
+    <dgm:effectClrLst/>
+    <dgm:txLinClrLst/>
+    <dgm:txFillClrLst meth="repeat">
+      <a:schemeClr val="dk1"/>
+    </dgm:txFillClrLst>
+    <dgm:txEffectClrLst/>
+  </dgm:styleLbl>
+  <dgm:styleLbl name="bgShp">
+    <dgm:fillClrLst meth="repeat">
+      <a:schemeClr val="accent1">
+        <a:tint val="40000"/>
+      </a:schemeClr>
+    </dgm:fillClrLst>
+    <dgm:linClrLst meth="repeat">
+      <a:schemeClr val="dk1"/>
+    </dgm:linClrLst>
+    <dgm:effectClrLst/>
+    <dgm:txLinClrLst/>
+    <dgm:txFillClrLst meth="repeat">
+      <a:schemeClr val="dk1"/>
+    </dgm:txFillClrLst>
+    <dgm:txEffectClrLst/>
+  </dgm:styleLbl>
+  <dgm:styleLbl name="dkBgShp">
+    <dgm:fillClrLst meth="repeat">
+      <a:schemeClr val="accent1">
+        <a:shade val="90000"/>
+      </a:schemeClr>
+    </dgm:fillClrLst>
+    <dgm:linClrLst meth="repeat">
+      <a:schemeClr val="dk1"/>
+    </dgm:linClrLst>
+    <dgm:effectClrLst/>
+    <dgm:txLinClrLst/>
+    <dgm:txFillClrLst meth="repeat">
+      <a:schemeClr val="lt1"/>
+    </dgm:txFillClrLst>
+    <dgm:txEffectClrLst/>
+  </dgm:styleLbl>
+  <dgm:styleLbl name="trBgShp">
+    <dgm:fillClrLst meth="repeat">
+      <a:schemeClr val="accent1">
+        <a:tint val="50000"/>
+        <a:alpha val="40000"/>
+      </a:schemeClr>
+    </dgm:fillClrLst>
+    <dgm:linClrLst meth="repeat">
+      <a:schemeClr val="accent1"/>
+    </dgm:linClrLst>
+    <dgm:effectClrLst/>
+    <dgm:txLinClrLst/>
+    <dgm:txFillClrLst meth="repeat">
+      <a:schemeClr val="lt1"/>
+    </dgm:txFillClrLst>
+    <dgm:txEffectClrLst/>
+  </dgm:styleLbl>
+  <dgm:styleLbl name="fgShp">
+    <dgm:fillClrLst meth="repeat">
+      <a:schemeClr val="accent1">
+        <a:tint val="40000"/>
+      </a:schemeClr>
+    </dgm:fillClrLst>
+    <dgm:linClrLst meth="repeat">
+      <a:schemeClr val="lt1"/>
+    </dgm:linClrLst>
+    <dgm:effectClrLst/>
+    <dgm:txLinClrLst/>
+    <dgm:txFillClrLst meth="repeat">
+      <a:schemeClr val="dk1"/>
+    </dgm:txFillClrLst>
+    <dgm:txEffectClrLst/>
+  </dgm:styleLbl>
+  <dgm:styleLbl name="revTx">
+    <dgm:fillClrLst meth="repeat">
+      <a:schemeClr val="lt1">
+        <a:alpha val="0"/>
+      </a:schemeClr>
+    </dgm:fillClrLst>
+    <dgm:linClrLst meth="repeat">
+      <a:schemeClr val="dk1">
+        <a:alpha val="0"/>
+      </a:schemeClr>
+    </dgm:linClrLst>
+    <dgm:effectClrLst/>
+    <dgm:txLinClrLst/>
+    <dgm:txFillClrLst meth="repeat">
+      <a:schemeClr val="tx1"/>
+    </dgm:txFillClrLst>
+    <dgm:txEffectClrLst/>
+  </dgm:styleLbl>
+</dgm:colorsDef>
+</file>
+
+<file path=ppt/diagrams/colors2.xml><?xml version="1.0" encoding="utf-8"?>
 <dgm:colorsDef xmlns:dgm="http://schemas.openxmlformats.org/drawingml/2006/diagram" xmlns:a="http://schemas.openxmlformats.org/drawingml/2006/main" uniqueId="urn:microsoft.com/office/officeart/2005/8/colors/colorful2">
   <dgm:title val=""/>
   <dgm:desc val=""/>
@@ -911,882 +1790,45 @@
 </dgm:colorsDef>
 </file>
 
-<file path=ppt/diagrams/colors2.xml><?xml version="1.0" encoding="utf-8"?>
-<dgm:colorsDef xmlns:dgm="http://schemas.openxmlformats.org/drawingml/2006/diagram" xmlns:a="http://schemas.openxmlformats.org/drawingml/2006/main" uniqueId="urn:microsoft.com/office/officeart/2005/8/colors/accent1_3">
-  <dgm:title val=""/>
-  <dgm:desc val=""/>
-  <dgm:catLst>
-    <dgm:cat type="accent1" pri="11300"/>
-  </dgm:catLst>
-  <dgm:styleLbl name="node0">
-    <dgm:fillClrLst meth="repeat">
-      <a:schemeClr val="accent1">
-        <a:shade val="80000"/>
-      </a:schemeClr>
-    </dgm:fillClrLst>
-    <dgm:linClrLst meth="repeat">
-      <a:schemeClr val="lt1"/>
-    </dgm:linClrLst>
-    <dgm:effectClrLst/>
-    <dgm:txLinClrLst/>
-    <dgm:txFillClrLst/>
-    <dgm:txEffectClrLst/>
-  </dgm:styleLbl>
-  <dgm:styleLbl name="alignNode1">
-    <dgm:fillClrLst>
-      <a:schemeClr val="accent1">
-        <a:shade val="80000"/>
-      </a:schemeClr>
-      <a:schemeClr val="accent1">
-        <a:tint val="70000"/>
-      </a:schemeClr>
-    </dgm:fillClrLst>
-    <dgm:linClrLst>
-      <a:schemeClr val="accent1">
-        <a:shade val="80000"/>
-      </a:schemeClr>
-      <a:schemeClr val="accent1">
-        <a:tint val="70000"/>
-      </a:schemeClr>
-    </dgm:linClrLst>
-    <dgm:effectClrLst/>
-    <dgm:txLinClrLst/>
-    <dgm:txFillClrLst/>
-    <dgm:txEffectClrLst/>
-  </dgm:styleLbl>
-  <dgm:styleLbl name="node1">
-    <dgm:fillClrLst>
-      <a:schemeClr val="accent1">
-        <a:shade val="80000"/>
-      </a:schemeClr>
-      <a:schemeClr val="accent1">
-        <a:tint val="70000"/>
-      </a:schemeClr>
-    </dgm:fillClrLst>
-    <dgm:linClrLst meth="repeat">
-      <a:schemeClr val="lt1"/>
-    </dgm:linClrLst>
-    <dgm:effectClrLst/>
-    <dgm:txLinClrLst/>
-    <dgm:txFillClrLst/>
-    <dgm:txEffectClrLst/>
-  </dgm:styleLbl>
-  <dgm:styleLbl name="lnNode1">
-    <dgm:fillClrLst>
-      <a:schemeClr val="accent1">
-        <a:shade val="80000"/>
-      </a:schemeClr>
-      <a:schemeClr val="accent1">
-        <a:tint val="70000"/>
-      </a:schemeClr>
-    </dgm:fillClrLst>
-    <dgm:linClrLst meth="repeat">
-      <a:schemeClr val="lt1"/>
-    </dgm:linClrLst>
-    <dgm:effectClrLst/>
-    <dgm:txLinClrLst/>
-    <dgm:txFillClrLst/>
-    <dgm:txEffectClrLst/>
-  </dgm:styleLbl>
-  <dgm:styleLbl name="vennNode1">
-    <dgm:fillClrLst>
-      <a:schemeClr val="accent1">
-        <a:shade val="80000"/>
-        <a:alpha val="50000"/>
-      </a:schemeClr>
-      <a:schemeClr val="accent1">
-        <a:tint val="70000"/>
-        <a:alpha val="50000"/>
-      </a:schemeClr>
-    </dgm:fillClrLst>
-    <dgm:linClrLst meth="repeat">
-      <a:schemeClr val="lt1"/>
-    </dgm:linClrLst>
-    <dgm:effectClrLst/>
-    <dgm:txLinClrLst/>
-    <dgm:txFillClrLst/>
-    <dgm:txEffectClrLst/>
-  </dgm:styleLbl>
-  <dgm:styleLbl name="node2">
-    <dgm:fillClrLst>
-      <a:schemeClr val="accent1">
-        <a:tint val="99000"/>
-      </a:schemeClr>
-    </dgm:fillClrLst>
-    <dgm:linClrLst meth="repeat">
-      <a:schemeClr val="lt1"/>
-    </dgm:linClrLst>
-    <dgm:effectClrLst/>
-    <dgm:txLinClrLst/>
-    <dgm:txFillClrLst/>
-    <dgm:txEffectClrLst/>
-  </dgm:styleLbl>
-  <dgm:styleLbl name="node3">
-    <dgm:fillClrLst>
-      <a:schemeClr val="accent1">
-        <a:tint val="80000"/>
-      </a:schemeClr>
-    </dgm:fillClrLst>
-    <dgm:linClrLst meth="repeat">
-      <a:schemeClr val="lt1"/>
-    </dgm:linClrLst>
-    <dgm:effectClrLst/>
-    <dgm:txLinClrLst/>
-    <dgm:txFillClrLst/>
-    <dgm:txEffectClrLst/>
-  </dgm:styleLbl>
-  <dgm:styleLbl name="node4">
-    <dgm:fillClrLst>
-      <a:schemeClr val="accent1">
-        <a:tint val="70000"/>
-      </a:schemeClr>
-    </dgm:fillClrLst>
-    <dgm:linClrLst meth="repeat">
-      <a:schemeClr val="lt1"/>
-    </dgm:linClrLst>
-    <dgm:effectClrLst/>
-    <dgm:txLinClrLst/>
-    <dgm:txFillClrLst/>
-    <dgm:txEffectClrLst/>
-  </dgm:styleLbl>
-  <dgm:styleLbl name="fgImgPlace1">
-    <dgm:fillClrLst>
-      <a:schemeClr val="accent1">
-        <a:tint val="50000"/>
-      </a:schemeClr>
-      <a:schemeClr val="accent1">
-        <a:tint val="20000"/>
-      </a:schemeClr>
-    </dgm:fillClrLst>
-    <dgm:linClrLst meth="repeat">
-      <a:schemeClr val="lt1"/>
-    </dgm:linClrLst>
-    <dgm:effectClrLst/>
-    <dgm:txLinClrLst/>
-    <dgm:txFillClrLst meth="repeat">
-      <a:schemeClr val="lt1"/>
-    </dgm:txFillClrLst>
-    <dgm:txEffectClrLst/>
-  </dgm:styleLbl>
-  <dgm:styleLbl name="alignImgPlace1">
-    <dgm:fillClrLst>
-      <a:schemeClr val="accent1">
-        <a:tint val="50000"/>
-      </a:schemeClr>
-      <a:schemeClr val="accent1">
-        <a:tint val="20000"/>
-      </a:schemeClr>
-    </dgm:fillClrLst>
-    <dgm:linClrLst meth="repeat">
-      <a:schemeClr val="lt1"/>
-    </dgm:linClrLst>
-    <dgm:effectClrLst/>
-    <dgm:txLinClrLst/>
-    <dgm:txFillClrLst meth="repeat">
-      <a:schemeClr val="lt1"/>
-    </dgm:txFillClrLst>
-    <dgm:txEffectClrLst/>
-  </dgm:styleLbl>
-  <dgm:styleLbl name="bgImgPlace1">
-    <dgm:fillClrLst>
-      <a:schemeClr val="accent1">
-        <a:tint val="50000"/>
-      </a:schemeClr>
-      <a:schemeClr val="accent1">
-        <a:tint val="20000"/>
-      </a:schemeClr>
-    </dgm:fillClrLst>
-    <dgm:linClrLst meth="repeat">
-      <a:schemeClr val="lt1"/>
-    </dgm:linClrLst>
-    <dgm:effectClrLst/>
-    <dgm:txLinClrLst/>
-    <dgm:txFillClrLst meth="repeat">
-      <a:schemeClr val="lt1"/>
-    </dgm:txFillClrLst>
-    <dgm:txEffectClrLst/>
-  </dgm:styleLbl>
-  <dgm:styleLbl name="sibTrans2D1">
-    <dgm:fillClrLst>
-      <a:schemeClr val="accent1">
-        <a:shade val="90000"/>
-      </a:schemeClr>
-      <a:schemeClr val="accent1">
-        <a:tint val="70000"/>
-      </a:schemeClr>
-    </dgm:fillClrLst>
-    <dgm:linClrLst>
-      <a:schemeClr val="accent1">
-        <a:shade val="90000"/>
-      </a:schemeClr>
-      <a:schemeClr val="accent1">
-        <a:tint val="70000"/>
-      </a:schemeClr>
-    </dgm:linClrLst>
-    <dgm:effectClrLst/>
-    <dgm:txLinClrLst/>
-    <dgm:txFillClrLst/>
-    <dgm:txEffectClrLst/>
-  </dgm:styleLbl>
-  <dgm:styleLbl name="fgSibTrans2D1">
-    <dgm:fillClrLst>
-      <a:schemeClr val="accent1">
-        <a:shade val="90000"/>
-      </a:schemeClr>
-      <a:schemeClr val="accent1">
-        <a:tint val="70000"/>
-      </a:schemeClr>
-    </dgm:fillClrLst>
-    <dgm:linClrLst>
-      <a:schemeClr val="accent1">
-        <a:shade val="90000"/>
-      </a:schemeClr>
-      <a:schemeClr val="accent1">
-        <a:tint val="70000"/>
-      </a:schemeClr>
-    </dgm:linClrLst>
-    <dgm:effectClrLst/>
-    <dgm:txLinClrLst/>
-    <dgm:txFillClrLst meth="repeat">
-      <a:schemeClr val="lt1"/>
-    </dgm:txFillClrLst>
-    <dgm:txEffectClrLst/>
-  </dgm:styleLbl>
-  <dgm:styleLbl name="bgSibTrans2D1">
-    <dgm:fillClrLst>
-      <a:schemeClr val="accent1">
-        <a:shade val="90000"/>
-      </a:schemeClr>
-      <a:schemeClr val="accent1">
-        <a:tint val="70000"/>
-      </a:schemeClr>
-    </dgm:fillClrLst>
-    <dgm:linClrLst>
-      <a:schemeClr val="accent1">
-        <a:shade val="90000"/>
-      </a:schemeClr>
-      <a:schemeClr val="accent1">
-        <a:tint val="70000"/>
-      </a:schemeClr>
-    </dgm:linClrLst>
-    <dgm:effectClrLst/>
-    <dgm:txLinClrLst/>
-    <dgm:txFillClrLst meth="repeat">
-      <a:schemeClr val="lt1"/>
-    </dgm:txFillClrLst>
-    <dgm:txEffectClrLst/>
-  </dgm:styleLbl>
-  <dgm:styleLbl name="sibTrans1D1">
-    <dgm:fillClrLst>
-      <a:schemeClr val="accent1">
-        <a:shade val="90000"/>
-      </a:schemeClr>
-      <a:schemeClr val="accent1">
-        <a:tint val="70000"/>
-      </a:schemeClr>
-    </dgm:fillClrLst>
-    <dgm:linClrLst>
-      <a:schemeClr val="accent1">
-        <a:shade val="90000"/>
-      </a:schemeClr>
-      <a:schemeClr val="accent1">
-        <a:tint val="70000"/>
-      </a:schemeClr>
-    </dgm:linClrLst>
-    <dgm:effectClrLst/>
-    <dgm:txLinClrLst/>
-    <dgm:txFillClrLst meth="repeat">
-      <a:schemeClr val="tx1"/>
-    </dgm:txFillClrLst>
-    <dgm:txEffectClrLst/>
-  </dgm:styleLbl>
-  <dgm:styleLbl name="callout">
-    <dgm:fillClrLst meth="repeat">
-      <a:schemeClr val="accent1"/>
-    </dgm:fillClrLst>
-    <dgm:linClrLst meth="repeat">
-      <a:schemeClr val="accent1"/>
-    </dgm:linClrLst>
-    <dgm:effectClrLst/>
-    <dgm:txLinClrLst/>
-    <dgm:txFillClrLst meth="repeat">
-      <a:schemeClr val="tx1"/>
-    </dgm:txFillClrLst>
-    <dgm:txEffectClrLst/>
-  </dgm:styleLbl>
-  <dgm:styleLbl name="asst0">
-    <dgm:fillClrLst meth="repeat">
-      <a:schemeClr val="accent1">
-        <a:shade val="80000"/>
-      </a:schemeClr>
-    </dgm:fillClrLst>
-    <dgm:linClrLst meth="repeat">
-      <a:schemeClr val="lt1"/>
-    </dgm:linClrLst>
-    <dgm:effectClrLst/>
-    <dgm:txLinClrLst/>
-    <dgm:txFillClrLst/>
-    <dgm:txEffectClrLst/>
-  </dgm:styleLbl>
-  <dgm:styleLbl name="asst1">
-    <dgm:fillClrLst meth="repeat">
-      <a:schemeClr val="accent1">
-        <a:shade val="80000"/>
-      </a:schemeClr>
-    </dgm:fillClrLst>
-    <dgm:linClrLst meth="repeat">
-      <a:schemeClr val="lt1"/>
-    </dgm:linClrLst>
-    <dgm:effectClrLst/>
-    <dgm:txLinClrLst/>
-    <dgm:txFillClrLst/>
-    <dgm:txEffectClrLst/>
-  </dgm:styleLbl>
-  <dgm:styleLbl name="asst2">
-    <dgm:fillClrLst>
-      <a:schemeClr val="accent1">
-        <a:tint val="99000"/>
-      </a:schemeClr>
-    </dgm:fillClrLst>
-    <dgm:linClrLst meth="repeat">
-      <a:schemeClr val="lt1"/>
-    </dgm:linClrLst>
-    <dgm:effectClrLst/>
-    <dgm:txLinClrLst/>
-    <dgm:txFillClrLst/>
-    <dgm:txEffectClrLst/>
-  </dgm:styleLbl>
-  <dgm:styleLbl name="asst3">
-    <dgm:fillClrLst>
-      <a:schemeClr val="accent1">
-        <a:tint val="80000"/>
-      </a:schemeClr>
-    </dgm:fillClrLst>
-    <dgm:linClrLst meth="repeat">
-      <a:schemeClr val="lt1"/>
-    </dgm:linClrLst>
-    <dgm:effectClrLst/>
-    <dgm:txLinClrLst/>
-    <dgm:txFillClrLst/>
-    <dgm:txEffectClrLst/>
-  </dgm:styleLbl>
-  <dgm:styleLbl name="asst4">
-    <dgm:fillClrLst>
-      <a:schemeClr val="accent1">
-        <a:tint val="70000"/>
-      </a:schemeClr>
-    </dgm:fillClrLst>
-    <dgm:linClrLst meth="repeat">
-      <a:schemeClr val="lt1"/>
-    </dgm:linClrLst>
-    <dgm:effectClrLst/>
-    <dgm:txLinClrLst/>
-    <dgm:txFillClrLst/>
-    <dgm:txEffectClrLst/>
-  </dgm:styleLbl>
-  <dgm:styleLbl name="parChTrans2D1">
-    <dgm:fillClrLst meth="repeat">
-      <a:schemeClr val="accent1">
-        <a:tint val="60000"/>
-      </a:schemeClr>
-    </dgm:fillClrLst>
-    <dgm:linClrLst meth="repeat">
-      <a:schemeClr val="accent1">
-        <a:tint val="60000"/>
-      </a:schemeClr>
-    </dgm:linClrLst>
-    <dgm:effectClrLst/>
-    <dgm:txLinClrLst/>
-    <dgm:txFillClrLst meth="repeat">
-      <a:schemeClr val="lt1"/>
-    </dgm:txFillClrLst>
-    <dgm:txEffectClrLst/>
-  </dgm:styleLbl>
-  <dgm:styleLbl name="parChTrans2D2">
-    <dgm:fillClrLst meth="repeat">
-      <a:schemeClr val="accent1">
-        <a:tint val="90000"/>
-      </a:schemeClr>
-    </dgm:fillClrLst>
-    <dgm:linClrLst meth="repeat">
-      <a:schemeClr val="accent1">
-        <a:tint val="90000"/>
-      </a:schemeClr>
-    </dgm:linClrLst>
-    <dgm:effectClrLst/>
-    <dgm:txLinClrLst/>
-    <dgm:txFillClrLst/>
-    <dgm:txEffectClrLst/>
-  </dgm:styleLbl>
-  <dgm:styleLbl name="parChTrans2D3">
-    <dgm:fillClrLst meth="repeat">
-      <a:schemeClr val="accent1">
-        <a:tint val="70000"/>
-      </a:schemeClr>
-    </dgm:fillClrLst>
-    <dgm:linClrLst meth="repeat">
-      <a:schemeClr val="accent1">
-        <a:tint val="70000"/>
-      </a:schemeClr>
-    </dgm:linClrLst>
-    <dgm:effectClrLst/>
-    <dgm:txLinClrLst/>
-    <dgm:txFillClrLst/>
-    <dgm:txEffectClrLst/>
-  </dgm:styleLbl>
-  <dgm:styleLbl name="parChTrans2D4">
-    <dgm:fillClrLst meth="repeat">
-      <a:schemeClr val="accent1">
-        <a:tint val="50000"/>
-      </a:schemeClr>
-    </dgm:fillClrLst>
-    <dgm:linClrLst meth="repeat">
-      <a:schemeClr val="accent1">
-        <a:tint val="50000"/>
-      </a:schemeClr>
-    </dgm:linClrLst>
-    <dgm:effectClrLst/>
-    <dgm:txLinClrLst/>
-    <dgm:txFillClrLst meth="repeat">
-      <a:schemeClr val="lt1"/>
-    </dgm:txFillClrLst>
-    <dgm:txEffectClrLst/>
-  </dgm:styleLbl>
-  <dgm:styleLbl name="parChTrans1D1">
-    <dgm:fillClrLst meth="repeat">
-      <a:schemeClr val="accent1">
-        <a:shade val="80000"/>
-      </a:schemeClr>
-    </dgm:fillClrLst>
-    <dgm:linClrLst meth="repeat">
-      <a:schemeClr val="accent1">
-        <a:shade val="80000"/>
-      </a:schemeClr>
-    </dgm:linClrLst>
-    <dgm:effectClrLst/>
-    <dgm:txLinClrLst/>
-    <dgm:txFillClrLst meth="repeat">
-      <a:schemeClr val="tx1"/>
-    </dgm:txFillClrLst>
-    <dgm:txEffectClrLst/>
-  </dgm:styleLbl>
-  <dgm:styleLbl name="parChTrans1D2">
-    <dgm:fillClrLst meth="repeat">
-      <a:schemeClr val="accent1">
-        <a:tint val="99000"/>
-      </a:schemeClr>
-    </dgm:fillClrLst>
-    <dgm:linClrLst meth="repeat">
-      <a:schemeClr val="accent1">
-        <a:tint val="99000"/>
-      </a:schemeClr>
-    </dgm:linClrLst>
-    <dgm:effectClrLst/>
-    <dgm:txLinClrLst/>
-    <dgm:txFillClrLst meth="repeat">
-      <a:schemeClr val="tx1"/>
-    </dgm:txFillClrLst>
-    <dgm:txEffectClrLst/>
-  </dgm:styleLbl>
-  <dgm:styleLbl name="parChTrans1D3">
-    <dgm:fillClrLst meth="repeat">
-      <a:schemeClr val="accent1">
-        <a:tint val="80000"/>
-      </a:schemeClr>
-    </dgm:fillClrLst>
-    <dgm:linClrLst meth="repeat">
-      <a:schemeClr val="accent1">
-        <a:tint val="80000"/>
-      </a:schemeClr>
-    </dgm:linClrLst>
-    <dgm:effectClrLst/>
-    <dgm:txLinClrLst/>
-    <dgm:txFillClrLst meth="repeat">
-      <a:schemeClr val="tx1"/>
-    </dgm:txFillClrLst>
-    <dgm:txEffectClrLst/>
-  </dgm:styleLbl>
-  <dgm:styleLbl name="parChTrans1D4">
-    <dgm:fillClrLst meth="repeat">
-      <a:schemeClr val="accent1">
-        <a:tint val="70000"/>
-      </a:schemeClr>
-    </dgm:fillClrLst>
-    <dgm:linClrLst meth="repeat">
-      <a:schemeClr val="accent1">
-        <a:tint val="70000"/>
-      </a:schemeClr>
-    </dgm:linClrLst>
-    <dgm:effectClrLst/>
-    <dgm:txLinClrLst/>
-    <dgm:txFillClrLst meth="repeat">
-      <a:schemeClr val="tx1"/>
-    </dgm:txFillClrLst>
-    <dgm:txEffectClrLst/>
-  </dgm:styleLbl>
-  <dgm:styleLbl name="fgAcc1">
-    <dgm:fillClrLst meth="repeat">
-      <a:schemeClr val="lt1">
-        <a:alpha val="90000"/>
-      </a:schemeClr>
-    </dgm:fillClrLst>
-    <dgm:linClrLst>
-      <a:schemeClr val="accent1">
-        <a:shade val="80000"/>
-      </a:schemeClr>
-      <a:schemeClr val="accent1">
-        <a:tint val="70000"/>
-      </a:schemeClr>
-    </dgm:linClrLst>
-    <dgm:effectClrLst/>
-    <dgm:txLinClrLst/>
-    <dgm:txFillClrLst meth="repeat">
-      <a:schemeClr val="dk1"/>
-    </dgm:txFillClrLst>
-    <dgm:txEffectClrLst/>
-  </dgm:styleLbl>
-  <dgm:styleLbl name="conFgAcc1">
-    <dgm:fillClrLst meth="repeat">
-      <a:schemeClr val="lt1">
-        <a:alpha val="90000"/>
-      </a:schemeClr>
-    </dgm:fillClrLst>
-    <dgm:linClrLst>
-      <a:schemeClr val="accent1">
-        <a:shade val="80000"/>
-      </a:schemeClr>
-      <a:schemeClr val="accent1">
-        <a:tint val="70000"/>
-      </a:schemeClr>
-    </dgm:linClrLst>
-    <dgm:effectClrLst/>
-    <dgm:txLinClrLst/>
-    <dgm:txFillClrLst meth="repeat">
-      <a:schemeClr val="dk1"/>
-    </dgm:txFillClrLst>
-    <dgm:txEffectClrLst/>
-  </dgm:styleLbl>
-  <dgm:styleLbl name="alignAcc1">
-    <dgm:fillClrLst meth="repeat">
-      <a:schemeClr val="lt1">
-        <a:alpha val="90000"/>
-      </a:schemeClr>
-    </dgm:fillClrLst>
-    <dgm:linClrLst>
-      <a:schemeClr val="accent1">
-        <a:shade val="80000"/>
-      </a:schemeClr>
-      <a:schemeClr val="accent1">
-        <a:tint val="70000"/>
-      </a:schemeClr>
-    </dgm:linClrLst>
-    <dgm:effectClrLst/>
-    <dgm:txLinClrLst/>
-    <dgm:txFillClrLst meth="repeat">
-      <a:schemeClr val="dk1"/>
-    </dgm:txFillClrLst>
-    <dgm:txEffectClrLst/>
-  </dgm:styleLbl>
-  <dgm:styleLbl name="trAlignAcc1">
-    <dgm:fillClrLst meth="repeat">
-      <a:schemeClr val="lt1">
-        <a:alpha val="40000"/>
-      </a:schemeClr>
-    </dgm:fillClrLst>
-    <dgm:linClrLst meth="repeat">
-      <a:schemeClr val="accent1"/>
-    </dgm:linClrLst>
-    <dgm:effectClrLst/>
-    <dgm:txLinClrLst/>
-    <dgm:txFillClrLst meth="repeat">
-      <a:schemeClr val="dk1"/>
-    </dgm:txFillClrLst>
-    <dgm:txEffectClrLst/>
-  </dgm:styleLbl>
-  <dgm:styleLbl name="bgAcc1">
-    <dgm:fillClrLst meth="repeat">
-      <a:schemeClr val="lt1">
-        <a:alpha val="90000"/>
-      </a:schemeClr>
-    </dgm:fillClrLst>
-    <dgm:linClrLst>
-      <a:schemeClr val="accent1">
-        <a:shade val="80000"/>
-      </a:schemeClr>
-      <a:schemeClr val="accent1">
-        <a:tint val="70000"/>
-      </a:schemeClr>
-    </dgm:linClrLst>
-    <dgm:effectClrLst/>
-    <dgm:txLinClrLst/>
-    <dgm:txFillClrLst meth="repeat">
-      <a:schemeClr val="dk1"/>
-    </dgm:txFillClrLst>
-    <dgm:txEffectClrLst/>
-  </dgm:styleLbl>
-  <dgm:styleLbl name="solidFgAcc1">
-    <dgm:fillClrLst meth="repeat">
-      <a:schemeClr val="lt1"/>
-    </dgm:fillClrLst>
-    <dgm:linClrLst>
-      <a:schemeClr val="accent1">
-        <a:shade val="80000"/>
-      </a:schemeClr>
-      <a:schemeClr val="accent1">
-        <a:tint val="70000"/>
-      </a:schemeClr>
-    </dgm:linClrLst>
-    <dgm:effectClrLst/>
-    <dgm:txLinClrLst/>
-    <dgm:txFillClrLst meth="repeat">
-      <a:schemeClr val="dk1"/>
-    </dgm:txFillClrLst>
-    <dgm:txEffectClrLst/>
-  </dgm:styleLbl>
-  <dgm:styleLbl name="solidAlignAcc1">
-    <dgm:fillClrLst meth="repeat">
-      <a:schemeClr val="lt1"/>
-    </dgm:fillClrLst>
-    <dgm:linClrLst meth="repeat">
-      <a:schemeClr val="accent1"/>
-    </dgm:linClrLst>
-    <dgm:effectClrLst/>
-    <dgm:txLinClrLst/>
-    <dgm:txFillClrLst meth="repeat">
-      <a:schemeClr val="dk1"/>
-    </dgm:txFillClrLst>
-    <dgm:txEffectClrLst/>
-  </dgm:styleLbl>
-  <dgm:styleLbl name="solidBgAcc1">
-    <dgm:fillClrLst meth="repeat">
-      <a:schemeClr val="lt1"/>
-    </dgm:fillClrLst>
-    <dgm:linClrLst meth="repeat">
-      <a:schemeClr val="accent1"/>
-    </dgm:linClrLst>
-    <dgm:effectClrLst/>
-    <dgm:txLinClrLst/>
-    <dgm:txFillClrLst meth="repeat">
-      <a:schemeClr val="dk1"/>
-    </dgm:txFillClrLst>
-    <dgm:txEffectClrLst/>
-  </dgm:styleLbl>
-  <dgm:styleLbl name="fgAccFollowNode1">
-    <dgm:fillClrLst meth="repeat">
-      <a:schemeClr val="accent1">
-        <a:alpha val="90000"/>
-        <a:tint val="40000"/>
-      </a:schemeClr>
-    </dgm:fillClrLst>
-    <dgm:linClrLst meth="repeat">
-      <a:schemeClr val="accent1">
-        <a:alpha val="90000"/>
-        <a:tint val="40000"/>
-      </a:schemeClr>
-    </dgm:linClrLst>
-    <dgm:effectClrLst/>
-    <dgm:txLinClrLst/>
-    <dgm:txFillClrLst meth="repeat">
-      <a:schemeClr val="dk1"/>
-    </dgm:txFillClrLst>
-    <dgm:txEffectClrLst/>
-  </dgm:styleLbl>
-  <dgm:styleLbl name="alignAccFollowNode1">
-    <dgm:fillClrLst meth="repeat">
-      <a:schemeClr val="accent1">
-        <a:alpha val="90000"/>
-        <a:tint val="40000"/>
-      </a:schemeClr>
-    </dgm:fillClrLst>
-    <dgm:linClrLst meth="repeat">
-      <a:schemeClr val="accent1">
-        <a:alpha val="90000"/>
-        <a:tint val="40000"/>
-      </a:schemeClr>
-    </dgm:linClrLst>
-    <dgm:effectClrLst/>
-    <dgm:txLinClrLst/>
-    <dgm:txFillClrLst meth="repeat">
-      <a:schemeClr val="dk1"/>
-    </dgm:txFillClrLst>
-    <dgm:txEffectClrLst/>
-  </dgm:styleLbl>
-  <dgm:styleLbl name="bgAccFollowNode1">
-    <dgm:fillClrLst meth="repeat">
-      <a:schemeClr val="accent1">
-        <a:alpha val="90000"/>
-        <a:tint val="40000"/>
-      </a:schemeClr>
-    </dgm:fillClrLst>
-    <dgm:linClrLst meth="repeat">
-      <a:schemeClr val="lt1"/>
-    </dgm:linClrLst>
-    <dgm:effectClrLst/>
-    <dgm:txLinClrLst/>
-    <dgm:txFillClrLst meth="repeat">
-      <a:schemeClr val="dk1"/>
-    </dgm:txFillClrLst>
-    <dgm:txEffectClrLst/>
-  </dgm:styleLbl>
-  <dgm:styleLbl name="fgAcc0">
-    <dgm:fillClrLst meth="repeat">
-      <a:schemeClr val="lt1">
-        <a:alpha val="90000"/>
-      </a:schemeClr>
-    </dgm:fillClrLst>
-    <dgm:linClrLst meth="repeat">
-      <a:schemeClr val="accent1">
-        <a:shade val="80000"/>
-      </a:schemeClr>
-    </dgm:linClrLst>
-    <dgm:effectClrLst/>
-    <dgm:txLinClrLst/>
-    <dgm:txFillClrLst meth="repeat">
-      <a:schemeClr val="dk1"/>
-    </dgm:txFillClrLst>
-    <dgm:txEffectClrLst/>
-  </dgm:styleLbl>
-  <dgm:styleLbl name="fgAcc2">
-    <dgm:fillClrLst meth="repeat">
-      <a:schemeClr val="lt1">
-        <a:alpha val="90000"/>
-      </a:schemeClr>
-    </dgm:fillClrLst>
-    <dgm:linClrLst meth="repeat">
-      <a:schemeClr val="accent1">
-        <a:tint val="99000"/>
-      </a:schemeClr>
-    </dgm:linClrLst>
-    <dgm:effectClrLst/>
-    <dgm:txLinClrLst/>
-    <dgm:txFillClrLst meth="repeat">
-      <a:schemeClr val="dk1"/>
-    </dgm:txFillClrLst>
-    <dgm:txEffectClrLst/>
-  </dgm:styleLbl>
-  <dgm:styleLbl name="fgAcc3">
-    <dgm:fillClrLst meth="repeat">
-      <a:schemeClr val="lt1">
-        <a:alpha val="90000"/>
-      </a:schemeClr>
-    </dgm:fillClrLst>
-    <dgm:linClrLst meth="repeat">
-      <a:schemeClr val="accent1">
-        <a:tint val="80000"/>
-      </a:schemeClr>
-    </dgm:linClrLst>
-    <dgm:effectClrLst/>
-    <dgm:txLinClrLst/>
-    <dgm:txFillClrLst meth="repeat">
-      <a:schemeClr val="dk1"/>
-    </dgm:txFillClrLst>
-    <dgm:txEffectClrLst/>
-  </dgm:styleLbl>
-  <dgm:styleLbl name="fgAcc4">
-    <dgm:fillClrLst meth="repeat">
-      <a:schemeClr val="lt1">
-        <a:alpha val="90000"/>
-      </a:schemeClr>
-    </dgm:fillClrLst>
-    <dgm:linClrLst meth="repeat">
-      <a:schemeClr val="accent1">
-        <a:tint val="70000"/>
-      </a:schemeClr>
-    </dgm:linClrLst>
-    <dgm:effectClrLst/>
-    <dgm:txLinClrLst/>
-    <dgm:txFillClrLst meth="repeat">
-      <a:schemeClr val="dk1"/>
-    </dgm:txFillClrLst>
-    <dgm:txEffectClrLst/>
-  </dgm:styleLbl>
-  <dgm:styleLbl name="bgShp">
-    <dgm:fillClrLst meth="repeat">
-      <a:schemeClr val="accent1">
-        <a:tint val="40000"/>
-      </a:schemeClr>
-    </dgm:fillClrLst>
-    <dgm:linClrLst meth="repeat">
-      <a:schemeClr val="dk1"/>
-    </dgm:linClrLst>
-    <dgm:effectClrLst/>
-    <dgm:txLinClrLst/>
-    <dgm:txFillClrLst meth="repeat">
-      <a:schemeClr val="dk1"/>
-    </dgm:txFillClrLst>
-    <dgm:txEffectClrLst/>
-  </dgm:styleLbl>
-  <dgm:styleLbl name="dkBgShp">
-    <dgm:fillClrLst meth="repeat">
-      <a:schemeClr val="accent1">
-        <a:shade val="90000"/>
-      </a:schemeClr>
-    </dgm:fillClrLst>
-    <dgm:linClrLst meth="repeat">
-      <a:schemeClr val="dk1"/>
-    </dgm:linClrLst>
-    <dgm:effectClrLst/>
-    <dgm:txLinClrLst/>
-    <dgm:txFillClrLst meth="repeat">
-      <a:schemeClr val="lt1"/>
-    </dgm:txFillClrLst>
-    <dgm:txEffectClrLst/>
-  </dgm:styleLbl>
-  <dgm:styleLbl name="trBgShp">
-    <dgm:fillClrLst meth="repeat">
-      <a:schemeClr val="accent1">
-        <a:tint val="50000"/>
-        <a:alpha val="40000"/>
-      </a:schemeClr>
-    </dgm:fillClrLst>
-    <dgm:linClrLst meth="repeat">
-      <a:schemeClr val="accent1"/>
-    </dgm:linClrLst>
-    <dgm:effectClrLst/>
-    <dgm:txLinClrLst/>
-    <dgm:txFillClrLst meth="repeat">
-      <a:schemeClr val="lt1"/>
-    </dgm:txFillClrLst>
-    <dgm:txEffectClrLst/>
-  </dgm:styleLbl>
-  <dgm:styleLbl name="fgShp">
-    <dgm:fillClrLst meth="repeat">
-      <a:schemeClr val="accent1">
-        <a:tint val="40000"/>
-      </a:schemeClr>
-    </dgm:fillClrLst>
-    <dgm:linClrLst meth="repeat">
-      <a:schemeClr val="lt1"/>
-    </dgm:linClrLst>
-    <dgm:effectClrLst/>
-    <dgm:txLinClrLst/>
-    <dgm:txFillClrLst meth="repeat">
-      <a:schemeClr val="dk1"/>
-    </dgm:txFillClrLst>
-    <dgm:txEffectClrLst/>
-  </dgm:styleLbl>
-  <dgm:styleLbl name="revTx">
-    <dgm:fillClrLst meth="repeat">
-      <a:schemeClr val="lt1">
-        <a:alpha val="0"/>
-      </a:schemeClr>
-    </dgm:fillClrLst>
-    <dgm:linClrLst meth="repeat">
-      <a:schemeClr val="dk1">
-        <a:alpha val="0"/>
-      </a:schemeClr>
-    </dgm:linClrLst>
-    <dgm:effectClrLst/>
-    <dgm:txLinClrLst/>
-    <dgm:txFillClrLst meth="repeat">
-      <a:schemeClr val="tx1"/>
-    </dgm:txFillClrLst>
-    <dgm:txEffectClrLst/>
-  </dgm:styleLbl>
-</dgm:colorsDef>
+<file path=ppt/diagrams/data1.xml><?xml version="1.0" encoding="utf-8"?>
+<dgm:dataModel xmlns:dgm="http://schemas.openxmlformats.org/drawingml/2006/diagram" xmlns:a="http://schemas.openxmlformats.org/drawingml/2006/main">
+  <dgm:ptLst>
+    <dgm:pt modelId="{6A70FD8F-0050-42E3-8B3A-6ED7CFB9852E}" type="doc">
+      <dgm:prSet loTypeId="urn:microsoft.com/office/officeart/2016/7/layout/RoundedRectangleTimeline" loCatId="process" qsTypeId="urn:microsoft.com/office/officeart/2005/8/quickstyle/simple1" qsCatId="simple" csTypeId="urn:microsoft.com/office/officeart/2005/8/colors/accent1_3" csCatId="accent1" phldr="1"/>
+      <dgm:spPr/>
+      <dgm:t>
+        <a:bodyPr/>
+        <a:lstStyle/>
+        <a:p>
+          <a:endParaRPr lang="en-US"/>
+        </a:p>
+      </dgm:t>
+    </dgm:pt>
+    <dgm:pt modelId="{AB52B3CC-6563-466D-BFC3-9B6B5AFA0881}" type="pres">
+      <dgm:prSet presAssocID="{6A70FD8F-0050-42E3-8B3A-6ED7CFB9852E}" presName="Name0" presStyleCnt="0">
+        <dgm:presLayoutVars>
+          <dgm:chMax/>
+          <dgm:chPref/>
+          <dgm:animLvl val="lvl"/>
+        </dgm:presLayoutVars>
+      </dgm:prSet>
+      <dgm:spPr/>
+    </dgm:pt>
+  </dgm:ptLst>
+  <dgm:cxnLst>
+    <dgm:cxn modelId="{84C67813-55CE-4EBC-9032-03BD847DC17E}" type="presOf" srcId="{6A70FD8F-0050-42E3-8B3A-6ED7CFB9852E}" destId="{AB52B3CC-6563-466D-BFC3-9B6B5AFA0881}" srcOrd="0" destOrd="0" presId="urn:microsoft.com/office/officeart/2016/7/layout/RoundedRectangleTimeline"/>
+  </dgm:cxnLst>
+  <dgm:bg/>
+  <dgm:whole/>
+  <dgm:extLst>
+    <a:ext uri="http://schemas.microsoft.com/office/drawing/2008/diagram">
+      <dsp:dataModelExt xmlns:dsp="http://schemas.microsoft.com/office/drawing/2008/diagram" relId="rId6" minVer="http://schemas.openxmlformats.org/drawingml/2006/diagram"/>
+    </a:ext>
+  </dgm:extLst>
+</dgm:dataModel>
 </file>
 
-<file path=ppt/diagrams/data1.xml><?xml version="1.0" encoding="utf-8"?>
+<file path=ppt/diagrams/data2.xml><?xml version="1.0" encoding="utf-8"?>
 <dgm:dataModel xmlns:dgm="http://schemas.openxmlformats.org/drawingml/2006/diagram" xmlns:a="http://schemas.openxmlformats.org/drawingml/2006/main">
   <dgm:ptLst>
     <dgm:pt modelId="{86EE7873-CD25-4A8A-9229-5BD1502C0B25}" type="doc">
@@ -2088,45 +2130,19 @@
 </dgm:dataModel>
 </file>
 
-<file path=ppt/diagrams/data2.xml><?xml version="1.0" encoding="utf-8"?>
-<dgm:dataModel xmlns:dgm="http://schemas.openxmlformats.org/drawingml/2006/diagram" xmlns:a="http://schemas.openxmlformats.org/drawingml/2006/main">
-  <dgm:ptLst>
-    <dgm:pt modelId="{6A70FD8F-0050-42E3-8B3A-6ED7CFB9852E}" type="doc">
-      <dgm:prSet loTypeId="urn:microsoft.com/office/officeart/2016/7/layout/RoundedRectangleTimeline" loCatId="process" qsTypeId="urn:microsoft.com/office/officeart/2005/8/quickstyle/simple1" qsCatId="simple" csTypeId="urn:microsoft.com/office/officeart/2005/8/colors/accent1_3" csCatId="accent1" phldr="1"/>
-      <dgm:spPr/>
-      <dgm:t>
-        <a:bodyPr/>
-        <a:lstStyle/>
-        <a:p>
-          <a:endParaRPr lang="en-US"/>
-        </a:p>
-      </dgm:t>
-    </dgm:pt>
-    <dgm:pt modelId="{AB52B3CC-6563-466D-BFC3-9B6B5AFA0881}" type="pres">
-      <dgm:prSet presAssocID="{6A70FD8F-0050-42E3-8B3A-6ED7CFB9852E}" presName="Name0" presStyleCnt="0">
-        <dgm:presLayoutVars>
-          <dgm:chMax/>
-          <dgm:chPref/>
-          <dgm:animLvl val="lvl"/>
-        </dgm:presLayoutVars>
-      </dgm:prSet>
-      <dgm:spPr/>
-    </dgm:pt>
-  </dgm:ptLst>
-  <dgm:cxnLst>
-    <dgm:cxn modelId="{84C67813-55CE-4EBC-9032-03BD847DC17E}" type="presOf" srcId="{6A70FD8F-0050-42E3-8B3A-6ED7CFB9852E}" destId="{AB52B3CC-6563-466D-BFC3-9B6B5AFA0881}" srcOrd="0" destOrd="0" presId="urn:microsoft.com/office/officeart/2016/7/layout/RoundedRectangleTimeline"/>
-  </dgm:cxnLst>
-  <dgm:bg/>
-  <dgm:whole/>
-  <dgm:extLst>
-    <a:ext uri="http://schemas.microsoft.com/office/drawing/2008/diagram">
-      <dsp:dataModelExt xmlns:dsp="http://schemas.microsoft.com/office/drawing/2008/diagram" relId="rId6" minVer="http://schemas.openxmlformats.org/drawingml/2006/diagram"/>
-    </a:ext>
-  </dgm:extLst>
-</dgm:dataModel>
+<file path=ppt/diagrams/drawing1.xml><?xml version="1.0" encoding="utf-8"?>
+<dsp:drawing xmlns:dgm="http://schemas.openxmlformats.org/drawingml/2006/diagram" xmlns:dsp="http://schemas.microsoft.com/office/drawing/2008/diagram" xmlns:a="http://schemas.openxmlformats.org/drawingml/2006/main">
+  <dsp:spTree>
+    <dsp:nvGrpSpPr>
+      <dsp:cNvPr id="0" name=""/>
+      <dsp:cNvGrpSpPr/>
+    </dsp:nvGrpSpPr>
+    <dsp:grpSpPr/>
+  </dsp:spTree>
+</dsp:drawing>
 </file>
 
-<file path=ppt/diagrams/drawing1.xml><?xml version="1.0" encoding="utf-8"?>
+<file path=ppt/diagrams/drawing2.xml><?xml version="1.0" encoding="utf-8"?>
 <dsp:drawing xmlns:dgm="http://schemas.openxmlformats.org/drawingml/2006/diagram" xmlns:dsp="http://schemas.microsoft.com/office/drawing/2008/diagram" xmlns:a="http://schemas.openxmlformats.org/drawingml/2006/main">
   <dsp:spTree>
     <dsp:nvGrpSpPr>
@@ -2603,186 +2619,7 @@
 </dsp:drawing>
 </file>
 
-<file path=ppt/diagrams/drawing2.xml><?xml version="1.0" encoding="utf-8"?>
-<dsp:drawing xmlns:dgm="http://schemas.openxmlformats.org/drawingml/2006/diagram" xmlns:dsp="http://schemas.microsoft.com/office/drawing/2008/diagram" xmlns:a="http://schemas.openxmlformats.org/drawingml/2006/main">
-  <dsp:spTree>
-    <dsp:nvGrpSpPr>
-      <dsp:cNvPr id="0" name=""/>
-      <dsp:cNvGrpSpPr/>
-    </dsp:nvGrpSpPr>
-    <dsp:grpSpPr/>
-  </dsp:spTree>
-</dsp:drawing>
-</file>
-
 <file path=ppt/diagrams/layout1.xml><?xml version="1.0" encoding="utf-8"?>
-<dgm:layoutDef xmlns:dgm="http://schemas.openxmlformats.org/drawingml/2006/diagram" xmlns:a="http://schemas.openxmlformats.org/drawingml/2006/main" uniqueId="urn:microsoft.com/office/officeart/2005/8/layout/vList2">
-  <dgm:title val=""/>
-  <dgm:desc val=""/>
-  <dgm:catLst>
-    <dgm:cat type="list" pri="3000"/>
-    <dgm:cat type="convert" pri="1000"/>
-  </dgm:catLst>
-  <dgm:sampData>
-    <dgm:dataModel>
-      <dgm:ptLst>
-        <dgm:pt modelId="0" type="doc"/>
-        <dgm:pt modelId="1">
-          <dgm:prSet phldr="1"/>
-        </dgm:pt>
-        <dgm:pt modelId="11">
-          <dgm:prSet phldr="1"/>
-        </dgm:pt>
-        <dgm:pt modelId="2">
-          <dgm:prSet phldr="1"/>
-        </dgm:pt>
-        <dgm:pt modelId="21">
-          <dgm:prSet phldr="1"/>
-        </dgm:pt>
-      </dgm:ptLst>
-      <dgm:cxnLst>
-        <dgm:cxn modelId="4" srcId="0" destId="1" srcOrd="0" destOrd="0"/>
-        <dgm:cxn modelId="5" srcId="0" destId="2" srcOrd="1" destOrd="0"/>
-        <dgm:cxn modelId="12" srcId="1" destId="11" srcOrd="0" destOrd="0"/>
-        <dgm:cxn modelId="23" srcId="2" destId="21" srcOrd="0" destOrd="0"/>
-      </dgm:cxnLst>
-      <dgm:bg/>
-      <dgm:whole/>
-    </dgm:dataModel>
-  </dgm:sampData>
-  <dgm:styleData>
-    <dgm:dataModel>
-      <dgm:ptLst>
-        <dgm:pt modelId="0" type="doc"/>
-        <dgm:pt modelId="1"/>
-        <dgm:pt modelId="2"/>
-      </dgm:ptLst>
-      <dgm:cxnLst>
-        <dgm:cxn modelId="3" srcId="0" destId="1" srcOrd="0" destOrd="0"/>
-        <dgm:cxn modelId="4" srcId="0" destId="2" srcOrd="1" destOrd="0"/>
-      </dgm:cxnLst>
-      <dgm:bg/>
-      <dgm:whole/>
-    </dgm:dataModel>
-  </dgm:styleData>
-  <dgm:clrData>
-    <dgm:dataModel>
-      <dgm:ptLst>
-        <dgm:pt modelId="0" type="doc"/>
-        <dgm:pt modelId="1"/>
-        <dgm:pt modelId="2"/>
-        <dgm:pt modelId="3"/>
-        <dgm:pt modelId="4"/>
-      </dgm:ptLst>
-      <dgm:cxnLst>
-        <dgm:cxn modelId="5" srcId="0" destId="1" srcOrd="0" destOrd="0"/>
-        <dgm:cxn modelId="6" srcId="0" destId="2" srcOrd="1" destOrd="0"/>
-        <dgm:cxn modelId="7" srcId="0" destId="3" srcOrd="2" destOrd="0"/>
-        <dgm:cxn modelId="8" srcId="0" destId="4" srcOrd="3" destOrd="0"/>
-      </dgm:cxnLst>
-      <dgm:bg/>
-      <dgm:whole/>
-    </dgm:dataModel>
-  </dgm:clrData>
-  <dgm:layoutNode name="linear">
-    <dgm:varLst>
-      <dgm:animLvl val="lvl"/>
-      <dgm:resizeHandles val="exact"/>
-    </dgm:varLst>
-    <dgm:alg type="lin">
-      <dgm:param type="linDir" val="fromT"/>
-      <dgm:param type="vertAlign" val="mid"/>
-    </dgm:alg>
-    <dgm:shape xmlns:r="http://schemas.openxmlformats.org/officeDocument/2006/relationships" r:blip="">
-      <dgm:adjLst/>
-    </dgm:shape>
-    <dgm:presOf/>
-    <dgm:constrLst>
-      <dgm:constr type="w" for="ch" forName="parentText" refType="w"/>
-      <dgm:constr type="h" for="ch" forName="parentText" refType="primFontSz" refFor="ch" refForName="parentText" fact="0.52"/>
-      <dgm:constr type="w" for="ch" forName="childText" refType="w"/>
-      <dgm:constr type="h" for="ch" forName="childText" refType="primFontSz" refFor="ch" refForName="parentText" fact="0.46"/>
-      <dgm:constr type="h" for="ch" forName="parentText" op="equ"/>
-      <dgm:constr type="primFontSz" for="ch" forName="parentText" op="equ" val="65"/>
-      <dgm:constr type="primFontSz" for="ch" forName="childText" refType="primFontSz" refFor="ch" refForName="parentText" op="equ"/>
-      <dgm:constr type="h" for="ch" forName="spacer" refType="primFontSz" refFor="ch" refForName="parentText" fact="0.08"/>
-    </dgm:constrLst>
-    <dgm:ruleLst>
-      <dgm:rule type="primFontSz" for="ch" forName="parentText" val="5" fact="NaN" max="NaN"/>
-    </dgm:ruleLst>
-    <dgm:forEach name="Name0" axis="ch" ptType="node">
-      <dgm:layoutNode name="parentText" styleLbl="node1">
-        <dgm:varLst>
-          <dgm:chMax val="0"/>
-          <dgm:bulletEnabled val="1"/>
-        </dgm:varLst>
-        <dgm:alg type="tx">
-          <dgm:param type="parTxLTRAlign" val="l"/>
-          <dgm:param type="parTxRTLAlign" val="r"/>
-        </dgm:alg>
-        <dgm:shape xmlns:r="http://schemas.openxmlformats.org/officeDocument/2006/relationships" type="roundRect" r:blip="">
-          <dgm:adjLst/>
-        </dgm:shape>
-        <dgm:presOf axis="self"/>
-        <dgm:constrLst>
-          <dgm:constr type="tMarg" refType="primFontSz" fact="0.3"/>
-          <dgm:constr type="bMarg" refType="primFontSz" fact="0.3"/>
-          <dgm:constr type="lMarg" refType="primFontSz" fact="0.3"/>
-          <dgm:constr type="rMarg" refType="primFontSz" fact="0.3"/>
-        </dgm:constrLst>
-        <dgm:ruleLst>
-          <dgm:rule type="h" val="INF" fact="NaN" max="NaN"/>
-        </dgm:ruleLst>
-      </dgm:layoutNode>
-      <dgm:choose name="Name1">
-        <dgm:if name="Name2" axis="ch" ptType="node" func="cnt" op="gte" val="1">
-          <dgm:layoutNode name="childText" styleLbl="revTx">
-            <dgm:varLst>
-              <dgm:bulletEnabled val="1"/>
-            </dgm:varLst>
-            <dgm:alg type="tx">
-              <dgm:param type="stBulletLvl" val="1"/>
-              <dgm:param type="lnSpAfChP" val="20"/>
-            </dgm:alg>
-            <dgm:shape xmlns:r="http://schemas.openxmlformats.org/officeDocument/2006/relationships" type="rect" r:blip="">
-              <dgm:adjLst/>
-            </dgm:shape>
-            <dgm:presOf axis="des" ptType="node"/>
-            <dgm:constrLst>
-              <dgm:constr type="tMarg" refType="primFontSz" fact="0.1"/>
-              <dgm:constr type="bMarg" refType="primFontSz" fact="0.1"/>
-              <dgm:constr type="lMarg" refType="w" fact="0.09"/>
-            </dgm:constrLst>
-            <dgm:ruleLst>
-              <dgm:rule type="h" val="INF" fact="NaN" max="NaN"/>
-            </dgm:ruleLst>
-          </dgm:layoutNode>
-        </dgm:if>
-        <dgm:else name="Name3">
-          <dgm:choose name="Name4">
-            <dgm:if name="Name5" axis="par ch" ptType="doc node" func="cnt" op="gte" val="2">
-              <dgm:forEach name="Name6" axis="followSib" ptType="sibTrans" cnt="1">
-                <dgm:layoutNode name="spacer">
-                  <dgm:alg type="sp"/>
-                  <dgm:shape xmlns:r="http://schemas.openxmlformats.org/officeDocument/2006/relationships" r:blip="">
-                    <dgm:adjLst/>
-                  </dgm:shape>
-                  <dgm:presOf/>
-                  <dgm:constrLst/>
-                  <dgm:ruleLst/>
-                </dgm:layoutNode>
-              </dgm:forEach>
-            </dgm:if>
-            <dgm:else name="Name7"/>
-          </dgm:choose>
-        </dgm:else>
-      </dgm:choose>
-    </dgm:forEach>
-  </dgm:layoutNode>
-</dgm:layoutDef>
-</file>
-
-<file path=ppt/diagrams/layout2.xml><?xml version="1.0" encoding="utf-8"?>
 <dgm:layoutDef xmlns:dgm="http://schemas.openxmlformats.org/drawingml/2006/diagram" xmlns:a="http://schemas.openxmlformats.org/drawingml/2006/main" uniqueId="urn:microsoft.com/office/officeart/2016/7/layout/RoundedRectangleTimeline">
   <dgm:title val="Rounded Rectangle Timeline"/>
   <dgm:desc val="Use to show a list of events in chronological order. An invisible box contains the description while the date is shown in rectangles, except for the first and last node where the corners of the rectangle are rounded. It can display large amount of text and long descriptive date format."/>
@@ -3365,7 +3202,1208 @@
 </dgm:layoutDef>
 </file>
 
+<file path=ppt/diagrams/layout2.xml><?xml version="1.0" encoding="utf-8"?>
+<dgm:layoutDef xmlns:dgm="http://schemas.openxmlformats.org/drawingml/2006/diagram" xmlns:a="http://schemas.openxmlformats.org/drawingml/2006/main" uniqueId="urn:microsoft.com/office/officeart/2005/8/layout/vList2">
+  <dgm:title val=""/>
+  <dgm:desc val=""/>
+  <dgm:catLst>
+    <dgm:cat type="list" pri="3000"/>
+    <dgm:cat type="convert" pri="1000"/>
+  </dgm:catLst>
+  <dgm:sampData>
+    <dgm:dataModel>
+      <dgm:ptLst>
+        <dgm:pt modelId="0" type="doc"/>
+        <dgm:pt modelId="1">
+          <dgm:prSet phldr="1"/>
+        </dgm:pt>
+        <dgm:pt modelId="11">
+          <dgm:prSet phldr="1"/>
+        </dgm:pt>
+        <dgm:pt modelId="2">
+          <dgm:prSet phldr="1"/>
+        </dgm:pt>
+        <dgm:pt modelId="21">
+          <dgm:prSet phldr="1"/>
+        </dgm:pt>
+      </dgm:ptLst>
+      <dgm:cxnLst>
+        <dgm:cxn modelId="4" srcId="0" destId="1" srcOrd="0" destOrd="0"/>
+        <dgm:cxn modelId="5" srcId="0" destId="2" srcOrd="1" destOrd="0"/>
+        <dgm:cxn modelId="12" srcId="1" destId="11" srcOrd="0" destOrd="0"/>
+        <dgm:cxn modelId="23" srcId="2" destId="21" srcOrd="0" destOrd="0"/>
+      </dgm:cxnLst>
+      <dgm:bg/>
+      <dgm:whole/>
+    </dgm:dataModel>
+  </dgm:sampData>
+  <dgm:styleData>
+    <dgm:dataModel>
+      <dgm:ptLst>
+        <dgm:pt modelId="0" type="doc"/>
+        <dgm:pt modelId="1"/>
+        <dgm:pt modelId="2"/>
+      </dgm:ptLst>
+      <dgm:cxnLst>
+        <dgm:cxn modelId="3" srcId="0" destId="1" srcOrd="0" destOrd="0"/>
+        <dgm:cxn modelId="4" srcId="0" destId="2" srcOrd="1" destOrd="0"/>
+      </dgm:cxnLst>
+      <dgm:bg/>
+      <dgm:whole/>
+    </dgm:dataModel>
+  </dgm:styleData>
+  <dgm:clrData>
+    <dgm:dataModel>
+      <dgm:ptLst>
+        <dgm:pt modelId="0" type="doc"/>
+        <dgm:pt modelId="1"/>
+        <dgm:pt modelId="2"/>
+        <dgm:pt modelId="3"/>
+        <dgm:pt modelId="4"/>
+      </dgm:ptLst>
+      <dgm:cxnLst>
+        <dgm:cxn modelId="5" srcId="0" destId="1" srcOrd="0" destOrd="0"/>
+        <dgm:cxn modelId="6" srcId="0" destId="2" srcOrd="1" destOrd="0"/>
+        <dgm:cxn modelId="7" srcId="0" destId="3" srcOrd="2" destOrd="0"/>
+        <dgm:cxn modelId="8" srcId="0" destId="4" srcOrd="3" destOrd="0"/>
+      </dgm:cxnLst>
+      <dgm:bg/>
+      <dgm:whole/>
+    </dgm:dataModel>
+  </dgm:clrData>
+  <dgm:layoutNode name="linear">
+    <dgm:varLst>
+      <dgm:animLvl val="lvl"/>
+      <dgm:resizeHandles val="exact"/>
+    </dgm:varLst>
+    <dgm:alg type="lin">
+      <dgm:param type="linDir" val="fromT"/>
+      <dgm:param type="vertAlign" val="mid"/>
+    </dgm:alg>
+    <dgm:shape xmlns:r="http://schemas.openxmlformats.org/officeDocument/2006/relationships" r:blip="">
+      <dgm:adjLst/>
+    </dgm:shape>
+    <dgm:presOf/>
+    <dgm:constrLst>
+      <dgm:constr type="w" for="ch" forName="parentText" refType="w"/>
+      <dgm:constr type="h" for="ch" forName="parentText" refType="primFontSz" refFor="ch" refForName="parentText" fact="0.52"/>
+      <dgm:constr type="w" for="ch" forName="childText" refType="w"/>
+      <dgm:constr type="h" for="ch" forName="childText" refType="primFontSz" refFor="ch" refForName="parentText" fact="0.46"/>
+      <dgm:constr type="h" for="ch" forName="parentText" op="equ"/>
+      <dgm:constr type="primFontSz" for="ch" forName="parentText" op="equ" val="65"/>
+      <dgm:constr type="primFontSz" for="ch" forName="childText" refType="primFontSz" refFor="ch" refForName="parentText" op="equ"/>
+      <dgm:constr type="h" for="ch" forName="spacer" refType="primFontSz" refFor="ch" refForName="parentText" fact="0.08"/>
+    </dgm:constrLst>
+    <dgm:ruleLst>
+      <dgm:rule type="primFontSz" for="ch" forName="parentText" val="5" fact="NaN" max="NaN"/>
+    </dgm:ruleLst>
+    <dgm:forEach name="Name0" axis="ch" ptType="node">
+      <dgm:layoutNode name="parentText" styleLbl="node1">
+        <dgm:varLst>
+          <dgm:chMax val="0"/>
+          <dgm:bulletEnabled val="1"/>
+        </dgm:varLst>
+        <dgm:alg type="tx">
+          <dgm:param type="parTxLTRAlign" val="l"/>
+          <dgm:param type="parTxRTLAlign" val="r"/>
+        </dgm:alg>
+        <dgm:shape xmlns:r="http://schemas.openxmlformats.org/officeDocument/2006/relationships" type="roundRect" r:blip="">
+          <dgm:adjLst/>
+        </dgm:shape>
+        <dgm:presOf axis="self"/>
+        <dgm:constrLst>
+          <dgm:constr type="tMarg" refType="primFontSz" fact="0.3"/>
+          <dgm:constr type="bMarg" refType="primFontSz" fact="0.3"/>
+          <dgm:constr type="lMarg" refType="primFontSz" fact="0.3"/>
+          <dgm:constr type="rMarg" refType="primFontSz" fact="0.3"/>
+        </dgm:constrLst>
+        <dgm:ruleLst>
+          <dgm:rule type="h" val="INF" fact="NaN" max="NaN"/>
+        </dgm:ruleLst>
+      </dgm:layoutNode>
+      <dgm:choose name="Name1">
+        <dgm:if name="Name2" axis="ch" ptType="node" func="cnt" op="gte" val="1">
+          <dgm:layoutNode name="childText" styleLbl="revTx">
+            <dgm:varLst>
+              <dgm:bulletEnabled val="1"/>
+            </dgm:varLst>
+            <dgm:alg type="tx">
+              <dgm:param type="stBulletLvl" val="1"/>
+              <dgm:param type="lnSpAfChP" val="20"/>
+            </dgm:alg>
+            <dgm:shape xmlns:r="http://schemas.openxmlformats.org/officeDocument/2006/relationships" type="rect" r:blip="">
+              <dgm:adjLst/>
+            </dgm:shape>
+            <dgm:presOf axis="des" ptType="node"/>
+            <dgm:constrLst>
+              <dgm:constr type="tMarg" refType="primFontSz" fact="0.1"/>
+              <dgm:constr type="bMarg" refType="primFontSz" fact="0.1"/>
+              <dgm:constr type="lMarg" refType="w" fact="0.09"/>
+            </dgm:constrLst>
+            <dgm:ruleLst>
+              <dgm:rule type="h" val="INF" fact="NaN" max="NaN"/>
+            </dgm:ruleLst>
+          </dgm:layoutNode>
+        </dgm:if>
+        <dgm:else name="Name3">
+          <dgm:choose name="Name4">
+            <dgm:if name="Name5" axis="par ch" ptType="doc node" func="cnt" op="gte" val="2">
+              <dgm:forEach name="Name6" axis="followSib" ptType="sibTrans" cnt="1">
+                <dgm:layoutNode name="spacer">
+                  <dgm:alg type="sp"/>
+                  <dgm:shape xmlns:r="http://schemas.openxmlformats.org/officeDocument/2006/relationships" r:blip="">
+                    <dgm:adjLst/>
+                  </dgm:shape>
+                  <dgm:presOf/>
+                  <dgm:constrLst/>
+                  <dgm:ruleLst/>
+                </dgm:layoutNode>
+              </dgm:forEach>
+            </dgm:if>
+            <dgm:else name="Name7"/>
+          </dgm:choose>
+        </dgm:else>
+      </dgm:choose>
+    </dgm:forEach>
+  </dgm:layoutNode>
+</dgm:layoutDef>
+</file>
+
 <file path=ppt/diagrams/quickStyle1.xml><?xml version="1.0" encoding="utf-8"?>
+<dgm:styleDef xmlns:dgm="http://schemas.openxmlformats.org/drawingml/2006/diagram" xmlns:a="http://schemas.openxmlformats.org/drawingml/2006/main" uniqueId="urn:microsoft.com/office/officeart/2005/8/quickstyle/simple1">
+  <dgm:title val=""/>
+  <dgm:desc val=""/>
+  <dgm:catLst>
+    <dgm:cat type="simple" pri="10100"/>
+  </dgm:catLst>
+  <dgm:scene3d>
+    <a:camera prst="orthographicFront"/>
+    <a:lightRig rig="threePt" dir="t"/>
+  </dgm:scene3d>
+  <dgm:styleLbl name="node0">
+    <dgm:scene3d>
+      <a:camera prst="orthographicFront"/>
+      <a:lightRig rig="threePt" dir="t"/>
+    </dgm:scene3d>
+    <dgm:sp3d/>
+    <dgm:txPr/>
+    <dgm:style>
+      <a:lnRef idx="2">
+        <a:scrgbClr r="0" g="0" b="0"/>
+      </a:lnRef>
+      <a:fillRef idx="1">
+        <a:scrgbClr r="0" g="0" b="0"/>
+      </a:fillRef>
+      <a:effectRef idx="0">
+        <a:scrgbClr r="0" g="0" b="0"/>
+      </a:effectRef>
+      <a:fontRef idx="minor">
+        <a:schemeClr val="lt1"/>
+      </a:fontRef>
+    </dgm:style>
+  </dgm:styleLbl>
+  <dgm:styleLbl name="lnNode1">
+    <dgm:scene3d>
+      <a:camera prst="orthographicFront"/>
+      <a:lightRig rig="threePt" dir="t"/>
+    </dgm:scene3d>
+    <dgm:sp3d/>
+    <dgm:txPr/>
+    <dgm:style>
+      <a:lnRef idx="2">
+        <a:scrgbClr r="0" g="0" b="0"/>
+      </a:lnRef>
+      <a:fillRef idx="1">
+        <a:scrgbClr r="0" g="0" b="0"/>
+      </a:fillRef>
+      <a:effectRef idx="0">
+        <a:scrgbClr r="0" g="0" b="0"/>
+      </a:effectRef>
+      <a:fontRef idx="minor">
+        <a:schemeClr val="lt1"/>
+      </a:fontRef>
+    </dgm:style>
+  </dgm:styleLbl>
+  <dgm:styleLbl name="vennNode1">
+    <dgm:scene3d>
+      <a:camera prst="orthographicFront"/>
+      <a:lightRig rig="threePt" dir="t"/>
+    </dgm:scene3d>
+    <dgm:sp3d/>
+    <dgm:txPr/>
+    <dgm:style>
+      <a:lnRef idx="2">
+        <a:scrgbClr r="0" g="0" b="0"/>
+      </a:lnRef>
+      <a:fillRef idx="1">
+        <a:scrgbClr r="0" g="0" b="0"/>
+      </a:fillRef>
+      <a:effectRef idx="0">
+        <a:scrgbClr r="0" g="0" b="0"/>
+      </a:effectRef>
+      <a:fontRef idx="minor">
+        <a:schemeClr val="tx1"/>
+      </a:fontRef>
+    </dgm:style>
+  </dgm:styleLbl>
+  <dgm:styleLbl name="alignNode1">
+    <dgm:scene3d>
+      <a:camera prst="orthographicFront"/>
+      <a:lightRig rig="threePt" dir="t"/>
+    </dgm:scene3d>
+    <dgm:sp3d/>
+    <dgm:txPr/>
+    <dgm:style>
+      <a:lnRef idx="2">
+        <a:scrgbClr r="0" g="0" b="0"/>
+      </a:lnRef>
+      <a:fillRef idx="1">
+        <a:scrgbClr r="0" g="0" b="0"/>
+      </a:fillRef>
+      <a:effectRef idx="0">
+        <a:scrgbClr r="0" g="0" b="0"/>
+      </a:effectRef>
+      <a:fontRef idx="minor">
+        <a:schemeClr val="lt1"/>
+      </a:fontRef>
+    </dgm:style>
+  </dgm:styleLbl>
+  <dgm:styleLbl name="node1">
+    <dgm:scene3d>
+      <a:camera prst="orthographicFront"/>
+      <a:lightRig rig="threePt" dir="t"/>
+    </dgm:scene3d>
+    <dgm:sp3d/>
+    <dgm:txPr/>
+    <dgm:style>
+      <a:lnRef idx="2">
+        <a:scrgbClr r="0" g="0" b="0"/>
+      </a:lnRef>
+      <a:fillRef idx="1">
+        <a:scrgbClr r="0" g="0" b="0"/>
+      </a:fillRef>
+      <a:effectRef idx="0">
+        <a:scrgbClr r="0" g="0" b="0"/>
+      </a:effectRef>
+      <a:fontRef idx="minor">
+        <a:schemeClr val="lt1"/>
+      </a:fontRef>
+    </dgm:style>
+  </dgm:styleLbl>
+  <dgm:styleLbl name="node2">
+    <dgm:scene3d>
+      <a:camera prst="orthographicFront"/>
+      <a:lightRig rig="threePt" dir="t"/>
+    </dgm:scene3d>
+    <dgm:sp3d/>
+    <dgm:txPr/>
+    <dgm:style>
+      <a:lnRef idx="2">
+        <a:scrgbClr r="0" g="0" b="0"/>
+      </a:lnRef>
+      <a:fillRef idx="1">
+        <a:scrgbClr r="0" g="0" b="0"/>
+      </a:fillRef>
+      <a:effectRef idx="0">
+        <a:scrgbClr r="0" g="0" b="0"/>
+      </a:effectRef>
+      <a:fontRef idx="minor">
+        <a:schemeClr val="lt1"/>
+      </a:fontRef>
+    </dgm:style>
+  </dgm:styleLbl>
+  <dgm:styleLbl name="node3">
+    <dgm:scene3d>
+      <a:camera prst="orthographicFront"/>
+      <a:lightRig rig="threePt" dir="t"/>
+    </dgm:scene3d>
+    <dgm:sp3d/>
+    <dgm:txPr/>
+    <dgm:style>
+      <a:lnRef idx="2">
+        <a:scrgbClr r="0" g="0" b="0"/>
+      </a:lnRef>
+      <a:fillRef idx="1">
+        <a:scrgbClr r="0" g="0" b="0"/>
+      </a:fillRef>
+      <a:effectRef idx="0">
+        <a:scrgbClr r="0" g="0" b="0"/>
+      </a:effectRef>
+      <a:fontRef idx="minor">
+        <a:schemeClr val="lt1"/>
+      </a:fontRef>
+    </dgm:style>
+  </dgm:styleLbl>
+  <dgm:styleLbl name="node4">
+    <dgm:scene3d>
+      <a:camera prst="orthographicFront"/>
+      <a:lightRig rig="threePt" dir="t"/>
+    </dgm:scene3d>
+    <dgm:sp3d/>
+    <dgm:txPr/>
+    <dgm:style>
+      <a:lnRef idx="2">
+        <a:scrgbClr r="0" g="0" b="0"/>
+      </a:lnRef>
+      <a:fillRef idx="1">
+        <a:scrgbClr r="0" g="0" b="0"/>
+      </a:fillRef>
+      <a:effectRef idx="0">
+        <a:scrgbClr r="0" g="0" b="0"/>
+      </a:effectRef>
+      <a:fontRef idx="minor">
+        <a:schemeClr val="lt1"/>
+      </a:fontRef>
+    </dgm:style>
+  </dgm:styleLbl>
+  <dgm:styleLbl name="fgImgPlace1">
+    <dgm:scene3d>
+      <a:camera prst="orthographicFront"/>
+      <a:lightRig rig="threePt" dir="t"/>
+    </dgm:scene3d>
+    <dgm:sp3d/>
+    <dgm:txPr/>
+    <dgm:style>
+      <a:lnRef idx="2">
+        <a:scrgbClr r="0" g="0" b="0"/>
+      </a:lnRef>
+      <a:fillRef idx="1">
+        <a:scrgbClr r="0" g="0" b="0"/>
+      </a:fillRef>
+      <a:effectRef idx="0">
+        <a:scrgbClr r="0" g="0" b="0"/>
+      </a:effectRef>
+      <a:fontRef idx="minor"/>
+    </dgm:style>
+  </dgm:styleLbl>
+  <dgm:styleLbl name="alignImgPlace1">
+    <dgm:scene3d>
+      <a:camera prst="orthographicFront"/>
+      <a:lightRig rig="threePt" dir="t"/>
+    </dgm:scene3d>
+    <dgm:sp3d/>
+    <dgm:txPr/>
+    <dgm:style>
+      <a:lnRef idx="2">
+        <a:scrgbClr r="0" g="0" b="0"/>
+      </a:lnRef>
+      <a:fillRef idx="1">
+        <a:scrgbClr r="0" g="0" b="0"/>
+      </a:fillRef>
+      <a:effectRef idx="0">
+        <a:scrgbClr r="0" g="0" b="0"/>
+      </a:effectRef>
+      <a:fontRef idx="minor"/>
+    </dgm:style>
+  </dgm:styleLbl>
+  <dgm:styleLbl name="bgImgPlace1">
+    <dgm:scene3d>
+      <a:camera prst="orthographicFront"/>
+      <a:lightRig rig="threePt" dir="t"/>
+    </dgm:scene3d>
+    <dgm:sp3d/>
+    <dgm:txPr/>
+    <dgm:style>
+      <a:lnRef idx="2">
+        <a:scrgbClr r="0" g="0" b="0"/>
+      </a:lnRef>
+      <a:fillRef idx="1">
+        <a:scrgbClr r="0" g="0" b="0"/>
+      </a:fillRef>
+      <a:effectRef idx="0">
+        <a:scrgbClr r="0" g="0" b="0"/>
+      </a:effectRef>
+      <a:fontRef idx="minor"/>
+    </dgm:style>
+  </dgm:styleLbl>
+  <dgm:styleLbl name="sibTrans2D1">
+    <dgm:scene3d>
+      <a:camera prst="orthographicFront"/>
+      <a:lightRig rig="threePt" dir="t"/>
+    </dgm:scene3d>
+    <dgm:sp3d/>
+    <dgm:txPr/>
+    <dgm:style>
+      <a:lnRef idx="0">
+        <a:scrgbClr r="0" g="0" b="0"/>
+      </a:lnRef>
+      <a:fillRef idx="1">
+        <a:scrgbClr r="0" g="0" b="0"/>
+      </a:fillRef>
+      <a:effectRef idx="0">
+        <a:scrgbClr r="0" g="0" b="0"/>
+      </a:effectRef>
+      <a:fontRef idx="minor">
+        <a:schemeClr val="lt1"/>
+      </a:fontRef>
+    </dgm:style>
+  </dgm:styleLbl>
+  <dgm:styleLbl name="fgSibTrans2D1">
+    <dgm:scene3d>
+      <a:camera prst="orthographicFront"/>
+      <a:lightRig rig="threePt" dir="t"/>
+    </dgm:scene3d>
+    <dgm:sp3d/>
+    <dgm:txPr/>
+    <dgm:style>
+      <a:lnRef idx="0">
+        <a:scrgbClr r="0" g="0" b="0"/>
+      </a:lnRef>
+      <a:fillRef idx="1">
+        <a:scrgbClr r="0" g="0" b="0"/>
+      </a:fillRef>
+      <a:effectRef idx="0">
+        <a:scrgbClr r="0" g="0" b="0"/>
+      </a:effectRef>
+      <a:fontRef idx="minor">
+        <a:schemeClr val="lt1"/>
+      </a:fontRef>
+    </dgm:style>
+  </dgm:styleLbl>
+  <dgm:styleLbl name="bgSibTrans2D1">
+    <dgm:scene3d>
+      <a:camera prst="orthographicFront"/>
+      <a:lightRig rig="threePt" dir="t"/>
+    </dgm:scene3d>
+    <dgm:sp3d/>
+    <dgm:txPr/>
+    <dgm:style>
+      <a:lnRef idx="0">
+        <a:scrgbClr r="0" g="0" b="0"/>
+      </a:lnRef>
+      <a:fillRef idx="1">
+        <a:scrgbClr r="0" g="0" b="0"/>
+      </a:fillRef>
+      <a:effectRef idx="0">
+        <a:scrgbClr r="0" g="0" b="0"/>
+      </a:effectRef>
+      <a:fontRef idx="minor">
+        <a:schemeClr val="lt1"/>
+      </a:fontRef>
+    </dgm:style>
+  </dgm:styleLbl>
+  <dgm:styleLbl name="sibTrans1D1">
+    <dgm:scene3d>
+      <a:camera prst="orthographicFront"/>
+      <a:lightRig rig="threePt" dir="t"/>
+    </dgm:scene3d>
+    <dgm:sp3d/>
+    <dgm:txPr/>
+    <dgm:style>
+      <a:lnRef idx="1">
+        <a:scrgbClr r="0" g="0" b="0"/>
+      </a:lnRef>
+      <a:fillRef idx="0">
+        <a:scrgbClr r="0" g="0" b="0"/>
+      </a:fillRef>
+      <a:effectRef idx="0">
+        <a:scrgbClr r="0" g="0" b="0"/>
+      </a:effectRef>
+      <a:fontRef idx="minor"/>
+    </dgm:style>
+  </dgm:styleLbl>
+  <dgm:styleLbl name="callout">
+    <dgm:scene3d>
+      <a:camera prst="orthographicFront"/>
+      <a:lightRig rig="threePt" dir="t"/>
+    </dgm:scene3d>
+    <dgm:sp3d/>
+    <dgm:txPr/>
+    <dgm:style>
+      <a:lnRef idx="2">
+        <a:scrgbClr r="0" g="0" b="0"/>
+      </a:lnRef>
+      <a:fillRef idx="1">
+        <a:scrgbClr r="0" g="0" b="0"/>
+      </a:fillRef>
+      <a:effectRef idx="0">
+        <a:scrgbClr r="0" g="0" b="0"/>
+      </a:effectRef>
+      <a:fontRef idx="minor"/>
+    </dgm:style>
+  </dgm:styleLbl>
+  <dgm:styleLbl name="asst0">
+    <dgm:scene3d>
+      <a:camera prst="orthographicFront"/>
+      <a:lightRig rig="threePt" dir="t"/>
+    </dgm:scene3d>
+    <dgm:sp3d/>
+    <dgm:txPr/>
+    <dgm:style>
+      <a:lnRef idx="2">
+        <a:scrgbClr r="0" g="0" b="0"/>
+      </a:lnRef>
+      <a:fillRef idx="1">
+        <a:scrgbClr r="0" g="0" b="0"/>
+      </a:fillRef>
+      <a:effectRef idx="0">
+        <a:scrgbClr r="0" g="0" b="0"/>
+      </a:effectRef>
+      <a:fontRef idx="minor">
+        <a:schemeClr val="lt1"/>
+      </a:fontRef>
+    </dgm:style>
+  </dgm:styleLbl>
+  <dgm:styleLbl name="asst1">
+    <dgm:scene3d>
+      <a:camera prst="orthographicFront"/>
+      <a:lightRig rig="threePt" dir="t"/>
+    </dgm:scene3d>
+    <dgm:sp3d/>
+    <dgm:txPr/>
+    <dgm:style>
+      <a:lnRef idx="2">
+        <a:scrgbClr r="0" g="0" b="0"/>
+      </a:lnRef>
+      <a:fillRef idx="1">
+        <a:scrgbClr r="0" g="0" b="0"/>
+      </a:fillRef>
+      <a:effectRef idx="0">
+        <a:scrgbClr r="0" g="0" b="0"/>
+      </a:effectRef>
+      <a:fontRef idx="minor">
+        <a:schemeClr val="lt1"/>
+      </a:fontRef>
+    </dgm:style>
+  </dgm:styleLbl>
+  <dgm:styleLbl name="asst2">
+    <dgm:scene3d>
+      <a:camera prst="orthographicFront"/>
+      <a:lightRig rig="threePt" dir="t"/>
+    </dgm:scene3d>
+    <dgm:sp3d/>
+    <dgm:txPr/>
+    <dgm:style>
+      <a:lnRef idx="2">
+        <a:scrgbClr r="0" g="0" b="0"/>
+      </a:lnRef>
+      <a:fillRef idx="1">
+        <a:scrgbClr r="0" g="0" b="0"/>
+      </a:fillRef>
+      <a:effectRef idx="0">
+        <a:scrgbClr r="0" g="0" b="0"/>
+      </a:effectRef>
+      <a:fontRef idx="minor">
+        <a:schemeClr val="lt1"/>
+      </a:fontRef>
+    </dgm:style>
+  </dgm:styleLbl>
+  <dgm:styleLbl name="asst3">
+    <dgm:scene3d>
+      <a:camera prst="orthographicFront"/>
+      <a:lightRig rig="threePt" dir="t"/>
+    </dgm:scene3d>
+    <dgm:sp3d/>
+    <dgm:txPr/>
+    <dgm:style>
+      <a:lnRef idx="2">
+        <a:scrgbClr r="0" g="0" b="0"/>
+      </a:lnRef>
+      <a:fillRef idx="1">
+        <a:scrgbClr r="0" g="0" b="0"/>
+      </a:fillRef>
+      <a:effectRef idx="0">
+        <a:scrgbClr r="0" g="0" b="0"/>
+      </a:effectRef>
+      <a:fontRef idx="minor">
+        <a:schemeClr val="lt1"/>
+      </a:fontRef>
+    </dgm:style>
+  </dgm:styleLbl>
+  <dgm:styleLbl name="asst4">
+    <dgm:scene3d>
+      <a:camera prst="orthographicFront"/>
+      <a:lightRig rig="threePt" dir="t"/>
+    </dgm:scene3d>
+    <dgm:sp3d/>
+    <dgm:txPr/>
+    <dgm:style>
+      <a:lnRef idx="2">
+        <a:scrgbClr r="0" g="0" b="0"/>
+      </a:lnRef>
+      <a:fillRef idx="1">
+        <a:scrgbClr r="0" g="0" b="0"/>
+      </a:fillRef>
+      <a:effectRef idx="0">
+        <a:scrgbClr r="0" g="0" b="0"/>
+      </a:effectRef>
+      <a:fontRef idx="minor">
+        <a:schemeClr val="lt1"/>
+      </a:fontRef>
+    </dgm:style>
+  </dgm:styleLbl>
+  <dgm:styleLbl name="parChTrans2D1">
+    <dgm:scene3d>
+      <a:camera prst="orthographicFront"/>
+      <a:lightRig rig="threePt" dir="t"/>
+    </dgm:scene3d>
+    <dgm:sp3d/>
+    <dgm:txPr/>
+    <dgm:style>
+      <a:lnRef idx="2">
+        <a:scrgbClr r="0" g="0" b="0"/>
+      </a:lnRef>
+      <a:fillRef idx="1">
+        <a:scrgbClr r="0" g="0" b="0"/>
+      </a:fillRef>
+      <a:effectRef idx="0">
+        <a:scrgbClr r="0" g="0" b="0"/>
+      </a:effectRef>
+      <a:fontRef idx="minor">
+        <a:schemeClr val="lt1"/>
+      </a:fontRef>
+    </dgm:style>
+  </dgm:styleLbl>
+  <dgm:styleLbl name="parChTrans2D2">
+    <dgm:scene3d>
+      <a:camera prst="orthographicFront"/>
+      <a:lightRig rig="threePt" dir="t"/>
+    </dgm:scene3d>
+    <dgm:sp3d/>
+    <dgm:txPr/>
+    <dgm:style>
+      <a:lnRef idx="2">
+        <a:scrgbClr r="0" g="0" b="0"/>
+      </a:lnRef>
+      <a:fillRef idx="1">
+        <a:scrgbClr r="0" g="0" b="0"/>
+      </a:fillRef>
+      <a:effectRef idx="0">
+        <a:scrgbClr r="0" g="0" b="0"/>
+      </a:effectRef>
+      <a:fontRef idx="minor">
+        <a:schemeClr val="lt1"/>
+      </a:fontRef>
+    </dgm:style>
+  </dgm:styleLbl>
+  <dgm:styleLbl name="parChTrans2D3">
+    <dgm:scene3d>
+      <a:camera prst="orthographicFront"/>
+      <a:lightRig rig="threePt" dir="t"/>
+    </dgm:scene3d>
+    <dgm:sp3d/>
+    <dgm:txPr/>
+    <dgm:style>
+      <a:lnRef idx="2">
+        <a:scrgbClr r="0" g="0" b="0"/>
+      </a:lnRef>
+      <a:fillRef idx="1">
+        <a:scrgbClr r="0" g="0" b="0"/>
+      </a:fillRef>
+      <a:effectRef idx="0">
+        <a:scrgbClr r="0" g="0" b="0"/>
+      </a:effectRef>
+      <a:fontRef idx="minor">
+        <a:schemeClr val="lt1"/>
+      </a:fontRef>
+    </dgm:style>
+  </dgm:styleLbl>
+  <dgm:styleLbl name="parChTrans2D4">
+    <dgm:scene3d>
+      <a:camera prst="orthographicFront"/>
+      <a:lightRig rig="threePt" dir="t"/>
+    </dgm:scene3d>
+    <dgm:sp3d/>
+    <dgm:txPr/>
+    <dgm:style>
+      <a:lnRef idx="2">
+        <a:scrgbClr r="0" g="0" b="0"/>
+      </a:lnRef>
+      <a:fillRef idx="1">
+        <a:scrgbClr r="0" g="0" b="0"/>
+      </a:fillRef>
+      <a:effectRef idx="0">
+        <a:scrgbClr r="0" g="0" b="0"/>
+      </a:effectRef>
+      <a:fontRef idx="minor">
+        <a:schemeClr val="lt1"/>
+      </a:fontRef>
+    </dgm:style>
+  </dgm:styleLbl>
+  <dgm:styleLbl name="parChTrans1D1">
+    <dgm:scene3d>
+      <a:camera prst="orthographicFront"/>
+      <a:lightRig rig="threePt" dir="t"/>
+    </dgm:scene3d>
+    <dgm:sp3d/>
+    <dgm:txPr/>
+    <dgm:style>
+      <a:lnRef idx="2">
+        <a:scrgbClr r="0" g="0" b="0"/>
+      </a:lnRef>
+      <a:fillRef idx="0">
+        <a:scrgbClr r="0" g="0" b="0"/>
+      </a:fillRef>
+      <a:effectRef idx="0">
+        <a:scrgbClr r="0" g="0" b="0"/>
+      </a:effectRef>
+      <a:fontRef idx="minor"/>
+    </dgm:style>
+  </dgm:styleLbl>
+  <dgm:styleLbl name="parChTrans1D2">
+    <dgm:scene3d>
+      <a:camera prst="orthographicFront"/>
+      <a:lightRig rig="threePt" dir="t"/>
+    </dgm:scene3d>
+    <dgm:sp3d/>
+    <dgm:txPr/>
+    <dgm:style>
+      <a:lnRef idx="2">
+        <a:scrgbClr r="0" g="0" b="0"/>
+      </a:lnRef>
+      <a:fillRef idx="0">
+        <a:scrgbClr r="0" g="0" b="0"/>
+      </a:fillRef>
+      <a:effectRef idx="0">
+        <a:scrgbClr r="0" g="0" b="0"/>
+      </a:effectRef>
+      <a:fontRef idx="minor"/>
+    </dgm:style>
+  </dgm:styleLbl>
+  <dgm:styleLbl name="parChTrans1D3">
+    <dgm:scene3d>
+      <a:camera prst="orthographicFront"/>
+      <a:lightRig rig="threePt" dir="t"/>
+    </dgm:scene3d>
+    <dgm:sp3d/>
+    <dgm:txPr/>
+    <dgm:style>
+      <a:lnRef idx="2">
+        <a:scrgbClr r="0" g="0" b="0"/>
+      </a:lnRef>
+      <a:fillRef idx="0">
+        <a:scrgbClr r="0" g="0" b="0"/>
+      </a:fillRef>
+      <a:effectRef idx="0">
+        <a:scrgbClr r="0" g="0" b="0"/>
+      </a:effectRef>
+      <a:fontRef idx="minor"/>
+    </dgm:style>
+  </dgm:styleLbl>
+  <dgm:styleLbl name="parChTrans1D4">
+    <dgm:scene3d>
+      <a:camera prst="orthographicFront"/>
+      <a:lightRig rig="threePt" dir="t"/>
+    </dgm:scene3d>
+    <dgm:sp3d/>
+    <dgm:txPr/>
+    <dgm:style>
+      <a:lnRef idx="2">
+        <a:scrgbClr r="0" g="0" b="0"/>
+      </a:lnRef>
+      <a:fillRef idx="0">
+        <a:scrgbClr r="0" g="0" b="0"/>
+      </a:fillRef>
+      <a:effectRef idx="0">
+        <a:scrgbClr r="0" g="0" b="0"/>
+      </a:effectRef>
+      <a:fontRef idx="minor"/>
+    </dgm:style>
+  </dgm:styleLbl>
+  <dgm:styleLbl name="fgAcc1">
+    <dgm:scene3d>
+      <a:camera prst="orthographicFront"/>
+      <a:lightRig rig="threePt" dir="t"/>
+    </dgm:scene3d>
+    <dgm:sp3d/>
+    <dgm:txPr/>
+    <dgm:style>
+      <a:lnRef idx="2">
+        <a:scrgbClr r="0" g="0" b="0"/>
+      </a:lnRef>
+      <a:fillRef idx="1">
+        <a:scrgbClr r="0" g="0" b="0"/>
+      </a:fillRef>
+      <a:effectRef idx="0">
+        <a:scrgbClr r="0" g="0" b="0"/>
+      </a:effectRef>
+      <a:fontRef idx="minor"/>
+    </dgm:style>
+  </dgm:styleLbl>
+  <dgm:styleLbl name="conFgAcc1">
+    <dgm:scene3d>
+      <a:camera prst="orthographicFront"/>
+      <a:lightRig rig="threePt" dir="t"/>
+    </dgm:scene3d>
+    <dgm:sp3d/>
+    <dgm:txPr/>
+    <dgm:style>
+      <a:lnRef idx="2">
+        <a:scrgbClr r="0" g="0" b="0"/>
+      </a:lnRef>
+      <a:fillRef idx="1">
+        <a:scrgbClr r="0" g="0" b="0"/>
+      </a:fillRef>
+      <a:effectRef idx="0">
+        <a:scrgbClr r="0" g="0" b="0"/>
+      </a:effectRef>
+      <a:fontRef idx="minor"/>
+    </dgm:style>
+  </dgm:styleLbl>
+  <dgm:styleLbl name="alignAcc1">
+    <dgm:scene3d>
+      <a:camera prst="orthographicFront"/>
+      <a:lightRig rig="threePt" dir="t"/>
+    </dgm:scene3d>
+    <dgm:sp3d/>
+    <dgm:txPr/>
+    <dgm:style>
+      <a:lnRef idx="2">
+        <a:scrgbClr r="0" g="0" b="0"/>
+      </a:lnRef>
+      <a:fillRef idx="1">
+        <a:scrgbClr r="0" g="0" b="0"/>
+      </a:fillRef>
+      <a:effectRef idx="0">
+        <a:scrgbClr r="0" g="0" b="0"/>
+      </a:effectRef>
+      <a:fontRef idx="minor"/>
+    </dgm:style>
+  </dgm:styleLbl>
+  <dgm:styleLbl name="trAlignAcc1">
+    <dgm:scene3d>
+      <a:camera prst="orthographicFront"/>
+      <a:lightRig rig="threePt" dir="t"/>
+    </dgm:scene3d>
+    <dgm:sp3d/>
+    <dgm:txPr/>
+    <dgm:style>
+      <a:lnRef idx="1">
+        <a:scrgbClr r="0" g="0" b="0"/>
+      </a:lnRef>
+      <a:fillRef idx="1">
+        <a:scrgbClr r="0" g="0" b="0"/>
+      </a:fillRef>
+      <a:effectRef idx="0">
+        <a:scrgbClr r="0" g="0" b="0"/>
+      </a:effectRef>
+      <a:fontRef idx="minor"/>
+    </dgm:style>
+  </dgm:styleLbl>
+  <dgm:styleLbl name="bgAcc1">
+    <dgm:scene3d>
+      <a:camera prst="orthographicFront"/>
+      <a:lightRig rig="threePt" dir="t"/>
+    </dgm:scene3d>
+    <dgm:sp3d/>
+    <dgm:txPr/>
+    <dgm:style>
+      <a:lnRef idx="2">
+        <a:scrgbClr r="0" g="0" b="0"/>
+      </a:lnRef>
+      <a:fillRef idx="1">
+        <a:scrgbClr r="0" g="0" b="0"/>
+      </a:fillRef>
+      <a:effectRef idx="0">
+        <a:scrgbClr r="0" g="0" b="0"/>
+      </a:effectRef>
+      <a:fontRef idx="minor"/>
+    </dgm:style>
+  </dgm:styleLbl>
+  <dgm:styleLbl name="solidFgAcc1">
+    <dgm:scene3d>
+      <a:camera prst="orthographicFront"/>
+      <a:lightRig rig="threePt" dir="t"/>
+    </dgm:scene3d>
+    <dgm:sp3d/>
+    <dgm:txPr/>
+    <dgm:style>
+      <a:lnRef idx="2">
+        <a:scrgbClr r="0" g="0" b="0"/>
+      </a:lnRef>
+      <a:fillRef idx="1">
+        <a:scrgbClr r="0" g="0" b="0"/>
+      </a:fillRef>
+      <a:effectRef idx="0">
+        <a:scrgbClr r="0" g="0" b="0"/>
+      </a:effectRef>
+      <a:fontRef idx="minor"/>
+    </dgm:style>
+  </dgm:styleLbl>
+  <dgm:styleLbl name="solidAlignAcc1">
+    <dgm:scene3d>
+      <a:camera prst="orthographicFront"/>
+      <a:lightRig rig="threePt" dir="t"/>
+    </dgm:scene3d>
+    <dgm:sp3d/>
+    <dgm:txPr/>
+    <dgm:style>
+      <a:lnRef idx="2">
+        <a:scrgbClr r="0" g="0" b="0"/>
+      </a:lnRef>
+      <a:fillRef idx="1">
+        <a:scrgbClr r="0" g="0" b="0"/>
+      </a:fillRef>
+      <a:effectRef idx="0">
+        <a:scrgbClr r="0" g="0" b="0"/>
+      </a:effectRef>
+      <a:fontRef idx="minor"/>
+    </dgm:style>
+  </dgm:styleLbl>
+  <dgm:styleLbl name="solidBgAcc1">
+    <dgm:scene3d>
+      <a:camera prst="orthographicFront"/>
+      <a:lightRig rig="threePt" dir="t"/>
+    </dgm:scene3d>
+    <dgm:sp3d/>
+    <dgm:txPr/>
+    <dgm:style>
+      <a:lnRef idx="2">
+        <a:scrgbClr r="0" g="0" b="0"/>
+      </a:lnRef>
+      <a:fillRef idx="1">
+        <a:scrgbClr r="0" g="0" b="0"/>
+      </a:fillRef>
+      <a:effectRef idx="0">
+        <a:scrgbClr r="0" g="0" b="0"/>
+      </a:effectRef>
+      <a:fontRef idx="minor"/>
+    </dgm:style>
+  </dgm:styleLbl>
+  <dgm:styleLbl name="fgAccFollowNode1">
+    <dgm:scene3d>
+      <a:camera prst="orthographicFront"/>
+      <a:lightRig rig="threePt" dir="t"/>
+    </dgm:scene3d>
+    <dgm:sp3d/>
+    <dgm:txPr/>
+    <dgm:style>
+      <a:lnRef idx="2">
+        <a:scrgbClr r="0" g="0" b="0"/>
+      </a:lnRef>
+      <a:fillRef idx="1">
+        <a:scrgbClr r="0" g="0" b="0"/>
+      </a:fillRef>
+      <a:effectRef idx="0">
+        <a:scrgbClr r="0" g="0" b="0"/>
+      </a:effectRef>
+      <a:fontRef idx="minor"/>
+    </dgm:style>
+  </dgm:styleLbl>
+  <dgm:styleLbl name="alignAccFollowNode1">
+    <dgm:scene3d>
+      <a:camera prst="orthographicFront"/>
+      <a:lightRig rig="threePt" dir="t"/>
+    </dgm:scene3d>
+    <dgm:sp3d/>
+    <dgm:txPr/>
+    <dgm:style>
+      <a:lnRef idx="2">
+        <a:scrgbClr r="0" g="0" b="0"/>
+      </a:lnRef>
+      <a:fillRef idx="1">
+        <a:scrgbClr r="0" g="0" b="0"/>
+      </a:fillRef>
+      <a:effectRef idx="0">
+        <a:scrgbClr r="0" g="0" b="0"/>
+      </a:effectRef>
+      <a:fontRef idx="minor"/>
+    </dgm:style>
+  </dgm:styleLbl>
+  <dgm:styleLbl name="bgAccFollowNode1">
+    <dgm:scene3d>
+      <a:camera prst="orthographicFront"/>
+      <a:lightRig rig="threePt" dir="t"/>
+    </dgm:scene3d>
+    <dgm:sp3d/>
+    <dgm:txPr/>
+    <dgm:style>
+      <a:lnRef idx="2">
+        <a:scrgbClr r="0" g="0" b="0"/>
+      </a:lnRef>
+      <a:fillRef idx="1">
+        <a:scrgbClr r="0" g="0" b="0"/>
+      </a:fillRef>
+      <a:effectRef idx="0">
+        <a:scrgbClr r="0" g="0" b="0"/>
+      </a:effectRef>
+      <a:fontRef idx="minor"/>
+    </dgm:style>
+  </dgm:styleLbl>
+  <dgm:styleLbl name="fgAcc0">
+    <dgm:scene3d>
+      <a:camera prst="orthographicFront"/>
+      <a:lightRig rig="threePt" dir="t"/>
+    </dgm:scene3d>
+    <dgm:sp3d/>
+    <dgm:txPr/>
+    <dgm:style>
+      <a:lnRef idx="2">
+        <a:scrgbClr r="0" g="0" b="0"/>
+      </a:lnRef>
+      <a:fillRef idx="1">
+        <a:scrgbClr r="0" g="0" b="0"/>
+      </a:fillRef>
+      <a:effectRef idx="0">
+        <a:scrgbClr r="0" g="0" b="0"/>
+      </a:effectRef>
+      <a:fontRef idx="minor"/>
+    </dgm:style>
+  </dgm:styleLbl>
+  <dgm:styleLbl name="fgAcc2">
+    <dgm:scene3d>
+      <a:camera prst="orthographicFront"/>
+      <a:lightRig rig="threePt" dir="t"/>
+    </dgm:scene3d>
+    <dgm:sp3d/>
+    <dgm:txPr/>
+    <dgm:style>
+      <a:lnRef idx="2">
+        <a:scrgbClr r="0" g="0" b="0"/>
+      </a:lnRef>
+      <a:fillRef idx="1">
+        <a:scrgbClr r="0" g="0" b="0"/>
+      </a:fillRef>
+      <a:effectRef idx="0">
+        <a:scrgbClr r="0" g="0" b="0"/>
+      </a:effectRef>
+      <a:fontRef idx="minor"/>
+    </dgm:style>
+  </dgm:styleLbl>
+  <dgm:styleLbl name="fgAcc3">
+    <dgm:scene3d>
+      <a:camera prst="orthographicFront"/>
+      <a:lightRig rig="threePt" dir="t"/>
+    </dgm:scene3d>
+    <dgm:sp3d/>
+    <dgm:txPr/>
+    <dgm:style>
+      <a:lnRef idx="2">
+        <a:scrgbClr r="0" g="0" b="0"/>
+      </a:lnRef>
+      <a:fillRef idx="1">
+        <a:scrgbClr r="0" g="0" b="0"/>
+      </a:fillRef>
+      <a:effectRef idx="0">
+        <a:scrgbClr r="0" g="0" b="0"/>
+      </a:effectRef>
+      <a:fontRef idx="minor"/>
+    </dgm:style>
+  </dgm:styleLbl>
+  <dgm:styleLbl name="fgAcc4">
+    <dgm:scene3d>
+      <a:camera prst="orthographicFront"/>
+      <a:lightRig rig="threePt" dir="t"/>
+    </dgm:scene3d>
+    <dgm:sp3d/>
+    <dgm:txPr/>
+    <dgm:style>
+      <a:lnRef idx="2">
+        <a:scrgbClr r="0" g="0" b="0"/>
+      </a:lnRef>
+      <a:fillRef idx="1">
+        <a:scrgbClr r="0" g="0" b="0"/>
+      </a:fillRef>
+      <a:effectRef idx="0">
+        <a:scrgbClr r="0" g="0" b="0"/>
+      </a:effectRef>
+      <a:fontRef idx="minor"/>
+    </dgm:style>
+  </dgm:styleLbl>
+  <dgm:styleLbl name="bgShp">
+    <dgm:scene3d>
+      <a:camera prst="orthographicFront"/>
+      <a:lightRig rig="threePt" dir="t"/>
+    </dgm:scene3d>
+    <dgm:sp3d/>
+    <dgm:txPr/>
+    <dgm:style>
+      <a:lnRef idx="0">
+        <a:scrgbClr r="0" g="0" b="0"/>
+      </a:lnRef>
+      <a:fillRef idx="1">
+        <a:scrgbClr r="0" g="0" b="0"/>
+      </a:fillRef>
+      <a:effectRef idx="0">
+        <a:scrgbClr r="0" g="0" b="0"/>
+      </a:effectRef>
+      <a:fontRef idx="minor"/>
+    </dgm:style>
+  </dgm:styleLbl>
+  <dgm:styleLbl name="dkBgShp">
+    <dgm:scene3d>
+      <a:camera prst="orthographicFront"/>
+      <a:lightRig rig="threePt" dir="t"/>
+    </dgm:scene3d>
+    <dgm:sp3d/>
+    <dgm:txPr/>
+    <dgm:style>
+      <a:lnRef idx="0">
+        <a:scrgbClr r="0" g="0" b="0"/>
+      </a:lnRef>
+      <a:fillRef idx="1">
+        <a:scrgbClr r="0" g="0" b="0"/>
+      </a:fillRef>
+      <a:effectRef idx="0">
+        <a:scrgbClr r="0" g="0" b="0"/>
+      </a:effectRef>
+      <a:fontRef idx="minor"/>
+    </dgm:style>
+  </dgm:styleLbl>
+  <dgm:styleLbl name="trBgShp">
+    <dgm:scene3d>
+      <a:camera prst="orthographicFront"/>
+      <a:lightRig rig="threePt" dir="t"/>
+    </dgm:scene3d>
+    <dgm:sp3d/>
+    <dgm:txPr/>
+    <dgm:style>
+      <a:lnRef idx="0">
+        <a:scrgbClr r="0" g="0" b="0"/>
+      </a:lnRef>
+      <a:fillRef idx="1">
+        <a:scrgbClr r="0" g="0" b="0"/>
+      </a:fillRef>
+      <a:effectRef idx="0">
+        <a:scrgbClr r="0" g="0" b="0"/>
+      </a:effectRef>
+      <a:fontRef idx="minor"/>
+    </dgm:style>
+  </dgm:styleLbl>
+  <dgm:styleLbl name="fgShp">
+    <dgm:scene3d>
+      <a:camera prst="orthographicFront"/>
+      <a:lightRig rig="threePt" dir="t"/>
+    </dgm:scene3d>
+    <dgm:sp3d/>
+    <dgm:txPr/>
+    <dgm:style>
+      <a:lnRef idx="2">
+        <a:scrgbClr r="0" g="0" b="0"/>
+      </a:lnRef>
+      <a:fillRef idx="1">
+        <a:scrgbClr r="0" g="0" b="0"/>
+      </a:fillRef>
+      <a:effectRef idx="0">
+        <a:scrgbClr r="0" g="0" b="0"/>
+      </a:effectRef>
+      <a:fontRef idx="minor"/>
+    </dgm:style>
+  </dgm:styleLbl>
+  <dgm:styleLbl name="revTx">
+    <dgm:scene3d>
+      <a:camera prst="orthographicFront"/>
+      <a:lightRig rig="threePt" dir="t"/>
+    </dgm:scene3d>
+    <dgm:sp3d/>
+    <dgm:txPr/>
+    <dgm:style>
+      <a:lnRef idx="0">
+        <a:scrgbClr r="0" g="0" b="0"/>
+      </a:lnRef>
+      <a:fillRef idx="0">
+        <a:scrgbClr r="0" g="0" b="0"/>
+      </a:fillRef>
+      <a:effectRef idx="0">
+        <a:scrgbClr r="0" g="0" b="0"/>
+      </a:effectRef>
+      <a:fontRef idx="minor"/>
+    </dgm:style>
+  </dgm:styleLbl>
+</dgm:styleDef>
+</file>
+
+<file path=ppt/diagrams/quickStyle2.xml><?xml version="1.0" encoding="utf-8"?>
 <dgm:styleDef xmlns:dgm="http://schemas.openxmlformats.org/drawingml/2006/diagram" xmlns:a="http://schemas.openxmlformats.org/drawingml/2006/main" uniqueId="urn:microsoft.com/office/officeart/2005/8/quickstyle/simple4">
   <dgm:title val=""/>
   <dgm:desc val=""/>
@@ -4399,1038 +5437,354 @@
 </dgm:styleDef>
 </file>
 
-<file path=ppt/diagrams/quickStyle2.xml><?xml version="1.0" encoding="utf-8"?>
-<dgm:styleDef xmlns:dgm="http://schemas.openxmlformats.org/drawingml/2006/diagram" xmlns:a="http://schemas.openxmlformats.org/drawingml/2006/main" uniqueId="urn:microsoft.com/office/officeart/2005/8/quickstyle/simple1">
-  <dgm:title val=""/>
-  <dgm:desc val=""/>
-  <dgm:catLst>
-    <dgm:cat type="simple" pri="10100"/>
-  </dgm:catLst>
-  <dgm:scene3d>
-    <a:camera prst="orthographicFront"/>
-    <a:lightRig rig="threePt" dir="t"/>
-  </dgm:scene3d>
-  <dgm:styleLbl name="node0">
-    <dgm:scene3d>
-      <a:camera prst="orthographicFront"/>
-      <a:lightRig rig="threePt" dir="t"/>
-    </dgm:scene3d>
-    <dgm:sp3d/>
-    <dgm:txPr/>
-    <dgm:style>
-      <a:lnRef idx="2">
-        <a:scrgbClr r="0" g="0" b="0"/>
-      </a:lnRef>
-      <a:fillRef idx="1">
-        <a:scrgbClr r="0" g="0" b="0"/>
-      </a:fillRef>
-      <a:effectRef idx="0">
-        <a:scrgbClr r="0" g="0" b="0"/>
-      </a:effectRef>
-      <a:fontRef idx="minor">
-        <a:schemeClr val="lt1"/>
-      </a:fontRef>
-    </dgm:style>
-  </dgm:styleLbl>
-  <dgm:styleLbl name="lnNode1">
-    <dgm:scene3d>
-      <a:camera prst="orthographicFront"/>
-      <a:lightRig rig="threePt" dir="t"/>
-    </dgm:scene3d>
-    <dgm:sp3d/>
-    <dgm:txPr/>
-    <dgm:style>
-      <a:lnRef idx="2">
-        <a:scrgbClr r="0" g="0" b="0"/>
-      </a:lnRef>
-      <a:fillRef idx="1">
-        <a:scrgbClr r="0" g="0" b="0"/>
-      </a:fillRef>
-      <a:effectRef idx="0">
-        <a:scrgbClr r="0" g="0" b="0"/>
-      </a:effectRef>
-      <a:fontRef idx="minor">
-        <a:schemeClr val="lt1"/>
-      </a:fontRef>
-    </dgm:style>
-  </dgm:styleLbl>
-  <dgm:styleLbl name="vennNode1">
-    <dgm:scene3d>
-      <a:camera prst="orthographicFront"/>
-      <a:lightRig rig="threePt" dir="t"/>
-    </dgm:scene3d>
-    <dgm:sp3d/>
-    <dgm:txPr/>
-    <dgm:style>
-      <a:lnRef idx="2">
-        <a:scrgbClr r="0" g="0" b="0"/>
-      </a:lnRef>
-      <a:fillRef idx="1">
-        <a:scrgbClr r="0" g="0" b="0"/>
-      </a:fillRef>
-      <a:effectRef idx="0">
-        <a:scrgbClr r="0" g="0" b="0"/>
-      </a:effectRef>
-      <a:fontRef idx="minor">
-        <a:schemeClr val="tx1"/>
-      </a:fontRef>
-    </dgm:style>
-  </dgm:styleLbl>
-  <dgm:styleLbl name="alignNode1">
-    <dgm:scene3d>
-      <a:camera prst="orthographicFront"/>
-      <a:lightRig rig="threePt" dir="t"/>
-    </dgm:scene3d>
-    <dgm:sp3d/>
-    <dgm:txPr/>
-    <dgm:style>
-      <a:lnRef idx="2">
-        <a:scrgbClr r="0" g="0" b="0"/>
-      </a:lnRef>
-      <a:fillRef idx="1">
-        <a:scrgbClr r="0" g="0" b="0"/>
-      </a:fillRef>
-      <a:effectRef idx="0">
-        <a:scrgbClr r="0" g="0" b="0"/>
-      </a:effectRef>
-      <a:fontRef idx="minor">
-        <a:schemeClr val="lt1"/>
-      </a:fontRef>
-    </dgm:style>
-  </dgm:styleLbl>
-  <dgm:styleLbl name="node1">
-    <dgm:scene3d>
-      <a:camera prst="orthographicFront"/>
-      <a:lightRig rig="threePt" dir="t"/>
-    </dgm:scene3d>
-    <dgm:sp3d/>
-    <dgm:txPr/>
-    <dgm:style>
-      <a:lnRef idx="2">
-        <a:scrgbClr r="0" g="0" b="0"/>
-      </a:lnRef>
-      <a:fillRef idx="1">
-        <a:scrgbClr r="0" g="0" b="0"/>
-      </a:fillRef>
-      <a:effectRef idx="0">
-        <a:scrgbClr r="0" g="0" b="0"/>
-      </a:effectRef>
-      <a:fontRef idx="minor">
-        <a:schemeClr val="lt1"/>
-      </a:fontRef>
-    </dgm:style>
-  </dgm:styleLbl>
-  <dgm:styleLbl name="node2">
-    <dgm:scene3d>
-      <a:camera prst="orthographicFront"/>
-      <a:lightRig rig="threePt" dir="t"/>
-    </dgm:scene3d>
-    <dgm:sp3d/>
-    <dgm:txPr/>
-    <dgm:style>
-      <a:lnRef idx="2">
-        <a:scrgbClr r="0" g="0" b="0"/>
-      </a:lnRef>
-      <a:fillRef idx="1">
-        <a:scrgbClr r="0" g="0" b="0"/>
-      </a:fillRef>
-      <a:effectRef idx="0">
-        <a:scrgbClr r="0" g="0" b="0"/>
-      </a:effectRef>
-      <a:fontRef idx="minor">
-        <a:schemeClr val="lt1"/>
-      </a:fontRef>
-    </dgm:style>
-  </dgm:styleLbl>
-  <dgm:styleLbl name="node3">
-    <dgm:scene3d>
-      <a:camera prst="orthographicFront"/>
-      <a:lightRig rig="threePt" dir="t"/>
-    </dgm:scene3d>
-    <dgm:sp3d/>
-    <dgm:txPr/>
-    <dgm:style>
-      <a:lnRef idx="2">
-        <a:scrgbClr r="0" g="0" b="0"/>
-      </a:lnRef>
-      <a:fillRef idx="1">
-        <a:scrgbClr r="0" g="0" b="0"/>
-      </a:fillRef>
-      <a:effectRef idx="0">
-        <a:scrgbClr r="0" g="0" b="0"/>
-      </a:effectRef>
-      <a:fontRef idx="minor">
-        <a:schemeClr val="lt1"/>
-      </a:fontRef>
-    </dgm:style>
-  </dgm:styleLbl>
-  <dgm:styleLbl name="node4">
-    <dgm:scene3d>
-      <a:camera prst="orthographicFront"/>
-      <a:lightRig rig="threePt" dir="t"/>
-    </dgm:scene3d>
-    <dgm:sp3d/>
-    <dgm:txPr/>
-    <dgm:style>
-      <a:lnRef idx="2">
-        <a:scrgbClr r="0" g="0" b="0"/>
-      </a:lnRef>
-      <a:fillRef idx="1">
-        <a:scrgbClr r="0" g="0" b="0"/>
-      </a:fillRef>
-      <a:effectRef idx="0">
-        <a:scrgbClr r="0" g="0" b="0"/>
-      </a:effectRef>
-      <a:fontRef idx="minor">
-        <a:schemeClr val="lt1"/>
-      </a:fontRef>
-    </dgm:style>
-  </dgm:styleLbl>
-  <dgm:styleLbl name="fgImgPlace1">
-    <dgm:scene3d>
-      <a:camera prst="orthographicFront"/>
-      <a:lightRig rig="threePt" dir="t"/>
-    </dgm:scene3d>
-    <dgm:sp3d/>
-    <dgm:txPr/>
-    <dgm:style>
-      <a:lnRef idx="2">
-        <a:scrgbClr r="0" g="0" b="0"/>
-      </a:lnRef>
-      <a:fillRef idx="1">
-        <a:scrgbClr r="0" g="0" b="0"/>
-      </a:fillRef>
-      <a:effectRef idx="0">
-        <a:scrgbClr r="0" g="0" b="0"/>
-      </a:effectRef>
-      <a:fontRef idx="minor"/>
-    </dgm:style>
-  </dgm:styleLbl>
-  <dgm:styleLbl name="alignImgPlace1">
-    <dgm:scene3d>
-      <a:camera prst="orthographicFront"/>
-      <a:lightRig rig="threePt" dir="t"/>
-    </dgm:scene3d>
-    <dgm:sp3d/>
-    <dgm:txPr/>
-    <dgm:style>
-      <a:lnRef idx="2">
-        <a:scrgbClr r="0" g="0" b="0"/>
-      </a:lnRef>
-      <a:fillRef idx="1">
-        <a:scrgbClr r="0" g="0" b="0"/>
-      </a:fillRef>
-      <a:effectRef idx="0">
-        <a:scrgbClr r="0" g="0" b="0"/>
-      </a:effectRef>
-      <a:fontRef idx="minor"/>
-    </dgm:style>
-  </dgm:styleLbl>
-  <dgm:styleLbl name="bgImgPlace1">
-    <dgm:scene3d>
-      <a:camera prst="orthographicFront"/>
-      <a:lightRig rig="threePt" dir="t"/>
-    </dgm:scene3d>
-    <dgm:sp3d/>
-    <dgm:txPr/>
-    <dgm:style>
-      <a:lnRef idx="2">
-        <a:scrgbClr r="0" g="0" b="0"/>
-      </a:lnRef>
-      <a:fillRef idx="1">
-        <a:scrgbClr r="0" g="0" b="0"/>
-      </a:fillRef>
-      <a:effectRef idx="0">
-        <a:scrgbClr r="0" g="0" b="0"/>
-      </a:effectRef>
-      <a:fontRef idx="minor"/>
-    </dgm:style>
-  </dgm:styleLbl>
-  <dgm:styleLbl name="sibTrans2D1">
-    <dgm:scene3d>
-      <a:camera prst="orthographicFront"/>
-      <a:lightRig rig="threePt" dir="t"/>
-    </dgm:scene3d>
-    <dgm:sp3d/>
-    <dgm:txPr/>
-    <dgm:style>
-      <a:lnRef idx="0">
-        <a:scrgbClr r="0" g="0" b="0"/>
-      </a:lnRef>
-      <a:fillRef idx="1">
-        <a:scrgbClr r="0" g="0" b="0"/>
-      </a:fillRef>
-      <a:effectRef idx="0">
-        <a:scrgbClr r="0" g="0" b="0"/>
-      </a:effectRef>
-      <a:fontRef idx="minor">
-        <a:schemeClr val="lt1"/>
-      </a:fontRef>
-    </dgm:style>
-  </dgm:styleLbl>
-  <dgm:styleLbl name="fgSibTrans2D1">
-    <dgm:scene3d>
-      <a:camera prst="orthographicFront"/>
-      <a:lightRig rig="threePt" dir="t"/>
-    </dgm:scene3d>
-    <dgm:sp3d/>
-    <dgm:txPr/>
-    <dgm:style>
-      <a:lnRef idx="0">
-        <a:scrgbClr r="0" g="0" b="0"/>
-      </a:lnRef>
-      <a:fillRef idx="1">
-        <a:scrgbClr r="0" g="0" b="0"/>
-      </a:fillRef>
-      <a:effectRef idx="0">
-        <a:scrgbClr r="0" g="0" b="0"/>
-      </a:effectRef>
-      <a:fontRef idx="minor">
-        <a:schemeClr val="lt1"/>
-      </a:fontRef>
-    </dgm:style>
-  </dgm:styleLbl>
-  <dgm:styleLbl name="bgSibTrans2D1">
-    <dgm:scene3d>
-      <a:camera prst="orthographicFront"/>
-      <a:lightRig rig="threePt" dir="t"/>
-    </dgm:scene3d>
-    <dgm:sp3d/>
-    <dgm:txPr/>
-    <dgm:style>
-      <a:lnRef idx="0">
-        <a:scrgbClr r="0" g="0" b="0"/>
-      </a:lnRef>
-      <a:fillRef idx="1">
-        <a:scrgbClr r="0" g="0" b="0"/>
-      </a:fillRef>
-      <a:effectRef idx="0">
-        <a:scrgbClr r="0" g="0" b="0"/>
-      </a:effectRef>
-      <a:fontRef idx="minor">
-        <a:schemeClr val="lt1"/>
-      </a:fontRef>
-    </dgm:style>
-  </dgm:styleLbl>
-  <dgm:styleLbl name="sibTrans1D1">
-    <dgm:scene3d>
-      <a:camera prst="orthographicFront"/>
-      <a:lightRig rig="threePt" dir="t"/>
-    </dgm:scene3d>
-    <dgm:sp3d/>
-    <dgm:txPr/>
-    <dgm:style>
-      <a:lnRef idx="1">
-        <a:scrgbClr r="0" g="0" b="0"/>
-      </a:lnRef>
-      <a:fillRef idx="0">
-        <a:scrgbClr r="0" g="0" b="0"/>
-      </a:fillRef>
-      <a:effectRef idx="0">
-        <a:scrgbClr r="0" g="0" b="0"/>
-      </a:effectRef>
-      <a:fontRef idx="minor"/>
-    </dgm:style>
-  </dgm:styleLbl>
-  <dgm:styleLbl name="callout">
-    <dgm:scene3d>
-      <a:camera prst="orthographicFront"/>
-      <a:lightRig rig="threePt" dir="t"/>
-    </dgm:scene3d>
-    <dgm:sp3d/>
-    <dgm:txPr/>
-    <dgm:style>
-      <a:lnRef idx="2">
-        <a:scrgbClr r="0" g="0" b="0"/>
-      </a:lnRef>
-      <a:fillRef idx="1">
-        <a:scrgbClr r="0" g="0" b="0"/>
-      </a:fillRef>
-      <a:effectRef idx="0">
-        <a:scrgbClr r="0" g="0" b="0"/>
-      </a:effectRef>
-      <a:fontRef idx="minor"/>
-    </dgm:style>
-  </dgm:styleLbl>
-  <dgm:styleLbl name="asst0">
-    <dgm:scene3d>
-      <a:camera prst="orthographicFront"/>
-      <a:lightRig rig="threePt" dir="t"/>
-    </dgm:scene3d>
-    <dgm:sp3d/>
-    <dgm:txPr/>
-    <dgm:style>
-      <a:lnRef idx="2">
-        <a:scrgbClr r="0" g="0" b="0"/>
-      </a:lnRef>
-      <a:fillRef idx="1">
-        <a:scrgbClr r="0" g="0" b="0"/>
-      </a:fillRef>
-      <a:effectRef idx="0">
-        <a:scrgbClr r="0" g="0" b="0"/>
-      </a:effectRef>
-      <a:fontRef idx="minor">
-        <a:schemeClr val="lt1"/>
-      </a:fontRef>
-    </dgm:style>
-  </dgm:styleLbl>
-  <dgm:styleLbl name="asst1">
-    <dgm:scene3d>
-      <a:camera prst="orthographicFront"/>
-      <a:lightRig rig="threePt" dir="t"/>
-    </dgm:scene3d>
-    <dgm:sp3d/>
-    <dgm:txPr/>
-    <dgm:style>
-      <a:lnRef idx="2">
-        <a:scrgbClr r="0" g="0" b="0"/>
-      </a:lnRef>
-      <a:fillRef idx="1">
-        <a:scrgbClr r="0" g="0" b="0"/>
-      </a:fillRef>
-      <a:effectRef idx="0">
-        <a:scrgbClr r="0" g="0" b="0"/>
-      </a:effectRef>
-      <a:fontRef idx="minor">
-        <a:schemeClr val="lt1"/>
-      </a:fontRef>
-    </dgm:style>
-  </dgm:styleLbl>
-  <dgm:styleLbl name="asst2">
-    <dgm:scene3d>
-      <a:camera prst="orthographicFront"/>
-      <a:lightRig rig="threePt" dir="t"/>
-    </dgm:scene3d>
-    <dgm:sp3d/>
-    <dgm:txPr/>
-    <dgm:style>
-      <a:lnRef idx="2">
-        <a:scrgbClr r="0" g="0" b="0"/>
-      </a:lnRef>
-      <a:fillRef idx="1">
-        <a:scrgbClr r="0" g="0" b="0"/>
-      </a:fillRef>
-      <a:effectRef idx="0">
-        <a:scrgbClr r="0" g="0" b="0"/>
-      </a:effectRef>
-      <a:fontRef idx="minor">
-        <a:schemeClr val="lt1"/>
-      </a:fontRef>
-    </dgm:style>
-  </dgm:styleLbl>
-  <dgm:styleLbl name="asst3">
-    <dgm:scene3d>
-      <a:camera prst="orthographicFront"/>
-      <a:lightRig rig="threePt" dir="t"/>
-    </dgm:scene3d>
-    <dgm:sp3d/>
-    <dgm:txPr/>
-    <dgm:style>
-      <a:lnRef idx="2">
-        <a:scrgbClr r="0" g="0" b="0"/>
-      </a:lnRef>
-      <a:fillRef idx="1">
-        <a:scrgbClr r="0" g="0" b="0"/>
-      </a:fillRef>
-      <a:effectRef idx="0">
-        <a:scrgbClr r="0" g="0" b="0"/>
-      </a:effectRef>
-      <a:fontRef idx="minor">
-        <a:schemeClr val="lt1"/>
-      </a:fontRef>
-    </dgm:style>
-  </dgm:styleLbl>
-  <dgm:styleLbl name="asst4">
-    <dgm:scene3d>
-      <a:camera prst="orthographicFront"/>
-      <a:lightRig rig="threePt" dir="t"/>
-    </dgm:scene3d>
-    <dgm:sp3d/>
-    <dgm:txPr/>
-    <dgm:style>
-      <a:lnRef idx="2">
-        <a:scrgbClr r="0" g="0" b="0"/>
-      </a:lnRef>
-      <a:fillRef idx="1">
-        <a:scrgbClr r="0" g="0" b="0"/>
-      </a:fillRef>
-      <a:effectRef idx="0">
-        <a:scrgbClr r="0" g="0" b="0"/>
-      </a:effectRef>
-      <a:fontRef idx="minor">
-        <a:schemeClr val="lt1"/>
-      </a:fontRef>
-    </dgm:style>
-  </dgm:styleLbl>
-  <dgm:styleLbl name="parChTrans2D1">
-    <dgm:scene3d>
-      <a:camera prst="orthographicFront"/>
-      <a:lightRig rig="threePt" dir="t"/>
-    </dgm:scene3d>
-    <dgm:sp3d/>
-    <dgm:txPr/>
-    <dgm:style>
-      <a:lnRef idx="2">
-        <a:scrgbClr r="0" g="0" b="0"/>
-      </a:lnRef>
-      <a:fillRef idx="1">
-        <a:scrgbClr r="0" g="0" b="0"/>
-      </a:fillRef>
-      <a:effectRef idx="0">
-        <a:scrgbClr r="0" g="0" b="0"/>
-      </a:effectRef>
-      <a:fontRef idx="minor">
-        <a:schemeClr val="lt1"/>
-      </a:fontRef>
-    </dgm:style>
-  </dgm:styleLbl>
-  <dgm:styleLbl name="parChTrans2D2">
-    <dgm:scene3d>
-      <a:camera prst="orthographicFront"/>
-      <a:lightRig rig="threePt" dir="t"/>
-    </dgm:scene3d>
-    <dgm:sp3d/>
-    <dgm:txPr/>
-    <dgm:style>
-      <a:lnRef idx="2">
-        <a:scrgbClr r="0" g="0" b="0"/>
-      </a:lnRef>
-      <a:fillRef idx="1">
-        <a:scrgbClr r="0" g="0" b="0"/>
-      </a:fillRef>
-      <a:effectRef idx="0">
-        <a:scrgbClr r="0" g="0" b="0"/>
-      </a:effectRef>
-      <a:fontRef idx="minor">
-        <a:schemeClr val="lt1"/>
-      </a:fontRef>
-    </dgm:style>
-  </dgm:styleLbl>
-  <dgm:styleLbl name="parChTrans2D3">
-    <dgm:scene3d>
-      <a:camera prst="orthographicFront"/>
-      <a:lightRig rig="threePt" dir="t"/>
-    </dgm:scene3d>
-    <dgm:sp3d/>
-    <dgm:txPr/>
-    <dgm:style>
-      <a:lnRef idx="2">
-        <a:scrgbClr r="0" g="0" b="0"/>
-      </a:lnRef>
-      <a:fillRef idx="1">
-        <a:scrgbClr r="0" g="0" b="0"/>
-      </a:fillRef>
-      <a:effectRef idx="0">
-        <a:scrgbClr r="0" g="0" b="0"/>
-      </a:effectRef>
-      <a:fontRef idx="minor">
-        <a:schemeClr val="lt1"/>
-      </a:fontRef>
-    </dgm:style>
-  </dgm:styleLbl>
-  <dgm:styleLbl name="parChTrans2D4">
-    <dgm:scene3d>
-      <a:camera prst="orthographicFront"/>
-      <a:lightRig rig="threePt" dir="t"/>
-    </dgm:scene3d>
-    <dgm:sp3d/>
-    <dgm:txPr/>
-    <dgm:style>
-      <a:lnRef idx="2">
-        <a:scrgbClr r="0" g="0" b="0"/>
-      </a:lnRef>
-      <a:fillRef idx="1">
-        <a:scrgbClr r="0" g="0" b="0"/>
-      </a:fillRef>
-      <a:effectRef idx="0">
-        <a:scrgbClr r="0" g="0" b="0"/>
-      </a:effectRef>
-      <a:fontRef idx="minor">
-        <a:schemeClr val="lt1"/>
-      </a:fontRef>
-    </dgm:style>
-  </dgm:styleLbl>
-  <dgm:styleLbl name="parChTrans1D1">
-    <dgm:scene3d>
-      <a:camera prst="orthographicFront"/>
-      <a:lightRig rig="threePt" dir="t"/>
-    </dgm:scene3d>
-    <dgm:sp3d/>
-    <dgm:txPr/>
-    <dgm:style>
-      <a:lnRef idx="2">
-        <a:scrgbClr r="0" g="0" b="0"/>
-      </a:lnRef>
-      <a:fillRef idx="0">
-        <a:scrgbClr r="0" g="0" b="0"/>
-      </a:fillRef>
-      <a:effectRef idx="0">
-        <a:scrgbClr r="0" g="0" b="0"/>
-      </a:effectRef>
-      <a:fontRef idx="minor"/>
-    </dgm:style>
-  </dgm:styleLbl>
-  <dgm:styleLbl name="parChTrans1D2">
-    <dgm:scene3d>
-      <a:camera prst="orthographicFront"/>
-      <a:lightRig rig="threePt" dir="t"/>
-    </dgm:scene3d>
-    <dgm:sp3d/>
-    <dgm:txPr/>
-    <dgm:style>
-      <a:lnRef idx="2">
-        <a:scrgbClr r="0" g="0" b="0"/>
-      </a:lnRef>
-      <a:fillRef idx="0">
-        <a:scrgbClr r="0" g="0" b="0"/>
-      </a:fillRef>
-      <a:effectRef idx="0">
-        <a:scrgbClr r="0" g="0" b="0"/>
-      </a:effectRef>
-      <a:fontRef idx="minor"/>
-    </dgm:style>
-  </dgm:styleLbl>
-  <dgm:styleLbl name="parChTrans1D3">
-    <dgm:scene3d>
-      <a:camera prst="orthographicFront"/>
-      <a:lightRig rig="threePt" dir="t"/>
-    </dgm:scene3d>
-    <dgm:sp3d/>
-    <dgm:txPr/>
-    <dgm:style>
-      <a:lnRef idx="2">
-        <a:scrgbClr r="0" g="0" b="0"/>
-      </a:lnRef>
-      <a:fillRef idx="0">
-        <a:scrgbClr r="0" g="0" b="0"/>
-      </a:fillRef>
-      <a:effectRef idx="0">
-        <a:scrgbClr r="0" g="0" b="0"/>
-      </a:effectRef>
-      <a:fontRef idx="minor"/>
-    </dgm:style>
-  </dgm:styleLbl>
-  <dgm:styleLbl name="parChTrans1D4">
-    <dgm:scene3d>
-      <a:camera prst="orthographicFront"/>
-      <a:lightRig rig="threePt" dir="t"/>
-    </dgm:scene3d>
-    <dgm:sp3d/>
-    <dgm:txPr/>
-    <dgm:style>
-      <a:lnRef idx="2">
-        <a:scrgbClr r="0" g="0" b="0"/>
-      </a:lnRef>
-      <a:fillRef idx="0">
-        <a:scrgbClr r="0" g="0" b="0"/>
-      </a:fillRef>
-      <a:effectRef idx="0">
-        <a:scrgbClr r="0" g="0" b="0"/>
-      </a:effectRef>
-      <a:fontRef idx="minor"/>
-    </dgm:style>
-  </dgm:styleLbl>
-  <dgm:styleLbl name="fgAcc1">
-    <dgm:scene3d>
-      <a:camera prst="orthographicFront"/>
-      <a:lightRig rig="threePt" dir="t"/>
-    </dgm:scene3d>
-    <dgm:sp3d/>
-    <dgm:txPr/>
-    <dgm:style>
-      <a:lnRef idx="2">
-        <a:scrgbClr r="0" g="0" b="0"/>
-      </a:lnRef>
-      <a:fillRef idx="1">
-        <a:scrgbClr r="0" g="0" b="0"/>
-      </a:fillRef>
-      <a:effectRef idx="0">
-        <a:scrgbClr r="0" g="0" b="0"/>
-      </a:effectRef>
-      <a:fontRef idx="minor"/>
-    </dgm:style>
-  </dgm:styleLbl>
-  <dgm:styleLbl name="conFgAcc1">
-    <dgm:scene3d>
-      <a:camera prst="orthographicFront"/>
-      <a:lightRig rig="threePt" dir="t"/>
-    </dgm:scene3d>
-    <dgm:sp3d/>
-    <dgm:txPr/>
-    <dgm:style>
-      <a:lnRef idx="2">
-        <a:scrgbClr r="0" g="0" b="0"/>
-      </a:lnRef>
-      <a:fillRef idx="1">
-        <a:scrgbClr r="0" g="0" b="0"/>
-      </a:fillRef>
-      <a:effectRef idx="0">
-        <a:scrgbClr r="0" g="0" b="0"/>
-      </a:effectRef>
-      <a:fontRef idx="minor"/>
-    </dgm:style>
-  </dgm:styleLbl>
-  <dgm:styleLbl name="alignAcc1">
-    <dgm:scene3d>
-      <a:camera prst="orthographicFront"/>
-      <a:lightRig rig="threePt" dir="t"/>
-    </dgm:scene3d>
-    <dgm:sp3d/>
-    <dgm:txPr/>
-    <dgm:style>
-      <a:lnRef idx="2">
-        <a:scrgbClr r="0" g="0" b="0"/>
-      </a:lnRef>
-      <a:fillRef idx="1">
-        <a:scrgbClr r="0" g="0" b="0"/>
-      </a:fillRef>
-      <a:effectRef idx="0">
-        <a:scrgbClr r="0" g="0" b="0"/>
-      </a:effectRef>
-      <a:fontRef idx="minor"/>
-    </dgm:style>
-  </dgm:styleLbl>
-  <dgm:styleLbl name="trAlignAcc1">
-    <dgm:scene3d>
-      <a:camera prst="orthographicFront"/>
-      <a:lightRig rig="threePt" dir="t"/>
-    </dgm:scene3d>
-    <dgm:sp3d/>
-    <dgm:txPr/>
-    <dgm:style>
-      <a:lnRef idx="1">
-        <a:scrgbClr r="0" g="0" b="0"/>
-      </a:lnRef>
-      <a:fillRef idx="1">
-        <a:scrgbClr r="0" g="0" b="0"/>
-      </a:fillRef>
-      <a:effectRef idx="0">
-        <a:scrgbClr r="0" g="0" b="0"/>
-      </a:effectRef>
-      <a:fontRef idx="minor"/>
-    </dgm:style>
-  </dgm:styleLbl>
-  <dgm:styleLbl name="bgAcc1">
-    <dgm:scene3d>
-      <a:camera prst="orthographicFront"/>
-      <a:lightRig rig="threePt" dir="t"/>
-    </dgm:scene3d>
-    <dgm:sp3d/>
-    <dgm:txPr/>
-    <dgm:style>
-      <a:lnRef idx="2">
-        <a:scrgbClr r="0" g="0" b="0"/>
-      </a:lnRef>
-      <a:fillRef idx="1">
-        <a:scrgbClr r="0" g="0" b="0"/>
-      </a:fillRef>
-      <a:effectRef idx="0">
-        <a:scrgbClr r="0" g="0" b="0"/>
-      </a:effectRef>
-      <a:fontRef idx="minor"/>
-    </dgm:style>
-  </dgm:styleLbl>
-  <dgm:styleLbl name="solidFgAcc1">
-    <dgm:scene3d>
-      <a:camera prst="orthographicFront"/>
-      <a:lightRig rig="threePt" dir="t"/>
-    </dgm:scene3d>
-    <dgm:sp3d/>
-    <dgm:txPr/>
-    <dgm:style>
-      <a:lnRef idx="2">
-        <a:scrgbClr r="0" g="0" b="0"/>
-      </a:lnRef>
-      <a:fillRef idx="1">
-        <a:scrgbClr r="0" g="0" b="0"/>
-      </a:fillRef>
-      <a:effectRef idx="0">
-        <a:scrgbClr r="0" g="0" b="0"/>
-      </a:effectRef>
-      <a:fontRef idx="minor"/>
-    </dgm:style>
-  </dgm:styleLbl>
-  <dgm:styleLbl name="solidAlignAcc1">
-    <dgm:scene3d>
-      <a:camera prst="orthographicFront"/>
-      <a:lightRig rig="threePt" dir="t"/>
-    </dgm:scene3d>
-    <dgm:sp3d/>
-    <dgm:txPr/>
-    <dgm:style>
-      <a:lnRef idx="2">
-        <a:scrgbClr r="0" g="0" b="0"/>
-      </a:lnRef>
-      <a:fillRef idx="1">
-        <a:scrgbClr r="0" g="0" b="0"/>
-      </a:fillRef>
-      <a:effectRef idx="0">
-        <a:scrgbClr r="0" g="0" b="0"/>
-      </a:effectRef>
-      <a:fontRef idx="minor"/>
-    </dgm:style>
-  </dgm:styleLbl>
-  <dgm:styleLbl name="solidBgAcc1">
-    <dgm:scene3d>
-      <a:camera prst="orthographicFront"/>
-      <a:lightRig rig="threePt" dir="t"/>
-    </dgm:scene3d>
-    <dgm:sp3d/>
-    <dgm:txPr/>
-    <dgm:style>
-      <a:lnRef idx="2">
-        <a:scrgbClr r="0" g="0" b="0"/>
-      </a:lnRef>
-      <a:fillRef idx="1">
-        <a:scrgbClr r="0" g="0" b="0"/>
-      </a:fillRef>
-      <a:effectRef idx="0">
-        <a:scrgbClr r="0" g="0" b="0"/>
-      </a:effectRef>
-      <a:fontRef idx="minor"/>
-    </dgm:style>
-  </dgm:styleLbl>
-  <dgm:styleLbl name="fgAccFollowNode1">
-    <dgm:scene3d>
-      <a:camera prst="orthographicFront"/>
-      <a:lightRig rig="threePt" dir="t"/>
-    </dgm:scene3d>
-    <dgm:sp3d/>
-    <dgm:txPr/>
-    <dgm:style>
-      <a:lnRef idx="2">
-        <a:scrgbClr r="0" g="0" b="0"/>
-      </a:lnRef>
-      <a:fillRef idx="1">
-        <a:scrgbClr r="0" g="0" b="0"/>
-      </a:fillRef>
-      <a:effectRef idx="0">
-        <a:scrgbClr r="0" g="0" b="0"/>
-      </a:effectRef>
-      <a:fontRef idx="minor"/>
-    </dgm:style>
-  </dgm:styleLbl>
-  <dgm:styleLbl name="alignAccFollowNode1">
-    <dgm:scene3d>
-      <a:camera prst="orthographicFront"/>
-      <a:lightRig rig="threePt" dir="t"/>
-    </dgm:scene3d>
-    <dgm:sp3d/>
-    <dgm:txPr/>
-    <dgm:style>
-      <a:lnRef idx="2">
-        <a:scrgbClr r="0" g="0" b="0"/>
-      </a:lnRef>
-      <a:fillRef idx="1">
-        <a:scrgbClr r="0" g="0" b="0"/>
-      </a:fillRef>
-      <a:effectRef idx="0">
-        <a:scrgbClr r="0" g="0" b="0"/>
-      </a:effectRef>
-      <a:fontRef idx="minor"/>
-    </dgm:style>
-  </dgm:styleLbl>
-  <dgm:styleLbl name="bgAccFollowNode1">
-    <dgm:scene3d>
-      <a:camera prst="orthographicFront"/>
-      <a:lightRig rig="threePt" dir="t"/>
-    </dgm:scene3d>
-    <dgm:sp3d/>
-    <dgm:txPr/>
-    <dgm:style>
-      <a:lnRef idx="2">
-        <a:scrgbClr r="0" g="0" b="0"/>
-      </a:lnRef>
-      <a:fillRef idx="1">
-        <a:scrgbClr r="0" g="0" b="0"/>
-      </a:fillRef>
-      <a:effectRef idx="0">
-        <a:scrgbClr r="0" g="0" b="0"/>
-      </a:effectRef>
-      <a:fontRef idx="minor"/>
-    </dgm:style>
-  </dgm:styleLbl>
-  <dgm:styleLbl name="fgAcc0">
-    <dgm:scene3d>
-      <a:camera prst="orthographicFront"/>
-      <a:lightRig rig="threePt" dir="t"/>
-    </dgm:scene3d>
-    <dgm:sp3d/>
-    <dgm:txPr/>
-    <dgm:style>
-      <a:lnRef idx="2">
-        <a:scrgbClr r="0" g="0" b="0"/>
-      </a:lnRef>
-      <a:fillRef idx="1">
-        <a:scrgbClr r="0" g="0" b="0"/>
-      </a:fillRef>
-      <a:effectRef idx="0">
-        <a:scrgbClr r="0" g="0" b="0"/>
-      </a:effectRef>
-      <a:fontRef idx="minor"/>
-    </dgm:style>
-  </dgm:styleLbl>
-  <dgm:styleLbl name="fgAcc2">
-    <dgm:scene3d>
-      <a:camera prst="orthographicFront"/>
-      <a:lightRig rig="threePt" dir="t"/>
-    </dgm:scene3d>
-    <dgm:sp3d/>
-    <dgm:txPr/>
-    <dgm:style>
-      <a:lnRef idx="2">
-        <a:scrgbClr r="0" g="0" b="0"/>
-      </a:lnRef>
-      <a:fillRef idx="1">
-        <a:scrgbClr r="0" g="0" b="0"/>
-      </a:fillRef>
-      <a:effectRef idx="0">
-        <a:scrgbClr r="0" g="0" b="0"/>
-      </a:effectRef>
-      <a:fontRef idx="minor"/>
-    </dgm:style>
-  </dgm:styleLbl>
-  <dgm:styleLbl name="fgAcc3">
-    <dgm:scene3d>
-      <a:camera prst="orthographicFront"/>
-      <a:lightRig rig="threePt" dir="t"/>
-    </dgm:scene3d>
-    <dgm:sp3d/>
-    <dgm:txPr/>
-    <dgm:style>
-      <a:lnRef idx="2">
-        <a:scrgbClr r="0" g="0" b="0"/>
-      </a:lnRef>
-      <a:fillRef idx="1">
-        <a:scrgbClr r="0" g="0" b="0"/>
-      </a:fillRef>
-      <a:effectRef idx="0">
-        <a:scrgbClr r="0" g="0" b="0"/>
-      </a:effectRef>
-      <a:fontRef idx="minor"/>
-    </dgm:style>
-  </dgm:styleLbl>
-  <dgm:styleLbl name="fgAcc4">
-    <dgm:scene3d>
-      <a:camera prst="orthographicFront"/>
-      <a:lightRig rig="threePt" dir="t"/>
-    </dgm:scene3d>
-    <dgm:sp3d/>
-    <dgm:txPr/>
-    <dgm:style>
-      <a:lnRef idx="2">
-        <a:scrgbClr r="0" g="0" b="0"/>
-      </a:lnRef>
-      <a:fillRef idx="1">
-        <a:scrgbClr r="0" g="0" b="0"/>
-      </a:fillRef>
-      <a:effectRef idx="0">
-        <a:scrgbClr r="0" g="0" b="0"/>
-      </a:effectRef>
-      <a:fontRef idx="minor"/>
-    </dgm:style>
-  </dgm:styleLbl>
-  <dgm:styleLbl name="bgShp">
-    <dgm:scene3d>
-      <a:camera prst="orthographicFront"/>
-      <a:lightRig rig="threePt" dir="t"/>
-    </dgm:scene3d>
-    <dgm:sp3d/>
-    <dgm:txPr/>
-    <dgm:style>
-      <a:lnRef idx="0">
-        <a:scrgbClr r="0" g="0" b="0"/>
-      </a:lnRef>
-      <a:fillRef idx="1">
-        <a:scrgbClr r="0" g="0" b="0"/>
-      </a:fillRef>
-      <a:effectRef idx="0">
-        <a:scrgbClr r="0" g="0" b="0"/>
-      </a:effectRef>
-      <a:fontRef idx="minor"/>
-    </dgm:style>
-  </dgm:styleLbl>
-  <dgm:styleLbl name="dkBgShp">
-    <dgm:scene3d>
-      <a:camera prst="orthographicFront"/>
-      <a:lightRig rig="threePt" dir="t"/>
-    </dgm:scene3d>
-    <dgm:sp3d/>
-    <dgm:txPr/>
-    <dgm:style>
-      <a:lnRef idx="0">
-        <a:scrgbClr r="0" g="0" b="0"/>
-      </a:lnRef>
-      <a:fillRef idx="1">
-        <a:scrgbClr r="0" g="0" b="0"/>
-      </a:fillRef>
-      <a:effectRef idx="0">
-        <a:scrgbClr r="0" g="0" b="0"/>
-      </a:effectRef>
-      <a:fontRef idx="minor"/>
-    </dgm:style>
-  </dgm:styleLbl>
-  <dgm:styleLbl name="trBgShp">
-    <dgm:scene3d>
-      <a:camera prst="orthographicFront"/>
-      <a:lightRig rig="threePt" dir="t"/>
-    </dgm:scene3d>
-    <dgm:sp3d/>
-    <dgm:txPr/>
-    <dgm:style>
-      <a:lnRef idx="0">
-        <a:scrgbClr r="0" g="0" b="0"/>
-      </a:lnRef>
-      <a:fillRef idx="1">
-        <a:scrgbClr r="0" g="0" b="0"/>
-      </a:fillRef>
-      <a:effectRef idx="0">
-        <a:scrgbClr r="0" g="0" b="0"/>
-      </a:effectRef>
-      <a:fontRef idx="minor"/>
-    </dgm:style>
-  </dgm:styleLbl>
-  <dgm:styleLbl name="fgShp">
-    <dgm:scene3d>
-      <a:camera prst="orthographicFront"/>
-      <a:lightRig rig="threePt" dir="t"/>
-    </dgm:scene3d>
-    <dgm:sp3d/>
-    <dgm:txPr/>
-    <dgm:style>
-      <a:lnRef idx="2">
-        <a:scrgbClr r="0" g="0" b="0"/>
-      </a:lnRef>
-      <a:fillRef idx="1">
-        <a:scrgbClr r="0" g="0" b="0"/>
-      </a:fillRef>
-      <a:effectRef idx="0">
-        <a:scrgbClr r="0" g="0" b="0"/>
-      </a:effectRef>
-      <a:fontRef idx="minor"/>
-    </dgm:style>
-  </dgm:styleLbl>
-  <dgm:styleLbl name="revTx">
-    <dgm:scene3d>
-      <a:camera prst="orthographicFront"/>
-      <a:lightRig rig="threePt" dir="t"/>
-    </dgm:scene3d>
-    <dgm:sp3d/>
-    <dgm:txPr/>
-    <dgm:style>
-      <a:lnRef idx="0">
-        <a:scrgbClr r="0" g="0" b="0"/>
-      </a:lnRef>
-      <a:fillRef idx="0">
-        <a:scrgbClr r="0" g="0" b="0"/>
-      </a:fillRef>
-      <a:effectRef idx="0">
-        <a:scrgbClr r="0" g="0" b="0"/>
-      </a:effectRef>
-      <a:fontRef idx="minor"/>
-    </dgm:style>
-  </dgm:styleLbl>
-</dgm:styleDef>
+<file path=ppt/notesMasters/notesMaster1.xml><?xml version="1.0" encoding="utf-8"?>
+<p:notesMaster xmlns:a="http://schemas.openxmlformats.org/drawingml/2006/main" xmlns:r="http://schemas.openxmlformats.org/officeDocument/2006/relationships" xmlns:p="http://schemas.openxmlformats.org/presentationml/2006/main">
+  <p:cSld>
+    <p:bg>
+      <p:bgRef idx="1001">
+        <a:schemeClr val="bg1"/>
+      </p:bgRef>
+    </p:bg>
+    <p:spTree>
+      <p:nvGrpSpPr>
+        <p:cNvPr id="1" name=""/>
+        <p:cNvGrpSpPr/>
+        <p:nvPr/>
+      </p:nvGrpSpPr>
+      <p:grpSpPr>
+        <a:xfrm>
+          <a:off x="0" y="0"/>
+          <a:ext cx="0" cy="0"/>
+          <a:chOff x="0" y="0"/>
+          <a:chExt cx="0" cy="0"/>
+        </a:xfrm>
+      </p:grpSpPr>
+      <p:sp>
+        <p:nvSpPr>
+          <p:cNvPr id="2" name="Header Placeholder 1"/>
+          <p:cNvSpPr>
+            <a:spLocks noGrp="1"/>
+          </p:cNvSpPr>
+          <p:nvPr>
+            <p:ph type="hdr" sz="quarter"/>
+          </p:nvPr>
+        </p:nvSpPr>
+        <p:spPr>
+          <a:xfrm>
+            <a:off x="0" y="0"/>
+            <a:ext cx="2971800" cy="458788"/>
+          </a:xfrm>
+          <a:prstGeom prst="rect">
+            <a:avLst/>
+          </a:prstGeom>
+        </p:spPr>
+        <p:txBody>
+          <a:bodyPr vert="horz" lIns="91440" tIns="45720" rIns="91440" bIns="45720" rtlCol="0"/>
+          <a:lstStyle>
+            <a:lvl1pPr algn="l">
+              <a:defRPr sz="1200"/>
+            </a:lvl1pPr>
+          </a:lstStyle>
+          <a:p>
+            <a:endParaRPr lang="en-AU"/>
+          </a:p>
+        </p:txBody>
+      </p:sp>
+      <p:sp>
+        <p:nvSpPr>
+          <p:cNvPr id="3" name="Date Placeholder 2"/>
+          <p:cNvSpPr>
+            <a:spLocks noGrp="1"/>
+          </p:cNvSpPr>
+          <p:nvPr>
+            <p:ph type="dt" idx="1"/>
+          </p:nvPr>
+        </p:nvSpPr>
+        <p:spPr>
+          <a:xfrm>
+            <a:off x="3884613" y="0"/>
+            <a:ext cx="2971800" cy="458788"/>
+          </a:xfrm>
+          <a:prstGeom prst="rect">
+            <a:avLst/>
+          </a:prstGeom>
+        </p:spPr>
+        <p:txBody>
+          <a:bodyPr vert="horz" lIns="91440" tIns="45720" rIns="91440" bIns="45720" rtlCol="0"/>
+          <a:lstStyle>
+            <a:lvl1pPr algn="r">
+              <a:defRPr sz="1200"/>
+            </a:lvl1pPr>
+          </a:lstStyle>
+          <a:p>
+            <a:fld id="{A07E5866-AB70-4D0F-8D8F-48D5D9B37390}" type="datetimeFigureOut">
+              <a:rPr lang="en-AU" smtClean="0"/>
+              <a:t>15/02/2022</a:t>
+            </a:fld>
+            <a:endParaRPr lang="en-AU"/>
+          </a:p>
+        </p:txBody>
+      </p:sp>
+      <p:sp>
+        <p:nvSpPr>
+          <p:cNvPr id="4" name="Slide Image Placeholder 3"/>
+          <p:cNvSpPr>
+            <a:spLocks noGrp="1" noRot="1" noChangeAspect="1"/>
+          </p:cNvSpPr>
+          <p:nvPr>
+            <p:ph type="sldImg" idx="2"/>
+          </p:nvPr>
+        </p:nvSpPr>
+        <p:spPr>
+          <a:xfrm>
+            <a:off x="685800" y="1143000"/>
+            <a:ext cx="5486400" cy="3086100"/>
+          </a:xfrm>
+          <a:prstGeom prst="rect">
+            <a:avLst/>
+          </a:prstGeom>
+          <a:noFill/>
+          <a:ln w="12700">
+            <a:solidFill>
+              <a:prstClr val="black"/>
+            </a:solidFill>
+          </a:ln>
+        </p:spPr>
+        <p:txBody>
+          <a:bodyPr vert="horz" lIns="91440" tIns="45720" rIns="91440" bIns="45720" rtlCol="0" anchor="ctr"/>
+          <a:lstStyle/>
+          <a:p>
+            <a:endParaRPr lang="en-AU"/>
+          </a:p>
+        </p:txBody>
+      </p:sp>
+      <p:sp>
+        <p:nvSpPr>
+          <p:cNvPr id="5" name="Notes Placeholder 4"/>
+          <p:cNvSpPr>
+            <a:spLocks noGrp="1"/>
+          </p:cNvSpPr>
+          <p:nvPr>
+            <p:ph type="body" sz="quarter" idx="3"/>
+          </p:nvPr>
+        </p:nvSpPr>
+        <p:spPr>
+          <a:xfrm>
+            <a:off x="685800" y="4400550"/>
+            <a:ext cx="5486400" cy="3600450"/>
+          </a:xfrm>
+          <a:prstGeom prst="rect">
+            <a:avLst/>
+          </a:prstGeom>
+        </p:spPr>
+        <p:txBody>
+          <a:bodyPr vert="horz" lIns="91440" tIns="45720" rIns="91440" bIns="45720" rtlCol="0"/>
+          <a:lstStyle/>
+          <a:p>
+            <a:pPr lvl="0"/>
+            <a:r>
+              <a:rPr lang="en-US"/>
+              <a:t>Click to edit Master text styles</a:t>
+            </a:r>
+          </a:p>
+          <a:p>
+            <a:pPr lvl="1"/>
+            <a:r>
+              <a:rPr lang="en-US"/>
+              <a:t>Second level</a:t>
+            </a:r>
+          </a:p>
+          <a:p>
+            <a:pPr lvl="2"/>
+            <a:r>
+              <a:rPr lang="en-US"/>
+              <a:t>Third level</a:t>
+            </a:r>
+          </a:p>
+          <a:p>
+            <a:pPr lvl="3"/>
+            <a:r>
+              <a:rPr lang="en-US"/>
+              <a:t>Fourth level</a:t>
+            </a:r>
+          </a:p>
+          <a:p>
+            <a:pPr lvl="4"/>
+            <a:r>
+              <a:rPr lang="en-US"/>
+              <a:t>Fifth level</a:t>
+            </a:r>
+            <a:endParaRPr lang="en-AU"/>
+          </a:p>
+        </p:txBody>
+      </p:sp>
+      <p:sp>
+        <p:nvSpPr>
+          <p:cNvPr id="6" name="Footer Placeholder 5"/>
+          <p:cNvSpPr>
+            <a:spLocks noGrp="1"/>
+          </p:cNvSpPr>
+          <p:nvPr>
+            <p:ph type="ftr" sz="quarter" idx="4"/>
+          </p:nvPr>
+        </p:nvSpPr>
+        <p:spPr>
+          <a:xfrm>
+            <a:off x="0" y="8685213"/>
+            <a:ext cx="2971800" cy="458787"/>
+          </a:xfrm>
+          <a:prstGeom prst="rect">
+            <a:avLst/>
+          </a:prstGeom>
+        </p:spPr>
+        <p:txBody>
+          <a:bodyPr vert="horz" lIns="91440" tIns="45720" rIns="91440" bIns="45720" rtlCol="0" anchor="b"/>
+          <a:lstStyle>
+            <a:lvl1pPr algn="l">
+              <a:defRPr sz="1200"/>
+            </a:lvl1pPr>
+          </a:lstStyle>
+          <a:p>
+            <a:endParaRPr lang="en-AU"/>
+          </a:p>
+        </p:txBody>
+      </p:sp>
+      <p:sp>
+        <p:nvSpPr>
+          <p:cNvPr id="7" name="Slide Number Placeholder 6"/>
+          <p:cNvSpPr>
+            <a:spLocks noGrp="1"/>
+          </p:cNvSpPr>
+          <p:nvPr>
+            <p:ph type="sldNum" sz="quarter" idx="5"/>
+          </p:nvPr>
+        </p:nvSpPr>
+        <p:spPr>
+          <a:xfrm>
+            <a:off x="3884613" y="8685213"/>
+            <a:ext cx="2971800" cy="458787"/>
+          </a:xfrm>
+          <a:prstGeom prst="rect">
+            <a:avLst/>
+          </a:prstGeom>
+        </p:spPr>
+        <p:txBody>
+          <a:bodyPr vert="horz" lIns="91440" tIns="45720" rIns="91440" bIns="45720" rtlCol="0" anchor="b"/>
+          <a:lstStyle>
+            <a:lvl1pPr algn="r">
+              <a:defRPr sz="1200"/>
+            </a:lvl1pPr>
+          </a:lstStyle>
+          <a:p>
+            <a:fld id="{FCEE4CEB-20C1-4FBE-A3C5-DF111526CAA9}" type="slidenum">
+              <a:rPr lang="en-AU" smtClean="0"/>
+              <a:t>‹#›</a:t>
+            </a:fld>
+            <a:endParaRPr lang="en-AU"/>
+          </a:p>
+        </p:txBody>
+      </p:sp>
+    </p:spTree>
+    <p:extLst>
+      <p:ext uri="{BB962C8B-B14F-4D97-AF65-F5344CB8AC3E}">
+        <p14:creationId xmlns:p14="http://schemas.microsoft.com/office/powerpoint/2010/main" val="1677588981"/>
+      </p:ext>
+    </p:extLst>
+  </p:cSld>
+  <p:clrMap bg1="lt1" tx1="dk1" bg2="lt2" tx2="dk2" accent1="accent1" accent2="accent2" accent3="accent3" accent4="accent4" accent5="accent5" accent6="accent6" hlink="hlink" folHlink="folHlink"/>
+  <p:notesStyle>
+    <a:lvl1pPr marL="0" algn="l" defTabSz="914400" rtl="0" eaLnBrk="1" latinLnBrk="0" hangingPunct="1">
+      <a:defRPr sz="1200" kern="1200">
+        <a:solidFill>
+          <a:schemeClr val="tx1"/>
+        </a:solidFill>
+        <a:latin typeface="+mn-lt"/>
+        <a:ea typeface="+mn-ea"/>
+        <a:cs typeface="+mn-cs"/>
+      </a:defRPr>
+    </a:lvl1pPr>
+    <a:lvl2pPr marL="457200" algn="l" defTabSz="914400" rtl="0" eaLnBrk="1" latinLnBrk="0" hangingPunct="1">
+      <a:defRPr sz="1200" kern="1200">
+        <a:solidFill>
+          <a:schemeClr val="tx1"/>
+        </a:solidFill>
+        <a:latin typeface="+mn-lt"/>
+        <a:ea typeface="+mn-ea"/>
+        <a:cs typeface="+mn-cs"/>
+      </a:defRPr>
+    </a:lvl2pPr>
+    <a:lvl3pPr marL="914400" algn="l" defTabSz="914400" rtl="0" eaLnBrk="1" latinLnBrk="0" hangingPunct="1">
+      <a:defRPr sz="1200" kern="1200">
+        <a:solidFill>
+          <a:schemeClr val="tx1"/>
+        </a:solidFill>
+        <a:latin typeface="+mn-lt"/>
+        <a:ea typeface="+mn-ea"/>
+        <a:cs typeface="+mn-cs"/>
+      </a:defRPr>
+    </a:lvl3pPr>
+    <a:lvl4pPr marL="1371600" algn="l" defTabSz="914400" rtl="0" eaLnBrk="1" latinLnBrk="0" hangingPunct="1">
+      <a:defRPr sz="1200" kern="1200">
+        <a:solidFill>
+          <a:schemeClr val="tx1"/>
+        </a:solidFill>
+        <a:latin typeface="+mn-lt"/>
+        <a:ea typeface="+mn-ea"/>
+        <a:cs typeface="+mn-cs"/>
+      </a:defRPr>
+    </a:lvl4pPr>
+    <a:lvl5pPr marL="1828800" algn="l" defTabSz="914400" rtl="0" eaLnBrk="1" latinLnBrk="0" hangingPunct="1">
+      <a:defRPr sz="1200" kern="1200">
+        <a:solidFill>
+          <a:schemeClr val="tx1"/>
+        </a:solidFill>
+        <a:latin typeface="+mn-lt"/>
+        <a:ea typeface="+mn-ea"/>
+        <a:cs typeface="+mn-cs"/>
+      </a:defRPr>
+    </a:lvl5pPr>
+    <a:lvl6pPr marL="2286000" algn="l" defTabSz="914400" rtl="0" eaLnBrk="1" latinLnBrk="0" hangingPunct="1">
+      <a:defRPr sz="1200" kern="1200">
+        <a:solidFill>
+          <a:schemeClr val="tx1"/>
+        </a:solidFill>
+        <a:latin typeface="+mn-lt"/>
+        <a:ea typeface="+mn-ea"/>
+        <a:cs typeface="+mn-cs"/>
+      </a:defRPr>
+    </a:lvl6pPr>
+    <a:lvl7pPr marL="2743200" algn="l" defTabSz="914400" rtl="0" eaLnBrk="1" latinLnBrk="0" hangingPunct="1">
+      <a:defRPr sz="1200" kern="1200">
+        <a:solidFill>
+          <a:schemeClr val="tx1"/>
+        </a:solidFill>
+        <a:latin typeface="+mn-lt"/>
+        <a:ea typeface="+mn-ea"/>
+        <a:cs typeface="+mn-cs"/>
+      </a:defRPr>
+    </a:lvl7pPr>
+    <a:lvl8pPr marL="3200400" algn="l" defTabSz="914400" rtl="0" eaLnBrk="1" latinLnBrk="0" hangingPunct="1">
+      <a:defRPr sz="1200" kern="1200">
+        <a:solidFill>
+          <a:schemeClr val="tx1"/>
+        </a:solidFill>
+        <a:latin typeface="+mn-lt"/>
+        <a:ea typeface="+mn-ea"/>
+        <a:cs typeface="+mn-cs"/>
+      </a:defRPr>
+    </a:lvl8pPr>
+    <a:lvl9pPr marL="3657600" algn="l" defTabSz="914400" rtl="0" eaLnBrk="1" latinLnBrk="0" hangingPunct="1">
+      <a:defRPr sz="1200" kern="1200">
+        <a:solidFill>
+          <a:schemeClr val="tx1"/>
+        </a:solidFill>
+        <a:latin typeface="+mn-lt"/>
+        <a:ea typeface="+mn-ea"/>
+        <a:cs typeface="+mn-cs"/>
+      </a:defRPr>
+    </a:lvl9pPr>
+  </p:notesStyle>
+</p:notesMaster>
 </file>
 
 <file path=ppt/slideLayouts/slideLayout1.xml><?xml version="1.0" encoding="utf-8"?>
@@ -5669,9 +6023,9 @@
           <a:bodyPr/>
           <a:lstStyle/>
           <a:p>
-            <a:fld id="{ED291B17-9318-49DB-B28B-6E5994AE9581}" type="datetime1">
+            <a:fld id="{CE75B4B9-CF30-4BDA-8217-CCD5CE44D036}" type="datetime1">
               <a:rPr lang="en-US" smtClean="0"/>
-              <a:t>2/11/2022</a:t>
+              <a:t>2/15/2022</a:t>
             </a:fld>
             <a:endParaRPr lang="en-US" dirty="0"/>
           </a:p>
@@ -5872,9 +6226,9 @@
           <a:bodyPr/>
           <a:lstStyle/>
           <a:p>
-            <a:fld id="{2CED4963-E985-44C4-B8C4-FDD613B7C2F8}" type="datetime1">
+            <a:fld id="{1C193699-C93A-42C6-9B55-5B2F3907F8A3}" type="datetime1">
               <a:rPr lang="en-US" smtClean="0"/>
-              <a:t>2/11/2022</a:t>
+              <a:t>2/15/2022</a:t>
             </a:fld>
             <a:endParaRPr lang="en-US" dirty="0"/>
           </a:p>
@@ -6234,9 +6588,9 @@
           <a:bodyPr/>
           <a:lstStyle/>
           <a:p>
-            <a:fld id="{ED291B17-9318-49DB-B28B-6E5994AE9581}" type="datetime1">
+            <a:fld id="{C5B684BE-6E37-4697-BC36-0788C59B5FD0}" type="datetime1">
               <a:rPr lang="en-US" smtClean="0"/>
-              <a:t>2/11/2022</a:t>
+              <a:t>2/15/2022</a:t>
             </a:fld>
             <a:endParaRPr lang="en-US" dirty="0"/>
           </a:p>
@@ -6432,9 +6786,9 @@
           <a:bodyPr/>
           <a:lstStyle/>
           <a:p>
-            <a:fld id="{78DD82B9-B8EE-4375-B6FF-88FA6ABB15D9}" type="datetime1">
+            <a:fld id="{9E28EE13-0CCB-4692-9029-23DB8F8D53CB}" type="datetime1">
               <a:rPr lang="en-US" smtClean="0"/>
-              <a:t>2/11/2022</a:t>
+              <a:t>2/15/2022</a:t>
             </a:fld>
             <a:endParaRPr lang="en-US" dirty="0"/>
           </a:p>
@@ -6744,9 +7098,9 @@
           <a:bodyPr/>
           <a:lstStyle/>
           <a:p>
-            <a:fld id="{B2497495-0637-405E-AE64-5CC7506D51F5}" type="datetime1">
+            <a:fld id="{2C4E6E62-3A7B-43CE-BEA5-406B63ECE4DC}" type="datetime1">
               <a:rPr lang="en-US" smtClean="0"/>
-              <a:t>2/11/2022</a:t>
+              <a:t>2/15/2022</a:t>
             </a:fld>
             <a:endParaRPr lang="en-US" dirty="0"/>
           </a:p>
@@ -6997,9 +7351,9 @@
           <a:bodyPr/>
           <a:lstStyle/>
           <a:p>
-            <a:fld id="{7BFFD690-9426-415D-8B65-26881E07B2D4}" type="datetime1">
+            <a:fld id="{C8EAF56F-191C-4D4E-ACDD-90151906ECC3}" type="datetime1">
               <a:rPr lang="en-US" smtClean="0"/>
-              <a:t>2/11/2022</a:t>
+              <a:t>2/15/2022</a:t>
             </a:fld>
             <a:endParaRPr lang="en-US" dirty="0"/>
           </a:p>
@@ -7419,9 +7773,9 @@
           <a:bodyPr/>
           <a:lstStyle/>
           <a:p>
-            <a:fld id="{04C4989A-474C-40DE-95B9-011C28B71673}" type="datetime1">
+            <a:fld id="{D08B9400-E1EE-4DDB-AFF7-EA68FD671226}" type="datetime1">
               <a:rPr lang="en-US" smtClean="0"/>
-              <a:t>2/11/2022</a:t>
+              <a:t>2/15/2022</a:t>
             </a:fld>
             <a:endParaRPr lang="en-US" dirty="0"/>
           </a:p>
@@ -7542,9 +7896,9 @@
           <a:bodyPr/>
           <a:lstStyle/>
           <a:p>
-            <a:fld id="{5DB4ED54-5B5E-4A04-93D3-5772E3CE3818}" type="datetime1">
+            <a:fld id="{AA529D0D-1005-459A-BFDD-5896740E6676}" type="datetime1">
               <a:rPr lang="en-US" smtClean="0"/>
-              <a:t>2/11/2022</a:t>
+              <a:t>2/15/2022</a:t>
             </a:fld>
             <a:endParaRPr lang="en-US" dirty="0"/>
           </a:p>
@@ -7637,9 +7991,9 @@
           <a:bodyPr/>
           <a:lstStyle/>
           <a:p>
-            <a:fld id="{4EDE50D6-574B-40AF-946F-D52A04ADE379}" type="datetime1">
+            <a:fld id="{F72DB597-28BA-4ABE-9985-0E4EAC6408DA}" type="datetime1">
               <a:rPr lang="en-US" smtClean="0"/>
-              <a:t>2/11/2022</a:t>
+              <a:t>2/15/2022</a:t>
             </a:fld>
             <a:endParaRPr lang="en-US" dirty="0"/>
           </a:p>
@@ -8014,9 +8368,9 @@
           <a:bodyPr/>
           <a:lstStyle/>
           <a:p>
-            <a:fld id="{D82884F1-FFEA-405F-9602-3DCA865EDA4E}" type="datetime1">
+            <a:fld id="{616D13E0-C95C-476A-B128-0878CA4BAAF9}" type="datetime1">
               <a:rPr lang="en-US" smtClean="0"/>
-              <a:t>2/11/2022</a:t>
+              <a:t>2/15/2022</a:t>
             </a:fld>
             <a:endParaRPr lang="en-US" dirty="0"/>
           </a:p>
@@ -8307,9 +8661,9 @@
           <a:bodyPr/>
           <a:lstStyle/>
           <a:p>
-            <a:fld id="{7E18DB4A-8810-4A10-AD5C-D5E2C667F5B3}" type="datetime1">
+            <a:fld id="{3B034887-F8FD-4CEC-A4E6-109E047CCFC0}" type="datetime1">
               <a:rPr lang="en-US" smtClean="0"/>
-              <a:t>2/11/2022</a:t>
+              <a:t>2/15/2022</a:t>
             </a:fld>
             <a:endParaRPr lang="en-US" dirty="0"/>
           </a:p>
@@ -8522,9 +8876,9 @@
             </a:lvl1pPr>
           </a:lstStyle>
           <a:p>
-            <a:fld id="{ED291B17-9318-49DB-B28B-6E5994AE9581}" type="datetime1">
+            <a:fld id="{941AEC8B-A736-421A-807A-756EA30AE0E0}" type="datetime1">
               <a:rPr lang="en-US" smtClean="0"/>
-              <a:t>2/11/2022</a:t>
+              <a:t>2/15/2022</a:t>
             </a:fld>
             <a:endParaRPr lang="en-US" dirty="0"/>
           </a:p>
@@ -8742,7 +9096,7 @@
     <p:sldLayoutId id="2147483707" r:id="rId10"/>
     <p:sldLayoutId id="2147483708" r:id="rId11"/>
   </p:sldLayoutIdLst>
-  <p:hf sldNum="0" hdr="0" ftr="0" dt="0"/>
+  <p:hf hdr="0" ftr="0" dt="0"/>
   <p:txStyles>
     <p:titleStyle>
       <a:lvl1pPr algn="l" defTabSz="457200" rtl="0" eaLnBrk="1" latinLnBrk="0" hangingPunct="1">
@@ -9287,18 +9641,26 @@
         </p:spPr>
         <p:txBody>
           <a:bodyPr>
-            <a:normAutofit fontScale="55000" lnSpcReduction="20000"/>
+            <a:noAutofit/>
           </a:bodyPr>
           <a:lstStyle/>
           <a:p>
             <a:r>
-              <a:rPr lang="en-US" dirty="0"/>
+              <a:rPr lang="en-US" sz="1200" dirty="0">
+                <a:solidFill>
+                  <a:schemeClr val="accent2"/>
+                </a:solidFill>
+              </a:rPr>
               <a:t>By Isabelle Uslu</a:t>
             </a:r>
           </a:p>
           <a:p>
             <a:r>
-              <a:rPr lang="en-US" dirty="0"/>
+              <a:rPr lang="en-US" sz="1200" dirty="0">
+                <a:solidFill>
+                  <a:schemeClr val="accent2"/>
+                </a:solidFill>
+              </a:rPr>
               <a:t>February 2022                                                                                    </a:t>
             </a:r>
           </a:p>
@@ -9501,6 +9863,35 @@
           </a:prstGeom>
         </p:spPr>
       </p:pic>
+      <p:sp>
+        <p:nvSpPr>
+          <p:cNvPr id="4" name="Slide Number Placeholder 3">
+            <a:extLst>
+              <a:ext uri="{FF2B5EF4-FFF2-40B4-BE49-F238E27FC236}">
+                <a16:creationId xmlns:a16="http://schemas.microsoft.com/office/drawing/2014/main" id="{BEAEBCF7-7214-48FD-A93D-58BC0C912977}"/>
+              </a:ext>
+            </a:extLst>
+          </p:cNvPr>
+          <p:cNvSpPr>
+            <a:spLocks noGrp="1"/>
+          </p:cNvSpPr>
+          <p:nvPr>
+            <p:ph type="sldNum" sz="quarter" idx="12"/>
+          </p:nvPr>
+        </p:nvSpPr>
+        <p:spPr/>
+        <p:txBody>
+          <a:bodyPr/>
+          <a:lstStyle/>
+          <a:p>
+            <a:fld id="{3A98EE3D-8CD1-4C3F-BD1C-C98C9596463C}" type="slidenum">
+              <a:rPr lang="en-US" smtClean="0"/>
+              <a:t>1</a:t>
+            </a:fld>
+            <a:endParaRPr lang="en-US" dirty="0"/>
+          </a:p>
+        </p:txBody>
+      </p:sp>
     </p:spTree>
     <p:extLst>
       <p:ext uri="{BB962C8B-B14F-4D97-AF65-F5344CB8AC3E}">
@@ -9569,7 +9960,7 @@
           <a:p>
             <a:r>
               <a:rPr lang="en-GB" dirty="0"/>
-              <a:t>Exploring Features</a:t>
+              <a:t>Exploratory data analysis -</a:t>
             </a:r>
             <a:br>
               <a:rPr lang="en-GB" dirty="0"/>
@@ -9857,6 +10248,35 @@
           </a:extLst>
         </p:spPr>
       </p:pic>
+      <p:sp>
+        <p:nvSpPr>
+          <p:cNvPr id="3" name="Slide Number Placeholder 2">
+            <a:extLst>
+              <a:ext uri="{FF2B5EF4-FFF2-40B4-BE49-F238E27FC236}">
+                <a16:creationId xmlns:a16="http://schemas.microsoft.com/office/drawing/2014/main" id="{253F850B-E54D-44DB-ACE8-1D2B28A1C539}"/>
+              </a:ext>
+            </a:extLst>
+          </p:cNvPr>
+          <p:cNvSpPr>
+            <a:spLocks noGrp="1"/>
+          </p:cNvSpPr>
+          <p:nvPr>
+            <p:ph type="sldNum" sz="quarter" idx="12"/>
+          </p:nvPr>
+        </p:nvSpPr>
+        <p:spPr/>
+        <p:txBody>
+          <a:bodyPr/>
+          <a:lstStyle/>
+          <a:p>
+            <a:fld id="{3A98EE3D-8CD1-4C3F-BD1C-C98C9596463C}" type="slidenum">
+              <a:rPr lang="en-US" smtClean="0"/>
+              <a:t>10</a:t>
+            </a:fld>
+            <a:endParaRPr lang="en-US" dirty="0"/>
+          </a:p>
+        </p:txBody>
+      </p:sp>
     </p:spTree>
     <p:extLst>
       <p:ext uri="{BB962C8B-B14F-4D97-AF65-F5344CB8AC3E}">
@@ -9925,7 +10345,7 @@
           <a:p>
             <a:r>
               <a:rPr lang="en-GB" dirty="0"/>
-              <a:t>Exploring Features</a:t>
+              <a:t>Exploratory data analysis -</a:t>
             </a:r>
             <a:br>
               <a:rPr lang="en-GB" dirty="0"/>
@@ -10131,12 +10551,41 @@
           </a:extLst>
         </p:spPr>
       </p:pic>
+      <p:sp>
+        <p:nvSpPr>
+          <p:cNvPr id="3" name="Slide Number Placeholder 2">
+            <a:extLst>
+              <a:ext uri="{FF2B5EF4-FFF2-40B4-BE49-F238E27FC236}">
+                <a16:creationId xmlns:a16="http://schemas.microsoft.com/office/drawing/2014/main" id="{28A28787-07B2-44B3-AC62-8886816DCBA2}"/>
+              </a:ext>
+            </a:extLst>
+          </p:cNvPr>
+          <p:cNvSpPr>
+            <a:spLocks noGrp="1"/>
+          </p:cNvSpPr>
+          <p:nvPr>
+            <p:ph type="sldNum" sz="quarter" idx="12"/>
+          </p:nvPr>
+        </p:nvSpPr>
+        <p:spPr/>
+        <p:txBody>
+          <a:bodyPr/>
+          <a:lstStyle/>
+          <a:p>
+            <a:fld id="{3A98EE3D-8CD1-4C3F-BD1C-C98C9596463C}" type="slidenum">
+              <a:rPr lang="en-US" smtClean="0"/>
+              <a:t>11</a:t>
+            </a:fld>
+            <a:endParaRPr lang="en-US" dirty="0"/>
+          </a:p>
+        </p:txBody>
+      </p:sp>
       <p:pic>
         <p:nvPicPr>
-          <p:cNvPr id="4100" name="Picture 4">
+          <p:cNvPr id="2050" name="Picture 2">
             <a:extLst>
               <a:ext uri="{FF2B5EF4-FFF2-40B4-BE49-F238E27FC236}">
-                <a16:creationId xmlns:a16="http://schemas.microsoft.com/office/drawing/2014/main" id="{6217D588-6D14-4FED-8B6E-A36DA94E6AC1}"/>
+                <a16:creationId xmlns:a16="http://schemas.microsoft.com/office/drawing/2014/main" id="{813384A4-F7AD-4498-9301-3A55B7DD7775}"/>
               </a:ext>
             </a:extLst>
           </p:cNvPr>
@@ -10160,8 +10609,8 @@
         </p:blipFill>
         <p:spPr bwMode="auto">
           <a:xfrm>
-            <a:off x="4622007" y="2440764"/>
-            <a:ext cx="3705225" cy="3181350"/>
+            <a:off x="4600761" y="2440764"/>
+            <a:ext cx="3762375" cy="3181350"/>
           </a:xfrm>
           <a:prstGeom prst="rect">
             <a:avLst/>
@@ -10246,7 +10695,7 @@
           <a:p>
             <a:r>
               <a:rPr lang="en-GB" dirty="0"/>
-              <a:t>Exploring Features</a:t>
+              <a:t>Exploratory data analysis -</a:t>
             </a:r>
             <a:br>
               <a:rPr lang="en-GB" dirty="0"/>
@@ -10487,6 +10936,35 @@
           </a:extLst>
         </p:spPr>
       </p:pic>
+      <p:sp>
+        <p:nvSpPr>
+          <p:cNvPr id="3" name="Slide Number Placeholder 2">
+            <a:extLst>
+              <a:ext uri="{FF2B5EF4-FFF2-40B4-BE49-F238E27FC236}">
+                <a16:creationId xmlns:a16="http://schemas.microsoft.com/office/drawing/2014/main" id="{4F23499A-A220-48B8-BD85-767C3A4976D6}"/>
+              </a:ext>
+            </a:extLst>
+          </p:cNvPr>
+          <p:cNvSpPr>
+            <a:spLocks noGrp="1"/>
+          </p:cNvSpPr>
+          <p:nvPr>
+            <p:ph type="sldNum" sz="quarter" idx="12"/>
+          </p:nvPr>
+        </p:nvSpPr>
+        <p:spPr/>
+        <p:txBody>
+          <a:bodyPr/>
+          <a:lstStyle/>
+          <a:p>
+            <a:fld id="{3A98EE3D-8CD1-4C3F-BD1C-C98C9596463C}" type="slidenum">
+              <a:rPr lang="en-US" smtClean="0"/>
+              <a:t>12</a:t>
+            </a:fld>
+            <a:endParaRPr lang="en-US" dirty="0"/>
+          </a:p>
+        </p:txBody>
+      </p:sp>
     </p:spTree>
     <p:extLst>
       <p:ext uri="{BB962C8B-B14F-4D97-AF65-F5344CB8AC3E}">
@@ -10555,14 +11033,14 @@
           <a:p>
             <a:r>
               <a:rPr lang="en-GB" dirty="0"/>
-              <a:t>Exploring Features</a:t>
+              <a:t>Exploratory data analysis –</a:t>
             </a:r>
             <a:br>
               <a:rPr lang="en-GB" dirty="0"/>
             </a:br>
             <a:r>
               <a:rPr lang="en-GB" dirty="0"/>
-              <a:t>departments - Satisfaction level - attrition</a:t>
+              <a:t>departments - Satisfaction level – attrition</a:t>
             </a:r>
             <a:endParaRPr lang="en-AU" dirty="0"/>
           </a:p>
@@ -10821,6 +11299,35 @@
           </a:extLst>
         </p:spPr>
       </p:pic>
+      <p:sp>
+        <p:nvSpPr>
+          <p:cNvPr id="3" name="Slide Number Placeholder 2">
+            <a:extLst>
+              <a:ext uri="{FF2B5EF4-FFF2-40B4-BE49-F238E27FC236}">
+                <a16:creationId xmlns:a16="http://schemas.microsoft.com/office/drawing/2014/main" id="{AA2586A9-186E-444C-8B42-018143832F08}"/>
+              </a:ext>
+            </a:extLst>
+          </p:cNvPr>
+          <p:cNvSpPr>
+            <a:spLocks noGrp="1"/>
+          </p:cNvSpPr>
+          <p:nvPr>
+            <p:ph type="sldNum" sz="quarter" idx="12"/>
+          </p:nvPr>
+        </p:nvSpPr>
+        <p:spPr/>
+        <p:txBody>
+          <a:bodyPr/>
+          <a:lstStyle/>
+          <a:p>
+            <a:fld id="{3A98EE3D-8CD1-4C3F-BD1C-C98C9596463C}" type="slidenum">
+              <a:rPr lang="en-US" smtClean="0"/>
+              <a:t>13</a:t>
+            </a:fld>
+            <a:endParaRPr lang="en-US" dirty="0"/>
+          </a:p>
+        </p:txBody>
+      </p:sp>
     </p:spTree>
     <p:extLst>
       <p:ext uri="{BB962C8B-B14F-4D97-AF65-F5344CB8AC3E}">
@@ -10870,16 +11377,25 @@
         <p:spPr/>
         <p:txBody>
           <a:bodyPr>
-            <a:normAutofit/>
+            <a:noAutofit/>
           </a:bodyPr>
           <a:lstStyle/>
           <a:p>
-            <a:pPr algn="ctr"/>
-            <a:r>
-              <a:rPr lang="en-GB" sz="4000" dirty="0"/>
+            <a:br>
+              <a:rPr lang="en-GB" dirty="0"/>
+            </a:br>
+            <a:r>
+              <a:rPr lang="en-GB" dirty="0"/>
+              <a:t>Building Models - </a:t>
+            </a:r>
+            <a:br>
+              <a:rPr lang="en-GB" dirty="0"/>
+            </a:br>
+            <a:r>
+              <a:rPr lang="en-GB" dirty="0"/>
               <a:t>Modelling Steps Followed</a:t>
             </a:r>
-            <a:endParaRPr lang="en-AU" sz="4000" dirty="0"/>
+            <a:endParaRPr lang="en-AU" dirty="0"/>
           </a:p>
         </p:txBody>
       </p:sp>
@@ -10974,8 +11490,37 @@
             </a:pPr>
             <a:r>
               <a:rPr lang="en-GB" dirty="0"/>
-              <a:t>4. Due to class imbalance, oversampled minority class (by SMOTE)</a:t>
-            </a:r>
+              <a:t>4. Due to target’ s class imbalance, oversampled minority class (by SMOTE)</a:t>
+            </a:r>
+          </a:p>
+        </p:txBody>
+      </p:sp>
+      <p:sp>
+        <p:nvSpPr>
+          <p:cNvPr id="4" name="Slide Number Placeholder 3">
+            <a:extLst>
+              <a:ext uri="{FF2B5EF4-FFF2-40B4-BE49-F238E27FC236}">
+                <a16:creationId xmlns:a16="http://schemas.microsoft.com/office/drawing/2014/main" id="{C7F57676-50F3-4500-AB46-11A4C48F490A}"/>
+              </a:ext>
+            </a:extLst>
+          </p:cNvPr>
+          <p:cNvSpPr>
+            <a:spLocks noGrp="1"/>
+          </p:cNvSpPr>
+          <p:nvPr>
+            <p:ph type="sldNum" sz="quarter" idx="12"/>
+          </p:nvPr>
+        </p:nvSpPr>
+        <p:spPr/>
+        <p:txBody>
+          <a:bodyPr/>
+          <a:lstStyle/>
+          <a:p>
+            <a:fld id="{3A98EE3D-8CD1-4C3F-BD1C-C98C9596463C}" type="slidenum">
+              <a:rPr lang="en-US" smtClean="0"/>
+              <a:t>14</a:t>
+            </a:fld>
+            <a:endParaRPr lang="en-US" dirty="0"/>
           </a:p>
         </p:txBody>
       </p:sp>
@@ -11028,16 +11573,22 @@
         <p:spPr/>
         <p:txBody>
           <a:bodyPr>
-            <a:normAutofit/>
+            <a:noAutofit/>
           </a:bodyPr>
           <a:lstStyle/>
           <a:p>
-            <a:pPr algn="ctr"/>
-            <a:r>
-              <a:rPr lang="en-GB" sz="4000" dirty="0"/>
+            <a:r>
+              <a:rPr lang="en-GB" dirty="0"/>
+              <a:t>Building Models - </a:t>
+            </a:r>
+            <a:br>
+              <a:rPr lang="en-GB" dirty="0"/>
+            </a:br>
+            <a:r>
+              <a:rPr lang="en-GB" dirty="0"/>
               <a:t>Modelling Steps Followed</a:t>
             </a:r>
-            <a:endParaRPr lang="en-AU" sz="4000" dirty="0"/>
+            <a:endParaRPr lang="en-AU" dirty="0"/>
           </a:p>
         </p:txBody>
       </p:sp>
@@ -11069,7 +11620,7 @@
             </a:pPr>
             <a:r>
               <a:rPr lang="en-GB" dirty="0"/>
-              <a:t>5. Scaled feature values for in notebooks due to variance differences</a:t>
+              <a:t>5. Scaled feature values for in both notebooks due to variance differences</a:t>
             </a:r>
           </a:p>
           <a:p>
@@ -11095,7 +11646,7 @@
             </a:pPr>
             <a:r>
               <a:rPr lang="en-GB" dirty="0"/>
-              <a:t>7. Created confusion matrix</a:t>
+              <a:t>7. Created precision – recall curves to be able to compare models among each others in both notebooks.</a:t>
             </a:r>
           </a:p>
           <a:p>
@@ -11104,7 +11655,7 @@
             </a:pPr>
             <a:r>
               <a:rPr lang="en-GB" dirty="0"/>
-              <a:t>8. Created precision – recall curves to be able to compare models among each others in both notebooks.</a:t>
+              <a:t>8. Created confusion matrix </a:t>
             </a:r>
           </a:p>
           <a:p>
@@ -11119,11 +11670,34 @@
             </a:pPr>
             <a:endParaRPr lang="en-GB" dirty="0"/>
           </a:p>
-          <a:p>
-            <a:pPr marL="0" indent="0">
-              <a:buNone/>
-            </a:pPr>
-            <a:endParaRPr lang="en-GB" dirty="0"/>
+        </p:txBody>
+      </p:sp>
+      <p:sp>
+        <p:nvSpPr>
+          <p:cNvPr id="4" name="Slide Number Placeholder 3">
+            <a:extLst>
+              <a:ext uri="{FF2B5EF4-FFF2-40B4-BE49-F238E27FC236}">
+                <a16:creationId xmlns:a16="http://schemas.microsoft.com/office/drawing/2014/main" id="{076648B8-593C-4EBD-8F62-E8EEBDFCA35D}"/>
+              </a:ext>
+            </a:extLst>
+          </p:cNvPr>
+          <p:cNvSpPr>
+            <a:spLocks noGrp="1"/>
+          </p:cNvSpPr>
+          <p:nvPr>
+            <p:ph type="sldNum" sz="quarter" idx="12"/>
+          </p:nvPr>
+        </p:nvSpPr>
+        <p:spPr/>
+        <p:txBody>
+          <a:bodyPr/>
+          <a:lstStyle/>
+          <a:p>
+            <a:fld id="{3A98EE3D-8CD1-4C3F-BD1C-C98C9596463C}" type="slidenum">
+              <a:rPr lang="en-US" smtClean="0"/>
+              <a:t>15</a:t>
+            </a:fld>
+            <a:endParaRPr lang="en-US" dirty="0"/>
           </a:p>
         </p:txBody>
       </p:sp>
@@ -11195,7 +11769,7 @@
           <a:p>
             <a:r>
               <a:rPr lang="en-AU" sz="4000" dirty="0"/>
-              <a:t>Comparing Approaches</a:t>
+              <a:t>Model comparison</a:t>
             </a:r>
           </a:p>
         </p:txBody>
@@ -11365,6 +11939,35 @@
           </a:extLst>
         </p:spPr>
       </p:pic>
+      <p:sp>
+        <p:nvSpPr>
+          <p:cNvPr id="3" name="Slide Number Placeholder 2">
+            <a:extLst>
+              <a:ext uri="{FF2B5EF4-FFF2-40B4-BE49-F238E27FC236}">
+                <a16:creationId xmlns:a16="http://schemas.microsoft.com/office/drawing/2014/main" id="{9A3447F2-4AA0-41BF-A59E-E162929F0569}"/>
+              </a:ext>
+            </a:extLst>
+          </p:cNvPr>
+          <p:cNvSpPr>
+            <a:spLocks noGrp="1"/>
+          </p:cNvSpPr>
+          <p:nvPr>
+            <p:ph type="sldNum" sz="quarter" idx="12"/>
+          </p:nvPr>
+        </p:nvSpPr>
+        <p:spPr/>
+        <p:txBody>
+          <a:bodyPr/>
+          <a:lstStyle/>
+          <a:p>
+            <a:fld id="{3A98EE3D-8CD1-4C3F-BD1C-C98C9596463C}" type="slidenum">
+              <a:rPr lang="en-US" smtClean="0"/>
+              <a:t>16</a:t>
+            </a:fld>
+            <a:endParaRPr lang="en-US" dirty="0"/>
+          </a:p>
+        </p:txBody>
+      </p:sp>
     </p:spTree>
     <p:extLst>
       <p:ext uri="{BB962C8B-B14F-4D97-AF65-F5344CB8AC3E}">
@@ -11427,13 +12030,20 @@
         </p:spPr>
         <p:txBody>
           <a:bodyPr>
-            <a:normAutofit/>
+            <a:noAutofit/>
           </a:bodyPr>
           <a:lstStyle/>
           <a:p>
             <a:r>
-              <a:rPr lang="en-AU" sz="4000" dirty="0"/>
-              <a:t>Summary - Comparing 2 approaches</a:t>
+              <a:rPr lang="en-AU" dirty="0"/>
+              <a:t>Model comparison - </a:t>
+            </a:r>
+            <a:br>
+              <a:rPr lang="en-AU" dirty="0"/>
+            </a:br>
+            <a:r>
+              <a:rPr lang="en-AU" sz="2400" dirty="0"/>
+              <a:t>Comparing 2 approaches</a:t>
             </a:r>
           </a:p>
         </p:txBody>
@@ -11489,7 +12099,7 @@
           <a:p>
             <a:r>
               <a:rPr lang="en-US" sz="2000" dirty="0"/>
-              <a:t>8 feature approach with random forest predicts slightly better on the class 1.</a:t>
+              <a:t>8 feature approach with Random Forest model predicts slightly better on the class 1.</a:t>
             </a:r>
           </a:p>
           <a:p>
@@ -11615,6 +12225,35 @@
           </a:extLst>
         </p:spPr>
       </p:pic>
+      <p:sp>
+        <p:nvSpPr>
+          <p:cNvPr id="3" name="Slide Number Placeholder 2">
+            <a:extLst>
+              <a:ext uri="{FF2B5EF4-FFF2-40B4-BE49-F238E27FC236}">
+                <a16:creationId xmlns:a16="http://schemas.microsoft.com/office/drawing/2014/main" id="{C02874A9-0305-49DA-9A22-D63D674A9263}"/>
+              </a:ext>
+            </a:extLst>
+          </p:cNvPr>
+          <p:cNvSpPr>
+            <a:spLocks noGrp="1"/>
+          </p:cNvSpPr>
+          <p:nvPr>
+            <p:ph type="sldNum" sz="quarter" idx="12"/>
+          </p:nvPr>
+        </p:nvSpPr>
+        <p:spPr/>
+        <p:txBody>
+          <a:bodyPr/>
+          <a:lstStyle/>
+          <a:p>
+            <a:fld id="{3A98EE3D-8CD1-4C3F-BD1C-C98C9596463C}" type="slidenum">
+              <a:rPr lang="en-US" smtClean="0"/>
+              <a:t>17</a:t>
+            </a:fld>
+            <a:endParaRPr lang="en-US" dirty="0"/>
+          </a:p>
+        </p:txBody>
+      </p:sp>
     </p:spTree>
     <p:extLst>
       <p:ext uri="{BB962C8B-B14F-4D97-AF65-F5344CB8AC3E}">
@@ -11748,7 +12387,7 @@
           <a:p>
             <a:r>
               <a:rPr lang="en-US" sz="6400" dirty="0"/>
-              <a:t>Pay Competitive </a:t>
+              <a:t>Pay competitive </a:t>
             </a:r>
           </a:p>
           <a:p>
@@ -11772,7 +12411,7 @@
           <a:p>
             <a:r>
               <a:rPr lang="en-US" sz="6400" dirty="0"/>
-              <a:t>Level the work load </a:t>
+              <a:t>Level the workload </a:t>
             </a:r>
           </a:p>
           <a:p>
@@ -11790,7 +12429,7 @@
           <a:p>
             <a:r>
               <a:rPr lang="en-US" sz="6400" dirty="0"/>
-              <a:t>Report staff turn over , reasons for leaving and cost on a regular bases to managers.</a:t>
+              <a:t>Report staff turn over , reasons for leaving and cost on a regular basis to managers.</a:t>
             </a:r>
           </a:p>
           <a:p>
@@ -11813,6 +12452,35 @@
           </a:p>
           <a:p>
             <a:endParaRPr lang="en-US" sz="2100" dirty="0"/>
+          </a:p>
+        </p:txBody>
+      </p:sp>
+      <p:sp>
+        <p:nvSpPr>
+          <p:cNvPr id="3" name="Slide Number Placeholder 2">
+            <a:extLst>
+              <a:ext uri="{FF2B5EF4-FFF2-40B4-BE49-F238E27FC236}">
+                <a16:creationId xmlns:a16="http://schemas.microsoft.com/office/drawing/2014/main" id="{83FC36A8-B572-4DF9-884C-AF59299BDD22}"/>
+              </a:ext>
+            </a:extLst>
+          </p:cNvPr>
+          <p:cNvSpPr>
+            <a:spLocks noGrp="1"/>
+          </p:cNvSpPr>
+          <p:nvPr>
+            <p:ph type="sldNum" sz="quarter" idx="12"/>
+          </p:nvPr>
+        </p:nvSpPr>
+        <p:spPr/>
+        <p:txBody>
+          <a:bodyPr/>
+          <a:lstStyle/>
+          <a:p>
+            <a:fld id="{3A98EE3D-8CD1-4C3F-BD1C-C98C9596463C}" type="slidenum">
+              <a:rPr lang="en-US" smtClean="0"/>
+              <a:t>18</a:t>
+            </a:fld>
+            <a:endParaRPr lang="en-US" dirty="0"/>
           </a:p>
         </p:txBody>
       </p:sp>
@@ -11820,6 +12488,113 @@
     <p:extLst>
       <p:ext uri="{BB962C8B-B14F-4D97-AF65-F5344CB8AC3E}">
         <p14:creationId xmlns:p14="http://schemas.microsoft.com/office/powerpoint/2010/main" val="2701289500"/>
+      </p:ext>
+    </p:extLst>
+  </p:cSld>
+  <p:clrMapOvr>
+    <a:masterClrMapping/>
+  </p:clrMapOvr>
+</p:sld>
+</file>
+
+<file path=ppt/slides/slide19.xml><?xml version="1.0" encoding="utf-8"?>
+<p:sld xmlns:a="http://schemas.openxmlformats.org/drawingml/2006/main" xmlns:r="http://schemas.openxmlformats.org/officeDocument/2006/relationships" xmlns:p="http://schemas.openxmlformats.org/presentationml/2006/main">
+  <p:cSld>
+    <p:spTree>
+      <p:nvGrpSpPr>
+        <p:cNvPr id="1" name=""/>
+        <p:cNvGrpSpPr/>
+        <p:nvPr/>
+      </p:nvGrpSpPr>
+      <p:grpSpPr>
+        <a:xfrm>
+          <a:off x="0" y="0"/>
+          <a:ext cx="0" cy="0"/>
+          <a:chOff x="0" y="0"/>
+          <a:chExt cx="0" cy="0"/>
+        </a:xfrm>
+      </p:grpSpPr>
+      <p:sp>
+        <p:nvSpPr>
+          <p:cNvPr id="2" name="Slide Number Placeholder 1">
+            <a:extLst>
+              <a:ext uri="{FF2B5EF4-FFF2-40B4-BE49-F238E27FC236}">
+                <a16:creationId xmlns:a16="http://schemas.microsoft.com/office/drawing/2014/main" id="{3B403F81-0DD5-4392-BA8D-03520D06B360}"/>
+              </a:ext>
+            </a:extLst>
+          </p:cNvPr>
+          <p:cNvSpPr>
+            <a:spLocks noGrp="1"/>
+          </p:cNvSpPr>
+          <p:nvPr>
+            <p:ph type="sldNum" sz="quarter" idx="12"/>
+          </p:nvPr>
+        </p:nvSpPr>
+        <p:spPr/>
+        <p:txBody>
+          <a:bodyPr/>
+          <a:lstStyle/>
+          <a:p>
+            <a:fld id="{3A98EE3D-8CD1-4C3F-BD1C-C98C9596463C}" type="slidenum">
+              <a:rPr lang="en-US" smtClean="0"/>
+              <a:t>19</a:t>
+            </a:fld>
+            <a:endParaRPr lang="en-US" dirty="0"/>
+          </a:p>
+        </p:txBody>
+      </p:sp>
+      <p:sp>
+        <p:nvSpPr>
+          <p:cNvPr id="3" name="TextBox 2">
+            <a:extLst>
+              <a:ext uri="{FF2B5EF4-FFF2-40B4-BE49-F238E27FC236}">
+                <a16:creationId xmlns:a16="http://schemas.microsoft.com/office/drawing/2014/main" id="{2BDCC1D3-1219-4B42-9EF3-E0ED4798C83A}"/>
+              </a:ext>
+            </a:extLst>
+          </p:cNvPr>
+          <p:cNvSpPr txBox="1"/>
+          <p:nvPr/>
+        </p:nvSpPr>
+        <p:spPr>
+          <a:xfrm>
+            <a:off x="1128156" y="2398816"/>
+            <a:ext cx="9054935" cy="2123658"/>
+          </a:xfrm>
+          <a:prstGeom prst="rect">
+            <a:avLst/>
+          </a:prstGeom>
+          <a:noFill/>
+        </p:spPr>
+        <p:txBody>
+          <a:bodyPr wrap="square" rtlCol="0">
+            <a:spAutoFit/>
+          </a:bodyPr>
+          <a:lstStyle/>
+          <a:p>
+            <a:pPr algn="ctr"/>
+            <a:r>
+              <a:rPr lang="en-GB" sz="4400" dirty="0"/>
+              <a:t>THANK YOU !</a:t>
+            </a:r>
+          </a:p>
+          <a:p>
+            <a:pPr algn="ctr"/>
+            <a:endParaRPr lang="en-GB" sz="4400" dirty="0"/>
+          </a:p>
+          <a:p>
+            <a:pPr algn="ctr"/>
+            <a:r>
+              <a:rPr lang="en-AU" sz="4400" dirty="0"/>
+              <a:t>ANY QUESTIONS ?</a:t>
+            </a:r>
+            <a:endParaRPr lang="en-GB" sz="4400" dirty="0"/>
+          </a:p>
+        </p:txBody>
+      </p:sp>
+    </p:spTree>
+    <p:extLst>
+      <p:ext uri="{BB962C8B-B14F-4D97-AF65-F5344CB8AC3E}">
+        <p14:creationId xmlns:p14="http://schemas.microsoft.com/office/powerpoint/2010/main" val="2147839770"/>
       </p:ext>
     </p:extLst>
   </p:cSld>
@@ -11851,7 +12626,7 @@
           <p:cNvPr id="2" name="Title 1">
             <a:extLst>
               <a:ext uri="{FF2B5EF4-FFF2-40B4-BE49-F238E27FC236}">
-                <a16:creationId xmlns:a16="http://schemas.microsoft.com/office/drawing/2014/main" id="{BA7E15D0-FAA3-42C9-8F19-D474198A997C}"/>
+                <a16:creationId xmlns:a16="http://schemas.microsoft.com/office/drawing/2014/main" id="{5E562972-3449-42D1-8185-B4BEFD52AB44}"/>
               </a:ext>
             </a:extLst>
           </p:cNvPr>
@@ -11871,19 +12646,641 @@
           <a:p>
             <a:pPr algn="ctr"/>
             <a:r>
-              <a:rPr lang="en-GB" sz="4000" dirty="0"/>
-              <a:t>Problem Statement</a:t>
-            </a:r>
-            <a:endParaRPr lang="en-AU" sz="4000" dirty="0"/>
+              <a:rPr lang="en-US" sz="4000" dirty="0"/>
+              <a:t>Data research Pipeline</a:t>
+            </a:r>
+          </a:p>
+        </p:txBody>
+      </p:sp>
+      <p:graphicFrame>
+        <p:nvGraphicFramePr>
+          <p:cNvPr id="4" name="Content Placeholder 2" descr="timeline">
+            <a:extLst>
+              <a:ext uri="{FF2B5EF4-FFF2-40B4-BE49-F238E27FC236}">
+                <a16:creationId xmlns:a16="http://schemas.microsoft.com/office/drawing/2014/main" id="{FF3F0D82-0AA6-45C3-8367-955CBFA02ED6}"/>
+              </a:ext>
+            </a:extLst>
+          </p:cNvPr>
+          <p:cNvGraphicFramePr>
+            <a:graphicFrameLocks noGrp="1"/>
+          </p:cNvGraphicFramePr>
+          <p:nvPr>
+            <p:ph idx="1"/>
+            <p:extLst>
+              <p:ext uri="{D42A27DB-BD31-4B8C-83A1-F6EECF244321}">
+                <p14:modId xmlns:p14="http://schemas.microsoft.com/office/powerpoint/2010/main" val="1344364979"/>
+              </p:ext>
+            </p:extLst>
+          </p:nvPr>
+        </p:nvGraphicFramePr>
+        <p:xfrm>
+          <a:off x="581025" y="2341563"/>
+          <a:ext cx="11029950" cy="3633787"/>
+        </p:xfrm>
+        <a:graphic>
+          <a:graphicData uri="http://schemas.openxmlformats.org/drawingml/2006/diagram">
+            <dgm:relIds xmlns:dgm="http://schemas.openxmlformats.org/drawingml/2006/diagram" xmlns:r="http://schemas.openxmlformats.org/officeDocument/2006/relationships" r:dm="rId2" r:lo="rId3" r:qs="rId4" r:cs="rId5"/>
+          </a:graphicData>
+        </a:graphic>
+      </p:graphicFrame>
+      <p:sp>
+        <p:nvSpPr>
+          <p:cNvPr id="9" name="Rectangle 8">
+            <a:extLst>
+              <a:ext uri="{FF2B5EF4-FFF2-40B4-BE49-F238E27FC236}">
+                <a16:creationId xmlns:a16="http://schemas.microsoft.com/office/drawing/2014/main" id="{A6C82972-9F2E-4679-9AC4-5A100FA8EEF8}"/>
+              </a:ext>
+            </a:extLst>
+          </p:cNvPr>
+          <p:cNvSpPr/>
+          <p:nvPr/>
+        </p:nvSpPr>
+        <p:spPr>
+          <a:xfrm>
+            <a:off x="347547" y="3208462"/>
+            <a:ext cx="1609107" cy="1359724"/>
+          </a:xfrm>
+          <a:prstGeom prst="rect">
+            <a:avLst/>
+          </a:prstGeom>
+        </p:spPr>
+        <p:style>
+          <a:lnRef idx="2">
+            <a:schemeClr val="accent1">
+              <a:shade val="50000"/>
+            </a:schemeClr>
+          </a:lnRef>
+          <a:fillRef idx="1">
+            <a:schemeClr val="accent1"/>
+          </a:fillRef>
+          <a:effectRef idx="0">
+            <a:schemeClr val="accent1"/>
+          </a:effectRef>
+          <a:fontRef idx="minor">
+            <a:schemeClr val="lt1"/>
+          </a:fontRef>
+        </p:style>
+        <p:txBody>
+          <a:bodyPr rtlCol="0" anchor="ctr"/>
+          <a:lstStyle/>
+          <a:p>
+            <a:pPr algn="ctr"/>
+            <a:r>
+              <a:rPr lang="en-GB" dirty="0"/>
+              <a:t>Business</a:t>
+            </a:r>
+          </a:p>
+          <a:p>
+            <a:pPr algn="ctr"/>
+            <a:r>
+              <a:rPr lang="en-GB" dirty="0"/>
+              <a:t>Question</a:t>
+            </a:r>
+            <a:endParaRPr lang="en-AU" dirty="0"/>
           </a:p>
         </p:txBody>
       </p:sp>
       <p:sp>
         <p:nvSpPr>
-          <p:cNvPr id="3" name="Content Placeholder 2">
+          <p:cNvPr id="10" name="Rectangle 9">
             <a:extLst>
               <a:ext uri="{FF2B5EF4-FFF2-40B4-BE49-F238E27FC236}">
-                <a16:creationId xmlns:a16="http://schemas.microsoft.com/office/drawing/2014/main" id="{9DD04D0B-30CA-4485-AEF3-B3BBDB9AAA08}"/>
+                <a16:creationId xmlns:a16="http://schemas.microsoft.com/office/drawing/2014/main" id="{DA3CB378-EF22-4330-BE6B-143E36075217}"/>
+              </a:ext>
+            </a:extLst>
+          </p:cNvPr>
+          <p:cNvSpPr/>
+          <p:nvPr/>
+        </p:nvSpPr>
+        <p:spPr>
+          <a:xfrm>
+            <a:off x="2315569" y="3217368"/>
+            <a:ext cx="1609107" cy="1359724"/>
+          </a:xfrm>
+          <a:prstGeom prst="rect">
+            <a:avLst/>
+          </a:prstGeom>
+        </p:spPr>
+        <p:style>
+          <a:lnRef idx="2">
+            <a:schemeClr val="accent1">
+              <a:shade val="50000"/>
+            </a:schemeClr>
+          </a:lnRef>
+          <a:fillRef idx="1">
+            <a:schemeClr val="accent1"/>
+          </a:fillRef>
+          <a:effectRef idx="0">
+            <a:schemeClr val="accent1"/>
+          </a:effectRef>
+          <a:fontRef idx="minor">
+            <a:schemeClr val="lt1"/>
+          </a:fontRef>
+        </p:style>
+        <p:txBody>
+          <a:bodyPr rtlCol="0" anchor="ctr"/>
+          <a:lstStyle/>
+          <a:p>
+            <a:pPr algn="ctr"/>
+            <a:r>
+              <a:rPr lang="en-GB" dirty="0"/>
+              <a:t>Data Acquisition </a:t>
+            </a:r>
+            <a:endParaRPr lang="en-AU" dirty="0"/>
+          </a:p>
+        </p:txBody>
+      </p:sp>
+      <p:sp>
+        <p:nvSpPr>
+          <p:cNvPr id="11" name="Rectangle 10">
+            <a:extLst>
+              <a:ext uri="{FF2B5EF4-FFF2-40B4-BE49-F238E27FC236}">
+                <a16:creationId xmlns:a16="http://schemas.microsoft.com/office/drawing/2014/main" id="{EEDB4738-4F63-4626-AC0B-C1CB5D113DC4}"/>
+              </a:ext>
+            </a:extLst>
+          </p:cNvPr>
+          <p:cNvSpPr/>
+          <p:nvPr/>
+        </p:nvSpPr>
+        <p:spPr>
+          <a:xfrm>
+            <a:off x="9887073" y="3208462"/>
+            <a:ext cx="2048862" cy="1359724"/>
+          </a:xfrm>
+          <a:prstGeom prst="rect">
+            <a:avLst/>
+          </a:prstGeom>
+        </p:spPr>
+        <p:style>
+          <a:lnRef idx="2">
+            <a:schemeClr val="accent1">
+              <a:shade val="50000"/>
+            </a:schemeClr>
+          </a:lnRef>
+          <a:fillRef idx="1">
+            <a:schemeClr val="accent1"/>
+          </a:fillRef>
+          <a:effectRef idx="0">
+            <a:schemeClr val="accent1"/>
+          </a:effectRef>
+          <a:fontRef idx="minor">
+            <a:schemeClr val="lt1"/>
+          </a:fontRef>
+        </p:style>
+        <p:txBody>
+          <a:bodyPr rtlCol="0" anchor="ctr"/>
+          <a:lstStyle/>
+          <a:p>
+            <a:pPr algn="ctr"/>
+            <a:r>
+              <a:rPr lang="en-GB" dirty="0"/>
+              <a:t>Next steps / </a:t>
+            </a:r>
+          </a:p>
+          <a:p>
+            <a:pPr algn="ctr"/>
+            <a:r>
+              <a:rPr lang="en-GB" dirty="0"/>
+              <a:t>Recommendations </a:t>
+            </a:r>
+            <a:endParaRPr lang="en-AU" dirty="0"/>
+          </a:p>
+        </p:txBody>
+      </p:sp>
+      <p:sp>
+        <p:nvSpPr>
+          <p:cNvPr id="12" name="Rectangle 11">
+            <a:extLst>
+              <a:ext uri="{FF2B5EF4-FFF2-40B4-BE49-F238E27FC236}">
+                <a16:creationId xmlns:a16="http://schemas.microsoft.com/office/drawing/2014/main" id="{5376A690-6C93-4CB4-8D6D-8A6A80BCFDEF}"/>
+              </a:ext>
+            </a:extLst>
+          </p:cNvPr>
+          <p:cNvSpPr/>
+          <p:nvPr/>
+        </p:nvSpPr>
+        <p:spPr>
+          <a:xfrm>
+            <a:off x="4249636" y="3217368"/>
+            <a:ext cx="1609107" cy="1359724"/>
+          </a:xfrm>
+          <a:prstGeom prst="rect">
+            <a:avLst/>
+          </a:prstGeom>
+        </p:spPr>
+        <p:style>
+          <a:lnRef idx="2">
+            <a:schemeClr val="accent1">
+              <a:shade val="50000"/>
+            </a:schemeClr>
+          </a:lnRef>
+          <a:fillRef idx="1">
+            <a:schemeClr val="accent1"/>
+          </a:fillRef>
+          <a:effectRef idx="0">
+            <a:schemeClr val="accent1"/>
+          </a:effectRef>
+          <a:fontRef idx="minor">
+            <a:schemeClr val="lt1"/>
+          </a:fontRef>
+        </p:style>
+        <p:txBody>
+          <a:bodyPr rtlCol="0" anchor="ctr"/>
+          <a:lstStyle/>
+          <a:p>
+            <a:pPr algn="ctr"/>
+            <a:r>
+              <a:rPr lang="en-GB" dirty="0"/>
+              <a:t>Exploratory </a:t>
+            </a:r>
+          </a:p>
+          <a:p>
+            <a:pPr algn="ctr"/>
+            <a:r>
+              <a:rPr lang="en-GB" dirty="0"/>
+              <a:t>Data </a:t>
+            </a:r>
+          </a:p>
+          <a:p>
+            <a:pPr algn="ctr"/>
+            <a:r>
+              <a:rPr lang="en-GB" dirty="0"/>
+              <a:t>Analysis</a:t>
+            </a:r>
+            <a:endParaRPr lang="en-AU" dirty="0"/>
+          </a:p>
+        </p:txBody>
+      </p:sp>
+      <p:sp>
+        <p:nvSpPr>
+          <p:cNvPr id="13" name="Rectangle 12">
+            <a:extLst>
+              <a:ext uri="{FF2B5EF4-FFF2-40B4-BE49-F238E27FC236}">
+                <a16:creationId xmlns:a16="http://schemas.microsoft.com/office/drawing/2014/main" id="{7265A1DA-4DC4-4A8F-B77A-462738502BCC}"/>
+              </a:ext>
+            </a:extLst>
+          </p:cNvPr>
+          <p:cNvSpPr/>
+          <p:nvPr/>
+        </p:nvSpPr>
+        <p:spPr>
+          <a:xfrm>
+            <a:off x="6183703" y="3208462"/>
+            <a:ext cx="1609107" cy="1359724"/>
+          </a:xfrm>
+          <a:prstGeom prst="rect">
+            <a:avLst/>
+          </a:prstGeom>
+        </p:spPr>
+        <p:style>
+          <a:lnRef idx="2">
+            <a:schemeClr val="accent1">
+              <a:shade val="50000"/>
+            </a:schemeClr>
+          </a:lnRef>
+          <a:fillRef idx="1">
+            <a:schemeClr val="accent1"/>
+          </a:fillRef>
+          <a:effectRef idx="0">
+            <a:schemeClr val="accent1"/>
+          </a:effectRef>
+          <a:fontRef idx="minor">
+            <a:schemeClr val="lt1"/>
+          </a:fontRef>
+        </p:style>
+        <p:txBody>
+          <a:bodyPr rtlCol="0" anchor="ctr"/>
+          <a:lstStyle/>
+          <a:p>
+            <a:pPr algn="ctr"/>
+            <a:r>
+              <a:rPr lang="en-GB" dirty="0"/>
+              <a:t>Building </a:t>
+            </a:r>
+          </a:p>
+          <a:p>
+            <a:pPr algn="ctr"/>
+            <a:r>
+              <a:rPr lang="en-GB" dirty="0"/>
+              <a:t>Models</a:t>
+            </a:r>
+            <a:endParaRPr lang="en-AU" dirty="0"/>
+          </a:p>
+        </p:txBody>
+      </p:sp>
+      <p:sp>
+        <p:nvSpPr>
+          <p:cNvPr id="14" name="Rectangle 13">
+            <a:extLst>
+              <a:ext uri="{FF2B5EF4-FFF2-40B4-BE49-F238E27FC236}">
+                <a16:creationId xmlns:a16="http://schemas.microsoft.com/office/drawing/2014/main" id="{150EADF8-68FA-45EB-87D5-547541C79291}"/>
+              </a:ext>
+            </a:extLst>
+          </p:cNvPr>
+          <p:cNvSpPr/>
+          <p:nvPr/>
+        </p:nvSpPr>
+        <p:spPr>
+          <a:xfrm>
+            <a:off x="8035388" y="3208462"/>
+            <a:ext cx="1609107" cy="1359724"/>
+          </a:xfrm>
+          <a:prstGeom prst="rect">
+            <a:avLst/>
+          </a:prstGeom>
+        </p:spPr>
+        <p:style>
+          <a:lnRef idx="2">
+            <a:schemeClr val="accent1">
+              <a:shade val="50000"/>
+            </a:schemeClr>
+          </a:lnRef>
+          <a:fillRef idx="1">
+            <a:schemeClr val="accent1"/>
+          </a:fillRef>
+          <a:effectRef idx="0">
+            <a:schemeClr val="accent1"/>
+          </a:effectRef>
+          <a:fontRef idx="minor">
+            <a:schemeClr val="lt1"/>
+          </a:fontRef>
+        </p:style>
+        <p:txBody>
+          <a:bodyPr rtlCol="0" anchor="ctr"/>
+          <a:lstStyle/>
+          <a:p>
+            <a:pPr algn="ctr"/>
+            <a:r>
+              <a:rPr lang="en-GB" dirty="0"/>
+              <a:t>Model</a:t>
+            </a:r>
+          </a:p>
+          <a:p>
+            <a:pPr algn="ctr"/>
+            <a:r>
+              <a:rPr lang="en-GB" dirty="0"/>
+              <a:t>Comparison</a:t>
+            </a:r>
+            <a:endParaRPr lang="en-AU" dirty="0"/>
+          </a:p>
+        </p:txBody>
+      </p:sp>
+      <p:sp>
+        <p:nvSpPr>
+          <p:cNvPr id="17" name="Arrow: Curved Up 16">
+            <a:extLst>
+              <a:ext uri="{FF2B5EF4-FFF2-40B4-BE49-F238E27FC236}">
+                <a16:creationId xmlns:a16="http://schemas.microsoft.com/office/drawing/2014/main" id="{66523CFB-8171-4AA8-A03C-470A02BD076C}"/>
+              </a:ext>
+            </a:extLst>
+          </p:cNvPr>
+          <p:cNvSpPr/>
+          <p:nvPr/>
+        </p:nvSpPr>
+        <p:spPr>
+          <a:xfrm>
+            <a:off x="3501491" y="4667611"/>
+            <a:ext cx="1496290" cy="599704"/>
+          </a:xfrm>
+          <a:prstGeom prst="curvedUpArrow">
+            <a:avLst/>
+          </a:prstGeom>
+        </p:spPr>
+        <p:style>
+          <a:lnRef idx="2">
+            <a:schemeClr val="accent1">
+              <a:shade val="50000"/>
+            </a:schemeClr>
+          </a:lnRef>
+          <a:fillRef idx="1">
+            <a:schemeClr val="accent1"/>
+          </a:fillRef>
+          <a:effectRef idx="0">
+            <a:schemeClr val="accent1"/>
+          </a:effectRef>
+          <a:fontRef idx="minor">
+            <a:schemeClr val="lt1"/>
+          </a:fontRef>
+        </p:style>
+        <p:txBody>
+          <a:bodyPr rtlCol="0" anchor="ctr"/>
+          <a:lstStyle/>
+          <a:p>
+            <a:pPr algn="ctr"/>
+            <a:endParaRPr lang="en-AU">
+              <a:solidFill>
+                <a:schemeClr val="tx1"/>
+              </a:solidFill>
+            </a:endParaRPr>
+          </a:p>
+        </p:txBody>
+      </p:sp>
+      <p:sp>
+        <p:nvSpPr>
+          <p:cNvPr id="18" name="Arrow: Curved Down 17">
+            <a:extLst>
+              <a:ext uri="{FF2B5EF4-FFF2-40B4-BE49-F238E27FC236}">
+                <a16:creationId xmlns:a16="http://schemas.microsoft.com/office/drawing/2014/main" id="{830FD30B-E8B0-4CE9-B5A8-56583FDB6BDC}"/>
+              </a:ext>
+            </a:extLst>
+          </p:cNvPr>
+          <p:cNvSpPr/>
+          <p:nvPr/>
+        </p:nvSpPr>
+        <p:spPr>
+          <a:xfrm>
+            <a:off x="1490353" y="2586523"/>
+            <a:ext cx="1448790" cy="522514"/>
+          </a:xfrm>
+          <a:prstGeom prst="curvedDownArrow">
+            <a:avLst/>
+          </a:prstGeom>
+        </p:spPr>
+        <p:style>
+          <a:lnRef idx="2">
+            <a:schemeClr val="accent1">
+              <a:shade val="50000"/>
+            </a:schemeClr>
+          </a:lnRef>
+          <a:fillRef idx="1">
+            <a:schemeClr val="accent1"/>
+          </a:fillRef>
+          <a:effectRef idx="0">
+            <a:schemeClr val="accent1"/>
+          </a:effectRef>
+          <a:fontRef idx="minor">
+            <a:schemeClr val="lt1"/>
+          </a:fontRef>
+        </p:style>
+        <p:txBody>
+          <a:bodyPr rtlCol="0" anchor="ctr"/>
+          <a:lstStyle/>
+          <a:p>
+            <a:pPr algn="ctr"/>
+            <a:endParaRPr lang="en-AU" dirty="0">
+              <a:solidFill>
+                <a:schemeClr val="tx1"/>
+              </a:solidFill>
+            </a:endParaRPr>
+          </a:p>
+        </p:txBody>
+      </p:sp>
+      <p:sp>
+        <p:nvSpPr>
+          <p:cNvPr id="19" name="Arrow: Curved Down 18">
+            <a:extLst>
+              <a:ext uri="{FF2B5EF4-FFF2-40B4-BE49-F238E27FC236}">
+                <a16:creationId xmlns:a16="http://schemas.microsoft.com/office/drawing/2014/main" id="{46F1E9D7-F5D1-4DC1-B7C1-30C4E92D11E7}"/>
+              </a:ext>
+            </a:extLst>
+          </p:cNvPr>
+          <p:cNvSpPr/>
+          <p:nvPr/>
+        </p:nvSpPr>
+        <p:spPr>
+          <a:xfrm>
+            <a:off x="5134348" y="2609214"/>
+            <a:ext cx="1448790" cy="522514"/>
+          </a:xfrm>
+          <a:prstGeom prst="curvedDownArrow">
+            <a:avLst/>
+          </a:prstGeom>
+        </p:spPr>
+        <p:style>
+          <a:lnRef idx="2">
+            <a:schemeClr val="accent1">
+              <a:shade val="50000"/>
+            </a:schemeClr>
+          </a:lnRef>
+          <a:fillRef idx="1">
+            <a:schemeClr val="accent1"/>
+          </a:fillRef>
+          <a:effectRef idx="0">
+            <a:schemeClr val="accent1"/>
+          </a:effectRef>
+          <a:fontRef idx="minor">
+            <a:schemeClr val="lt1"/>
+          </a:fontRef>
+        </p:style>
+        <p:txBody>
+          <a:bodyPr rtlCol="0" anchor="ctr"/>
+          <a:lstStyle/>
+          <a:p>
+            <a:pPr algn="ctr"/>
+            <a:endParaRPr lang="en-AU" dirty="0">
+              <a:solidFill>
+                <a:schemeClr val="tx1"/>
+              </a:solidFill>
+            </a:endParaRPr>
+          </a:p>
+        </p:txBody>
+      </p:sp>
+      <p:sp>
+        <p:nvSpPr>
+          <p:cNvPr id="20" name="Arrow: Curved Up 19">
+            <a:extLst>
+              <a:ext uri="{FF2B5EF4-FFF2-40B4-BE49-F238E27FC236}">
+                <a16:creationId xmlns:a16="http://schemas.microsoft.com/office/drawing/2014/main" id="{F8EC37F5-5D34-4FDB-BCDB-B3279FBF78F2}"/>
+              </a:ext>
+            </a:extLst>
+          </p:cNvPr>
+          <p:cNvSpPr/>
+          <p:nvPr/>
+        </p:nvSpPr>
+        <p:spPr>
+          <a:xfrm>
+            <a:off x="7198428" y="4644920"/>
+            <a:ext cx="1496290" cy="599704"/>
+          </a:xfrm>
+          <a:prstGeom prst="curvedUpArrow">
+            <a:avLst/>
+          </a:prstGeom>
+        </p:spPr>
+        <p:style>
+          <a:lnRef idx="2">
+            <a:schemeClr val="accent1">
+              <a:shade val="50000"/>
+            </a:schemeClr>
+          </a:lnRef>
+          <a:fillRef idx="1">
+            <a:schemeClr val="accent1"/>
+          </a:fillRef>
+          <a:effectRef idx="0">
+            <a:schemeClr val="accent1"/>
+          </a:effectRef>
+          <a:fontRef idx="minor">
+            <a:schemeClr val="lt1"/>
+          </a:fontRef>
+        </p:style>
+        <p:txBody>
+          <a:bodyPr rtlCol="0" anchor="ctr"/>
+          <a:lstStyle/>
+          <a:p>
+            <a:pPr algn="ctr"/>
+            <a:endParaRPr lang="en-AU">
+              <a:solidFill>
+                <a:schemeClr val="tx1"/>
+              </a:solidFill>
+            </a:endParaRPr>
+          </a:p>
+        </p:txBody>
+      </p:sp>
+      <p:sp>
+        <p:nvSpPr>
+          <p:cNvPr id="21" name="Arrow: Curved Down 20">
+            <a:extLst>
+              <a:ext uri="{FF2B5EF4-FFF2-40B4-BE49-F238E27FC236}">
+                <a16:creationId xmlns:a16="http://schemas.microsoft.com/office/drawing/2014/main" id="{5C38F936-5674-4B25-B413-D7427DE4E5E8}"/>
+              </a:ext>
+            </a:extLst>
+          </p:cNvPr>
+          <p:cNvSpPr/>
+          <p:nvPr/>
+        </p:nvSpPr>
+        <p:spPr>
+          <a:xfrm>
+            <a:off x="9080915" y="2586523"/>
+            <a:ext cx="1448790" cy="522514"/>
+          </a:xfrm>
+          <a:prstGeom prst="curvedDownArrow">
+            <a:avLst/>
+          </a:prstGeom>
+        </p:spPr>
+        <p:style>
+          <a:lnRef idx="2">
+            <a:schemeClr val="accent1">
+              <a:shade val="50000"/>
+            </a:schemeClr>
+          </a:lnRef>
+          <a:fillRef idx="1">
+            <a:schemeClr val="accent1"/>
+          </a:fillRef>
+          <a:effectRef idx="0">
+            <a:schemeClr val="accent1"/>
+          </a:effectRef>
+          <a:fontRef idx="minor">
+            <a:schemeClr val="lt1"/>
+          </a:fontRef>
+        </p:style>
+        <p:txBody>
+          <a:bodyPr rtlCol="0" anchor="ctr"/>
+          <a:lstStyle/>
+          <a:p>
+            <a:pPr algn="ctr"/>
+            <a:endParaRPr lang="en-AU" dirty="0">
+              <a:solidFill>
+                <a:schemeClr val="tx1"/>
+              </a:solidFill>
+            </a:endParaRPr>
+          </a:p>
+        </p:txBody>
+      </p:sp>
+      <p:sp>
+        <p:nvSpPr>
+          <p:cNvPr id="3" name="Slide Number Placeholder 2">
+            <a:extLst>
+              <a:ext uri="{FF2B5EF4-FFF2-40B4-BE49-F238E27FC236}">
+                <a16:creationId xmlns:a16="http://schemas.microsoft.com/office/drawing/2014/main" id="{1144FDAD-05AA-4943-976D-85F0DEA2F466}"/>
               </a:ext>
             </a:extLst>
           </p:cNvPr>
@@ -11891,499 +13288,26 @@
             <a:spLocks noGrp="1"/>
           </p:cNvSpPr>
           <p:nvPr>
-            <p:ph idx="1"/>
+            <p:ph type="sldNum" sz="quarter" idx="12"/>
           </p:nvPr>
         </p:nvSpPr>
         <p:spPr/>
         <p:txBody>
-          <a:bodyPr>
-            <a:normAutofit fontScale="25000" lnSpcReduction="20000"/>
-          </a:bodyPr>
+          <a:bodyPr/>
           <a:lstStyle/>
           <a:p>
-            <a:pPr marL="0" indent="0">
-              <a:buNone/>
-            </a:pPr>
-            <a:endParaRPr lang="en-GB" dirty="0"/>
-          </a:p>
-          <a:p>
-            <a:endParaRPr lang="en-GB" dirty="0"/>
-          </a:p>
-          <a:p>
-            <a:endParaRPr lang="en-GB" dirty="0"/>
-          </a:p>
-          <a:p>
-            <a:endParaRPr lang="en-GB" dirty="0"/>
-          </a:p>
-          <a:p>
-            <a:endParaRPr lang="en-GB" dirty="0"/>
-          </a:p>
-          <a:p>
-            <a:endParaRPr lang="en-GB" dirty="0"/>
-          </a:p>
-          <a:p>
-            <a:endParaRPr lang="en-GB" dirty="0"/>
-          </a:p>
-          <a:p>
-            <a:endParaRPr lang="en-GB" sz="2300" dirty="0"/>
-          </a:p>
-          <a:p>
-            <a:pPr marL="0" indent="0">
-              <a:buNone/>
-            </a:pPr>
-            <a:endParaRPr lang="en-GB" sz="3300" b="0" i="0" dirty="0">
-              <a:solidFill>
-                <a:srgbClr val="002060"/>
-              </a:solidFill>
-              <a:effectLst/>
-              <a:latin typeface="Trebuchet"/>
-            </a:endParaRPr>
-          </a:p>
-          <a:p>
-            <a:pPr marL="0" indent="0">
-              <a:buNone/>
-            </a:pPr>
-            <a:endParaRPr lang="en-GB" sz="3300" b="0" i="0" dirty="0">
-              <a:solidFill>
-                <a:srgbClr val="002060"/>
-              </a:solidFill>
-              <a:effectLst/>
-              <a:latin typeface="Trebuchet"/>
-            </a:endParaRPr>
-          </a:p>
-          <a:p>
-            <a:pPr marL="0" indent="0">
-              <a:buNone/>
-            </a:pPr>
-            <a:endParaRPr lang="en-GB" sz="3300" b="0" i="0" dirty="0">
-              <a:solidFill>
-                <a:srgbClr val="002060"/>
-              </a:solidFill>
-              <a:effectLst/>
-              <a:latin typeface="Trebuchet"/>
-            </a:endParaRPr>
-          </a:p>
-          <a:p>
-            <a:pPr marL="0" indent="0">
-              <a:buNone/>
-            </a:pPr>
-            <a:endParaRPr lang="en-GB" sz="3300" dirty="0">
-              <a:solidFill>
-                <a:srgbClr val="002060"/>
-              </a:solidFill>
-              <a:latin typeface="Trebuchet"/>
-            </a:endParaRPr>
-          </a:p>
-          <a:p>
-            <a:pPr marL="0" indent="0">
-              <a:buNone/>
-            </a:pPr>
-            <a:endParaRPr lang="en-GB" sz="7200" b="0" i="0" dirty="0">
-              <a:solidFill>
-                <a:srgbClr val="002060"/>
-              </a:solidFill>
-              <a:effectLst/>
-              <a:latin typeface="Trebuchet"/>
-            </a:endParaRPr>
-          </a:p>
-          <a:p>
-            <a:pPr marL="0" indent="0">
-              <a:buNone/>
-            </a:pPr>
-            <a:endParaRPr lang="en-AU" sz="5600" b="0" i="0" dirty="0">
-              <a:solidFill>
-                <a:srgbClr val="002060"/>
-              </a:solidFill>
-              <a:effectLst/>
-              <a:latin typeface="Trebuchet"/>
-            </a:endParaRPr>
-          </a:p>
-          <a:p>
-            <a:pPr marL="0" indent="0">
-              <a:buNone/>
-            </a:pPr>
-            <a:endParaRPr lang="en-AU" sz="5600" dirty="0">
-              <a:solidFill>
-                <a:srgbClr val="002060"/>
-              </a:solidFill>
-              <a:latin typeface="Trebuchet"/>
-            </a:endParaRPr>
-          </a:p>
-          <a:p>
-            <a:pPr marL="0" indent="0">
-              <a:buNone/>
-            </a:pPr>
-            <a:endParaRPr lang="en-AU" sz="5600" b="0" i="0" dirty="0">
-              <a:solidFill>
-                <a:srgbClr val="002060"/>
-              </a:solidFill>
-              <a:effectLst/>
-              <a:latin typeface="Trebuchet"/>
-            </a:endParaRPr>
-          </a:p>
-          <a:p>
-            <a:pPr marL="0" indent="0">
-              <a:buNone/>
-            </a:pPr>
-            <a:endParaRPr lang="en-AU" sz="7200" b="0" i="0" dirty="0">
-              <a:solidFill>
-                <a:srgbClr val="002060"/>
-              </a:solidFill>
-              <a:effectLst/>
-              <a:latin typeface="Trebuchet"/>
-            </a:endParaRPr>
-          </a:p>
-          <a:p>
-            <a:r>
-              <a:rPr lang="en-AU" sz="7200" dirty="0"/>
-              <a:t>What is employee attrition? </a:t>
-            </a:r>
-          </a:p>
-          <a:p>
-            <a:pPr marL="0" indent="0">
-              <a:buNone/>
-            </a:pPr>
-            <a:r>
-              <a:rPr lang="en-GB" sz="7200" b="0" i="0" dirty="0">
-                <a:solidFill>
-                  <a:srgbClr val="66668F"/>
-                </a:solidFill>
-                <a:effectLst/>
-                <a:latin typeface="GT Walsheim Pro"/>
-              </a:rPr>
-              <a:t>          </a:t>
-            </a:r>
-            <a:r>
-              <a:rPr lang="en-GB" sz="7200" b="0" i="0" dirty="0">
-                <a:solidFill>
-                  <a:srgbClr val="002060"/>
-                </a:solidFill>
-                <a:effectLst/>
-                <a:latin typeface="Trebuchet"/>
-              </a:rPr>
-              <a:t>Reduction of the workforce due to resignations, retirement, sickness, or death</a:t>
-            </a:r>
-          </a:p>
-          <a:p>
-            <a:pPr marL="0" indent="0">
-              <a:buNone/>
-            </a:pPr>
-            <a:endParaRPr lang="en-GB" sz="7200" b="0" i="0" dirty="0">
-              <a:solidFill>
-                <a:srgbClr val="002060"/>
-              </a:solidFill>
-              <a:effectLst/>
-              <a:latin typeface="Trebuchet"/>
-            </a:endParaRPr>
-          </a:p>
-          <a:p>
-            <a:r>
-              <a:rPr lang="en-AU" sz="7200" dirty="0"/>
-              <a:t>What are some disadvantages of high employee attrition rates?</a:t>
-            </a:r>
-          </a:p>
-          <a:p>
-            <a:pPr marL="0" indent="0">
-              <a:buNone/>
-            </a:pPr>
-            <a:r>
-              <a:rPr lang="en-AU" sz="7200" dirty="0"/>
-              <a:t>         </a:t>
-            </a:r>
-            <a:r>
-              <a:rPr lang="en-AU" sz="7200" b="0" i="0" dirty="0">
-                <a:solidFill>
-                  <a:srgbClr val="002060"/>
-                </a:solidFill>
-                <a:effectLst/>
-                <a:latin typeface="Trebuchet"/>
-              </a:rPr>
-              <a:t>Increased cost, lack of knowledgeable employees, decreased overall performance,  </a:t>
-            </a:r>
-            <a:r>
-              <a:rPr lang="en-AU" sz="7200" dirty="0">
-                <a:solidFill>
-                  <a:srgbClr val="002060"/>
-                </a:solidFill>
-                <a:latin typeface="Trebuchet"/>
-              </a:rPr>
-              <a:t>c</a:t>
-            </a:r>
-            <a:r>
-              <a:rPr lang="en-AU" sz="7200" b="0" i="0" dirty="0">
-                <a:solidFill>
-                  <a:srgbClr val="002060"/>
-                </a:solidFill>
-                <a:effectLst/>
-                <a:latin typeface="Trebuchet"/>
-              </a:rPr>
-              <a:t>reate a negative image</a:t>
-            </a:r>
-          </a:p>
-          <a:p>
-            <a:pPr marL="0" indent="0">
-              <a:buNone/>
-            </a:pPr>
-            <a:endParaRPr lang="en-AU" sz="7200" b="0" i="0" dirty="0">
-              <a:solidFill>
-                <a:srgbClr val="002060"/>
-              </a:solidFill>
-              <a:effectLst/>
-              <a:latin typeface="Trebuchet"/>
-            </a:endParaRPr>
-          </a:p>
-          <a:p>
-            <a:r>
-              <a:rPr lang="en-AU" sz="7200" b="0" i="0" dirty="0">
-                <a:solidFill>
-                  <a:schemeClr val="tx1"/>
-                </a:solidFill>
-                <a:effectLst/>
-                <a:latin typeface="Trebuchet"/>
-              </a:rPr>
-              <a:t>What causes employee attrition?</a:t>
-            </a:r>
-          </a:p>
-          <a:p>
-            <a:pPr marL="0" indent="0">
-              <a:buNone/>
-            </a:pPr>
-            <a:r>
-              <a:rPr lang="en-AU" sz="7200" dirty="0">
-                <a:solidFill>
-                  <a:srgbClr val="002060"/>
-                </a:solidFill>
-                <a:latin typeface="Trebuchet"/>
-              </a:rPr>
-              <a:t>         </a:t>
-            </a:r>
-            <a:r>
-              <a:rPr lang="en-GB" sz="7200" i="0" dirty="0">
-                <a:solidFill>
-                  <a:srgbClr val="002060"/>
-                </a:solidFill>
-                <a:effectLst/>
-                <a:latin typeface="Trebuchet"/>
-              </a:rPr>
-              <a:t>Compensation, recognition, career progression, company culture, stres</a:t>
-            </a:r>
-            <a:r>
-              <a:rPr lang="en-GB" sz="7200" dirty="0">
-                <a:solidFill>
-                  <a:srgbClr val="002060"/>
-                </a:solidFill>
-                <a:latin typeface="Trebuchet"/>
-              </a:rPr>
-              <a:t>s etc</a:t>
-            </a:r>
-          </a:p>
-          <a:p>
-            <a:pPr marL="0" indent="0">
-              <a:buNone/>
-            </a:pPr>
-            <a:endParaRPr lang="en-GB" sz="7200" dirty="0">
-              <a:solidFill>
-                <a:srgbClr val="66668F"/>
-              </a:solidFill>
-              <a:latin typeface="Trebuchet"/>
-            </a:endParaRPr>
-          </a:p>
-          <a:p>
-            <a:pPr marL="0" indent="0">
-              <a:buNone/>
-            </a:pPr>
-            <a:endParaRPr lang="en-GB" sz="7200" dirty="0">
-              <a:solidFill>
-                <a:srgbClr val="66668F"/>
-              </a:solidFill>
-              <a:latin typeface="Trebuchet"/>
-            </a:endParaRPr>
-          </a:p>
-          <a:p>
-            <a:pPr marL="0" indent="0">
-              <a:buNone/>
-            </a:pPr>
-            <a:endParaRPr lang="en-AU" sz="5600" dirty="0">
-              <a:solidFill>
-                <a:srgbClr val="002060"/>
-              </a:solidFill>
-              <a:latin typeface="Trebuchet"/>
-            </a:endParaRPr>
-          </a:p>
-          <a:p>
-            <a:pPr marL="0" indent="0">
-              <a:buNone/>
-            </a:pPr>
-            <a:endParaRPr lang="en-AU" sz="5600" dirty="0">
-              <a:solidFill>
-                <a:srgbClr val="002060"/>
-              </a:solidFill>
-              <a:latin typeface="Trebuchet"/>
-            </a:endParaRPr>
-          </a:p>
-          <a:p>
-            <a:pPr marL="0" indent="0">
-              <a:buNone/>
-            </a:pPr>
-            <a:endParaRPr lang="en-AU" sz="3300" b="0" i="0" dirty="0">
-              <a:solidFill>
-                <a:srgbClr val="002060"/>
-              </a:solidFill>
-              <a:effectLst/>
-              <a:latin typeface="Trebuchet"/>
-            </a:endParaRPr>
-          </a:p>
-          <a:p>
-            <a:pPr marL="0" indent="0">
-              <a:buNone/>
-            </a:pPr>
-            <a:endParaRPr lang="en-AU" sz="3300" dirty="0">
-              <a:solidFill>
-                <a:srgbClr val="002060"/>
-              </a:solidFill>
-              <a:latin typeface="Trebuchet"/>
-            </a:endParaRPr>
-          </a:p>
-          <a:p>
-            <a:pPr marL="0" indent="0">
-              <a:buNone/>
-            </a:pPr>
-            <a:endParaRPr lang="en-AU" sz="3300" b="0" i="0" dirty="0">
-              <a:solidFill>
-                <a:srgbClr val="002060"/>
-              </a:solidFill>
-              <a:effectLst/>
-              <a:latin typeface="Trebuchet"/>
-            </a:endParaRPr>
-          </a:p>
-          <a:p>
-            <a:pPr marL="0" indent="0">
-              <a:buNone/>
-            </a:pPr>
-            <a:endParaRPr lang="en-AU" sz="3300" dirty="0">
-              <a:solidFill>
-                <a:srgbClr val="002060"/>
-              </a:solidFill>
-              <a:latin typeface="Trebuchet"/>
-            </a:endParaRPr>
-          </a:p>
-          <a:p>
-            <a:pPr marL="0" indent="0">
-              <a:buNone/>
-            </a:pPr>
-            <a:endParaRPr lang="en-AU" sz="3300" b="0" i="0" dirty="0">
-              <a:solidFill>
-                <a:srgbClr val="002060"/>
-              </a:solidFill>
-              <a:effectLst/>
-              <a:latin typeface="Trebuchet"/>
-            </a:endParaRPr>
-          </a:p>
-          <a:p>
-            <a:pPr marL="0" indent="0">
-              <a:buNone/>
-            </a:pPr>
-            <a:endParaRPr lang="en-AU" sz="3300" dirty="0">
-              <a:solidFill>
-                <a:srgbClr val="002060"/>
-              </a:solidFill>
-              <a:latin typeface="Trebuchet"/>
-            </a:endParaRPr>
-          </a:p>
-          <a:p>
-            <a:pPr marL="0" indent="0">
-              <a:buNone/>
-            </a:pPr>
-            <a:endParaRPr lang="en-AU" sz="3300" b="0" i="0" dirty="0">
-              <a:solidFill>
-                <a:srgbClr val="002060"/>
-              </a:solidFill>
-              <a:effectLst/>
-              <a:latin typeface="Trebuchet"/>
-            </a:endParaRPr>
-          </a:p>
-          <a:p>
-            <a:pPr marL="0" indent="0">
-              <a:buNone/>
-            </a:pPr>
-            <a:endParaRPr lang="en-AU" sz="3300" dirty="0">
-              <a:solidFill>
-                <a:srgbClr val="002060"/>
-              </a:solidFill>
-              <a:latin typeface="Trebuchet"/>
-            </a:endParaRPr>
-          </a:p>
-          <a:p>
-            <a:pPr marL="0" indent="0">
-              <a:buNone/>
-            </a:pPr>
-            <a:endParaRPr lang="en-AU" sz="3300" b="0" i="0" dirty="0">
-              <a:solidFill>
-                <a:srgbClr val="002060"/>
-              </a:solidFill>
-              <a:effectLst/>
-              <a:latin typeface="Trebuchet"/>
-            </a:endParaRPr>
-          </a:p>
-          <a:p>
-            <a:pPr marL="0" indent="0">
-              <a:buNone/>
-            </a:pPr>
-            <a:endParaRPr lang="en-AU" b="0" i="0" dirty="0">
-              <a:solidFill>
-                <a:srgbClr val="111111"/>
-              </a:solidFill>
-              <a:effectLst/>
-              <a:latin typeface="Trebuchet"/>
-            </a:endParaRPr>
-          </a:p>
-          <a:p>
-            <a:pPr marL="0" indent="0">
-              <a:buNone/>
-            </a:pPr>
-            <a:endParaRPr lang="en-AU" b="0" i="0" dirty="0">
-              <a:solidFill>
-                <a:srgbClr val="111111"/>
-              </a:solidFill>
-              <a:effectLst/>
-              <a:latin typeface="Trebuchet"/>
-            </a:endParaRPr>
-          </a:p>
-          <a:p>
-            <a:pPr marL="0" indent="0">
-              <a:buNone/>
-            </a:pPr>
-            <a:endParaRPr lang="en-AU" b="0" i="0" dirty="0">
-              <a:solidFill>
-                <a:srgbClr val="111111"/>
-              </a:solidFill>
-              <a:effectLst/>
-              <a:latin typeface="Trebuchet"/>
-            </a:endParaRPr>
-          </a:p>
-          <a:p>
-            <a:pPr marL="0" indent="0">
-              <a:buNone/>
-            </a:pPr>
-            <a:endParaRPr lang="en-AU" dirty="0"/>
-          </a:p>
-          <a:p>
-            <a:endParaRPr lang="en-GB" b="0" i="0" dirty="0">
-              <a:solidFill>
-                <a:srgbClr val="66668F"/>
-              </a:solidFill>
-              <a:effectLst/>
-            </a:endParaRPr>
-          </a:p>
-          <a:p>
-            <a:endParaRPr lang="en-AU" dirty="0"/>
+            <a:fld id="{3A98EE3D-8CD1-4C3F-BD1C-C98C9596463C}" type="slidenum">
+              <a:rPr lang="en-US" smtClean="0"/>
+              <a:t>2</a:t>
+            </a:fld>
+            <a:endParaRPr lang="en-US" dirty="0"/>
           </a:p>
         </p:txBody>
       </p:sp>
     </p:spTree>
     <p:extLst>
       <p:ext uri="{BB962C8B-B14F-4D97-AF65-F5344CB8AC3E}">
-        <p14:creationId xmlns:p14="http://schemas.microsoft.com/office/powerpoint/2010/main" val="1847343599"/>
+        <p14:creationId xmlns:p14="http://schemas.microsoft.com/office/powerpoint/2010/main" val="263784652"/>
       </p:ext>
     </p:extLst>
   </p:cSld>
@@ -12436,6 +13360,720 @@
             <a:pPr algn="ctr"/>
             <a:r>
               <a:rPr lang="en-GB" sz="4000" dirty="0"/>
+              <a:t>Problem Statement</a:t>
+            </a:r>
+            <a:endParaRPr lang="en-AU" sz="4000" dirty="0"/>
+          </a:p>
+        </p:txBody>
+      </p:sp>
+      <p:sp>
+        <p:nvSpPr>
+          <p:cNvPr id="3" name="Content Placeholder 2">
+            <a:extLst>
+              <a:ext uri="{FF2B5EF4-FFF2-40B4-BE49-F238E27FC236}">
+                <a16:creationId xmlns:a16="http://schemas.microsoft.com/office/drawing/2014/main" id="{9DD04D0B-30CA-4485-AEF3-B3BBDB9AAA08}"/>
+              </a:ext>
+            </a:extLst>
+          </p:cNvPr>
+          <p:cNvSpPr>
+            <a:spLocks noGrp="1"/>
+          </p:cNvSpPr>
+          <p:nvPr>
+            <p:ph idx="1"/>
+          </p:nvPr>
+        </p:nvSpPr>
+        <p:spPr/>
+        <p:txBody>
+          <a:bodyPr>
+            <a:normAutofit fontScale="25000" lnSpcReduction="20000"/>
+          </a:bodyPr>
+          <a:lstStyle/>
+          <a:p>
+            <a:pPr marL="0" indent="0">
+              <a:buNone/>
+            </a:pPr>
+            <a:endParaRPr lang="en-GB" dirty="0"/>
+          </a:p>
+          <a:p>
+            <a:endParaRPr lang="en-GB" dirty="0"/>
+          </a:p>
+          <a:p>
+            <a:endParaRPr lang="en-GB" dirty="0"/>
+          </a:p>
+          <a:p>
+            <a:endParaRPr lang="en-GB" dirty="0"/>
+          </a:p>
+          <a:p>
+            <a:endParaRPr lang="en-GB" dirty="0"/>
+          </a:p>
+          <a:p>
+            <a:endParaRPr lang="en-GB" dirty="0"/>
+          </a:p>
+          <a:p>
+            <a:endParaRPr lang="en-GB" dirty="0"/>
+          </a:p>
+          <a:p>
+            <a:endParaRPr lang="en-GB" sz="2300" dirty="0"/>
+          </a:p>
+          <a:p>
+            <a:pPr marL="0" indent="0">
+              <a:buNone/>
+            </a:pPr>
+            <a:endParaRPr lang="en-GB" sz="3300" b="0" i="0" dirty="0">
+              <a:solidFill>
+                <a:srgbClr val="002060"/>
+              </a:solidFill>
+              <a:effectLst/>
+              <a:latin typeface="Trebuchet"/>
+            </a:endParaRPr>
+          </a:p>
+          <a:p>
+            <a:pPr marL="0" indent="0">
+              <a:buNone/>
+            </a:pPr>
+            <a:endParaRPr lang="en-GB" sz="3300" b="0" i="0" dirty="0">
+              <a:solidFill>
+                <a:srgbClr val="002060"/>
+              </a:solidFill>
+              <a:effectLst/>
+              <a:latin typeface="Trebuchet"/>
+            </a:endParaRPr>
+          </a:p>
+          <a:p>
+            <a:pPr marL="0" indent="0">
+              <a:buNone/>
+            </a:pPr>
+            <a:endParaRPr lang="en-GB" sz="3300" b="0" i="0" dirty="0">
+              <a:solidFill>
+                <a:srgbClr val="002060"/>
+              </a:solidFill>
+              <a:effectLst/>
+              <a:latin typeface="Trebuchet"/>
+            </a:endParaRPr>
+          </a:p>
+          <a:p>
+            <a:pPr marL="0" indent="0">
+              <a:buNone/>
+            </a:pPr>
+            <a:endParaRPr lang="en-GB" sz="3300" dirty="0">
+              <a:solidFill>
+                <a:srgbClr val="002060"/>
+              </a:solidFill>
+              <a:latin typeface="Trebuchet"/>
+            </a:endParaRPr>
+          </a:p>
+          <a:p>
+            <a:pPr marL="0" indent="0">
+              <a:buNone/>
+            </a:pPr>
+            <a:endParaRPr lang="en-GB" sz="7200" b="0" i="0" dirty="0">
+              <a:solidFill>
+                <a:srgbClr val="002060"/>
+              </a:solidFill>
+              <a:effectLst/>
+              <a:latin typeface="Trebuchet"/>
+            </a:endParaRPr>
+          </a:p>
+          <a:p>
+            <a:pPr marL="0" indent="0">
+              <a:buNone/>
+            </a:pPr>
+            <a:endParaRPr lang="en-AU" sz="5600" b="0" i="0" dirty="0">
+              <a:solidFill>
+                <a:srgbClr val="002060"/>
+              </a:solidFill>
+              <a:effectLst/>
+              <a:latin typeface="Trebuchet"/>
+            </a:endParaRPr>
+          </a:p>
+          <a:p>
+            <a:pPr marL="0" indent="0">
+              <a:buNone/>
+            </a:pPr>
+            <a:endParaRPr lang="en-AU" sz="5600" dirty="0">
+              <a:solidFill>
+                <a:srgbClr val="002060"/>
+              </a:solidFill>
+              <a:latin typeface="Trebuchet"/>
+            </a:endParaRPr>
+          </a:p>
+          <a:p>
+            <a:pPr marL="0" indent="0">
+              <a:buNone/>
+            </a:pPr>
+            <a:endParaRPr lang="en-AU" sz="5600" b="0" i="0" dirty="0">
+              <a:solidFill>
+                <a:srgbClr val="002060"/>
+              </a:solidFill>
+              <a:effectLst/>
+              <a:latin typeface="Trebuchet"/>
+            </a:endParaRPr>
+          </a:p>
+          <a:p>
+            <a:pPr marL="0" indent="0">
+              <a:buNone/>
+            </a:pPr>
+            <a:endParaRPr lang="en-AU" sz="7200" dirty="0">
+              <a:solidFill>
+                <a:srgbClr val="002060"/>
+              </a:solidFill>
+              <a:latin typeface="Trebuchet"/>
+            </a:endParaRPr>
+          </a:p>
+          <a:p>
+            <a:endParaRPr lang="en-AU" sz="7200" dirty="0">
+              <a:solidFill>
+                <a:srgbClr val="002060"/>
+              </a:solidFill>
+              <a:latin typeface="Trebuchet"/>
+            </a:endParaRPr>
+          </a:p>
+          <a:p>
+            <a:r>
+              <a:rPr lang="en-AU" sz="7200" dirty="0"/>
+              <a:t>What is employee attrition? </a:t>
+            </a:r>
+          </a:p>
+          <a:p>
+            <a:pPr marL="0" indent="0">
+              <a:buNone/>
+            </a:pPr>
+            <a:r>
+              <a:rPr lang="en-GB" sz="7200" b="0" i="0" dirty="0">
+                <a:solidFill>
+                  <a:srgbClr val="66668F"/>
+                </a:solidFill>
+                <a:effectLst/>
+                <a:latin typeface="GT Walsheim Pro"/>
+              </a:rPr>
+              <a:t>          </a:t>
+            </a:r>
+            <a:r>
+              <a:rPr lang="en-GB" sz="7200" b="0" i="0" dirty="0">
+                <a:solidFill>
+                  <a:srgbClr val="002060"/>
+                </a:solidFill>
+                <a:effectLst/>
+                <a:latin typeface="Trebuchet"/>
+              </a:rPr>
+              <a:t>Reduction of the workforce due to resignations, retirement, sickness, or death</a:t>
+            </a:r>
+          </a:p>
+          <a:p>
+            <a:pPr marL="0" indent="0">
+              <a:buNone/>
+            </a:pPr>
+            <a:endParaRPr lang="en-GB" sz="7200" b="0" i="0" dirty="0">
+              <a:solidFill>
+                <a:srgbClr val="002060"/>
+              </a:solidFill>
+              <a:effectLst/>
+              <a:latin typeface="Trebuchet"/>
+            </a:endParaRPr>
+          </a:p>
+          <a:p>
+            <a:r>
+              <a:rPr lang="en-AU" sz="7200" dirty="0"/>
+              <a:t>What are some disadvantages of high employee attrition rates?</a:t>
+            </a:r>
+          </a:p>
+          <a:p>
+            <a:pPr marL="0" indent="0">
+              <a:buNone/>
+            </a:pPr>
+            <a:r>
+              <a:rPr lang="en-AU" sz="7200" dirty="0"/>
+              <a:t>         </a:t>
+            </a:r>
+            <a:r>
+              <a:rPr lang="en-AU" sz="7200" dirty="0">
+                <a:solidFill>
+                  <a:srgbClr val="002060"/>
+                </a:solidFill>
+                <a:latin typeface="Trebuchet"/>
+              </a:rPr>
+              <a:t>Cost of re hiring*</a:t>
+            </a:r>
+            <a:r>
+              <a:rPr lang="en-AU" sz="7200" b="0" i="0" dirty="0">
+                <a:solidFill>
+                  <a:srgbClr val="002060"/>
+                </a:solidFill>
+                <a:effectLst/>
+                <a:latin typeface="Trebuchet"/>
+              </a:rPr>
+              <a:t>, lack of knowledgeable employees, decreased overall performance,  </a:t>
+            </a:r>
+            <a:r>
+              <a:rPr lang="en-AU" sz="7200" dirty="0">
+                <a:solidFill>
+                  <a:srgbClr val="002060"/>
+                </a:solidFill>
+                <a:latin typeface="Trebuchet"/>
+              </a:rPr>
+              <a:t>c</a:t>
+            </a:r>
+            <a:r>
+              <a:rPr lang="en-AU" sz="7200" b="0" i="0" dirty="0">
+                <a:solidFill>
+                  <a:srgbClr val="002060"/>
+                </a:solidFill>
+                <a:effectLst/>
+                <a:latin typeface="Trebuchet"/>
+              </a:rPr>
+              <a:t>reate a negative image</a:t>
+            </a:r>
+          </a:p>
+          <a:p>
+            <a:pPr marL="0" indent="0">
+              <a:buNone/>
+            </a:pPr>
+            <a:endParaRPr lang="en-AU" sz="7200" b="0" i="0" dirty="0">
+              <a:solidFill>
+                <a:srgbClr val="002060"/>
+              </a:solidFill>
+              <a:effectLst/>
+              <a:latin typeface="Trebuchet"/>
+            </a:endParaRPr>
+          </a:p>
+          <a:p>
+            <a:pPr marL="0" indent="0" algn="l">
+              <a:buNone/>
+            </a:pPr>
+            <a:r>
+              <a:rPr lang="en-GB" sz="5600" b="0" i="0" dirty="0">
+                <a:solidFill>
+                  <a:srgbClr val="002060"/>
+                </a:solidFill>
+                <a:effectLst/>
+                <a:latin typeface="Trebuchet"/>
+              </a:rPr>
+              <a:t>  *</a:t>
+            </a:r>
+            <a:r>
+              <a:rPr lang="en-GB" sz="6000" b="0" i="1" dirty="0">
+                <a:solidFill>
+                  <a:srgbClr val="353739"/>
+                </a:solidFill>
+                <a:effectLst/>
+                <a:latin typeface="Nunito Sans" panose="020B0604020202020204" pitchFamily="2" charset="0"/>
+              </a:rPr>
+              <a:t> </a:t>
+            </a:r>
+            <a:r>
+              <a:rPr lang="en-GB" sz="6000" b="0" i="1" dirty="0">
+                <a:solidFill>
+                  <a:srgbClr val="002060"/>
+                </a:solidFill>
+                <a:effectLst/>
+                <a:latin typeface="Trebuchet"/>
+              </a:rPr>
+              <a:t>Replacing an entry-level employee costs 30% - 40% of their annual salary.</a:t>
+            </a:r>
+          </a:p>
+          <a:p>
+            <a:pPr marL="0" indent="0" algn="l">
+              <a:buNone/>
+            </a:pPr>
+            <a:r>
+              <a:rPr lang="en-GB" sz="6000" b="0" i="1" dirty="0">
+                <a:solidFill>
+                  <a:srgbClr val="002060"/>
+                </a:solidFill>
+                <a:effectLst/>
+                <a:latin typeface="Trebuchet"/>
+              </a:rPr>
+              <a:t> * A mid-level employee 150% of their salary.</a:t>
+            </a:r>
+          </a:p>
+          <a:p>
+            <a:pPr marL="0" indent="0" algn="l">
+              <a:buNone/>
+            </a:pPr>
+            <a:r>
+              <a:rPr lang="en-GB" sz="6000" i="1" dirty="0">
+                <a:solidFill>
+                  <a:srgbClr val="002060"/>
+                </a:solidFill>
+                <a:latin typeface="Trebuchet"/>
+              </a:rPr>
+              <a:t> * </a:t>
+            </a:r>
+            <a:r>
+              <a:rPr lang="en-GB" sz="6000" b="0" i="1" dirty="0">
+                <a:solidFill>
+                  <a:srgbClr val="002060"/>
+                </a:solidFill>
+                <a:effectLst/>
+                <a:latin typeface="Trebuchet"/>
+              </a:rPr>
+              <a:t>And a highly skilled employee up to 400% of their salary.</a:t>
+            </a:r>
+          </a:p>
+          <a:p>
+            <a:pPr marL="0" indent="0">
+              <a:buNone/>
+            </a:pPr>
+            <a:endParaRPr lang="en-AU" sz="5600" b="0" i="0" dirty="0">
+              <a:solidFill>
+                <a:srgbClr val="002060"/>
+              </a:solidFill>
+              <a:effectLst/>
+              <a:latin typeface="Trebuchet"/>
+            </a:endParaRPr>
+          </a:p>
+          <a:p>
+            <a:r>
+              <a:rPr lang="en-AU" sz="7200" b="0" i="0" dirty="0">
+                <a:solidFill>
+                  <a:schemeClr val="tx1"/>
+                </a:solidFill>
+                <a:effectLst/>
+                <a:latin typeface="Trebuchet"/>
+              </a:rPr>
+              <a:t>What causes employee attrition?</a:t>
+            </a:r>
+          </a:p>
+          <a:p>
+            <a:pPr marL="0" indent="0">
+              <a:buNone/>
+            </a:pPr>
+            <a:r>
+              <a:rPr lang="en-AU" sz="7200" dirty="0">
+                <a:solidFill>
+                  <a:srgbClr val="002060"/>
+                </a:solidFill>
+                <a:latin typeface="Trebuchet"/>
+              </a:rPr>
+              <a:t>         </a:t>
+            </a:r>
+            <a:r>
+              <a:rPr lang="en-GB" sz="7200" i="0" dirty="0">
+                <a:solidFill>
+                  <a:srgbClr val="002060"/>
+                </a:solidFill>
+                <a:effectLst/>
+                <a:latin typeface="Trebuchet"/>
+              </a:rPr>
+              <a:t>Compensation, over working / stres</a:t>
+            </a:r>
+            <a:r>
+              <a:rPr lang="en-GB" sz="7200" dirty="0">
+                <a:solidFill>
+                  <a:srgbClr val="002060"/>
+                </a:solidFill>
+                <a:latin typeface="Trebuchet"/>
+              </a:rPr>
+              <a:t>s</a:t>
+            </a:r>
+            <a:r>
+              <a:rPr lang="en-GB" sz="7200" i="0" dirty="0">
+                <a:solidFill>
+                  <a:srgbClr val="002060"/>
+                </a:solidFill>
+                <a:effectLst/>
+                <a:latin typeface="Trebuchet"/>
+              </a:rPr>
+              <a:t>, recognition, career progression, company culture </a:t>
+            </a:r>
+            <a:r>
+              <a:rPr lang="en-GB" sz="7200" dirty="0">
+                <a:solidFill>
+                  <a:srgbClr val="002060"/>
+                </a:solidFill>
+                <a:latin typeface="Trebuchet"/>
+              </a:rPr>
+              <a:t>etc</a:t>
+            </a:r>
+          </a:p>
+          <a:p>
+            <a:pPr marL="0" indent="0">
+              <a:buNone/>
+            </a:pPr>
+            <a:endParaRPr lang="en-GB" sz="7200" dirty="0">
+              <a:solidFill>
+                <a:srgbClr val="66668F"/>
+              </a:solidFill>
+              <a:latin typeface="Trebuchet"/>
+            </a:endParaRPr>
+          </a:p>
+          <a:p>
+            <a:pPr marL="0" indent="0">
+              <a:buNone/>
+            </a:pPr>
+            <a:endParaRPr lang="en-GB" sz="7200" dirty="0">
+              <a:solidFill>
+                <a:srgbClr val="66668F"/>
+              </a:solidFill>
+              <a:latin typeface="Trebuchet"/>
+            </a:endParaRPr>
+          </a:p>
+          <a:p>
+            <a:pPr marL="0" indent="0">
+              <a:buNone/>
+            </a:pPr>
+            <a:endParaRPr lang="en-AU" sz="5600" dirty="0">
+              <a:solidFill>
+                <a:srgbClr val="002060"/>
+              </a:solidFill>
+              <a:latin typeface="Trebuchet"/>
+            </a:endParaRPr>
+          </a:p>
+          <a:p>
+            <a:pPr marL="0" indent="0">
+              <a:buNone/>
+            </a:pPr>
+            <a:endParaRPr lang="en-AU" sz="5600" dirty="0">
+              <a:solidFill>
+                <a:srgbClr val="002060"/>
+              </a:solidFill>
+              <a:latin typeface="Trebuchet"/>
+            </a:endParaRPr>
+          </a:p>
+          <a:p>
+            <a:pPr marL="0" indent="0">
+              <a:buNone/>
+            </a:pPr>
+            <a:endParaRPr lang="en-AU" sz="3300" b="0" i="0" dirty="0">
+              <a:solidFill>
+                <a:srgbClr val="002060"/>
+              </a:solidFill>
+              <a:effectLst/>
+              <a:latin typeface="Trebuchet"/>
+            </a:endParaRPr>
+          </a:p>
+          <a:p>
+            <a:pPr marL="0" indent="0">
+              <a:buNone/>
+            </a:pPr>
+            <a:endParaRPr lang="en-AU" sz="3300" dirty="0">
+              <a:solidFill>
+                <a:srgbClr val="002060"/>
+              </a:solidFill>
+              <a:latin typeface="Trebuchet"/>
+            </a:endParaRPr>
+          </a:p>
+          <a:p>
+            <a:pPr marL="0" indent="0">
+              <a:buNone/>
+            </a:pPr>
+            <a:endParaRPr lang="en-AU" sz="3300" b="0" i="0" dirty="0">
+              <a:solidFill>
+                <a:srgbClr val="002060"/>
+              </a:solidFill>
+              <a:effectLst/>
+              <a:latin typeface="Trebuchet"/>
+            </a:endParaRPr>
+          </a:p>
+          <a:p>
+            <a:pPr marL="0" indent="0">
+              <a:buNone/>
+            </a:pPr>
+            <a:endParaRPr lang="en-AU" sz="3300" dirty="0">
+              <a:solidFill>
+                <a:srgbClr val="002060"/>
+              </a:solidFill>
+              <a:latin typeface="Trebuchet"/>
+            </a:endParaRPr>
+          </a:p>
+          <a:p>
+            <a:pPr marL="0" indent="0">
+              <a:buNone/>
+            </a:pPr>
+            <a:endParaRPr lang="en-AU" sz="3300" b="0" i="0" dirty="0">
+              <a:solidFill>
+                <a:srgbClr val="002060"/>
+              </a:solidFill>
+              <a:effectLst/>
+              <a:latin typeface="Trebuchet"/>
+            </a:endParaRPr>
+          </a:p>
+          <a:p>
+            <a:pPr marL="0" indent="0">
+              <a:buNone/>
+            </a:pPr>
+            <a:endParaRPr lang="en-AU" sz="3300" dirty="0">
+              <a:solidFill>
+                <a:srgbClr val="002060"/>
+              </a:solidFill>
+              <a:latin typeface="Trebuchet"/>
+            </a:endParaRPr>
+          </a:p>
+          <a:p>
+            <a:pPr marL="0" indent="0">
+              <a:buNone/>
+            </a:pPr>
+            <a:endParaRPr lang="en-AU" sz="3300" b="0" i="0" dirty="0">
+              <a:solidFill>
+                <a:srgbClr val="002060"/>
+              </a:solidFill>
+              <a:effectLst/>
+              <a:latin typeface="Trebuchet"/>
+            </a:endParaRPr>
+          </a:p>
+          <a:p>
+            <a:pPr marL="0" indent="0">
+              <a:buNone/>
+            </a:pPr>
+            <a:endParaRPr lang="en-AU" sz="3300" dirty="0">
+              <a:solidFill>
+                <a:srgbClr val="002060"/>
+              </a:solidFill>
+              <a:latin typeface="Trebuchet"/>
+            </a:endParaRPr>
+          </a:p>
+          <a:p>
+            <a:pPr marL="0" indent="0">
+              <a:buNone/>
+            </a:pPr>
+            <a:endParaRPr lang="en-AU" sz="3300" b="0" i="0" dirty="0">
+              <a:solidFill>
+                <a:srgbClr val="002060"/>
+              </a:solidFill>
+              <a:effectLst/>
+              <a:latin typeface="Trebuchet"/>
+            </a:endParaRPr>
+          </a:p>
+          <a:p>
+            <a:pPr marL="0" indent="0">
+              <a:buNone/>
+            </a:pPr>
+            <a:endParaRPr lang="en-AU" b="0" i="0" dirty="0">
+              <a:solidFill>
+                <a:srgbClr val="111111"/>
+              </a:solidFill>
+              <a:effectLst/>
+              <a:latin typeface="Trebuchet"/>
+            </a:endParaRPr>
+          </a:p>
+          <a:p>
+            <a:pPr marL="0" indent="0">
+              <a:buNone/>
+            </a:pPr>
+            <a:endParaRPr lang="en-AU" b="0" i="0" dirty="0">
+              <a:solidFill>
+                <a:srgbClr val="111111"/>
+              </a:solidFill>
+              <a:effectLst/>
+              <a:latin typeface="Trebuchet"/>
+            </a:endParaRPr>
+          </a:p>
+          <a:p>
+            <a:pPr marL="0" indent="0">
+              <a:buNone/>
+            </a:pPr>
+            <a:endParaRPr lang="en-AU" b="0" i="0" dirty="0">
+              <a:solidFill>
+                <a:srgbClr val="111111"/>
+              </a:solidFill>
+              <a:effectLst/>
+              <a:latin typeface="Trebuchet"/>
+            </a:endParaRPr>
+          </a:p>
+          <a:p>
+            <a:pPr marL="0" indent="0">
+              <a:buNone/>
+            </a:pPr>
+            <a:endParaRPr lang="en-AU" dirty="0"/>
+          </a:p>
+          <a:p>
+            <a:endParaRPr lang="en-GB" b="0" i="0" dirty="0">
+              <a:solidFill>
+                <a:srgbClr val="66668F"/>
+              </a:solidFill>
+              <a:effectLst/>
+            </a:endParaRPr>
+          </a:p>
+          <a:p>
+            <a:endParaRPr lang="en-AU" dirty="0"/>
+          </a:p>
+        </p:txBody>
+      </p:sp>
+      <p:sp>
+        <p:nvSpPr>
+          <p:cNvPr id="4" name="Slide Number Placeholder 3">
+            <a:extLst>
+              <a:ext uri="{FF2B5EF4-FFF2-40B4-BE49-F238E27FC236}">
+                <a16:creationId xmlns:a16="http://schemas.microsoft.com/office/drawing/2014/main" id="{91D7D4E8-2D57-4488-AC22-A67059341E9D}"/>
+              </a:ext>
+            </a:extLst>
+          </p:cNvPr>
+          <p:cNvSpPr>
+            <a:spLocks noGrp="1"/>
+          </p:cNvSpPr>
+          <p:nvPr>
+            <p:ph type="sldNum" sz="quarter" idx="12"/>
+          </p:nvPr>
+        </p:nvSpPr>
+        <p:spPr/>
+        <p:txBody>
+          <a:bodyPr/>
+          <a:lstStyle/>
+          <a:p>
+            <a:fld id="{3A98EE3D-8CD1-4C3F-BD1C-C98C9596463C}" type="slidenum">
+              <a:rPr lang="en-US" smtClean="0"/>
+              <a:t>3</a:t>
+            </a:fld>
+            <a:endParaRPr lang="en-US" dirty="0"/>
+          </a:p>
+        </p:txBody>
+      </p:sp>
+    </p:spTree>
+    <p:extLst>
+      <p:ext uri="{BB962C8B-B14F-4D97-AF65-F5344CB8AC3E}">
+        <p14:creationId xmlns:p14="http://schemas.microsoft.com/office/powerpoint/2010/main" val="1847343599"/>
+      </p:ext>
+    </p:extLst>
+  </p:cSld>
+  <p:clrMapOvr>
+    <a:masterClrMapping/>
+  </p:clrMapOvr>
+</p:sld>
+</file>
+
+<file path=ppt/slides/slide4.xml><?xml version="1.0" encoding="utf-8"?>
+<p:sld xmlns:a="http://schemas.openxmlformats.org/drawingml/2006/main" xmlns:r="http://schemas.openxmlformats.org/officeDocument/2006/relationships" xmlns:p="http://schemas.openxmlformats.org/presentationml/2006/main">
+  <p:cSld>
+    <p:spTree>
+      <p:nvGrpSpPr>
+        <p:cNvPr id="1" name=""/>
+        <p:cNvGrpSpPr/>
+        <p:nvPr/>
+      </p:nvGrpSpPr>
+      <p:grpSpPr>
+        <a:xfrm>
+          <a:off x="0" y="0"/>
+          <a:ext cx="0" cy="0"/>
+          <a:chOff x="0" y="0"/>
+          <a:chExt cx="0" cy="0"/>
+        </a:xfrm>
+      </p:grpSpPr>
+      <p:sp>
+        <p:nvSpPr>
+          <p:cNvPr id="2" name="Title 1">
+            <a:extLst>
+              <a:ext uri="{FF2B5EF4-FFF2-40B4-BE49-F238E27FC236}">
+                <a16:creationId xmlns:a16="http://schemas.microsoft.com/office/drawing/2014/main" id="{BA7E15D0-FAA3-42C9-8F19-D474198A997C}"/>
+              </a:ext>
+            </a:extLst>
+          </p:cNvPr>
+          <p:cNvSpPr>
+            <a:spLocks noGrp="1"/>
+          </p:cNvSpPr>
+          <p:nvPr>
+            <p:ph type="title"/>
+          </p:nvPr>
+        </p:nvSpPr>
+        <p:spPr/>
+        <p:txBody>
+          <a:bodyPr>
+            <a:normAutofit/>
+          </a:bodyPr>
+          <a:lstStyle/>
+          <a:p>
+            <a:pPr algn="ctr"/>
+            <a:r>
+              <a:rPr lang="en-GB" sz="4000" dirty="0"/>
               <a:t>Business Question</a:t>
             </a:r>
             <a:endParaRPr lang="en-AU" sz="4000" dirty="0"/>
@@ -12467,7 +14105,7 @@
           <a:p>
             <a:r>
               <a:rPr lang="en-GB" sz="2400" dirty="0"/>
-              <a:t>Based on the data that is given to us can we predict employee attrition using various machine learning models and techniques?</a:t>
+              <a:t>Based on the data that is given to us, can we predict employee attrition using various machine learning models and techniques to reduce costs of attrition?</a:t>
             </a:r>
           </a:p>
           <a:p>
@@ -12478,6 +14116,35 @@
               <a:buNone/>
             </a:pPr>
             <a:endParaRPr lang="en-AU" sz="2400" dirty="0"/>
+          </a:p>
+        </p:txBody>
+      </p:sp>
+      <p:sp>
+        <p:nvSpPr>
+          <p:cNvPr id="4" name="Slide Number Placeholder 3">
+            <a:extLst>
+              <a:ext uri="{FF2B5EF4-FFF2-40B4-BE49-F238E27FC236}">
+                <a16:creationId xmlns:a16="http://schemas.microsoft.com/office/drawing/2014/main" id="{625DF4F7-E951-4B34-A38F-E813DE15F7C9}"/>
+              </a:ext>
+            </a:extLst>
+          </p:cNvPr>
+          <p:cNvSpPr>
+            <a:spLocks noGrp="1"/>
+          </p:cNvSpPr>
+          <p:nvPr>
+            <p:ph type="sldNum" sz="quarter" idx="12"/>
+          </p:nvPr>
+        </p:nvSpPr>
+        <p:spPr/>
+        <p:txBody>
+          <a:bodyPr/>
+          <a:lstStyle/>
+          <a:p>
+            <a:fld id="{3A98EE3D-8CD1-4C3F-BD1C-C98C9596463C}" type="slidenum">
+              <a:rPr lang="en-US" smtClean="0"/>
+              <a:t>4</a:t>
+            </a:fld>
+            <a:endParaRPr lang="en-US" dirty="0"/>
           </a:p>
         </p:txBody>
       </p:sp>
@@ -12494,7 +14161,7 @@
 </p:sld>
 </file>
 
-<file path=ppt/slides/slide4.xml><?xml version="1.0" encoding="utf-8"?>
+<file path=ppt/slides/slide5.xml><?xml version="1.0" encoding="utf-8"?>
 <p:sld xmlns:a="http://schemas.openxmlformats.org/drawingml/2006/main" xmlns:r="http://schemas.openxmlformats.org/officeDocument/2006/relationships" xmlns:p="http://schemas.openxmlformats.org/presentationml/2006/main">
   <p:cSld>
     <p:bg>
@@ -12617,8 +14284,8 @@
         </p:nvSpPr>
         <p:spPr>
           <a:xfrm>
-            <a:off x="746228" y="1037967"/>
-            <a:ext cx="3054091" cy="4709131"/>
+            <a:off x="380010" y="1037967"/>
+            <a:ext cx="3420309" cy="4709131"/>
           </a:xfrm>
         </p:spPr>
         <p:txBody>
@@ -12628,7 +14295,38 @@
           <a:lstStyle/>
           <a:p>
             <a:r>
-              <a:rPr lang="en-GB">
+              <a:rPr lang="en-GB" dirty="0">
+                <a:solidFill>
+                  <a:schemeClr val="bg1">
+                    <a:lumMod val="85000"/>
+                    <a:lumOff val="15000"/>
+                  </a:schemeClr>
+                </a:solidFill>
+              </a:rPr>
+              <a:t>Data Acquisition – </a:t>
+            </a:r>
+            <a:br>
+              <a:rPr lang="en-GB" dirty="0">
+                <a:solidFill>
+                  <a:schemeClr val="bg1">
+                    <a:lumMod val="85000"/>
+                    <a:lumOff val="15000"/>
+                  </a:schemeClr>
+                </a:solidFill>
+              </a:rPr>
+            </a:br>
+            <a:br>
+              <a:rPr lang="en-GB" dirty="0">
+                <a:solidFill>
+                  <a:schemeClr val="bg1">
+                    <a:lumMod val="85000"/>
+                    <a:lumOff val="15000"/>
+                  </a:schemeClr>
+                </a:solidFill>
+              </a:rPr>
+            </a:br>
+            <a:r>
+              <a:rPr lang="en-GB" dirty="0">
                 <a:solidFill>
                   <a:schemeClr val="bg1">
                     <a:lumMod val="85000"/>
@@ -12638,7 +14336,7 @@
               </a:rPr>
               <a:t>Data explained</a:t>
             </a:r>
-            <a:endParaRPr lang="en-AU">
+            <a:endParaRPr lang="en-AU" dirty="0">
               <a:solidFill>
                 <a:schemeClr val="bg1">
                   <a:lumMod val="85000"/>
@@ -12842,6 +14540,35 @@
           </a:graphicData>
         </a:graphic>
       </p:graphicFrame>
+      <p:sp>
+        <p:nvSpPr>
+          <p:cNvPr id="3" name="Slide Number Placeholder 2">
+            <a:extLst>
+              <a:ext uri="{FF2B5EF4-FFF2-40B4-BE49-F238E27FC236}">
+                <a16:creationId xmlns:a16="http://schemas.microsoft.com/office/drawing/2014/main" id="{C2D462A7-6F4A-4AE2-8EC9-339CA707D1F8}"/>
+              </a:ext>
+            </a:extLst>
+          </p:cNvPr>
+          <p:cNvSpPr>
+            <a:spLocks noGrp="1"/>
+          </p:cNvSpPr>
+          <p:nvPr>
+            <p:ph type="sldNum" sz="quarter" idx="12"/>
+          </p:nvPr>
+        </p:nvSpPr>
+        <p:spPr/>
+        <p:txBody>
+          <a:bodyPr/>
+          <a:lstStyle/>
+          <a:p>
+            <a:fld id="{3A98EE3D-8CD1-4C3F-BD1C-C98C9596463C}" type="slidenum">
+              <a:rPr lang="en-US" smtClean="0"/>
+              <a:t>5</a:t>
+            </a:fld>
+            <a:endParaRPr lang="en-US" dirty="0"/>
+          </a:p>
+        </p:txBody>
+      </p:sp>
     </p:spTree>
     <p:extLst>
       <p:ext uri="{BB962C8B-B14F-4D97-AF65-F5344CB8AC3E}">
@@ -12855,7 +14582,7 @@
 </p:sld>
 </file>
 
-<file path=ppt/slides/slide5.xml><?xml version="1.0" encoding="utf-8"?>
+<file path=ppt/slides/slide6.xml><?xml version="1.0" encoding="utf-8"?>
 <p:sld xmlns:a="http://schemas.openxmlformats.org/drawingml/2006/main" xmlns:r="http://schemas.openxmlformats.org/officeDocument/2006/relationships" xmlns:p="http://schemas.openxmlformats.org/presentationml/2006/main">
   <p:cSld>
     <p:spTree>
@@ -12891,14 +14618,20 @@
         <p:spPr/>
         <p:txBody>
           <a:bodyPr>
-            <a:normAutofit/>
+            <a:normAutofit fontScale="90000"/>
           </a:bodyPr>
           <a:lstStyle/>
           <a:p>
-            <a:pPr algn="ctr"/>
             <a:r>
               <a:rPr lang="en-GB" sz="4000" dirty="0"/>
-              <a:t>data explained</a:t>
+              <a:t>data Acquisition – </a:t>
+            </a:r>
+            <a:br>
+              <a:rPr lang="en-GB" sz="4000" dirty="0"/>
+            </a:br>
+            <a:r>
+              <a:rPr lang="en-GB" sz="4000" dirty="0"/>
+              <a:t>Data explained</a:t>
             </a:r>
             <a:endParaRPr lang="en-AU" sz="4000" dirty="0"/>
           </a:p>
@@ -13089,9 +14822,15 @@
             </a:r>
           </a:p>
           <a:p>
+            <a:pPr marL="0" indent="0">
+              <a:buNone/>
+            </a:pPr>
             <a:endParaRPr lang="en-GB" sz="5600" dirty="0"/>
           </a:p>
           <a:p>
+            <a:pPr marL="0" indent="0">
+              <a:buNone/>
+            </a:pPr>
             <a:endParaRPr lang="en-GB" sz="5600" dirty="0"/>
           </a:p>
           <a:p>
@@ -13117,42 +14856,12 @@
           </a:p>
         </p:txBody>
       </p:sp>
-    </p:spTree>
-    <p:extLst>
-      <p:ext uri="{BB962C8B-B14F-4D97-AF65-F5344CB8AC3E}">
-        <p14:creationId xmlns:p14="http://schemas.microsoft.com/office/powerpoint/2010/main" val="1762734603"/>
-      </p:ext>
-    </p:extLst>
-  </p:cSld>
-  <p:clrMapOvr>
-    <a:masterClrMapping/>
-  </p:clrMapOvr>
-</p:sld>
-</file>
-
-<file path=ppt/slides/slide6.xml><?xml version="1.0" encoding="utf-8"?>
-<p:sld xmlns:a="http://schemas.openxmlformats.org/drawingml/2006/main" xmlns:r="http://schemas.openxmlformats.org/officeDocument/2006/relationships" xmlns:p="http://schemas.openxmlformats.org/presentationml/2006/main">
-  <p:cSld>
-    <p:spTree>
-      <p:nvGrpSpPr>
-        <p:cNvPr id="1" name=""/>
-        <p:cNvGrpSpPr/>
-        <p:nvPr/>
-      </p:nvGrpSpPr>
-      <p:grpSpPr>
-        <a:xfrm>
-          <a:off x="0" y="0"/>
-          <a:ext cx="0" cy="0"/>
-          <a:chOff x="0" y="0"/>
-          <a:chExt cx="0" cy="0"/>
-        </a:xfrm>
-      </p:grpSpPr>
       <p:sp>
         <p:nvSpPr>
-          <p:cNvPr id="2" name="Title 1">
+          <p:cNvPr id="4" name="Slide Number Placeholder 3">
             <a:extLst>
               <a:ext uri="{FF2B5EF4-FFF2-40B4-BE49-F238E27FC236}">
-                <a16:creationId xmlns:a16="http://schemas.microsoft.com/office/drawing/2014/main" id="{5E562972-3449-42D1-8185-B4BEFD52AB44}"/>
+                <a16:creationId xmlns:a16="http://schemas.microsoft.com/office/drawing/2014/main" id="{1EB245C5-BB3A-407E-8D09-EE32F0A0D48B}"/>
               </a:ext>
             </a:extLst>
           </p:cNvPr>
@@ -13160,651 +14869,26 @@
             <a:spLocks noGrp="1"/>
           </p:cNvSpPr>
           <p:nvPr>
-            <p:ph type="title"/>
+            <p:ph type="sldNum" sz="quarter" idx="12"/>
           </p:nvPr>
         </p:nvSpPr>
         <p:spPr/>
         <p:txBody>
-          <a:bodyPr>
-            <a:normAutofit/>
-          </a:bodyPr>
+          <a:bodyPr/>
           <a:lstStyle/>
           <a:p>
-            <a:pPr algn="ctr"/>
-            <a:r>
-              <a:rPr lang="en-US" sz="4000" dirty="0"/>
-              <a:t>Data Pipeline</a:t>
-            </a:r>
-          </a:p>
-        </p:txBody>
-      </p:sp>
-      <p:graphicFrame>
-        <p:nvGraphicFramePr>
-          <p:cNvPr id="4" name="Content Placeholder 2" descr="timeline">
-            <a:extLst>
-              <a:ext uri="{FF2B5EF4-FFF2-40B4-BE49-F238E27FC236}">
-                <a16:creationId xmlns:a16="http://schemas.microsoft.com/office/drawing/2014/main" id="{FF3F0D82-0AA6-45C3-8367-955CBFA02ED6}"/>
-              </a:ext>
-            </a:extLst>
-          </p:cNvPr>
-          <p:cNvGraphicFramePr>
-            <a:graphicFrameLocks noGrp="1"/>
-          </p:cNvGraphicFramePr>
-          <p:nvPr>
-            <p:ph idx="1"/>
-            <p:extLst>
-              <p:ext uri="{D42A27DB-BD31-4B8C-83A1-F6EECF244321}">
-                <p14:modId xmlns:p14="http://schemas.microsoft.com/office/powerpoint/2010/main" val="1344364979"/>
-              </p:ext>
-            </p:extLst>
-          </p:nvPr>
-        </p:nvGraphicFramePr>
-        <p:xfrm>
-          <a:off x="581025" y="2341563"/>
-          <a:ext cx="11029950" cy="3633787"/>
-        </p:xfrm>
-        <a:graphic>
-          <a:graphicData uri="http://schemas.openxmlformats.org/drawingml/2006/diagram">
-            <dgm:relIds xmlns:dgm="http://schemas.openxmlformats.org/drawingml/2006/diagram" xmlns:r="http://schemas.openxmlformats.org/officeDocument/2006/relationships" r:dm="rId2" r:lo="rId3" r:qs="rId4" r:cs="rId5"/>
-          </a:graphicData>
-        </a:graphic>
-      </p:graphicFrame>
-      <p:sp>
-        <p:nvSpPr>
-          <p:cNvPr id="9" name="Rectangle 8">
-            <a:extLst>
-              <a:ext uri="{FF2B5EF4-FFF2-40B4-BE49-F238E27FC236}">
-                <a16:creationId xmlns:a16="http://schemas.microsoft.com/office/drawing/2014/main" id="{A6C82972-9F2E-4679-9AC4-5A100FA8EEF8}"/>
-              </a:ext>
-            </a:extLst>
-          </p:cNvPr>
-          <p:cNvSpPr/>
-          <p:nvPr/>
-        </p:nvSpPr>
-        <p:spPr>
-          <a:xfrm>
-            <a:off x="347547" y="3208462"/>
-            <a:ext cx="1609107" cy="1359724"/>
-          </a:xfrm>
-          <a:prstGeom prst="rect">
-            <a:avLst/>
-          </a:prstGeom>
-        </p:spPr>
-        <p:style>
-          <a:lnRef idx="2">
-            <a:schemeClr val="accent1">
-              <a:shade val="50000"/>
-            </a:schemeClr>
-          </a:lnRef>
-          <a:fillRef idx="1">
-            <a:schemeClr val="accent1"/>
-          </a:fillRef>
-          <a:effectRef idx="0">
-            <a:schemeClr val="accent1"/>
-          </a:effectRef>
-          <a:fontRef idx="minor">
-            <a:schemeClr val="lt1"/>
-          </a:fontRef>
-        </p:style>
-        <p:txBody>
-          <a:bodyPr rtlCol="0" anchor="ctr"/>
-          <a:lstStyle/>
-          <a:p>
-            <a:pPr algn="ctr"/>
-            <a:r>
-              <a:rPr lang="en-GB" dirty="0"/>
-              <a:t>Business</a:t>
-            </a:r>
-          </a:p>
-          <a:p>
-            <a:pPr algn="ctr"/>
-            <a:r>
-              <a:rPr lang="en-GB" dirty="0"/>
-              <a:t>Question</a:t>
-            </a:r>
-            <a:endParaRPr lang="en-AU" dirty="0"/>
-          </a:p>
-        </p:txBody>
-      </p:sp>
-      <p:sp>
-        <p:nvSpPr>
-          <p:cNvPr id="10" name="Rectangle 9">
-            <a:extLst>
-              <a:ext uri="{FF2B5EF4-FFF2-40B4-BE49-F238E27FC236}">
-                <a16:creationId xmlns:a16="http://schemas.microsoft.com/office/drawing/2014/main" id="{DA3CB378-EF22-4330-BE6B-143E36075217}"/>
-              </a:ext>
-            </a:extLst>
-          </p:cNvPr>
-          <p:cNvSpPr/>
-          <p:nvPr/>
-        </p:nvSpPr>
-        <p:spPr>
-          <a:xfrm>
-            <a:off x="2315569" y="3217368"/>
-            <a:ext cx="1609107" cy="1359724"/>
-          </a:xfrm>
-          <a:prstGeom prst="rect">
-            <a:avLst/>
-          </a:prstGeom>
-        </p:spPr>
-        <p:style>
-          <a:lnRef idx="2">
-            <a:schemeClr val="accent1">
-              <a:shade val="50000"/>
-            </a:schemeClr>
-          </a:lnRef>
-          <a:fillRef idx="1">
-            <a:schemeClr val="accent1"/>
-          </a:fillRef>
-          <a:effectRef idx="0">
-            <a:schemeClr val="accent1"/>
-          </a:effectRef>
-          <a:fontRef idx="minor">
-            <a:schemeClr val="lt1"/>
-          </a:fontRef>
-        </p:style>
-        <p:txBody>
-          <a:bodyPr rtlCol="0" anchor="ctr"/>
-          <a:lstStyle/>
-          <a:p>
-            <a:pPr algn="ctr"/>
-            <a:r>
-              <a:rPr lang="en-GB" dirty="0"/>
-              <a:t>Data Acquisition </a:t>
-            </a:r>
-            <a:endParaRPr lang="en-AU" dirty="0"/>
-          </a:p>
-        </p:txBody>
-      </p:sp>
-      <p:sp>
-        <p:nvSpPr>
-          <p:cNvPr id="11" name="Rectangle 10">
-            <a:extLst>
-              <a:ext uri="{FF2B5EF4-FFF2-40B4-BE49-F238E27FC236}">
-                <a16:creationId xmlns:a16="http://schemas.microsoft.com/office/drawing/2014/main" id="{EEDB4738-4F63-4626-AC0B-C1CB5D113DC4}"/>
-              </a:ext>
-            </a:extLst>
-          </p:cNvPr>
-          <p:cNvSpPr/>
-          <p:nvPr/>
-        </p:nvSpPr>
-        <p:spPr>
-          <a:xfrm>
-            <a:off x="9887073" y="3208462"/>
-            <a:ext cx="1609107" cy="1359724"/>
-          </a:xfrm>
-          <a:prstGeom prst="rect">
-            <a:avLst/>
-          </a:prstGeom>
-        </p:spPr>
-        <p:style>
-          <a:lnRef idx="2">
-            <a:schemeClr val="accent1">
-              <a:shade val="50000"/>
-            </a:schemeClr>
-          </a:lnRef>
-          <a:fillRef idx="1">
-            <a:schemeClr val="accent1"/>
-          </a:fillRef>
-          <a:effectRef idx="0">
-            <a:schemeClr val="accent1"/>
-          </a:effectRef>
-          <a:fontRef idx="minor">
-            <a:schemeClr val="lt1"/>
-          </a:fontRef>
-        </p:style>
-        <p:txBody>
-          <a:bodyPr rtlCol="0" anchor="ctr"/>
-          <a:lstStyle/>
-          <a:p>
-            <a:pPr algn="ctr"/>
-            <a:r>
-              <a:rPr lang="en-GB" dirty="0"/>
-              <a:t>Conclusion / </a:t>
-            </a:r>
-          </a:p>
-          <a:p>
-            <a:pPr algn="ctr"/>
-            <a:r>
-              <a:rPr lang="en-GB" dirty="0"/>
-              <a:t>Summary </a:t>
-            </a:r>
-            <a:endParaRPr lang="en-AU" dirty="0"/>
-          </a:p>
-        </p:txBody>
-      </p:sp>
-      <p:sp>
-        <p:nvSpPr>
-          <p:cNvPr id="12" name="Rectangle 11">
-            <a:extLst>
-              <a:ext uri="{FF2B5EF4-FFF2-40B4-BE49-F238E27FC236}">
-                <a16:creationId xmlns:a16="http://schemas.microsoft.com/office/drawing/2014/main" id="{5376A690-6C93-4CB4-8D6D-8A6A80BCFDEF}"/>
-              </a:ext>
-            </a:extLst>
-          </p:cNvPr>
-          <p:cNvSpPr/>
-          <p:nvPr/>
-        </p:nvSpPr>
-        <p:spPr>
-          <a:xfrm>
-            <a:off x="4249636" y="3217368"/>
-            <a:ext cx="1609107" cy="1359724"/>
-          </a:xfrm>
-          <a:prstGeom prst="rect">
-            <a:avLst/>
-          </a:prstGeom>
-        </p:spPr>
-        <p:style>
-          <a:lnRef idx="2">
-            <a:schemeClr val="accent1">
-              <a:shade val="50000"/>
-            </a:schemeClr>
-          </a:lnRef>
-          <a:fillRef idx="1">
-            <a:schemeClr val="accent1"/>
-          </a:fillRef>
-          <a:effectRef idx="0">
-            <a:schemeClr val="accent1"/>
-          </a:effectRef>
-          <a:fontRef idx="minor">
-            <a:schemeClr val="lt1"/>
-          </a:fontRef>
-        </p:style>
-        <p:txBody>
-          <a:bodyPr rtlCol="0" anchor="ctr"/>
-          <a:lstStyle/>
-          <a:p>
-            <a:pPr algn="ctr"/>
-            <a:r>
-              <a:rPr lang="en-GB" dirty="0"/>
-              <a:t>Exploratory </a:t>
-            </a:r>
-          </a:p>
-          <a:p>
-            <a:pPr algn="ctr"/>
-            <a:r>
-              <a:rPr lang="en-GB" dirty="0"/>
-              <a:t>Data </a:t>
-            </a:r>
-          </a:p>
-          <a:p>
-            <a:pPr algn="ctr"/>
-            <a:r>
-              <a:rPr lang="en-GB" dirty="0"/>
-              <a:t>Analysis</a:t>
-            </a:r>
-            <a:endParaRPr lang="en-AU" dirty="0"/>
-          </a:p>
-        </p:txBody>
-      </p:sp>
-      <p:sp>
-        <p:nvSpPr>
-          <p:cNvPr id="13" name="Rectangle 12">
-            <a:extLst>
-              <a:ext uri="{FF2B5EF4-FFF2-40B4-BE49-F238E27FC236}">
-                <a16:creationId xmlns:a16="http://schemas.microsoft.com/office/drawing/2014/main" id="{7265A1DA-4DC4-4A8F-B77A-462738502BCC}"/>
-              </a:ext>
-            </a:extLst>
-          </p:cNvPr>
-          <p:cNvSpPr/>
-          <p:nvPr/>
-        </p:nvSpPr>
-        <p:spPr>
-          <a:xfrm>
-            <a:off x="6183703" y="3208462"/>
-            <a:ext cx="1609107" cy="1359724"/>
-          </a:xfrm>
-          <a:prstGeom prst="rect">
-            <a:avLst/>
-          </a:prstGeom>
-        </p:spPr>
-        <p:style>
-          <a:lnRef idx="2">
-            <a:schemeClr val="accent1">
-              <a:shade val="50000"/>
-            </a:schemeClr>
-          </a:lnRef>
-          <a:fillRef idx="1">
-            <a:schemeClr val="accent1"/>
-          </a:fillRef>
-          <a:effectRef idx="0">
-            <a:schemeClr val="accent1"/>
-          </a:effectRef>
-          <a:fontRef idx="minor">
-            <a:schemeClr val="lt1"/>
-          </a:fontRef>
-        </p:style>
-        <p:txBody>
-          <a:bodyPr rtlCol="0" anchor="ctr"/>
-          <a:lstStyle/>
-          <a:p>
-            <a:pPr algn="ctr"/>
-            <a:r>
-              <a:rPr lang="en-GB" dirty="0"/>
-              <a:t>Building </a:t>
-            </a:r>
-          </a:p>
-          <a:p>
-            <a:pPr algn="ctr"/>
-            <a:r>
-              <a:rPr lang="en-GB" dirty="0"/>
-              <a:t>Models</a:t>
-            </a:r>
-            <a:endParaRPr lang="en-AU" dirty="0"/>
-          </a:p>
-        </p:txBody>
-      </p:sp>
-      <p:sp>
-        <p:nvSpPr>
-          <p:cNvPr id="14" name="Rectangle 13">
-            <a:extLst>
-              <a:ext uri="{FF2B5EF4-FFF2-40B4-BE49-F238E27FC236}">
-                <a16:creationId xmlns:a16="http://schemas.microsoft.com/office/drawing/2014/main" id="{150EADF8-68FA-45EB-87D5-547541C79291}"/>
-              </a:ext>
-            </a:extLst>
-          </p:cNvPr>
-          <p:cNvSpPr/>
-          <p:nvPr/>
-        </p:nvSpPr>
-        <p:spPr>
-          <a:xfrm>
-            <a:off x="8035388" y="3208462"/>
-            <a:ext cx="1609107" cy="1359724"/>
-          </a:xfrm>
-          <a:prstGeom prst="rect">
-            <a:avLst/>
-          </a:prstGeom>
-        </p:spPr>
-        <p:style>
-          <a:lnRef idx="2">
-            <a:schemeClr val="accent1">
-              <a:shade val="50000"/>
-            </a:schemeClr>
-          </a:lnRef>
-          <a:fillRef idx="1">
-            <a:schemeClr val="accent1"/>
-          </a:fillRef>
-          <a:effectRef idx="0">
-            <a:schemeClr val="accent1"/>
-          </a:effectRef>
-          <a:fontRef idx="minor">
-            <a:schemeClr val="lt1"/>
-          </a:fontRef>
-        </p:style>
-        <p:txBody>
-          <a:bodyPr rtlCol="0" anchor="ctr"/>
-          <a:lstStyle/>
-          <a:p>
-            <a:pPr algn="ctr"/>
-            <a:r>
-              <a:rPr lang="en-GB" dirty="0"/>
-              <a:t>Model</a:t>
-            </a:r>
-          </a:p>
-          <a:p>
-            <a:pPr algn="ctr"/>
-            <a:r>
-              <a:rPr lang="en-GB" dirty="0"/>
-              <a:t>Comparison</a:t>
-            </a:r>
-            <a:endParaRPr lang="en-AU" dirty="0"/>
-          </a:p>
-        </p:txBody>
-      </p:sp>
-      <p:sp>
-        <p:nvSpPr>
-          <p:cNvPr id="17" name="Arrow: Curved Up 16">
-            <a:extLst>
-              <a:ext uri="{FF2B5EF4-FFF2-40B4-BE49-F238E27FC236}">
-                <a16:creationId xmlns:a16="http://schemas.microsoft.com/office/drawing/2014/main" id="{66523CFB-8171-4AA8-A03C-470A02BD076C}"/>
-              </a:ext>
-            </a:extLst>
-          </p:cNvPr>
-          <p:cNvSpPr/>
-          <p:nvPr/>
-        </p:nvSpPr>
-        <p:spPr>
-          <a:xfrm>
-            <a:off x="3501491" y="4667611"/>
-            <a:ext cx="1496290" cy="599704"/>
-          </a:xfrm>
-          <a:prstGeom prst="curvedUpArrow">
-            <a:avLst/>
-          </a:prstGeom>
-        </p:spPr>
-        <p:style>
-          <a:lnRef idx="2">
-            <a:schemeClr val="accent1">
-              <a:shade val="50000"/>
-            </a:schemeClr>
-          </a:lnRef>
-          <a:fillRef idx="1">
-            <a:schemeClr val="accent1"/>
-          </a:fillRef>
-          <a:effectRef idx="0">
-            <a:schemeClr val="accent1"/>
-          </a:effectRef>
-          <a:fontRef idx="minor">
-            <a:schemeClr val="lt1"/>
-          </a:fontRef>
-        </p:style>
-        <p:txBody>
-          <a:bodyPr rtlCol="0" anchor="ctr"/>
-          <a:lstStyle/>
-          <a:p>
-            <a:pPr algn="ctr"/>
-            <a:endParaRPr lang="en-AU">
-              <a:solidFill>
-                <a:schemeClr val="tx1"/>
-              </a:solidFill>
-            </a:endParaRPr>
-          </a:p>
-        </p:txBody>
-      </p:sp>
-      <p:sp>
-        <p:nvSpPr>
-          <p:cNvPr id="18" name="Arrow: Curved Down 17">
-            <a:extLst>
-              <a:ext uri="{FF2B5EF4-FFF2-40B4-BE49-F238E27FC236}">
-                <a16:creationId xmlns:a16="http://schemas.microsoft.com/office/drawing/2014/main" id="{830FD30B-E8B0-4CE9-B5A8-56583FDB6BDC}"/>
-              </a:ext>
-            </a:extLst>
-          </p:cNvPr>
-          <p:cNvSpPr/>
-          <p:nvPr/>
-        </p:nvSpPr>
-        <p:spPr>
-          <a:xfrm>
-            <a:off x="1490353" y="2586523"/>
-            <a:ext cx="1448790" cy="522514"/>
-          </a:xfrm>
-          <a:prstGeom prst="curvedDownArrow">
-            <a:avLst/>
-          </a:prstGeom>
-        </p:spPr>
-        <p:style>
-          <a:lnRef idx="2">
-            <a:schemeClr val="accent1">
-              <a:shade val="50000"/>
-            </a:schemeClr>
-          </a:lnRef>
-          <a:fillRef idx="1">
-            <a:schemeClr val="accent1"/>
-          </a:fillRef>
-          <a:effectRef idx="0">
-            <a:schemeClr val="accent1"/>
-          </a:effectRef>
-          <a:fontRef idx="minor">
-            <a:schemeClr val="lt1"/>
-          </a:fontRef>
-        </p:style>
-        <p:txBody>
-          <a:bodyPr rtlCol="0" anchor="ctr"/>
-          <a:lstStyle/>
-          <a:p>
-            <a:pPr algn="ctr"/>
-            <a:endParaRPr lang="en-AU" dirty="0">
-              <a:solidFill>
-                <a:schemeClr val="tx1"/>
-              </a:solidFill>
-            </a:endParaRPr>
-          </a:p>
-        </p:txBody>
-      </p:sp>
-      <p:sp>
-        <p:nvSpPr>
-          <p:cNvPr id="19" name="Arrow: Curved Down 18">
-            <a:extLst>
-              <a:ext uri="{FF2B5EF4-FFF2-40B4-BE49-F238E27FC236}">
-                <a16:creationId xmlns:a16="http://schemas.microsoft.com/office/drawing/2014/main" id="{46F1E9D7-F5D1-4DC1-B7C1-30C4E92D11E7}"/>
-              </a:ext>
-            </a:extLst>
-          </p:cNvPr>
-          <p:cNvSpPr/>
-          <p:nvPr/>
-        </p:nvSpPr>
-        <p:spPr>
-          <a:xfrm>
-            <a:off x="5134348" y="2609214"/>
-            <a:ext cx="1448790" cy="522514"/>
-          </a:xfrm>
-          <a:prstGeom prst="curvedDownArrow">
-            <a:avLst/>
-          </a:prstGeom>
-        </p:spPr>
-        <p:style>
-          <a:lnRef idx="2">
-            <a:schemeClr val="accent1">
-              <a:shade val="50000"/>
-            </a:schemeClr>
-          </a:lnRef>
-          <a:fillRef idx="1">
-            <a:schemeClr val="accent1"/>
-          </a:fillRef>
-          <a:effectRef idx="0">
-            <a:schemeClr val="accent1"/>
-          </a:effectRef>
-          <a:fontRef idx="minor">
-            <a:schemeClr val="lt1"/>
-          </a:fontRef>
-        </p:style>
-        <p:txBody>
-          <a:bodyPr rtlCol="0" anchor="ctr"/>
-          <a:lstStyle/>
-          <a:p>
-            <a:pPr algn="ctr"/>
-            <a:endParaRPr lang="en-AU" dirty="0">
-              <a:solidFill>
-                <a:schemeClr val="tx1"/>
-              </a:solidFill>
-            </a:endParaRPr>
-          </a:p>
-        </p:txBody>
-      </p:sp>
-      <p:sp>
-        <p:nvSpPr>
-          <p:cNvPr id="20" name="Arrow: Curved Up 19">
-            <a:extLst>
-              <a:ext uri="{FF2B5EF4-FFF2-40B4-BE49-F238E27FC236}">
-                <a16:creationId xmlns:a16="http://schemas.microsoft.com/office/drawing/2014/main" id="{F8EC37F5-5D34-4FDB-BCDB-B3279FBF78F2}"/>
-              </a:ext>
-            </a:extLst>
-          </p:cNvPr>
-          <p:cNvSpPr/>
-          <p:nvPr/>
-        </p:nvSpPr>
-        <p:spPr>
-          <a:xfrm>
-            <a:off x="7198428" y="4644920"/>
-            <a:ext cx="1496290" cy="599704"/>
-          </a:xfrm>
-          <a:prstGeom prst="curvedUpArrow">
-            <a:avLst/>
-          </a:prstGeom>
-        </p:spPr>
-        <p:style>
-          <a:lnRef idx="2">
-            <a:schemeClr val="accent1">
-              <a:shade val="50000"/>
-            </a:schemeClr>
-          </a:lnRef>
-          <a:fillRef idx="1">
-            <a:schemeClr val="accent1"/>
-          </a:fillRef>
-          <a:effectRef idx="0">
-            <a:schemeClr val="accent1"/>
-          </a:effectRef>
-          <a:fontRef idx="minor">
-            <a:schemeClr val="lt1"/>
-          </a:fontRef>
-        </p:style>
-        <p:txBody>
-          <a:bodyPr rtlCol="0" anchor="ctr"/>
-          <a:lstStyle/>
-          <a:p>
-            <a:pPr algn="ctr"/>
-            <a:endParaRPr lang="en-AU">
-              <a:solidFill>
-                <a:schemeClr val="tx1"/>
-              </a:solidFill>
-            </a:endParaRPr>
-          </a:p>
-        </p:txBody>
-      </p:sp>
-      <p:sp>
-        <p:nvSpPr>
-          <p:cNvPr id="21" name="Arrow: Curved Down 20">
-            <a:extLst>
-              <a:ext uri="{FF2B5EF4-FFF2-40B4-BE49-F238E27FC236}">
-                <a16:creationId xmlns:a16="http://schemas.microsoft.com/office/drawing/2014/main" id="{5C38F936-5674-4B25-B413-D7427DE4E5E8}"/>
-              </a:ext>
-            </a:extLst>
-          </p:cNvPr>
-          <p:cNvSpPr/>
-          <p:nvPr/>
-        </p:nvSpPr>
-        <p:spPr>
-          <a:xfrm>
-            <a:off x="9080915" y="2586523"/>
-            <a:ext cx="1448790" cy="522514"/>
-          </a:xfrm>
-          <a:prstGeom prst="curvedDownArrow">
-            <a:avLst/>
-          </a:prstGeom>
-        </p:spPr>
-        <p:style>
-          <a:lnRef idx="2">
-            <a:schemeClr val="accent1">
-              <a:shade val="50000"/>
-            </a:schemeClr>
-          </a:lnRef>
-          <a:fillRef idx="1">
-            <a:schemeClr val="accent1"/>
-          </a:fillRef>
-          <a:effectRef idx="0">
-            <a:schemeClr val="accent1"/>
-          </a:effectRef>
-          <a:fontRef idx="minor">
-            <a:schemeClr val="lt1"/>
-          </a:fontRef>
-        </p:style>
-        <p:txBody>
-          <a:bodyPr rtlCol="0" anchor="ctr"/>
-          <a:lstStyle/>
-          <a:p>
-            <a:pPr algn="ctr"/>
-            <a:endParaRPr lang="en-AU" dirty="0">
-              <a:solidFill>
-                <a:schemeClr val="tx1"/>
-              </a:solidFill>
-            </a:endParaRPr>
+            <a:fld id="{3A98EE3D-8CD1-4C3F-BD1C-C98C9596463C}" type="slidenum">
+              <a:rPr lang="en-US" smtClean="0"/>
+              <a:t>6</a:t>
+            </a:fld>
+            <a:endParaRPr lang="en-US" dirty="0"/>
           </a:p>
         </p:txBody>
       </p:sp>
     </p:spTree>
     <p:extLst>
       <p:ext uri="{BB962C8B-B14F-4D97-AF65-F5344CB8AC3E}">
-        <p14:creationId xmlns:p14="http://schemas.microsoft.com/office/powerpoint/2010/main" val="263784652"/>
+        <p14:creationId xmlns:p14="http://schemas.microsoft.com/office/powerpoint/2010/main" val="1762734603"/>
       </p:ext>
     </p:extLst>
   </p:cSld>
@@ -13854,12 +14938,18 @@
           </a:bodyPr>
           <a:lstStyle/>
           <a:p>
-            <a:pPr algn="ctr"/>
-            <a:r>
-              <a:rPr lang="en-GB" sz="4000" dirty="0"/>
+            <a:r>
+              <a:rPr lang="en-GB" dirty="0"/>
+              <a:t>Exploratory data analysis - </a:t>
+            </a:r>
+            <a:br>
+              <a:rPr lang="en-GB" dirty="0"/>
+            </a:br>
+            <a:r>
+              <a:rPr lang="en-GB" dirty="0"/>
               <a:t>Visualizing feature importance</a:t>
             </a:r>
-            <a:endParaRPr lang="en-AU" sz="4000" dirty="0"/>
+            <a:endParaRPr lang="en-AU" dirty="0"/>
           </a:p>
         </p:txBody>
       </p:sp>
@@ -13959,6 +15049,35 @@
           </a:extLst>
         </p:spPr>
       </p:pic>
+      <p:sp>
+        <p:nvSpPr>
+          <p:cNvPr id="3" name="Slide Number Placeholder 2">
+            <a:extLst>
+              <a:ext uri="{FF2B5EF4-FFF2-40B4-BE49-F238E27FC236}">
+                <a16:creationId xmlns:a16="http://schemas.microsoft.com/office/drawing/2014/main" id="{BBC788F8-758A-457E-893E-133C8BEEAE66}"/>
+              </a:ext>
+            </a:extLst>
+          </p:cNvPr>
+          <p:cNvSpPr>
+            <a:spLocks noGrp="1"/>
+          </p:cNvSpPr>
+          <p:nvPr>
+            <p:ph type="sldNum" sz="quarter" idx="12"/>
+          </p:nvPr>
+        </p:nvSpPr>
+        <p:spPr/>
+        <p:txBody>
+          <a:bodyPr/>
+          <a:lstStyle/>
+          <a:p>
+            <a:fld id="{3A98EE3D-8CD1-4C3F-BD1C-C98C9596463C}" type="slidenum">
+              <a:rPr lang="en-US" smtClean="0"/>
+              <a:t>7</a:t>
+            </a:fld>
+            <a:endParaRPr lang="en-US" dirty="0"/>
+          </a:p>
+        </p:txBody>
+      </p:sp>
     </p:spTree>
     <p:extLst>
       <p:ext uri="{BB962C8B-B14F-4D97-AF65-F5344CB8AC3E}">
@@ -14027,7 +15146,7 @@
           <a:p>
             <a:r>
               <a:rPr lang="en-GB" dirty="0"/>
-              <a:t>Exploring Features</a:t>
+              <a:t>Exploratory data analysis -</a:t>
             </a:r>
             <a:br>
               <a:rPr lang="en-GB" dirty="0"/>
@@ -14105,12 +15224,41 @@
           </a:p>
         </p:txBody>
       </p:sp>
+      <p:sp>
+        <p:nvSpPr>
+          <p:cNvPr id="3" name="Slide Number Placeholder 2">
+            <a:extLst>
+              <a:ext uri="{FF2B5EF4-FFF2-40B4-BE49-F238E27FC236}">
+                <a16:creationId xmlns:a16="http://schemas.microsoft.com/office/drawing/2014/main" id="{2857FB9A-73EE-43DD-81AF-66210344CAA3}"/>
+              </a:ext>
+            </a:extLst>
+          </p:cNvPr>
+          <p:cNvSpPr>
+            <a:spLocks noGrp="1"/>
+          </p:cNvSpPr>
+          <p:nvPr>
+            <p:ph type="sldNum" sz="quarter" idx="12"/>
+          </p:nvPr>
+        </p:nvSpPr>
+        <p:spPr/>
+        <p:txBody>
+          <a:bodyPr/>
+          <a:lstStyle/>
+          <a:p>
+            <a:fld id="{3A98EE3D-8CD1-4C3F-BD1C-C98C9596463C}" type="slidenum">
+              <a:rPr lang="en-US" smtClean="0"/>
+              <a:t>8</a:t>
+            </a:fld>
+            <a:endParaRPr lang="en-US" dirty="0"/>
+          </a:p>
+        </p:txBody>
+      </p:sp>
       <p:pic>
         <p:nvPicPr>
-          <p:cNvPr id="1034" name="Picture 10">
+          <p:cNvPr id="1026" name="Picture 2">
             <a:extLst>
               <a:ext uri="{FF2B5EF4-FFF2-40B4-BE49-F238E27FC236}">
-                <a16:creationId xmlns:a16="http://schemas.microsoft.com/office/drawing/2014/main" id="{F73D8CF2-8879-4702-A04C-AE159CDD0ACA}"/>
+                <a16:creationId xmlns:a16="http://schemas.microsoft.com/office/drawing/2014/main" id="{54EE0AD4-0908-4E94-806B-F5789A846B67}"/>
               </a:ext>
             </a:extLst>
           </p:cNvPr>
@@ -14134,7 +15282,7 @@
         </p:blipFill>
         <p:spPr bwMode="auto">
           <a:xfrm>
-            <a:off x="2064543" y="2495550"/>
+            <a:off x="1618755" y="2396465"/>
             <a:ext cx="4762500" cy="3181350"/>
           </a:xfrm>
           <a:prstGeom prst="rect">
@@ -14220,7 +15368,7 @@
           <a:p>
             <a:r>
               <a:rPr lang="en-GB" dirty="0"/>
-              <a:t>Exploring Features</a:t>
+              <a:t>Exploratory data analysis -</a:t>
             </a:r>
             <a:br>
               <a:rPr lang="en-GB" dirty="0"/>
@@ -14468,6 +15616,35 @@
               <a:buChar char="§"/>
             </a:pPr>
             <a:endParaRPr lang="en-AU" dirty="0"/>
+          </a:p>
+        </p:txBody>
+      </p:sp>
+      <p:sp>
+        <p:nvSpPr>
+          <p:cNvPr id="3" name="Slide Number Placeholder 2">
+            <a:extLst>
+              <a:ext uri="{FF2B5EF4-FFF2-40B4-BE49-F238E27FC236}">
+                <a16:creationId xmlns:a16="http://schemas.microsoft.com/office/drawing/2014/main" id="{69E8D40B-C818-42AA-94CB-96F5E5AE7725}"/>
+              </a:ext>
+            </a:extLst>
+          </p:cNvPr>
+          <p:cNvSpPr>
+            <a:spLocks noGrp="1"/>
+          </p:cNvSpPr>
+          <p:nvPr>
+            <p:ph type="sldNum" sz="quarter" idx="12"/>
+          </p:nvPr>
+        </p:nvSpPr>
+        <p:spPr/>
+        <p:txBody>
+          <a:bodyPr/>
+          <a:lstStyle/>
+          <a:p>
+            <a:fld id="{3A98EE3D-8CD1-4C3F-BD1C-C98C9596463C}" type="slidenum">
+              <a:rPr lang="en-US" smtClean="0"/>
+              <a:t>9</a:t>
+            </a:fld>
+            <a:endParaRPr lang="en-US" dirty="0"/>
           </a:p>
         </p:txBody>
       </p:sp>
@@ -14753,25 +15930,302 @@
 </a:theme>
 </file>
 
-<file path=customXml/item1.xml><?xml version="1.0" encoding="utf-8"?>
-<p:properties xmlns:p="http://schemas.microsoft.com/office/2006/metadata/properties" xmlns:xsi="http://www.w3.org/2001/XMLSchema-instance" xmlns:pc="http://schemas.microsoft.com/office/infopath/2007/PartnerControls">
-  <documentManagement>
-    <Status xmlns="71af3243-3dd4-4a8d-8c0d-dd76da1f02a5">Not started</Status>
-    <MediaServiceKeyPoints xmlns="71af3243-3dd4-4a8d-8c0d-dd76da1f02a5" xsi:nil="true"/>
-  </documentManagement>
-</p:properties>
+<file path=ppt/theme/theme2.xml><?xml version="1.0" encoding="utf-8"?>
+<a:theme xmlns:a="http://schemas.openxmlformats.org/drawingml/2006/main" name="Office Theme">
+  <a:themeElements>
+    <a:clrScheme name="Office">
+      <a:dk1>
+        <a:sysClr val="windowText" lastClr="000000"/>
+      </a:dk1>
+      <a:lt1>
+        <a:sysClr val="window" lastClr="FFFFFF"/>
+      </a:lt1>
+      <a:dk2>
+        <a:srgbClr val="44546A"/>
+      </a:dk2>
+      <a:lt2>
+        <a:srgbClr val="E7E6E6"/>
+      </a:lt2>
+      <a:accent1>
+        <a:srgbClr val="4472C4"/>
+      </a:accent1>
+      <a:accent2>
+        <a:srgbClr val="ED7D31"/>
+      </a:accent2>
+      <a:accent3>
+        <a:srgbClr val="A5A5A5"/>
+      </a:accent3>
+      <a:accent4>
+        <a:srgbClr val="FFC000"/>
+      </a:accent4>
+      <a:accent5>
+        <a:srgbClr val="5B9BD5"/>
+      </a:accent5>
+      <a:accent6>
+        <a:srgbClr val="70AD47"/>
+      </a:accent6>
+      <a:hlink>
+        <a:srgbClr val="0563C1"/>
+      </a:hlink>
+      <a:folHlink>
+        <a:srgbClr val="954F72"/>
+      </a:folHlink>
+    </a:clrScheme>
+    <a:fontScheme name="Office">
+      <a:majorFont>
+        <a:latin typeface="Calibri Light" panose="020F0302020204030204"/>
+        <a:ea typeface=""/>
+        <a:cs typeface=""/>
+        <a:font script="Jpan" typeface="游ゴシック Light"/>
+        <a:font script="Hang" typeface="맑은 고딕"/>
+        <a:font script="Hans" typeface="等线 Light"/>
+        <a:font script="Hant" typeface="新細明體"/>
+        <a:font script="Arab" typeface="Times New Roman"/>
+        <a:font script="Hebr" typeface="Times New Roman"/>
+        <a:font script="Thai" typeface="Angsana New"/>
+        <a:font script="Ethi" typeface="Nyala"/>
+        <a:font script="Beng" typeface="Vrinda"/>
+        <a:font script="Gujr" typeface="Shruti"/>
+        <a:font script="Khmr" typeface="MoolBoran"/>
+        <a:font script="Knda" typeface="Tunga"/>
+        <a:font script="Guru" typeface="Raavi"/>
+        <a:font script="Cans" typeface="Euphemia"/>
+        <a:font script="Cher" typeface="Plantagenet Cherokee"/>
+        <a:font script="Yiii" typeface="Microsoft Yi Baiti"/>
+        <a:font script="Tibt" typeface="Microsoft Himalaya"/>
+        <a:font script="Thaa" typeface="MV Boli"/>
+        <a:font script="Deva" typeface="Mangal"/>
+        <a:font script="Telu" typeface="Gautami"/>
+        <a:font script="Taml" typeface="Latha"/>
+        <a:font script="Syrc" typeface="Estrangelo Edessa"/>
+        <a:font script="Orya" typeface="Kalinga"/>
+        <a:font script="Mlym" typeface="Kartika"/>
+        <a:font script="Laoo" typeface="DokChampa"/>
+        <a:font script="Sinh" typeface="Iskoola Pota"/>
+        <a:font script="Mong" typeface="Mongolian Baiti"/>
+        <a:font script="Viet" typeface="Times New Roman"/>
+        <a:font script="Uigh" typeface="Microsoft Uighur"/>
+        <a:font script="Geor" typeface="Sylfaen"/>
+        <a:font script="Armn" typeface="Arial"/>
+        <a:font script="Bugi" typeface="Leelawadee UI"/>
+        <a:font script="Bopo" typeface="Microsoft JhengHei"/>
+        <a:font script="Java" typeface="Javanese Text"/>
+        <a:font script="Lisu" typeface="Segoe UI"/>
+        <a:font script="Mymr" typeface="Myanmar Text"/>
+        <a:font script="Nkoo" typeface="Ebrima"/>
+        <a:font script="Olck" typeface="Nirmala UI"/>
+        <a:font script="Osma" typeface="Ebrima"/>
+        <a:font script="Phag" typeface="Phagspa"/>
+        <a:font script="Syrn" typeface="Estrangelo Edessa"/>
+        <a:font script="Syrj" typeface="Estrangelo Edessa"/>
+        <a:font script="Syre" typeface="Estrangelo Edessa"/>
+        <a:font script="Sora" typeface="Nirmala UI"/>
+        <a:font script="Tale" typeface="Microsoft Tai Le"/>
+        <a:font script="Talu" typeface="Microsoft New Tai Lue"/>
+        <a:font script="Tfng" typeface="Ebrima"/>
+      </a:majorFont>
+      <a:minorFont>
+        <a:latin typeface="Calibri" panose="020F0502020204030204"/>
+        <a:ea typeface=""/>
+        <a:cs typeface=""/>
+        <a:font script="Jpan" typeface="游ゴシック"/>
+        <a:font script="Hang" typeface="맑은 고딕"/>
+        <a:font script="Hans" typeface="等线"/>
+        <a:font script="Hant" typeface="新細明體"/>
+        <a:font script="Arab" typeface="Arial"/>
+        <a:font script="Hebr" typeface="Arial"/>
+        <a:font script="Thai" typeface="Cordia New"/>
+        <a:font script="Ethi" typeface="Nyala"/>
+        <a:font script="Beng" typeface="Vrinda"/>
+        <a:font script="Gujr" typeface="Shruti"/>
+        <a:font script="Khmr" typeface="DaunPenh"/>
+        <a:font script="Knda" typeface="Tunga"/>
+        <a:font script="Guru" typeface="Raavi"/>
+        <a:font script="Cans" typeface="Euphemia"/>
+        <a:font script="Cher" typeface="Plantagenet Cherokee"/>
+        <a:font script="Yiii" typeface="Microsoft Yi Baiti"/>
+        <a:font script="Tibt" typeface="Microsoft Himalaya"/>
+        <a:font script="Thaa" typeface="MV Boli"/>
+        <a:font script="Deva" typeface="Mangal"/>
+        <a:font script="Telu" typeface="Gautami"/>
+        <a:font script="Taml" typeface="Latha"/>
+        <a:font script="Syrc" typeface="Estrangelo Edessa"/>
+        <a:font script="Orya" typeface="Kalinga"/>
+        <a:font script="Mlym" typeface="Kartika"/>
+        <a:font script="Laoo" typeface="DokChampa"/>
+        <a:font script="Sinh" typeface="Iskoola Pota"/>
+        <a:font script="Mong" typeface="Mongolian Baiti"/>
+        <a:font script="Viet" typeface="Arial"/>
+        <a:font script="Uigh" typeface="Microsoft Uighur"/>
+        <a:font script="Geor" typeface="Sylfaen"/>
+        <a:font script="Armn" typeface="Arial"/>
+        <a:font script="Bugi" typeface="Leelawadee UI"/>
+        <a:font script="Bopo" typeface="Microsoft JhengHei"/>
+        <a:font script="Java" typeface="Javanese Text"/>
+        <a:font script="Lisu" typeface="Segoe UI"/>
+        <a:font script="Mymr" typeface="Myanmar Text"/>
+        <a:font script="Nkoo" typeface="Ebrima"/>
+        <a:font script="Olck" typeface="Nirmala UI"/>
+        <a:font script="Osma" typeface="Ebrima"/>
+        <a:font script="Phag" typeface="Phagspa"/>
+        <a:font script="Syrn" typeface="Estrangelo Edessa"/>
+        <a:font script="Syrj" typeface="Estrangelo Edessa"/>
+        <a:font script="Syre" typeface="Estrangelo Edessa"/>
+        <a:font script="Sora" typeface="Nirmala UI"/>
+        <a:font script="Tale" typeface="Microsoft Tai Le"/>
+        <a:font script="Talu" typeface="Microsoft New Tai Lue"/>
+        <a:font script="Tfng" typeface="Ebrima"/>
+      </a:minorFont>
+    </a:fontScheme>
+    <a:fmtScheme name="Office">
+      <a:fillStyleLst>
+        <a:solidFill>
+          <a:schemeClr val="phClr"/>
+        </a:solidFill>
+        <a:gradFill rotWithShape="1">
+          <a:gsLst>
+            <a:gs pos="0">
+              <a:schemeClr val="phClr">
+                <a:lumMod val="110000"/>
+                <a:satMod val="105000"/>
+                <a:tint val="67000"/>
+              </a:schemeClr>
+            </a:gs>
+            <a:gs pos="50000">
+              <a:schemeClr val="phClr">
+                <a:lumMod val="105000"/>
+                <a:satMod val="103000"/>
+                <a:tint val="73000"/>
+              </a:schemeClr>
+            </a:gs>
+            <a:gs pos="100000">
+              <a:schemeClr val="phClr">
+                <a:lumMod val="105000"/>
+                <a:satMod val="109000"/>
+                <a:tint val="81000"/>
+              </a:schemeClr>
+            </a:gs>
+          </a:gsLst>
+          <a:lin ang="5400000" scaled="0"/>
+        </a:gradFill>
+        <a:gradFill rotWithShape="1">
+          <a:gsLst>
+            <a:gs pos="0">
+              <a:schemeClr val="phClr">
+                <a:satMod val="103000"/>
+                <a:lumMod val="102000"/>
+                <a:tint val="94000"/>
+              </a:schemeClr>
+            </a:gs>
+            <a:gs pos="50000">
+              <a:schemeClr val="phClr">
+                <a:satMod val="110000"/>
+                <a:lumMod val="100000"/>
+                <a:shade val="100000"/>
+              </a:schemeClr>
+            </a:gs>
+            <a:gs pos="100000">
+              <a:schemeClr val="phClr">
+                <a:lumMod val="99000"/>
+                <a:satMod val="120000"/>
+                <a:shade val="78000"/>
+              </a:schemeClr>
+            </a:gs>
+          </a:gsLst>
+          <a:lin ang="5400000" scaled="0"/>
+        </a:gradFill>
+      </a:fillStyleLst>
+      <a:lnStyleLst>
+        <a:ln w="6350" cap="flat" cmpd="sng" algn="ctr">
+          <a:solidFill>
+            <a:schemeClr val="phClr"/>
+          </a:solidFill>
+          <a:prstDash val="solid"/>
+          <a:miter lim="800000"/>
+        </a:ln>
+        <a:ln w="12700" cap="flat" cmpd="sng" algn="ctr">
+          <a:solidFill>
+            <a:schemeClr val="phClr"/>
+          </a:solidFill>
+          <a:prstDash val="solid"/>
+          <a:miter lim="800000"/>
+        </a:ln>
+        <a:ln w="19050" cap="flat" cmpd="sng" algn="ctr">
+          <a:solidFill>
+            <a:schemeClr val="phClr"/>
+          </a:solidFill>
+          <a:prstDash val="solid"/>
+          <a:miter lim="800000"/>
+        </a:ln>
+      </a:lnStyleLst>
+      <a:effectStyleLst>
+        <a:effectStyle>
+          <a:effectLst/>
+        </a:effectStyle>
+        <a:effectStyle>
+          <a:effectLst/>
+        </a:effectStyle>
+        <a:effectStyle>
+          <a:effectLst>
+            <a:outerShdw blurRad="57150" dist="19050" dir="5400000" algn="ctr" rotWithShape="0">
+              <a:srgbClr val="000000">
+                <a:alpha val="63000"/>
+              </a:srgbClr>
+            </a:outerShdw>
+          </a:effectLst>
+        </a:effectStyle>
+      </a:effectStyleLst>
+      <a:bgFillStyleLst>
+        <a:solidFill>
+          <a:schemeClr val="phClr"/>
+        </a:solidFill>
+        <a:solidFill>
+          <a:schemeClr val="phClr">
+            <a:tint val="95000"/>
+            <a:satMod val="170000"/>
+          </a:schemeClr>
+        </a:solidFill>
+        <a:gradFill rotWithShape="1">
+          <a:gsLst>
+            <a:gs pos="0">
+              <a:schemeClr val="phClr">
+                <a:tint val="93000"/>
+                <a:satMod val="150000"/>
+                <a:shade val="98000"/>
+                <a:lumMod val="102000"/>
+              </a:schemeClr>
+            </a:gs>
+            <a:gs pos="50000">
+              <a:schemeClr val="phClr">
+                <a:tint val="98000"/>
+                <a:satMod val="130000"/>
+                <a:shade val="90000"/>
+                <a:lumMod val="103000"/>
+              </a:schemeClr>
+            </a:gs>
+            <a:gs pos="100000">
+              <a:schemeClr val="phClr">
+                <a:shade val="63000"/>
+                <a:satMod val="120000"/>
+              </a:schemeClr>
+            </a:gs>
+          </a:gsLst>
+          <a:lin ang="5400000" scaled="0"/>
+        </a:gradFill>
+      </a:bgFillStyleLst>
+    </a:fmtScheme>
+  </a:themeElements>
+  <a:objectDefaults/>
+  <a:extraClrSchemeLst/>
+  <a:extLst>
+    <a:ext uri="{05A4C25C-085E-4340-85A3-A5531E510DB2}">
+      <thm15:themeFamily xmlns:thm15="http://schemas.microsoft.com/office/thememl/2012/main" name="Office Theme" id="{62F939B6-93AF-4DB8-9C6B-D6C7DFDC589F}" vid="{4A3C46E8-61CC-4603-A589-7422A47A8E4A}"/>
+    </a:ext>
+  </a:extLst>
+</a:theme>
 </file>
 
-<file path=customXml/item2.xml><?xml version="1.0" encoding="utf-8"?>
-<?mso-contentType ?>
-<FormTemplates xmlns="http://schemas.microsoft.com/sharepoint/v3/contenttype/forms">
-  <Display>DocumentLibraryForm</Display>
-  <Edit>DocumentLibraryForm</Edit>
-  <New>DocumentLibraryForm</New>
-</FormTemplates>
-</file>
-
-<file path=customXml/item3.xml><?xml version="1.0" encoding="utf-8"?>
+<file path=customXml/item1.xml><?xml version="1.0" encoding="utf-8"?>
 <ct:contentTypeSchema xmlns:ct="http://schemas.microsoft.com/office/2006/metadata/contentType" xmlns:ma="http://schemas.microsoft.com/office/2006/metadata/properties/metaAttributes" ct:_="" ma:_="" ma:contentTypeName="Document" ma:contentTypeID="0x01010079F111ED35F8CC479449609E8A0923A6" ma:contentTypeVersion="12" ma:contentTypeDescription="Create a new document." ma:contentTypeScope="" ma:versionID="a410dd7f93c95333ffa1b60ed6adedd1">
   <xsd:schema xmlns:xsd="http://www.w3.org/2001/XMLSchema" xmlns:xs="http://www.w3.org/2001/XMLSchema" xmlns:p="http://schemas.microsoft.com/office/2006/metadata/properties" xmlns:ns2="71af3243-3dd4-4a8d-8c0d-dd76da1f02a5" xmlns:ns3="16c05727-aa75-4e4a-9b5f-8a80a1165891" targetNamespace="http://schemas.microsoft.com/office/2006/metadata/properties" ma:root="true" ma:fieldsID="a936d9baba76aa3866493feff160faab" ns2:_="" ns3:_="">
     <xsd:import namespace="71af3243-3dd4-4a8d-8c0d-dd76da1f02a5"/>
@@ -14992,25 +16446,25 @@
 </ct:contentTypeSchema>
 </file>
 
-<file path=customXml/itemProps1.xml><?xml version="1.0" encoding="utf-8"?>
-<ds:datastoreItem xmlns:ds="http://schemas.openxmlformats.org/officeDocument/2006/customXml" ds:itemID="{8D289AE2-D2AE-49D1-AFAC-3A79F6794255}">
-  <ds:schemaRefs>
-    <ds:schemaRef ds:uri="http://schemas.microsoft.com/office/2006/metadata/properties"/>
-    <ds:schemaRef ds:uri="http://schemas.microsoft.com/office/infopath/2007/PartnerControls"/>
-    <ds:schemaRef ds:uri="71af3243-3dd4-4a8d-8c0d-dd76da1f02a5"/>
-  </ds:schemaRefs>
-</ds:datastoreItem>
+<file path=customXml/item2.xml><?xml version="1.0" encoding="utf-8"?>
+<?mso-contentType ?>
+<FormTemplates xmlns="http://schemas.microsoft.com/sharepoint/v3/contenttype/forms">
+  <Display>DocumentLibraryForm</Display>
+  <Edit>DocumentLibraryForm</Edit>
+  <New>DocumentLibraryForm</New>
+</FormTemplates>
 </file>
 
-<file path=customXml/itemProps2.xml><?xml version="1.0" encoding="utf-8"?>
-<ds:datastoreItem xmlns:ds="http://schemas.openxmlformats.org/officeDocument/2006/customXml" ds:itemID="{927BD4C1-B6B1-4715-ABF9-E660A51A4EA0}">
-  <ds:schemaRefs>
-    <ds:schemaRef ds:uri="http://schemas.microsoft.com/sharepoint/v3/contenttype/forms"/>
-  </ds:schemaRefs>
-</ds:datastoreItem>
+<file path=customXml/item3.xml><?xml version="1.0" encoding="utf-8"?>
+<p:properties xmlns:p="http://schemas.microsoft.com/office/2006/metadata/properties" xmlns:xsi="http://www.w3.org/2001/XMLSchema-instance" xmlns:pc="http://schemas.microsoft.com/office/infopath/2007/PartnerControls">
+  <documentManagement>
+    <Status xmlns="71af3243-3dd4-4a8d-8c0d-dd76da1f02a5">Not started</Status>
+    <MediaServiceKeyPoints xmlns="71af3243-3dd4-4a8d-8c0d-dd76da1f02a5" xsi:nil="true"/>
+  </documentManagement>
+</p:properties>
 </file>
 
-<file path=customXml/itemProps3.xml><?xml version="1.0" encoding="utf-8"?>
+<file path=customXml/itemProps1.xml><?xml version="1.0" encoding="utf-8"?>
 <ds:datastoreItem xmlns:ds="http://schemas.openxmlformats.org/officeDocument/2006/customXml" ds:itemID="{41E7CA09-9778-4414-AE97-8064B12DA30E}">
   <ds:schemaRefs>
     <ds:schemaRef ds:uri="http://schemas.microsoft.com/office/2006/metadata/contentType"/>
@@ -15027,4 +16481,22 @@
     <ds:schemaRef ds:uri="http://schemas.microsoft.com/internal/obd"/>
   </ds:schemaRefs>
 </ds:datastoreItem>
+</file>
+
+<file path=customXml/itemProps2.xml><?xml version="1.0" encoding="utf-8"?>
+<ds:datastoreItem xmlns:ds="http://schemas.openxmlformats.org/officeDocument/2006/customXml" ds:itemID="{927BD4C1-B6B1-4715-ABF9-E660A51A4EA0}">
+  <ds:schemaRefs>
+    <ds:schemaRef ds:uri="http://schemas.microsoft.com/sharepoint/v3/contenttype/forms"/>
+  </ds:schemaRefs>
+</ds:datastoreItem>
+</file>
+
+<file path=customXml/itemProps3.xml><?xml version="1.0" encoding="utf-8"?>
+<ds:datastoreItem xmlns:ds="http://schemas.openxmlformats.org/officeDocument/2006/customXml" ds:itemID="{8D289AE2-D2AE-49D1-AFAC-3A79F6794255}">
+  <ds:schemaRefs>
+    <ds:schemaRef ds:uri="http://schemas.microsoft.com/office/2006/metadata/properties"/>
+    <ds:schemaRef ds:uri="http://schemas.microsoft.com/office/infopath/2007/PartnerControls"/>
+    <ds:schemaRef ds:uri="71af3243-3dd4-4a8d-8c0d-dd76da1f02a5"/>
+  </ds:schemaRefs>
+</ds:datastoreItem>
 </file>
--- a/IOD Projects/MP2New/New - Predicting Employee Attrition.pptx
+++ b/IOD Projects/MP2New/New - Predicting Employee Attrition.pptx
@@ -5,7 +5,7 @@
     <p:sldMasterId id="2147483712" r:id="rId4"/>
   </p:sldMasterIdLst>
   <p:notesMasterIdLst>
-    <p:notesMasterId r:id="rId24"/>
+    <p:notesMasterId r:id="rId25"/>
   </p:notesMasterIdLst>
   <p:sldIdLst>
     <p:sldId id="257" r:id="rId5"/>
@@ -24,9 +24,10 @@
     <p:sldId id="263" r:id="rId18"/>
     <p:sldId id="282" r:id="rId19"/>
     <p:sldId id="273" r:id="rId20"/>
-    <p:sldId id="278" r:id="rId21"/>
-    <p:sldId id="279" r:id="rId22"/>
-    <p:sldId id="283" r:id="rId23"/>
+    <p:sldId id="284" r:id="rId21"/>
+    <p:sldId id="278" r:id="rId22"/>
+    <p:sldId id="279" r:id="rId23"/>
+    <p:sldId id="283" r:id="rId24"/>
   </p:sldIdLst>
   <p:sldSz cx="12192000" cy="6858000"/>
   <p:notesSz cx="6858000" cy="9144000"/>
@@ -5519,7 +5520,7 @@
           <a:p>
             <a:fld id="{A07E5866-AB70-4D0F-8D8F-48D5D9B37390}" type="datetimeFigureOut">
               <a:rPr lang="en-AU" smtClean="0"/>
-              <a:t>15/02/2022</a:t>
+              <a:t>19/02/2022</a:t>
             </a:fld>
             <a:endParaRPr lang="en-AU"/>
           </a:p>
@@ -6025,7 +6026,7 @@
           <a:p>
             <a:fld id="{CE75B4B9-CF30-4BDA-8217-CCD5CE44D036}" type="datetime1">
               <a:rPr lang="en-US" smtClean="0"/>
-              <a:t>2/15/2022</a:t>
+              <a:t>2/19/2022</a:t>
             </a:fld>
             <a:endParaRPr lang="en-US" dirty="0"/>
           </a:p>
@@ -6228,7 +6229,7 @@
           <a:p>
             <a:fld id="{1C193699-C93A-42C6-9B55-5B2F3907F8A3}" type="datetime1">
               <a:rPr lang="en-US" smtClean="0"/>
-              <a:t>2/15/2022</a:t>
+              <a:t>2/19/2022</a:t>
             </a:fld>
             <a:endParaRPr lang="en-US" dirty="0"/>
           </a:p>
@@ -6590,7 +6591,7 @@
           <a:p>
             <a:fld id="{C5B684BE-6E37-4697-BC36-0788C59B5FD0}" type="datetime1">
               <a:rPr lang="en-US" smtClean="0"/>
-              <a:t>2/15/2022</a:t>
+              <a:t>2/19/2022</a:t>
             </a:fld>
             <a:endParaRPr lang="en-US" dirty="0"/>
           </a:p>
@@ -6788,7 +6789,7 @@
           <a:p>
             <a:fld id="{9E28EE13-0CCB-4692-9029-23DB8F8D53CB}" type="datetime1">
               <a:rPr lang="en-US" smtClean="0"/>
-              <a:t>2/15/2022</a:t>
+              <a:t>2/19/2022</a:t>
             </a:fld>
             <a:endParaRPr lang="en-US" dirty="0"/>
           </a:p>
@@ -7100,7 +7101,7 @@
           <a:p>
             <a:fld id="{2C4E6E62-3A7B-43CE-BEA5-406B63ECE4DC}" type="datetime1">
               <a:rPr lang="en-US" smtClean="0"/>
-              <a:t>2/15/2022</a:t>
+              <a:t>2/19/2022</a:t>
             </a:fld>
             <a:endParaRPr lang="en-US" dirty="0"/>
           </a:p>
@@ -7353,7 +7354,7 @@
           <a:p>
             <a:fld id="{C8EAF56F-191C-4D4E-ACDD-90151906ECC3}" type="datetime1">
               <a:rPr lang="en-US" smtClean="0"/>
-              <a:t>2/15/2022</a:t>
+              <a:t>2/19/2022</a:t>
             </a:fld>
             <a:endParaRPr lang="en-US" dirty="0"/>
           </a:p>
@@ -7775,7 +7776,7 @@
           <a:p>
             <a:fld id="{D08B9400-E1EE-4DDB-AFF7-EA68FD671226}" type="datetime1">
               <a:rPr lang="en-US" smtClean="0"/>
-              <a:t>2/15/2022</a:t>
+              <a:t>2/19/2022</a:t>
             </a:fld>
             <a:endParaRPr lang="en-US" dirty="0"/>
           </a:p>
@@ -7898,7 +7899,7 @@
           <a:p>
             <a:fld id="{AA529D0D-1005-459A-BFDD-5896740E6676}" type="datetime1">
               <a:rPr lang="en-US" smtClean="0"/>
-              <a:t>2/15/2022</a:t>
+              <a:t>2/19/2022</a:t>
             </a:fld>
             <a:endParaRPr lang="en-US" dirty="0"/>
           </a:p>
@@ -7993,7 +7994,7 @@
           <a:p>
             <a:fld id="{F72DB597-28BA-4ABE-9985-0E4EAC6408DA}" type="datetime1">
               <a:rPr lang="en-US" smtClean="0"/>
-              <a:t>2/15/2022</a:t>
+              <a:t>2/19/2022</a:t>
             </a:fld>
             <a:endParaRPr lang="en-US" dirty="0"/>
           </a:p>
@@ -8370,7 +8371,7 @@
           <a:p>
             <a:fld id="{616D13E0-C95C-476A-B128-0878CA4BAAF9}" type="datetime1">
               <a:rPr lang="en-US" smtClean="0"/>
-              <a:t>2/15/2022</a:t>
+              <a:t>2/19/2022</a:t>
             </a:fld>
             <a:endParaRPr lang="en-US" dirty="0"/>
           </a:p>
@@ -8663,7 +8664,7 @@
           <a:p>
             <a:fld id="{3B034887-F8FD-4CEC-A4E6-109E047CCFC0}" type="datetime1">
               <a:rPr lang="en-US" smtClean="0"/>
-              <a:t>2/15/2022</a:t>
+              <a:t>2/19/2022</a:t>
             </a:fld>
             <a:endParaRPr lang="en-US" dirty="0"/>
           </a:p>
@@ -8878,7 +8879,7 @@
           <a:p>
             <a:fld id="{941AEC8B-A736-421A-807A-756EA30AE0E0}" type="datetime1">
               <a:rPr lang="en-US" smtClean="0"/>
-              <a:t>2/15/2022</a:t>
+              <a:t>2/19/2022</a:t>
             </a:fld>
             <a:endParaRPr lang="en-US" dirty="0"/>
           </a:p>
@@ -11415,10 +11416,15 @@
             <p:ph idx="1"/>
           </p:nvPr>
         </p:nvSpPr>
-        <p:spPr/>
+        <p:spPr>
+          <a:xfrm>
+            <a:off x="581192" y="2006931"/>
+            <a:ext cx="11029615" cy="4416983"/>
+          </a:xfrm>
+        </p:spPr>
         <p:txBody>
           <a:bodyPr>
-            <a:normAutofit/>
+            <a:normAutofit lnSpcReduction="10000"/>
           </a:bodyPr>
           <a:lstStyle/>
           <a:p>
@@ -11452,10 +11458,7 @@
             <a:pPr marL="0" indent="0">
               <a:buNone/>
             </a:pPr>
-            <a:r>
-              <a:rPr lang="en-GB" dirty="0"/>
-              <a:t>2. Created 2 notebooks with selected features </a:t>
-            </a:r>
+            <a:endParaRPr lang="en-GB" dirty="0"/>
           </a:p>
           <a:p>
             <a:pPr marL="0" indent="0">
@@ -11463,7 +11466,7 @@
             </a:pPr>
             <a:r>
               <a:rPr lang="en-GB" dirty="0"/>
-              <a:t>   - Notebook 1 – with top 4 features</a:t>
+              <a:t>2. Created 2 notebooks with selected features </a:t>
             </a:r>
           </a:p>
           <a:p>
@@ -11472,7 +11475,7 @@
             </a:pPr>
             <a:r>
               <a:rPr lang="en-GB" dirty="0"/>
-              <a:t>   - Notebook 2 – with top 8 features</a:t>
+              <a:t>   - Notebook 1 – with top 4 features</a:t>
             </a:r>
           </a:p>
           <a:p>
@@ -11481,8 +11484,29 @@
             </a:pPr>
             <a:r>
               <a:rPr lang="en-GB" dirty="0"/>
+              <a:t>   - Notebook 2 – with top 8 features</a:t>
+            </a:r>
+          </a:p>
+          <a:p>
+            <a:pPr marL="0" indent="0">
+              <a:buNone/>
+            </a:pPr>
+            <a:endParaRPr lang="en-GB" dirty="0"/>
+          </a:p>
+          <a:p>
+            <a:pPr marL="0" indent="0">
+              <a:buNone/>
+            </a:pPr>
+            <a:r>
+              <a:rPr lang="en-GB" dirty="0"/>
               <a:t>3. Defined target value – check any class imbalance issues</a:t>
             </a:r>
+          </a:p>
+          <a:p>
+            <a:pPr marL="0" indent="0">
+              <a:buNone/>
+            </a:pPr>
+            <a:endParaRPr lang="en-GB" dirty="0"/>
           </a:p>
           <a:p>
             <a:pPr marL="0" indent="0">
@@ -11611,58 +11635,76 @@
         <p:spPr/>
         <p:txBody>
           <a:bodyPr>
-            <a:normAutofit/>
+            <a:normAutofit fontScale="92500" lnSpcReduction="10000"/>
           </a:bodyPr>
           <a:lstStyle/>
-          <a:p>
-            <a:pPr marL="0" indent="0">
-              <a:buNone/>
-            </a:pPr>
-            <a:r>
-              <a:rPr lang="en-GB" dirty="0"/>
-              <a:t>5. Scaled feature values for in both notebooks due to variance differences</a:t>
-            </a:r>
-          </a:p>
-          <a:p>
-            <a:pPr marL="0" indent="0">
-              <a:buNone/>
-            </a:pPr>
-            <a:r>
-              <a:rPr lang="en-GB" dirty="0"/>
-              <a:t>6. Used Logistic Regression, Decision Tree Classifier, Random Forest Classifier and K Nearest </a:t>
-            </a:r>
-            <a:r>
-              <a:rPr lang="en-GB" dirty="0" err="1"/>
-              <a:t>Neighbors</a:t>
-            </a:r>
-            <a:r>
-              <a:rPr lang="en-GB" dirty="0"/>
-              <a:t> machine learning models on data. Applied hyperparameter tuning only to Logistic Regression as the scores were significantly lower than the other models.</a:t>
-            </a:r>
-          </a:p>
-          <a:p>
-            <a:pPr marL="0" indent="0">
-              <a:buNone/>
-            </a:pPr>
-            <a:r>
-              <a:rPr lang="en-GB" dirty="0"/>
-              <a:t>7. Created precision – recall curves to be able to compare models among each others in both notebooks.</a:t>
-            </a:r>
-          </a:p>
-          <a:p>
-            <a:pPr marL="0" indent="0">
-              <a:buNone/>
-            </a:pPr>
-            <a:r>
-              <a:rPr lang="en-GB" dirty="0"/>
-              <a:t>8. Created confusion matrix </a:t>
-            </a:r>
-          </a:p>
           <a:p>
             <a:pPr marL="0" indent="0">
               <a:buNone/>
             </a:pPr>
             <a:endParaRPr lang="en-GB" dirty="0"/>
+          </a:p>
+          <a:p>
+            <a:pPr marL="0" indent="0">
+              <a:buNone/>
+            </a:pPr>
+            <a:r>
+              <a:rPr lang="en-GB" dirty="0"/>
+              <a:t>5. Scaled feature values for in both notebooks due to variance differences</a:t>
+            </a:r>
+          </a:p>
+          <a:p>
+            <a:pPr marL="0" indent="0">
+              <a:buNone/>
+            </a:pPr>
+            <a:endParaRPr lang="en-GB" dirty="0"/>
+          </a:p>
+          <a:p>
+            <a:pPr marL="0" indent="0">
+              <a:buNone/>
+            </a:pPr>
+            <a:r>
+              <a:rPr lang="en-GB" dirty="0"/>
+              <a:t>6. Used Logistic Regression, Decision Tree Classifier, Random Forest Classifier and K Nearest </a:t>
+            </a:r>
+            <a:r>
+              <a:rPr lang="en-GB" dirty="0" err="1"/>
+              <a:t>Neighbors</a:t>
+            </a:r>
+            <a:r>
+              <a:rPr lang="en-GB" dirty="0"/>
+              <a:t> machine learning models on data. Applied hyperparameter tuning only to Logistic Regression as the scores were significantly lower than the other models.</a:t>
+            </a:r>
+          </a:p>
+          <a:p>
+            <a:pPr marL="0" indent="0">
+              <a:buNone/>
+            </a:pPr>
+            <a:endParaRPr lang="en-GB" dirty="0"/>
+          </a:p>
+          <a:p>
+            <a:pPr marL="0" indent="0">
+              <a:buNone/>
+            </a:pPr>
+            <a:r>
+              <a:rPr lang="en-GB" dirty="0"/>
+              <a:t>7. Created precision – recall curves to be able to compare models among each others in both notebooks.</a:t>
+            </a:r>
+          </a:p>
+          <a:p>
+            <a:pPr marL="0" indent="0">
+              <a:buNone/>
+            </a:pPr>
+            <a:endParaRPr lang="en-GB" dirty="0"/>
+          </a:p>
+          <a:p>
+            <a:pPr marL="0" indent="0">
+              <a:buNone/>
+            </a:pPr>
+            <a:r>
+              <a:rPr lang="en-GB" dirty="0"/>
+              <a:t>8. Created confusion matrix </a:t>
+            </a:r>
           </a:p>
           <a:p>
             <a:pPr marL="0" indent="0">
@@ -12066,42 +12108,650 @@
         </p:nvSpPr>
         <p:spPr>
           <a:xfrm>
+            <a:off x="7356764" y="2112135"/>
+            <a:ext cx="4647480" cy="4205538"/>
+          </a:xfrm>
+        </p:spPr>
+        <p:txBody>
+          <a:bodyPr>
+            <a:normAutofit fontScale="92500" lnSpcReduction="20000"/>
+          </a:bodyPr>
+          <a:lstStyle/>
+          <a:p>
+            <a:r>
+              <a:rPr lang="en-US" sz="2000" dirty="0"/>
+              <a:t>0 – is still working</a:t>
+            </a:r>
+          </a:p>
+          <a:p>
+            <a:pPr marL="0" indent="0">
+              <a:buNone/>
+            </a:pPr>
+            <a:r>
+              <a:rPr lang="en-US" sz="2000" dirty="0"/>
+              <a:t>     1 – left</a:t>
+            </a:r>
+          </a:p>
+          <a:p>
+            <a:pPr marL="0" indent="0">
+              <a:buNone/>
+            </a:pPr>
+            <a:endParaRPr lang="en-US" sz="2000" dirty="0"/>
+          </a:p>
+          <a:p>
+            <a:r>
+              <a:rPr lang="en-GB" sz="2100" b="0" i="0" dirty="0">
+                <a:solidFill>
+                  <a:srgbClr val="292929"/>
+                </a:solidFill>
+                <a:effectLst/>
+              </a:rPr>
+              <a:t>Recall : from all the positive classes, how many we predicted correctly.</a:t>
+            </a:r>
+          </a:p>
+          <a:p>
+            <a:pPr marL="0" indent="0">
+              <a:buNone/>
+            </a:pPr>
+            <a:endParaRPr lang="en-US" dirty="0"/>
+          </a:p>
+          <a:p>
+            <a:r>
+              <a:rPr lang="en-GB" sz="2100" b="0" i="0" dirty="0">
+                <a:solidFill>
+                  <a:srgbClr val="292929"/>
+                </a:solidFill>
+                <a:effectLst/>
+              </a:rPr>
+              <a:t>Precision : from all the classes we have predicted as positive, how many are actually positive</a:t>
+            </a:r>
+            <a:endParaRPr lang="en-US" sz="2100" dirty="0"/>
+          </a:p>
+          <a:p>
+            <a:pPr marL="0" indent="0">
+              <a:buNone/>
+            </a:pPr>
+            <a:endParaRPr lang="en-US" dirty="0"/>
+          </a:p>
+          <a:p>
+            <a:pPr marL="0" indent="0">
+              <a:buNone/>
+            </a:pPr>
+            <a:endParaRPr lang="en-US" dirty="0"/>
+          </a:p>
+          <a:p>
+            <a:pPr marL="0" indent="0">
+              <a:buNone/>
+            </a:pPr>
+            <a:r>
+              <a:rPr lang="en-US" dirty="0"/>
+              <a:t> </a:t>
+            </a:r>
+          </a:p>
+        </p:txBody>
+      </p:sp>
+      <p:sp>
+        <p:nvSpPr>
+          <p:cNvPr id="3" name="Slide Number Placeholder 2">
+            <a:extLst>
+              <a:ext uri="{FF2B5EF4-FFF2-40B4-BE49-F238E27FC236}">
+                <a16:creationId xmlns:a16="http://schemas.microsoft.com/office/drawing/2014/main" id="{C02874A9-0305-49DA-9A22-D63D674A9263}"/>
+              </a:ext>
+            </a:extLst>
+          </p:cNvPr>
+          <p:cNvSpPr>
+            <a:spLocks noGrp="1"/>
+          </p:cNvSpPr>
+          <p:nvPr>
+            <p:ph type="sldNum" sz="quarter" idx="12"/>
+          </p:nvPr>
+        </p:nvSpPr>
+        <p:spPr/>
+        <p:txBody>
+          <a:bodyPr/>
+          <a:lstStyle/>
+          <a:p>
+            <a:fld id="{3A98EE3D-8CD1-4C3F-BD1C-C98C9596463C}" type="slidenum">
+              <a:rPr lang="en-US" smtClean="0"/>
+              <a:t>17</a:t>
+            </a:fld>
+            <a:endParaRPr lang="en-US" dirty="0"/>
+          </a:p>
+        </p:txBody>
+      </p:sp>
+      <p:graphicFrame>
+        <p:nvGraphicFramePr>
+          <p:cNvPr id="4" name="Table 4">
+            <a:extLst>
+              <a:ext uri="{FF2B5EF4-FFF2-40B4-BE49-F238E27FC236}">
+                <a16:creationId xmlns:a16="http://schemas.microsoft.com/office/drawing/2014/main" id="{2B207EB4-9C63-4A69-B101-8584519608DD}"/>
+              </a:ext>
+            </a:extLst>
+          </p:cNvPr>
+          <p:cNvGraphicFramePr>
+            <a:graphicFrameLocks noGrp="1"/>
+          </p:cNvGraphicFramePr>
+          <p:nvPr>
+            <p:extLst>
+              <p:ext uri="{D42A27DB-BD31-4B8C-83A1-F6EECF244321}">
+                <p14:modId xmlns:p14="http://schemas.microsoft.com/office/powerpoint/2010/main" val="3998012190"/>
+              </p:ext>
+            </p:extLst>
+          </p:nvPr>
+        </p:nvGraphicFramePr>
+        <p:xfrm>
+          <a:off x="357580" y="2404754"/>
+          <a:ext cx="5983844" cy="1601982"/>
+        </p:xfrm>
+        <a:graphic>
+          <a:graphicData uri="http://schemas.openxmlformats.org/drawingml/2006/table">
+            <a:tbl>
+              <a:tblPr firstRow="1" firstCol="1" bandRow="1">
+                <a:tableStyleId>{5C22544A-7EE6-4342-B048-85BDC9FD1C3A}</a:tableStyleId>
+              </a:tblPr>
+              <a:tblGrid>
+                <a:gridCol w="1517342">
+                  <a:extLst>
+                    <a:ext uri="{9D8B030D-6E8A-4147-A177-3AD203B41FA5}">
+                      <a16:colId xmlns:a16="http://schemas.microsoft.com/office/drawing/2014/main" val="2027860532"/>
+                    </a:ext>
+                  </a:extLst>
+                </a:gridCol>
+                <a:gridCol w="2210190">
+                  <a:extLst>
+                    <a:ext uri="{9D8B030D-6E8A-4147-A177-3AD203B41FA5}">
+                      <a16:colId xmlns:a16="http://schemas.microsoft.com/office/drawing/2014/main" val="2412986717"/>
+                    </a:ext>
+                  </a:extLst>
+                </a:gridCol>
+                <a:gridCol w="2256312">
+                  <a:extLst>
+                    <a:ext uri="{9D8B030D-6E8A-4147-A177-3AD203B41FA5}">
+                      <a16:colId xmlns:a16="http://schemas.microsoft.com/office/drawing/2014/main" val="2383014759"/>
+                    </a:ext>
+                  </a:extLst>
+                </a:gridCol>
+              </a:tblGrid>
+              <a:tr h="480951">
+                <a:tc>
+                  <a:txBody>
+                    <a:bodyPr/>
+                    <a:lstStyle/>
+                    <a:p>
+                      <a:pPr algn="ctr"/>
+                      <a:r>
+                        <a:rPr lang="en-GB" dirty="0"/>
+                        <a:t>4 Feature Approach</a:t>
+                      </a:r>
+                      <a:endParaRPr lang="en-AU" dirty="0"/>
+                    </a:p>
+                  </a:txBody>
+                  <a:tcPr/>
+                </a:tc>
+                <a:tc>
+                  <a:txBody>
+                    <a:bodyPr/>
+                    <a:lstStyle/>
+                    <a:p>
+                      <a:pPr algn="ctr"/>
+                      <a:r>
+                        <a:rPr lang="en-GB" dirty="0"/>
+                        <a:t>Precision </a:t>
+                      </a:r>
+                      <a:endParaRPr lang="en-AU" dirty="0"/>
+                    </a:p>
+                  </a:txBody>
+                  <a:tcPr/>
+                </a:tc>
+                <a:tc>
+                  <a:txBody>
+                    <a:bodyPr/>
+                    <a:lstStyle/>
+                    <a:p>
+                      <a:pPr algn="ctr"/>
+                      <a:r>
+                        <a:rPr lang="en-GB" dirty="0"/>
+                        <a:t>Recall</a:t>
+                      </a:r>
+                      <a:endParaRPr lang="en-AU" dirty="0"/>
+                    </a:p>
+                  </a:txBody>
+                  <a:tcPr/>
+                </a:tc>
+                <a:extLst>
+                  <a:ext uri="{0D108BD9-81ED-4DB2-BD59-A6C34878D82A}">
+                    <a16:rowId xmlns:a16="http://schemas.microsoft.com/office/drawing/2014/main" val="1247740611"/>
+                  </a:ext>
+                </a:extLst>
+              </a:tr>
+              <a:tr h="480951">
+                <a:tc>
+                  <a:txBody>
+                    <a:bodyPr/>
+                    <a:lstStyle/>
+                    <a:p>
+                      <a:pPr algn="ctr"/>
+                      <a:r>
+                        <a:rPr lang="en-GB" dirty="0"/>
+                        <a:t>Class 0</a:t>
+                      </a:r>
+                      <a:endParaRPr lang="en-AU" dirty="0"/>
+                    </a:p>
+                  </a:txBody>
+                  <a:tcPr/>
+                </a:tc>
+                <a:tc>
+                  <a:txBody>
+                    <a:bodyPr/>
+                    <a:lstStyle/>
+                    <a:p>
+                      <a:pPr algn="ctr"/>
+                      <a:r>
+                        <a:rPr lang="en-GB" dirty="0"/>
+                        <a:t>0.93</a:t>
+                      </a:r>
+                      <a:endParaRPr lang="en-AU" dirty="0"/>
+                    </a:p>
+                  </a:txBody>
+                  <a:tcPr/>
+                </a:tc>
+                <a:tc>
+                  <a:txBody>
+                    <a:bodyPr/>
+                    <a:lstStyle/>
+                    <a:p>
+                      <a:pPr algn="ctr"/>
+                      <a:r>
+                        <a:rPr lang="en-GB" dirty="0"/>
+                        <a:t>0.99</a:t>
+                      </a:r>
+                      <a:endParaRPr lang="en-AU" dirty="0"/>
+                    </a:p>
+                  </a:txBody>
+                  <a:tcPr/>
+                </a:tc>
+                <a:extLst>
+                  <a:ext uri="{0D108BD9-81ED-4DB2-BD59-A6C34878D82A}">
+                    <a16:rowId xmlns:a16="http://schemas.microsoft.com/office/drawing/2014/main" val="674328939"/>
+                  </a:ext>
+                </a:extLst>
+              </a:tr>
+              <a:tr h="480951">
+                <a:tc>
+                  <a:txBody>
+                    <a:bodyPr/>
+                    <a:lstStyle/>
+                    <a:p>
+                      <a:pPr algn="ctr"/>
+                      <a:r>
+                        <a:rPr lang="en-GB" dirty="0"/>
+                        <a:t>Class 1</a:t>
+                      </a:r>
+                      <a:endParaRPr lang="en-AU" dirty="0"/>
+                    </a:p>
+                  </a:txBody>
+                  <a:tcPr/>
+                </a:tc>
+                <a:tc>
+                  <a:txBody>
+                    <a:bodyPr/>
+                    <a:lstStyle/>
+                    <a:p>
+                      <a:pPr algn="ctr"/>
+                      <a:r>
+                        <a:rPr lang="en-GB" dirty="0"/>
+                        <a:t>0.98</a:t>
+                      </a:r>
+                      <a:endParaRPr lang="en-AU" dirty="0"/>
+                    </a:p>
+                  </a:txBody>
+                  <a:tcPr/>
+                </a:tc>
+                <a:tc>
+                  <a:txBody>
+                    <a:bodyPr/>
+                    <a:lstStyle/>
+                    <a:p>
+                      <a:pPr algn="ctr"/>
+                      <a:r>
+                        <a:rPr lang="en-GB" dirty="0"/>
+                        <a:t>0.93</a:t>
+                      </a:r>
+                      <a:endParaRPr lang="en-AU" dirty="0"/>
+                    </a:p>
+                  </a:txBody>
+                  <a:tcPr/>
+                </a:tc>
+                <a:extLst>
+                  <a:ext uri="{0D108BD9-81ED-4DB2-BD59-A6C34878D82A}">
+                    <a16:rowId xmlns:a16="http://schemas.microsoft.com/office/drawing/2014/main" val="2771351698"/>
+                  </a:ext>
+                </a:extLst>
+              </a:tr>
+            </a:tbl>
+          </a:graphicData>
+        </a:graphic>
+      </p:graphicFrame>
+      <p:graphicFrame>
+        <p:nvGraphicFramePr>
+          <p:cNvPr id="8" name="Table 4">
+            <a:extLst>
+              <a:ext uri="{FF2B5EF4-FFF2-40B4-BE49-F238E27FC236}">
+                <a16:creationId xmlns:a16="http://schemas.microsoft.com/office/drawing/2014/main" id="{AC20B3EF-6BB3-41E6-AD54-495ED5182FAB}"/>
+              </a:ext>
+            </a:extLst>
+          </p:cNvPr>
+          <p:cNvGraphicFramePr>
+            <a:graphicFrameLocks noGrp="1"/>
+          </p:cNvGraphicFramePr>
+          <p:nvPr>
+            <p:extLst>
+              <p:ext uri="{D42A27DB-BD31-4B8C-83A1-F6EECF244321}">
+                <p14:modId xmlns:p14="http://schemas.microsoft.com/office/powerpoint/2010/main" val="1222146495"/>
+              </p:ext>
+            </p:extLst>
+          </p:nvPr>
+        </p:nvGraphicFramePr>
+        <p:xfrm>
+          <a:off x="357580" y="4553862"/>
+          <a:ext cx="5983844" cy="1601982"/>
+        </p:xfrm>
+        <a:graphic>
+          <a:graphicData uri="http://schemas.openxmlformats.org/drawingml/2006/table">
+            <a:tbl>
+              <a:tblPr firstRow="1" firstCol="1" bandRow="1">
+                <a:tableStyleId>{5C22544A-7EE6-4342-B048-85BDC9FD1C3A}</a:tableStyleId>
+              </a:tblPr>
+              <a:tblGrid>
+                <a:gridCol w="1517342">
+                  <a:extLst>
+                    <a:ext uri="{9D8B030D-6E8A-4147-A177-3AD203B41FA5}">
+                      <a16:colId xmlns:a16="http://schemas.microsoft.com/office/drawing/2014/main" val="2027860532"/>
+                    </a:ext>
+                  </a:extLst>
+                </a:gridCol>
+                <a:gridCol w="2210190">
+                  <a:extLst>
+                    <a:ext uri="{9D8B030D-6E8A-4147-A177-3AD203B41FA5}">
+                      <a16:colId xmlns:a16="http://schemas.microsoft.com/office/drawing/2014/main" val="2412986717"/>
+                    </a:ext>
+                  </a:extLst>
+                </a:gridCol>
+                <a:gridCol w="2256312">
+                  <a:extLst>
+                    <a:ext uri="{9D8B030D-6E8A-4147-A177-3AD203B41FA5}">
+                      <a16:colId xmlns:a16="http://schemas.microsoft.com/office/drawing/2014/main" val="2383014759"/>
+                    </a:ext>
+                  </a:extLst>
+                </a:gridCol>
+              </a:tblGrid>
+              <a:tr h="480951">
+                <a:tc>
+                  <a:txBody>
+                    <a:bodyPr/>
+                    <a:lstStyle/>
+                    <a:p>
+                      <a:pPr algn="ctr"/>
+                      <a:r>
+                        <a:rPr lang="en-GB" dirty="0"/>
+                        <a:t>8 Feature Approach</a:t>
+                      </a:r>
+                      <a:endParaRPr lang="en-AU" dirty="0"/>
+                    </a:p>
+                  </a:txBody>
+                  <a:tcPr/>
+                </a:tc>
+                <a:tc>
+                  <a:txBody>
+                    <a:bodyPr/>
+                    <a:lstStyle/>
+                    <a:p>
+                      <a:pPr algn="ctr"/>
+                      <a:r>
+                        <a:rPr lang="en-GB" dirty="0"/>
+                        <a:t>Precision </a:t>
+                      </a:r>
+                      <a:endParaRPr lang="en-AU" dirty="0"/>
+                    </a:p>
+                  </a:txBody>
+                  <a:tcPr/>
+                </a:tc>
+                <a:tc>
+                  <a:txBody>
+                    <a:bodyPr/>
+                    <a:lstStyle/>
+                    <a:p>
+                      <a:pPr algn="ctr"/>
+                      <a:r>
+                        <a:rPr lang="en-GB" dirty="0"/>
+                        <a:t>Recall</a:t>
+                      </a:r>
+                      <a:endParaRPr lang="en-AU" dirty="0"/>
+                    </a:p>
+                  </a:txBody>
+                  <a:tcPr/>
+                </a:tc>
+                <a:extLst>
+                  <a:ext uri="{0D108BD9-81ED-4DB2-BD59-A6C34878D82A}">
+                    <a16:rowId xmlns:a16="http://schemas.microsoft.com/office/drawing/2014/main" val="1247740611"/>
+                  </a:ext>
+                </a:extLst>
+              </a:tr>
+              <a:tr h="480951">
+                <a:tc>
+                  <a:txBody>
+                    <a:bodyPr/>
+                    <a:lstStyle/>
+                    <a:p>
+                      <a:pPr algn="ctr"/>
+                      <a:r>
+                        <a:rPr lang="en-GB" dirty="0"/>
+                        <a:t>Class 0</a:t>
+                      </a:r>
+                      <a:endParaRPr lang="en-AU" dirty="0"/>
+                    </a:p>
+                  </a:txBody>
+                  <a:tcPr/>
+                </a:tc>
+                <a:tc>
+                  <a:txBody>
+                    <a:bodyPr/>
+                    <a:lstStyle/>
+                    <a:p>
+                      <a:pPr algn="ctr"/>
+                      <a:r>
+                        <a:rPr lang="en-GB" dirty="0"/>
+                        <a:t>0.93</a:t>
+                      </a:r>
+                      <a:endParaRPr lang="en-AU" dirty="0"/>
+                    </a:p>
+                  </a:txBody>
+                  <a:tcPr/>
+                </a:tc>
+                <a:tc>
+                  <a:txBody>
+                    <a:bodyPr/>
+                    <a:lstStyle/>
+                    <a:p>
+                      <a:pPr algn="ctr"/>
+                      <a:r>
+                        <a:rPr lang="en-GB" dirty="0"/>
+                        <a:t>0.98</a:t>
+                      </a:r>
+                      <a:endParaRPr lang="en-AU" dirty="0"/>
+                    </a:p>
+                  </a:txBody>
+                  <a:tcPr/>
+                </a:tc>
+                <a:extLst>
+                  <a:ext uri="{0D108BD9-81ED-4DB2-BD59-A6C34878D82A}">
+                    <a16:rowId xmlns:a16="http://schemas.microsoft.com/office/drawing/2014/main" val="674328939"/>
+                  </a:ext>
+                </a:extLst>
+              </a:tr>
+              <a:tr h="480951">
+                <a:tc>
+                  <a:txBody>
+                    <a:bodyPr/>
+                    <a:lstStyle/>
+                    <a:p>
+                      <a:pPr algn="ctr"/>
+                      <a:r>
+                        <a:rPr lang="en-GB" dirty="0"/>
+                        <a:t>Class 1</a:t>
+                      </a:r>
+                      <a:endParaRPr lang="en-AU" dirty="0"/>
+                    </a:p>
+                  </a:txBody>
+                  <a:tcPr/>
+                </a:tc>
+                <a:tc>
+                  <a:txBody>
+                    <a:bodyPr/>
+                    <a:lstStyle/>
+                    <a:p>
+                      <a:pPr algn="ctr"/>
+                      <a:r>
+                        <a:rPr lang="en-GB" dirty="0"/>
+                        <a:t>0.98</a:t>
+                      </a:r>
+                      <a:endParaRPr lang="en-AU" dirty="0"/>
+                    </a:p>
+                  </a:txBody>
+                  <a:tcPr/>
+                </a:tc>
+                <a:tc>
+                  <a:txBody>
+                    <a:bodyPr/>
+                    <a:lstStyle/>
+                    <a:p>
+                      <a:pPr algn="ctr"/>
+                      <a:r>
+                        <a:rPr lang="en-GB" dirty="0"/>
+                        <a:t>0.93</a:t>
+                      </a:r>
+                      <a:endParaRPr lang="en-AU" dirty="0"/>
+                    </a:p>
+                  </a:txBody>
+                  <a:tcPr/>
+                </a:tc>
+                <a:extLst>
+                  <a:ext uri="{0D108BD9-81ED-4DB2-BD59-A6C34878D82A}">
+                    <a16:rowId xmlns:a16="http://schemas.microsoft.com/office/drawing/2014/main" val="2771351698"/>
+                  </a:ext>
+                </a:extLst>
+              </a:tr>
+            </a:tbl>
+          </a:graphicData>
+        </a:graphic>
+      </p:graphicFrame>
+    </p:spTree>
+    <p:extLst>
+      <p:ext uri="{BB962C8B-B14F-4D97-AF65-F5344CB8AC3E}">
+        <p14:creationId xmlns:p14="http://schemas.microsoft.com/office/powerpoint/2010/main" val="352868250"/>
+      </p:ext>
+    </p:extLst>
+  </p:cSld>
+  <p:clrMapOvr>
+    <a:masterClrMapping/>
+  </p:clrMapOvr>
+</p:sld>
+</file>
+
+<file path=ppt/slides/slide18.xml><?xml version="1.0" encoding="utf-8"?>
+<p:sld xmlns:a="http://schemas.openxmlformats.org/drawingml/2006/main" xmlns:r="http://schemas.openxmlformats.org/officeDocument/2006/relationships" xmlns:p="http://schemas.openxmlformats.org/presentationml/2006/main">
+  <p:cSld>
+    <p:bg>
+      <p:bgPr>
+        <a:solidFill>
+          <a:schemeClr val="bg1"/>
+        </a:solidFill>
+        <a:effectLst/>
+      </p:bgPr>
+    </p:bg>
+    <p:spTree>
+      <p:nvGrpSpPr>
+        <p:cNvPr id="1" name=""/>
+        <p:cNvGrpSpPr/>
+        <p:nvPr/>
+      </p:nvGrpSpPr>
+      <p:grpSpPr>
+        <a:xfrm>
+          <a:off x="0" y="0"/>
+          <a:ext cx="0" cy="0"/>
+          <a:chOff x="0" y="0"/>
+          <a:chExt cx="0" cy="0"/>
+        </a:xfrm>
+      </p:grpSpPr>
+      <p:sp>
+        <p:nvSpPr>
+          <p:cNvPr id="2" name="Title 1">
+            <a:extLst>
+              <a:ext uri="{FF2B5EF4-FFF2-40B4-BE49-F238E27FC236}">
+                <a16:creationId xmlns:a16="http://schemas.microsoft.com/office/drawing/2014/main" id="{BA7E15D0-FAA3-42C9-8F19-D474198A997C}"/>
+              </a:ext>
+            </a:extLst>
+          </p:cNvPr>
+          <p:cNvSpPr>
+            <a:spLocks noGrp="1"/>
+          </p:cNvSpPr>
+          <p:nvPr>
+            <p:ph type="title"/>
+          </p:nvPr>
+        </p:nvSpPr>
+        <p:spPr>
+          <a:xfrm>
+            <a:off x="581192" y="702156"/>
+            <a:ext cx="11029616" cy="1188720"/>
+          </a:xfrm>
+        </p:spPr>
+        <p:txBody>
+          <a:bodyPr>
+            <a:noAutofit/>
+          </a:bodyPr>
+          <a:lstStyle/>
+          <a:p>
+            <a:r>
+              <a:rPr lang="en-AU" dirty="0"/>
+              <a:t>Model comparison &amp; Conclusion</a:t>
+            </a:r>
+            <a:br>
+              <a:rPr lang="en-AU" dirty="0"/>
+            </a:br>
+            <a:r>
+              <a:rPr lang="en-AU" sz="2400" dirty="0"/>
+              <a:t>Comparing 2 approaches</a:t>
+            </a:r>
+          </a:p>
+        </p:txBody>
+      </p:sp>
+      <p:sp>
+        <p:nvSpPr>
+          <p:cNvPr id="1036" name="Content Placeholder 1035">
+            <a:extLst>
+              <a:ext uri="{FF2B5EF4-FFF2-40B4-BE49-F238E27FC236}">
+                <a16:creationId xmlns:a16="http://schemas.microsoft.com/office/drawing/2014/main" id="{5245A8BD-60E1-46D9-93F6-6364C4E1C5E4}"/>
+              </a:ext>
+            </a:extLst>
+          </p:cNvPr>
+          <p:cNvSpPr>
+            <a:spLocks noGrp="1"/>
+          </p:cNvSpPr>
+          <p:nvPr>
+            <p:ph idx="1"/>
+          </p:nvPr>
+        </p:nvSpPr>
+        <p:spPr>
+          <a:xfrm>
             <a:off x="8624620" y="2112135"/>
             <a:ext cx="3379623" cy="3838609"/>
           </a:xfrm>
         </p:spPr>
         <p:txBody>
           <a:bodyPr>
-            <a:normAutofit fontScale="85000" lnSpcReduction="20000"/>
+            <a:normAutofit fontScale="47500" lnSpcReduction="20000"/>
           </a:bodyPr>
           <a:lstStyle/>
-          <a:p>
-            <a:r>
-              <a:rPr lang="en-US" sz="2000" dirty="0"/>
-              <a:t>0 – is still working</a:t>
-            </a:r>
-          </a:p>
-          <a:p>
-            <a:pPr marL="0" indent="0">
-              <a:buNone/>
-            </a:pPr>
-            <a:r>
-              <a:rPr lang="en-US" sz="2000" dirty="0"/>
-              <a:t>      1 – left</a:t>
-            </a:r>
-          </a:p>
-          <a:p>
-            <a:pPr marL="0" indent="0">
-              <a:buNone/>
-            </a:pPr>
-            <a:endParaRPr lang="en-US" sz="2000" dirty="0"/>
-          </a:p>
-          <a:p>
-            <a:r>
-              <a:rPr lang="en-US" sz="2000" dirty="0"/>
-              <a:t>8 feature approach with Random Forest model predicts slightly better on the class 1.</a:t>
-            </a:r>
-          </a:p>
           <a:p>
             <a:pPr marL="0" indent="0">
               <a:buNone/>
@@ -12112,12 +12762,40 @@
             <a:endParaRPr lang="en-US" dirty="0"/>
           </a:p>
           <a:p>
-            <a:endParaRPr lang="en-US" dirty="0"/>
-          </a:p>
-          <a:p>
-            <a:endParaRPr lang="en-US" dirty="0"/>
-          </a:p>
-          <a:p>
+            <a:r>
+              <a:rPr lang="en-US" sz="3400" dirty="0"/>
+              <a:t>0 – is still working</a:t>
+            </a:r>
+          </a:p>
+          <a:p>
+            <a:pPr marL="0" indent="0">
+              <a:buNone/>
+            </a:pPr>
+            <a:r>
+              <a:rPr lang="en-US" sz="3400" dirty="0"/>
+              <a:t>       1 – left</a:t>
+            </a:r>
+          </a:p>
+          <a:p>
+            <a:pPr marL="0" indent="0">
+              <a:buNone/>
+            </a:pPr>
+            <a:endParaRPr lang="en-US" sz="3400" dirty="0"/>
+          </a:p>
+          <a:p>
+            <a:r>
+              <a:rPr lang="en-US" sz="3400" dirty="0"/>
+              <a:t>8 feature approach with Random Forest model predicts slightly better on the class 1.</a:t>
+            </a:r>
+          </a:p>
+          <a:p>
+            <a:endParaRPr lang="en-US" sz="3400" dirty="0"/>
+          </a:p>
+          <a:p>
+            <a:r>
+              <a:rPr lang="en-US" sz="3400" dirty="0"/>
+              <a:t>Future predictions will be done by using Random Forest with 8 features.</a:t>
+            </a:r>
             <a:endParaRPr lang="en-US" dirty="0"/>
           </a:p>
           <a:p>
@@ -12248,7 +12926,7 @@
           <a:p>
             <a:fld id="{3A98EE3D-8CD1-4C3F-BD1C-C98C9596463C}" type="slidenum">
               <a:rPr lang="en-US" smtClean="0"/>
-              <a:t>17</a:t>
+              <a:t>18</a:t>
             </a:fld>
             <a:endParaRPr lang="en-US" dirty="0"/>
           </a:p>
@@ -12267,7 +12945,7 @@
 </p:sld>
 </file>
 
-<file path=ppt/slides/slide18.xml><?xml version="1.0" encoding="utf-8"?>
+<file path=ppt/slides/slide19.xml><?xml version="1.0" encoding="utf-8"?>
 <p:sld xmlns:a="http://schemas.openxmlformats.org/drawingml/2006/main" xmlns:r="http://schemas.openxmlformats.org/officeDocument/2006/relationships" xmlns:p="http://schemas.openxmlformats.org/presentationml/2006/main">
   <p:cSld>
     <p:bg>
@@ -12478,7 +13156,7 @@
           <a:p>
             <a:fld id="{3A98EE3D-8CD1-4C3F-BD1C-C98C9596463C}" type="slidenum">
               <a:rPr lang="en-US" smtClean="0"/>
-              <a:t>18</a:t>
+              <a:t>19</a:t>
             </a:fld>
             <a:endParaRPr lang="en-US" dirty="0"/>
           </a:p>
@@ -12488,113 +13166,6 @@
     <p:extLst>
       <p:ext uri="{BB962C8B-B14F-4D97-AF65-F5344CB8AC3E}">
         <p14:creationId xmlns:p14="http://schemas.microsoft.com/office/powerpoint/2010/main" val="2701289500"/>
-      </p:ext>
-    </p:extLst>
-  </p:cSld>
-  <p:clrMapOvr>
-    <a:masterClrMapping/>
-  </p:clrMapOvr>
-</p:sld>
-</file>
-
-<file path=ppt/slides/slide19.xml><?xml version="1.0" encoding="utf-8"?>
-<p:sld xmlns:a="http://schemas.openxmlformats.org/drawingml/2006/main" xmlns:r="http://schemas.openxmlformats.org/officeDocument/2006/relationships" xmlns:p="http://schemas.openxmlformats.org/presentationml/2006/main">
-  <p:cSld>
-    <p:spTree>
-      <p:nvGrpSpPr>
-        <p:cNvPr id="1" name=""/>
-        <p:cNvGrpSpPr/>
-        <p:nvPr/>
-      </p:nvGrpSpPr>
-      <p:grpSpPr>
-        <a:xfrm>
-          <a:off x="0" y="0"/>
-          <a:ext cx="0" cy="0"/>
-          <a:chOff x="0" y="0"/>
-          <a:chExt cx="0" cy="0"/>
-        </a:xfrm>
-      </p:grpSpPr>
-      <p:sp>
-        <p:nvSpPr>
-          <p:cNvPr id="2" name="Slide Number Placeholder 1">
-            <a:extLst>
-              <a:ext uri="{FF2B5EF4-FFF2-40B4-BE49-F238E27FC236}">
-                <a16:creationId xmlns:a16="http://schemas.microsoft.com/office/drawing/2014/main" id="{3B403F81-0DD5-4392-BA8D-03520D06B360}"/>
-              </a:ext>
-            </a:extLst>
-          </p:cNvPr>
-          <p:cNvSpPr>
-            <a:spLocks noGrp="1"/>
-          </p:cNvSpPr>
-          <p:nvPr>
-            <p:ph type="sldNum" sz="quarter" idx="12"/>
-          </p:nvPr>
-        </p:nvSpPr>
-        <p:spPr/>
-        <p:txBody>
-          <a:bodyPr/>
-          <a:lstStyle/>
-          <a:p>
-            <a:fld id="{3A98EE3D-8CD1-4C3F-BD1C-C98C9596463C}" type="slidenum">
-              <a:rPr lang="en-US" smtClean="0"/>
-              <a:t>19</a:t>
-            </a:fld>
-            <a:endParaRPr lang="en-US" dirty="0"/>
-          </a:p>
-        </p:txBody>
-      </p:sp>
-      <p:sp>
-        <p:nvSpPr>
-          <p:cNvPr id="3" name="TextBox 2">
-            <a:extLst>
-              <a:ext uri="{FF2B5EF4-FFF2-40B4-BE49-F238E27FC236}">
-                <a16:creationId xmlns:a16="http://schemas.microsoft.com/office/drawing/2014/main" id="{2BDCC1D3-1219-4B42-9EF3-E0ED4798C83A}"/>
-              </a:ext>
-            </a:extLst>
-          </p:cNvPr>
-          <p:cNvSpPr txBox="1"/>
-          <p:nvPr/>
-        </p:nvSpPr>
-        <p:spPr>
-          <a:xfrm>
-            <a:off x="1128156" y="2398816"/>
-            <a:ext cx="9054935" cy="2123658"/>
-          </a:xfrm>
-          <a:prstGeom prst="rect">
-            <a:avLst/>
-          </a:prstGeom>
-          <a:noFill/>
-        </p:spPr>
-        <p:txBody>
-          <a:bodyPr wrap="square" rtlCol="0">
-            <a:spAutoFit/>
-          </a:bodyPr>
-          <a:lstStyle/>
-          <a:p>
-            <a:pPr algn="ctr"/>
-            <a:r>
-              <a:rPr lang="en-GB" sz="4400" dirty="0"/>
-              <a:t>THANK YOU !</a:t>
-            </a:r>
-          </a:p>
-          <a:p>
-            <a:pPr algn="ctr"/>
-            <a:endParaRPr lang="en-GB" sz="4400" dirty="0"/>
-          </a:p>
-          <a:p>
-            <a:pPr algn="ctr"/>
-            <a:r>
-              <a:rPr lang="en-AU" sz="4400" dirty="0"/>
-              <a:t>ANY QUESTIONS ?</a:t>
-            </a:r>
-            <a:endParaRPr lang="en-GB" sz="4400" dirty="0"/>
-          </a:p>
-        </p:txBody>
-      </p:sp>
-    </p:spTree>
-    <p:extLst>
-      <p:ext uri="{BB962C8B-B14F-4D97-AF65-F5344CB8AC3E}">
-        <p14:creationId xmlns:p14="http://schemas.microsoft.com/office/powerpoint/2010/main" val="2147839770"/>
       </p:ext>
     </p:extLst>
   </p:cSld>
@@ -13019,7 +13590,7 @@
             <a:pPr algn="ctr"/>
             <a:r>
               <a:rPr lang="en-GB" dirty="0"/>
-              <a:t>Comparison</a:t>
+              <a:t>Comparison &amp; Conclusion</a:t>
             </a:r>
             <a:endParaRPr lang="en-AU" dirty="0"/>
           </a:p>
@@ -13308,6 +13879,113 @@
     <p:extLst>
       <p:ext uri="{BB962C8B-B14F-4D97-AF65-F5344CB8AC3E}">
         <p14:creationId xmlns:p14="http://schemas.microsoft.com/office/powerpoint/2010/main" val="263784652"/>
+      </p:ext>
+    </p:extLst>
+  </p:cSld>
+  <p:clrMapOvr>
+    <a:masterClrMapping/>
+  </p:clrMapOvr>
+</p:sld>
+</file>
+
+<file path=ppt/slides/slide20.xml><?xml version="1.0" encoding="utf-8"?>
+<p:sld xmlns:a="http://schemas.openxmlformats.org/drawingml/2006/main" xmlns:r="http://schemas.openxmlformats.org/officeDocument/2006/relationships" xmlns:p="http://schemas.openxmlformats.org/presentationml/2006/main">
+  <p:cSld>
+    <p:spTree>
+      <p:nvGrpSpPr>
+        <p:cNvPr id="1" name=""/>
+        <p:cNvGrpSpPr/>
+        <p:nvPr/>
+      </p:nvGrpSpPr>
+      <p:grpSpPr>
+        <a:xfrm>
+          <a:off x="0" y="0"/>
+          <a:ext cx="0" cy="0"/>
+          <a:chOff x="0" y="0"/>
+          <a:chExt cx="0" cy="0"/>
+        </a:xfrm>
+      </p:grpSpPr>
+      <p:sp>
+        <p:nvSpPr>
+          <p:cNvPr id="2" name="Slide Number Placeholder 1">
+            <a:extLst>
+              <a:ext uri="{FF2B5EF4-FFF2-40B4-BE49-F238E27FC236}">
+                <a16:creationId xmlns:a16="http://schemas.microsoft.com/office/drawing/2014/main" id="{3B403F81-0DD5-4392-BA8D-03520D06B360}"/>
+              </a:ext>
+            </a:extLst>
+          </p:cNvPr>
+          <p:cNvSpPr>
+            <a:spLocks noGrp="1"/>
+          </p:cNvSpPr>
+          <p:nvPr>
+            <p:ph type="sldNum" sz="quarter" idx="12"/>
+          </p:nvPr>
+        </p:nvSpPr>
+        <p:spPr/>
+        <p:txBody>
+          <a:bodyPr/>
+          <a:lstStyle/>
+          <a:p>
+            <a:fld id="{3A98EE3D-8CD1-4C3F-BD1C-C98C9596463C}" type="slidenum">
+              <a:rPr lang="en-US" smtClean="0"/>
+              <a:t>20</a:t>
+            </a:fld>
+            <a:endParaRPr lang="en-US" dirty="0"/>
+          </a:p>
+        </p:txBody>
+      </p:sp>
+      <p:sp>
+        <p:nvSpPr>
+          <p:cNvPr id="3" name="TextBox 2">
+            <a:extLst>
+              <a:ext uri="{FF2B5EF4-FFF2-40B4-BE49-F238E27FC236}">
+                <a16:creationId xmlns:a16="http://schemas.microsoft.com/office/drawing/2014/main" id="{2BDCC1D3-1219-4B42-9EF3-E0ED4798C83A}"/>
+              </a:ext>
+            </a:extLst>
+          </p:cNvPr>
+          <p:cNvSpPr txBox="1"/>
+          <p:nvPr/>
+        </p:nvSpPr>
+        <p:spPr>
+          <a:xfrm>
+            <a:off x="1128156" y="2398816"/>
+            <a:ext cx="9054935" cy="2123658"/>
+          </a:xfrm>
+          <a:prstGeom prst="rect">
+            <a:avLst/>
+          </a:prstGeom>
+          <a:noFill/>
+        </p:spPr>
+        <p:txBody>
+          <a:bodyPr wrap="square" rtlCol="0">
+            <a:spAutoFit/>
+          </a:bodyPr>
+          <a:lstStyle/>
+          <a:p>
+            <a:pPr algn="ctr"/>
+            <a:r>
+              <a:rPr lang="en-GB" sz="4400" dirty="0"/>
+              <a:t>THANK YOU !</a:t>
+            </a:r>
+          </a:p>
+          <a:p>
+            <a:pPr algn="ctr"/>
+            <a:endParaRPr lang="en-GB" sz="4400" dirty="0"/>
+          </a:p>
+          <a:p>
+            <a:pPr algn="ctr"/>
+            <a:r>
+              <a:rPr lang="en-AU" sz="4400" dirty="0"/>
+              <a:t>ANY QUESTIONS ?</a:t>
+            </a:r>
+            <a:endParaRPr lang="en-GB" sz="4400" dirty="0"/>
+          </a:p>
+        </p:txBody>
+      </p:sp>
+    </p:spTree>
+    <p:extLst>
+      <p:ext uri="{BB962C8B-B14F-4D97-AF65-F5344CB8AC3E}">
+        <p14:creationId xmlns:p14="http://schemas.microsoft.com/office/powerpoint/2010/main" val="2147839770"/>
       </p:ext>
     </p:extLst>
   </p:cSld>
@@ -16226,6 +16904,15 @@
 </file>
 
 <file path=customXml/item1.xml><?xml version="1.0" encoding="utf-8"?>
+<?mso-contentType ?>
+<FormTemplates xmlns="http://schemas.microsoft.com/sharepoint/v3/contenttype/forms">
+  <Display>DocumentLibraryForm</Display>
+  <Edit>DocumentLibraryForm</Edit>
+  <New>DocumentLibraryForm</New>
+</FormTemplates>
+</file>
+
+<file path=customXml/item2.xml><?xml version="1.0" encoding="utf-8"?>
 <ct:contentTypeSchema xmlns:ct="http://schemas.microsoft.com/office/2006/metadata/contentType" xmlns:ma="http://schemas.microsoft.com/office/2006/metadata/properties/metaAttributes" ct:_="" ma:_="" ma:contentTypeName="Document" ma:contentTypeID="0x01010079F111ED35F8CC479449609E8A0923A6" ma:contentTypeVersion="12" ma:contentTypeDescription="Create a new document." ma:contentTypeScope="" ma:versionID="a410dd7f93c95333ffa1b60ed6adedd1">
   <xsd:schema xmlns:xsd="http://www.w3.org/2001/XMLSchema" xmlns:xs="http://www.w3.org/2001/XMLSchema" xmlns:p="http://schemas.microsoft.com/office/2006/metadata/properties" xmlns:ns2="71af3243-3dd4-4a8d-8c0d-dd76da1f02a5" xmlns:ns3="16c05727-aa75-4e4a-9b5f-8a80a1165891" targetNamespace="http://schemas.microsoft.com/office/2006/metadata/properties" ma:root="true" ma:fieldsID="a936d9baba76aa3866493feff160faab" ns2:_="" ns3:_="">
     <xsd:import namespace="71af3243-3dd4-4a8d-8c0d-dd76da1f02a5"/>
@@ -16446,15 +17133,6 @@
 </ct:contentTypeSchema>
 </file>
 
-<file path=customXml/item2.xml><?xml version="1.0" encoding="utf-8"?>
-<?mso-contentType ?>
-<FormTemplates xmlns="http://schemas.microsoft.com/sharepoint/v3/contenttype/forms">
-  <Display>DocumentLibraryForm</Display>
-  <Edit>DocumentLibraryForm</Edit>
-  <New>DocumentLibraryForm</New>
-</FormTemplates>
-</file>
-
 <file path=customXml/item3.xml><?xml version="1.0" encoding="utf-8"?>
 <p:properties xmlns:p="http://schemas.microsoft.com/office/2006/metadata/properties" xmlns:xsi="http://www.w3.org/2001/XMLSchema-instance" xmlns:pc="http://schemas.microsoft.com/office/infopath/2007/PartnerControls">
   <documentManagement>
@@ -16465,6 +17143,14 @@
 </file>
 
 <file path=customXml/itemProps1.xml><?xml version="1.0" encoding="utf-8"?>
+<ds:datastoreItem xmlns:ds="http://schemas.openxmlformats.org/officeDocument/2006/customXml" ds:itemID="{927BD4C1-B6B1-4715-ABF9-E660A51A4EA0}">
+  <ds:schemaRefs>
+    <ds:schemaRef ds:uri="http://schemas.microsoft.com/sharepoint/v3/contenttype/forms"/>
+  </ds:schemaRefs>
+</ds:datastoreItem>
+</file>
+
+<file path=customXml/itemProps2.xml><?xml version="1.0" encoding="utf-8"?>
 <ds:datastoreItem xmlns:ds="http://schemas.openxmlformats.org/officeDocument/2006/customXml" ds:itemID="{41E7CA09-9778-4414-AE97-8064B12DA30E}">
   <ds:schemaRefs>
     <ds:schemaRef ds:uri="http://schemas.microsoft.com/office/2006/metadata/contentType"/>
@@ -16483,14 +17169,6 @@
 </ds:datastoreItem>
 </file>
 
-<file path=customXml/itemProps2.xml><?xml version="1.0" encoding="utf-8"?>
-<ds:datastoreItem xmlns:ds="http://schemas.openxmlformats.org/officeDocument/2006/customXml" ds:itemID="{927BD4C1-B6B1-4715-ABF9-E660A51A4EA0}">
-  <ds:schemaRefs>
-    <ds:schemaRef ds:uri="http://schemas.microsoft.com/sharepoint/v3/contenttype/forms"/>
-  </ds:schemaRefs>
-</ds:datastoreItem>
-</file>
-
 <file path=customXml/itemProps3.xml><?xml version="1.0" encoding="utf-8"?>
 <ds:datastoreItem xmlns:ds="http://schemas.openxmlformats.org/officeDocument/2006/customXml" ds:itemID="{8D289AE2-D2AE-49D1-AFAC-3A79F6794255}">
   <ds:schemaRefs>
